--- a/卒業論文/2014/齋藤勇也/最終発表/卒業論文発表資料.pptx
+++ b/卒業論文/2014/齋藤勇也/最終発表/卒業論文発表資料.pptx
@@ -5,10 +5,10 @@
     <p:sldMasterId id="2147483696" r:id="rId1"/>
   </p:sldMasterIdLst>
   <p:notesMasterIdLst>
-    <p:notesMasterId r:id="rId30"/>
+    <p:notesMasterId r:id="rId28"/>
   </p:notesMasterIdLst>
   <p:handoutMasterIdLst>
-    <p:handoutMasterId r:id="rId31"/>
+    <p:handoutMasterId r:id="rId29"/>
   </p:handoutMasterIdLst>
   <p:sldIdLst>
     <p:sldId id="257" r:id="rId2"/>
@@ -23,22 +23,20 @@
     <p:sldId id="295" r:id="rId11"/>
     <p:sldId id="279" r:id="rId12"/>
     <p:sldId id="300" r:id="rId13"/>
-    <p:sldId id="298" r:id="rId14"/>
-    <p:sldId id="302" r:id="rId15"/>
-    <p:sldId id="301" r:id="rId16"/>
-    <p:sldId id="308" r:id="rId17"/>
-    <p:sldId id="284" r:id="rId18"/>
-    <p:sldId id="288" r:id="rId19"/>
-    <p:sldId id="307" r:id="rId20"/>
-    <p:sldId id="287" r:id="rId21"/>
-    <p:sldId id="303" r:id="rId22"/>
-    <p:sldId id="304" r:id="rId23"/>
-    <p:sldId id="305" r:id="rId24"/>
-    <p:sldId id="286" r:id="rId25"/>
-    <p:sldId id="291" r:id="rId26"/>
-    <p:sldId id="306" r:id="rId27"/>
-    <p:sldId id="270" r:id="rId28"/>
-    <p:sldId id="281" r:id="rId29"/>
+    <p:sldId id="302" r:id="rId14"/>
+    <p:sldId id="301" r:id="rId15"/>
+    <p:sldId id="298" r:id="rId16"/>
+    <p:sldId id="307" r:id="rId17"/>
+    <p:sldId id="287" r:id="rId18"/>
+    <p:sldId id="303" r:id="rId19"/>
+    <p:sldId id="304" r:id="rId20"/>
+    <p:sldId id="305" r:id="rId21"/>
+    <p:sldId id="286" r:id="rId22"/>
+    <p:sldId id="291" r:id="rId23"/>
+    <p:sldId id="306" r:id="rId24"/>
+    <p:sldId id="270" r:id="rId25"/>
+    <p:sldId id="281" r:id="rId26"/>
+    <p:sldId id="308" r:id="rId27"/>
   </p:sldIdLst>
   <p:sldSz cx="9144000" cy="6858000" type="screen4x3"/>
   <p:notesSz cx="6797675" cy="9926638"/>
@@ -157,1010 +155,6 @@
 </file>
 
 <file path=ppt/charts/chart1.xml><?xml version="1.0" encoding="utf-8"?>
-<c:chartSpace xmlns:c="http://schemas.openxmlformats.org/drawingml/2006/chart" xmlns:a="http://schemas.openxmlformats.org/drawingml/2006/main" xmlns:r="http://schemas.openxmlformats.org/officeDocument/2006/relationships">
-  <c:date1904 val="0"/>
-  <c:lang val="ja-JP"/>
-  <c:roundedCorners val="0"/>
-  <mc:AlternateContent xmlns:mc="http://schemas.openxmlformats.org/markup-compatibility/2006">
-    <mc:Choice xmlns:c14="http://schemas.microsoft.com/office/drawing/2007/8/2/chart" Requires="c14">
-      <c14:style val="102"/>
-    </mc:Choice>
-    <mc:Fallback>
-      <c:style val="2"/>
-    </mc:Fallback>
-  </mc:AlternateContent>
-  <c:chart>
-    <c:title>
-      <c:tx>
-        <c:rich>
-          <a:bodyPr rot="0" spcFirstLastPara="1" vertOverflow="ellipsis" vert="horz" wrap="square" anchor="ctr" anchorCtr="1"/>
-          <a:lstStyle/>
-          <a:p>
-            <a:pPr>
-              <a:defRPr sz="1400" b="0" i="0" u="none" strike="noStrike" kern="1200" spc="0" baseline="0">
-                <a:solidFill>
-                  <a:schemeClr val="tx1">
-                    <a:lumMod val="65000"/>
-                    <a:lumOff val="35000"/>
-                  </a:schemeClr>
-                </a:solidFill>
-                <a:latin typeface="+mn-lt"/>
-                <a:ea typeface="+mn-ea"/>
-                <a:cs typeface="+mn-cs"/>
-              </a:defRPr>
-            </a:pPr>
-            <a:r>
-              <a:rPr lang="ja-JP" altLang="en-US" sz="2400" dirty="0" smtClean="0"/>
-              <a:t>重み付き評価と平均評価の比較</a:t>
-            </a:r>
-            <a:endParaRPr lang="ja-JP" altLang="en-US" sz="2400" dirty="0"/>
-          </a:p>
-        </c:rich>
-      </c:tx>
-      <c:layout>
-        <c:manualLayout>
-          <c:xMode val="edge"/>
-          <c:yMode val="edge"/>
-          <c:x val="0.23963502203733966"/>
-          <c:y val="1.5760441292356184E-2"/>
-        </c:manualLayout>
-      </c:layout>
-      <c:overlay val="0"/>
-      <c:spPr>
-        <a:noFill/>
-        <a:ln>
-          <a:noFill/>
-        </a:ln>
-        <a:effectLst/>
-      </c:spPr>
-      <c:txPr>
-        <a:bodyPr rot="0" spcFirstLastPara="1" vertOverflow="ellipsis" vert="horz" wrap="square" anchor="ctr" anchorCtr="1"/>
-        <a:lstStyle/>
-        <a:p>
-          <a:pPr>
-            <a:defRPr sz="1400" b="0" i="0" u="none" strike="noStrike" kern="1200" spc="0" baseline="0">
-              <a:solidFill>
-                <a:schemeClr val="tx1">
-                  <a:lumMod val="65000"/>
-                  <a:lumOff val="35000"/>
-                </a:schemeClr>
-              </a:solidFill>
-              <a:latin typeface="+mn-lt"/>
-              <a:ea typeface="+mn-ea"/>
-              <a:cs typeface="+mn-cs"/>
-            </a:defRPr>
-          </a:pPr>
-          <a:endParaRPr lang="ja-JP"/>
-        </a:p>
-      </c:txPr>
-    </c:title>
-    <c:autoTitleDeleted val="0"/>
-    <c:plotArea>
-      <c:layout/>
-      <c:scatterChart>
-        <c:scatterStyle val="lineMarker"/>
-        <c:varyColors val="0"/>
-        <c:ser>
-          <c:idx val="0"/>
-          <c:order val="0"/>
-          <c:tx>
-            <c:strRef>
-              <c:f>図２!$A$1</c:f>
-              <c:strCache>
-                <c:ptCount val="1"/>
-                <c:pt idx="0">
-                  <c:v>平均スター（計算結果）</c:v>
-                </c:pt>
-              </c:strCache>
-            </c:strRef>
-          </c:tx>
-          <c:spPr>
-            <a:ln w="19050" cap="rnd">
-              <a:noFill/>
-              <a:round/>
-            </a:ln>
-            <a:effectLst/>
-          </c:spPr>
-          <c:marker>
-            <c:symbol val="circle"/>
-            <c:size val="5"/>
-            <c:spPr>
-              <a:solidFill>
-                <a:schemeClr val="accent1"/>
-              </a:solidFill>
-              <a:ln w="9525">
-                <a:solidFill>
-                  <a:schemeClr val="accent1"/>
-                </a:solidFill>
-              </a:ln>
-              <a:effectLst/>
-            </c:spPr>
-          </c:marker>
-          <c:trendline>
-            <c:spPr>
-              <a:ln w="19050" cap="rnd">
-                <a:solidFill>
-                  <a:schemeClr val="accent1"/>
-                </a:solidFill>
-                <a:prstDash val="sysDot"/>
-              </a:ln>
-              <a:effectLst/>
-            </c:spPr>
-            <c:trendlineType val="linear"/>
-            <c:dispRSqr val="0"/>
-            <c:dispEq val="0"/>
-          </c:trendline>
-          <c:trendline>
-            <c:spPr>
-              <a:ln w="19050" cap="rnd">
-                <a:solidFill>
-                  <a:schemeClr val="accent1"/>
-                </a:solidFill>
-                <a:prstDash val="sysDot"/>
-              </a:ln>
-              <a:effectLst/>
-            </c:spPr>
-            <c:trendlineType val="linear"/>
-            <c:dispRSqr val="0"/>
-            <c:dispEq val="0"/>
-          </c:trendline>
-          <c:trendline>
-            <c:spPr>
-              <a:ln w="19050" cap="rnd">
-                <a:solidFill>
-                  <a:schemeClr val="accent1"/>
-                </a:solidFill>
-                <a:prstDash val="sysDot"/>
-              </a:ln>
-              <a:effectLst/>
-            </c:spPr>
-            <c:trendlineType val="linear"/>
-            <c:dispRSqr val="0"/>
-            <c:dispEq val="0"/>
-          </c:trendline>
-          <c:xVal>
-            <c:numRef>
-              <c:f>図２!$B$2:$B$88</c:f>
-              <c:numCache>
-                <c:formatCode>General</c:formatCode>
-                <c:ptCount val="87"/>
-                <c:pt idx="0">
-                  <c:v>1.2889999999999999</c:v>
-                </c:pt>
-                <c:pt idx="1">
-                  <c:v>1.381</c:v>
-                </c:pt>
-                <c:pt idx="2">
-                  <c:v>1.5609999999999999</c:v>
-                </c:pt>
-                <c:pt idx="3">
-                  <c:v>1.6870000000000001</c:v>
-                </c:pt>
-                <c:pt idx="4">
-                  <c:v>2.3919999999999999</c:v>
-                </c:pt>
-                <c:pt idx="5">
-                  <c:v>2.625</c:v>
-                </c:pt>
-                <c:pt idx="6">
-                  <c:v>2.637</c:v>
-                </c:pt>
-                <c:pt idx="7">
-                  <c:v>2.891</c:v>
-                </c:pt>
-                <c:pt idx="8">
-                  <c:v>2.8969999999999998</c:v>
-                </c:pt>
-                <c:pt idx="9">
-                  <c:v>3.1269999999999998</c:v>
-                </c:pt>
-                <c:pt idx="10">
-                  <c:v>3.14</c:v>
-                </c:pt>
-                <c:pt idx="11">
-                  <c:v>3.1949999999999998</c:v>
-                </c:pt>
-                <c:pt idx="12">
-                  <c:v>3.218</c:v>
-                </c:pt>
-                <c:pt idx="13">
-                  <c:v>3.22</c:v>
-                </c:pt>
-                <c:pt idx="14">
-                  <c:v>3.319</c:v>
-                </c:pt>
-                <c:pt idx="15">
-                  <c:v>3.319</c:v>
-                </c:pt>
-                <c:pt idx="16">
-                  <c:v>3.319</c:v>
-                </c:pt>
-                <c:pt idx="17">
-                  <c:v>3.36</c:v>
-                </c:pt>
-                <c:pt idx="18">
-                  <c:v>3.476</c:v>
-                </c:pt>
-                <c:pt idx="19">
-                  <c:v>3.5209999999999999</c:v>
-                </c:pt>
-                <c:pt idx="20">
-                  <c:v>3.5230000000000001</c:v>
-                </c:pt>
-                <c:pt idx="21">
-                  <c:v>3.5230000000000001</c:v>
-                </c:pt>
-                <c:pt idx="22">
-                  <c:v>3.5230000000000001</c:v>
-                </c:pt>
-                <c:pt idx="23">
-                  <c:v>3.5230000000000001</c:v>
-                </c:pt>
-                <c:pt idx="24">
-                  <c:v>3.5230000000000001</c:v>
-                </c:pt>
-                <c:pt idx="25">
-                  <c:v>3.5720000000000001</c:v>
-                </c:pt>
-                <c:pt idx="26">
-                  <c:v>3.5779999999999998</c:v>
-                </c:pt>
-                <c:pt idx="27">
-                  <c:v>3.5830000000000002</c:v>
-                </c:pt>
-                <c:pt idx="28">
-                  <c:v>3.6230000000000002</c:v>
-                </c:pt>
-                <c:pt idx="29">
-                  <c:v>3.6749999999999998</c:v>
-                </c:pt>
-                <c:pt idx="30">
-                  <c:v>3.726</c:v>
-                </c:pt>
-                <c:pt idx="31">
-                  <c:v>3.7450000000000001</c:v>
-                </c:pt>
-                <c:pt idx="32">
-                  <c:v>3.7490000000000001</c:v>
-                </c:pt>
-                <c:pt idx="33">
-                  <c:v>3.75</c:v>
-                </c:pt>
-                <c:pt idx="34">
-                  <c:v>3.7650000000000001</c:v>
-                </c:pt>
-                <c:pt idx="35">
-                  <c:v>3.7690000000000001</c:v>
-                </c:pt>
-                <c:pt idx="36">
-                  <c:v>3.823</c:v>
-                </c:pt>
-                <c:pt idx="37">
-                  <c:v>3.887</c:v>
-                </c:pt>
-                <c:pt idx="38">
-                  <c:v>3.9460000000000002</c:v>
-                </c:pt>
-                <c:pt idx="39">
-                  <c:v>4.0049999999999999</c:v>
-                </c:pt>
-                <c:pt idx="40">
-                  <c:v>4.0140000000000002</c:v>
-                </c:pt>
-                <c:pt idx="41">
-                  <c:v>4.016</c:v>
-                </c:pt>
-                <c:pt idx="42">
-                  <c:v>4.0389999999999997</c:v>
-                </c:pt>
-                <c:pt idx="43">
-                  <c:v>4.056</c:v>
-                </c:pt>
-                <c:pt idx="44">
-                  <c:v>4.0609999999999999</c:v>
-                </c:pt>
-                <c:pt idx="45">
-                  <c:v>4.0670000000000002</c:v>
-                </c:pt>
-                <c:pt idx="46">
-                  <c:v>4.0670000000000002</c:v>
-                </c:pt>
-                <c:pt idx="47">
-                  <c:v>4.077</c:v>
-                </c:pt>
-                <c:pt idx="48">
-                  <c:v>4.0789999999999997</c:v>
-                </c:pt>
-                <c:pt idx="49">
-                  <c:v>4.1120000000000001</c:v>
-                </c:pt>
-                <c:pt idx="50">
-                  <c:v>4.13</c:v>
-                </c:pt>
-                <c:pt idx="51">
-                  <c:v>4.1710000000000003</c:v>
-                </c:pt>
-                <c:pt idx="52">
-                  <c:v>4.218</c:v>
-                </c:pt>
-                <c:pt idx="53">
-                  <c:v>4.226</c:v>
-                </c:pt>
-                <c:pt idx="54">
-                  <c:v>4.2359999999999998</c:v>
-                </c:pt>
-                <c:pt idx="55">
-                  <c:v>4.274</c:v>
-                </c:pt>
-                <c:pt idx="56">
-                  <c:v>4.29</c:v>
-                </c:pt>
-                <c:pt idx="57">
-                  <c:v>4.3129999999999997</c:v>
-                </c:pt>
-                <c:pt idx="58">
-                  <c:v>4.3369999999999997</c:v>
-                </c:pt>
-                <c:pt idx="59">
-                  <c:v>4.3520000000000003</c:v>
-                </c:pt>
-                <c:pt idx="60">
-                  <c:v>4.3559999999999999</c:v>
-                </c:pt>
-                <c:pt idx="61">
-                  <c:v>4.359</c:v>
-                </c:pt>
-                <c:pt idx="62">
-                  <c:v>4.359</c:v>
-                </c:pt>
-                <c:pt idx="63">
-                  <c:v>4.4340000000000002</c:v>
-                </c:pt>
-                <c:pt idx="64">
-                  <c:v>4.4459999999999997</c:v>
-                </c:pt>
-                <c:pt idx="65">
-                  <c:v>4.4530000000000003</c:v>
-                </c:pt>
-                <c:pt idx="66">
-                  <c:v>4.4580000000000002</c:v>
-                </c:pt>
-                <c:pt idx="67">
-                  <c:v>4.5229999999999997</c:v>
-                </c:pt>
-                <c:pt idx="68">
-                  <c:v>4.5270000000000001</c:v>
-                </c:pt>
-                <c:pt idx="69">
-                  <c:v>4.5750000000000002</c:v>
-                </c:pt>
-                <c:pt idx="70">
-                  <c:v>4.59</c:v>
-                </c:pt>
-                <c:pt idx="71">
-                  <c:v>4.6340000000000003</c:v>
-                </c:pt>
-                <c:pt idx="72">
-                  <c:v>4.6390000000000002</c:v>
-                </c:pt>
-                <c:pt idx="73">
-                  <c:v>4.6609999999999996</c:v>
-                </c:pt>
-                <c:pt idx="74">
-                  <c:v>4.6890000000000001</c:v>
-                </c:pt>
-                <c:pt idx="75">
-                  <c:v>4.7320000000000002</c:v>
-                </c:pt>
-                <c:pt idx="76">
-                  <c:v>4.7610000000000001</c:v>
-                </c:pt>
-                <c:pt idx="77">
-                  <c:v>4.7640000000000002</c:v>
-                </c:pt>
-                <c:pt idx="78">
-                  <c:v>4.8090000000000002</c:v>
-                </c:pt>
-                <c:pt idx="79">
-                  <c:v>4.8150000000000004</c:v>
-                </c:pt>
-                <c:pt idx="80">
-                  <c:v>4.8220000000000001</c:v>
-                </c:pt>
-                <c:pt idx="81">
-                  <c:v>4.8230000000000004</c:v>
-                </c:pt>
-                <c:pt idx="82">
-                  <c:v>4.8239999999999998</c:v>
-                </c:pt>
-                <c:pt idx="83">
-                  <c:v>4.83</c:v>
-                </c:pt>
-                <c:pt idx="84">
-                  <c:v>4.8419999999999996</c:v>
-                </c:pt>
-                <c:pt idx="85">
-                  <c:v>4.851</c:v>
-                </c:pt>
-                <c:pt idx="86">
-                  <c:v>4.8920000000000003</c:v>
-                </c:pt>
-              </c:numCache>
-            </c:numRef>
-          </c:xVal>
-          <c:yVal>
-            <c:numRef>
-              <c:f>図２!$A$2:$A$88</c:f>
-              <c:numCache>
-                <c:formatCode>General</c:formatCode>
-                <c:ptCount val="87"/>
-                <c:pt idx="0">
-                  <c:v>1.7889999999999999</c:v>
-                </c:pt>
-                <c:pt idx="1">
-                  <c:v>1.728</c:v>
-                </c:pt>
-                <c:pt idx="2">
-                  <c:v>2.2109999999999999</c:v>
-                </c:pt>
-                <c:pt idx="3">
-                  <c:v>1.867</c:v>
-                </c:pt>
-                <c:pt idx="4">
-                  <c:v>2.8519999999999999</c:v>
-                </c:pt>
-                <c:pt idx="5">
-                  <c:v>3.1659999999999999</c:v>
-                </c:pt>
-                <c:pt idx="6">
-                  <c:v>2.8479999999999999</c:v>
-                </c:pt>
-                <c:pt idx="7">
-                  <c:v>3.3580000000000001</c:v>
-                </c:pt>
-                <c:pt idx="8">
-                  <c:v>3.2360000000000002</c:v>
-                </c:pt>
-                <c:pt idx="9">
-                  <c:v>3.8050000000000002</c:v>
-                </c:pt>
-                <c:pt idx="10">
-                  <c:v>3.5979999999999999</c:v>
-                </c:pt>
-                <c:pt idx="11">
-                  <c:v>3.746</c:v>
-                </c:pt>
-                <c:pt idx="12">
-                  <c:v>3.55</c:v>
-                </c:pt>
-                <c:pt idx="13">
-                  <c:v>3.3220000000000001</c:v>
-                </c:pt>
-                <c:pt idx="14">
-                  <c:v>3.8439999999999999</c:v>
-                </c:pt>
-                <c:pt idx="15">
-                  <c:v>3.8439999999999999</c:v>
-                </c:pt>
-                <c:pt idx="16">
-                  <c:v>3.8439999999999999</c:v>
-                </c:pt>
-                <c:pt idx="17">
-                  <c:v>3.819</c:v>
-                </c:pt>
-                <c:pt idx="18">
-                  <c:v>3.657</c:v>
-                </c:pt>
-                <c:pt idx="19">
-                  <c:v>3.6509999999999998</c:v>
-                </c:pt>
-                <c:pt idx="20">
-                  <c:v>3.83</c:v>
-                </c:pt>
-                <c:pt idx="21">
-                  <c:v>3.661</c:v>
-                </c:pt>
-                <c:pt idx="22">
-                  <c:v>3.661</c:v>
-                </c:pt>
-                <c:pt idx="23">
-                  <c:v>3.661</c:v>
-                </c:pt>
-                <c:pt idx="24">
-                  <c:v>3.661</c:v>
-                </c:pt>
-                <c:pt idx="25">
-                  <c:v>3.8149999999999999</c:v>
-                </c:pt>
-                <c:pt idx="26">
-                  <c:v>3.851</c:v>
-                </c:pt>
-                <c:pt idx="27">
-                  <c:v>3.766</c:v>
-                </c:pt>
-                <c:pt idx="28">
-                  <c:v>3.8519999999999999</c:v>
-                </c:pt>
-                <c:pt idx="29">
-                  <c:v>3.7280000000000002</c:v>
-                </c:pt>
-                <c:pt idx="30">
-                  <c:v>3.7989999999999999</c:v>
-                </c:pt>
-                <c:pt idx="31">
-                  <c:v>3.6269999999999998</c:v>
-                </c:pt>
-                <c:pt idx="32">
-                  <c:v>3.8849999999999998</c:v>
-                </c:pt>
-                <c:pt idx="33">
-                  <c:v>3.76</c:v>
-                </c:pt>
-                <c:pt idx="34">
-                  <c:v>3.8220000000000001</c:v>
-                </c:pt>
-                <c:pt idx="35">
-                  <c:v>3.9020000000000001</c:v>
-                </c:pt>
-                <c:pt idx="36">
-                  <c:v>4.0659999999999998</c:v>
-                </c:pt>
-                <c:pt idx="37">
-                  <c:v>4.04</c:v>
-                </c:pt>
-                <c:pt idx="38">
-                  <c:v>4.1289999999999996</c:v>
-                </c:pt>
-                <c:pt idx="39">
-                  <c:v>4.383</c:v>
-                </c:pt>
-                <c:pt idx="40">
-                  <c:v>4.0060000000000002</c:v>
-                </c:pt>
-                <c:pt idx="41">
-                  <c:v>4.1150000000000002</c:v>
-                </c:pt>
-                <c:pt idx="42">
-                  <c:v>4.0199999999999996</c:v>
-                </c:pt>
-                <c:pt idx="43">
-                  <c:v>3.7719999999999998</c:v>
-                </c:pt>
-                <c:pt idx="44">
-                  <c:v>4.0529999999999999</c:v>
-                </c:pt>
-                <c:pt idx="45">
-                  <c:v>4.1829999999999998</c:v>
-                </c:pt>
-                <c:pt idx="46">
-                  <c:v>4.1829999999999998</c:v>
-                </c:pt>
-                <c:pt idx="47">
-                  <c:v>3.9940000000000002</c:v>
-                </c:pt>
-                <c:pt idx="48">
-                  <c:v>3.99</c:v>
-                </c:pt>
-                <c:pt idx="49">
-                  <c:v>4.1310000000000002</c:v>
-                </c:pt>
-                <c:pt idx="50">
-                  <c:v>4.0519999999999996</c:v>
-                </c:pt>
-                <c:pt idx="51">
-                  <c:v>4.0490000000000004</c:v>
-                </c:pt>
-                <c:pt idx="52">
-                  <c:v>4.1369999999999996</c:v>
-                </c:pt>
-                <c:pt idx="53">
-                  <c:v>4.125</c:v>
-                </c:pt>
-                <c:pt idx="54">
-                  <c:v>4.2220000000000004</c:v>
-                </c:pt>
-                <c:pt idx="55">
-                  <c:v>4.25</c:v>
-                </c:pt>
-                <c:pt idx="56">
-                  <c:v>4.2240000000000002</c:v>
-                </c:pt>
-                <c:pt idx="57">
-                  <c:v>4.2889999999999997</c:v>
-                </c:pt>
-                <c:pt idx="58">
-                  <c:v>4.2009999999999996</c:v>
-                </c:pt>
-                <c:pt idx="59">
-                  <c:v>4.2720000000000002</c:v>
-                </c:pt>
-                <c:pt idx="60">
-                  <c:v>4.1079999999999997</c:v>
-                </c:pt>
-                <c:pt idx="61">
-                  <c:v>4.4240000000000004</c:v>
-                </c:pt>
-                <c:pt idx="62">
-                  <c:v>4.4089999999999998</c:v>
-                </c:pt>
-                <c:pt idx="63">
-                  <c:v>4.3010000000000002</c:v>
-                </c:pt>
-                <c:pt idx="64">
-                  <c:v>4.2910000000000004</c:v>
-                </c:pt>
-                <c:pt idx="65">
-                  <c:v>4.3979999999999997</c:v>
-                </c:pt>
-                <c:pt idx="66">
-                  <c:v>4.3</c:v>
-                </c:pt>
-                <c:pt idx="67">
-                  <c:v>4.484</c:v>
-                </c:pt>
-                <c:pt idx="68">
-                  <c:v>4.5460000000000003</c:v>
-                </c:pt>
-                <c:pt idx="69">
-                  <c:v>4.4850000000000003</c:v>
-                </c:pt>
-                <c:pt idx="70">
-                  <c:v>4.4690000000000003</c:v>
-                </c:pt>
-                <c:pt idx="71">
-                  <c:v>4.3630000000000004</c:v>
-                </c:pt>
-                <c:pt idx="72">
-                  <c:v>4.569</c:v>
-                </c:pt>
-                <c:pt idx="73">
-                  <c:v>4.4870000000000001</c:v>
-                </c:pt>
-                <c:pt idx="74">
-                  <c:v>4.6109999999999998</c:v>
-                </c:pt>
-                <c:pt idx="75">
-                  <c:v>4.45</c:v>
-                </c:pt>
-                <c:pt idx="76">
-                  <c:v>4.7930000000000001</c:v>
-                </c:pt>
-                <c:pt idx="77">
-                  <c:v>4.5999999999999996</c:v>
-                </c:pt>
-                <c:pt idx="78">
-                  <c:v>4.593</c:v>
-                </c:pt>
-                <c:pt idx="79">
-                  <c:v>4.5549999999999997</c:v>
-                </c:pt>
-                <c:pt idx="80">
-                  <c:v>4.7169999999999996</c:v>
-                </c:pt>
-                <c:pt idx="81">
-                  <c:v>4.6520000000000001</c:v>
-                </c:pt>
-                <c:pt idx="82">
-                  <c:v>4.6749999999999998</c:v>
-                </c:pt>
-                <c:pt idx="83">
-                  <c:v>4.6500000000000004</c:v>
-                </c:pt>
-                <c:pt idx="84">
-                  <c:v>4.6379999999999999</c:v>
-                </c:pt>
-                <c:pt idx="85">
-                  <c:v>4.7270000000000003</c:v>
-                </c:pt>
-                <c:pt idx="86">
-                  <c:v>4.8070000000000004</c:v>
-                </c:pt>
-              </c:numCache>
-            </c:numRef>
-          </c:yVal>
-          <c:smooth val="0"/>
-        </c:ser>
-        <c:dLbls>
-          <c:showLegendKey val="0"/>
-          <c:showVal val="0"/>
-          <c:showCatName val="0"/>
-          <c:showSerName val="0"/>
-          <c:showPercent val="0"/>
-          <c:showBubbleSize val="0"/>
-        </c:dLbls>
-        <c:axId val="246532768"/>
-        <c:axId val="246533328"/>
-      </c:scatterChart>
-      <c:valAx>
-        <c:axId val="246532768"/>
-        <c:scaling>
-          <c:orientation val="minMax"/>
-          <c:max val="5"/>
-          <c:min val="1"/>
-        </c:scaling>
-        <c:delete val="0"/>
-        <c:axPos val="b"/>
-        <c:majorGridlines>
-          <c:spPr>
-            <a:ln w="9525" cap="flat" cmpd="sng" algn="ctr">
-              <a:solidFill>
-                <a:schemeClr val="tx1">
-                  <a:lumMod val="15000"/>
-                  <a:lumOff val="85000"/>
-                </a:schemeClr>
-              </a:solidFill>
-              <a:round/>
-            </a:ln>
-            <a:effectLst/>
-          </c:spPr>
-        </c:majorGridlines>
-        <c:title>
-          <c:tx>
-            <c:rich>
-              <a:bodyPr rot="0" spcFirstLastPara="1" vertOverflow="ellipsis" vert="horz" wrap="square" anchor="ctr" anchorCtr="1"/>
-              <a:lstStyle/>
-              <a:p>
-                <a:pPr>
-                  <a:defRPr sz="1000" b="0" i="0" u="none" strike="noStrike" kern="1200" baseline="0">
-                    <a:solidFill>
-                      <a:schemeClr val="tx1">
-                        <a:lumMod val="65000"/>
-                        <a:lumOff val="35000"/>
-                      </a:schemeClr>
-                    </a:solidFill>
-                    <a:latin typeface="+mn-lt"/>
-                    <a:ea typeface="+mn-ea"/>
-                    <a:cs typeface="+mn-cs"/>
-                  </a:defRPr>
-                </a:pPr>
-                <a:r>
-                  <a:rPr lang="ja-JP" altLang="en-US" sz="2400" dirty="0"/>
-                  <a:t>重み付き評価</a:t>
-                </a:r>
-              </a:p>
-            </c:rich>
-          </c:tx>
-          <c:layout>
-            <c:manualLayout>
-              <c:xMode val="edge"/>
-              <c:yMode val="edge"/>
-              <c:x val="0.40806780359009254"/>
-              <c:y val="0.8575256107171001"/>
-            </c:manualLayout>
-          </c:layout>
-          <c:overlay val="0"/>
-          <c:spPr>
-            <a:noFill/>
-            <a:ln>
-              <a:noFill/>
-            </a:ln>
-            <a:effectLst/>
-          </c:spPr>
-          <c:txPr>
-            <a:bodyPr rot="0" spcFirstLastPara="1" vertOverflow="ellipsis" vert="horz" wrap="square" anchor="ctr" anchorCtr="1"/>
-            <a:lstStyle/>
-            <a:p>
-              <a:pPr>
-                <a:defRPr sz="1000" b="0" i="0" u="none" strike="noStrike" kern="1200" baseline="0">
-                  <a:solidFill>
-                    <a:schemeClr val="tx1">
-                      <a:lumMod val="65000"/>
-                      <a:lumOff val="35000"/>
-                    </a:schemeClr>
-                  </a:solidFill>
-                  <a:latin typeface="+mn-lt"/>
-                  <a:ea typeface="+mn-ea"/>
-                  <a:cs typeface="+mn-cs"/>
-                </a:defRPr>
-              </a:pPr>
-              <a:endParaRPr lang="ja-JP"/>
-            </a:p>
-          </c:txPr>
-        </c:title>
-        <c:numFmt formatCode="General" sourceLinked="1"/>
-        <c:majorTickMark val="none"/>
-        <c:minorTickMark val="none"/>
-        <c:tickLblPos val="nextTo"/>
-        <c:spPr>
-          <a:noFill/>
-          <a:ln w="9525" cap="flat" cmpd="sng" algn="ctr">
-            <a:solidFill>
-              <a:schemeClr val="tx1">
-                <a:lumMod val="25000"/>
-                <a:lumOff val="75000"/>
-              </a:schemeClr>
-            </a:solidFill>
-            <a:round/>
-          </a:ln>
-          <a:effectLst/>
-        </c:spPr>
-        <c:txPr>
-          <a:bodyPr rot="-60000000" spcFirstLastPara="1" vertOverflow="ellipsis" vert="horz" wrap="square" anchor="ctr" anchorCtr="1"/>
-          <a:lstStyle/>
-          <a:p>
-            <a:pPr>
-              <a:defRPr sz="900" b="0" i="0" u="none" strike="noStrike" kern="1200" baseline="0">
-                <a:solidFill>
-                  <a:schemeClr val="tx1">
-                    <a:lumMod val="65000"/>
-                    <a:lumOff val="35000"/>
-                  </a:schemeClr>
-                </a:solidFill>
-                <a:latin typeface="+mn-lt"/>
-                <a:ea typeface="+mn-ea"/>
-                <a:cs typeface="+mn-cs"/>
-              </a:defRPr>
-            </a:pPr>
-            <a:endParaRPr lang="ja-JP"/>
-          </a:p>
-        </c:txPr>
-        <c:crossAx val="246533328"/>
-        <c:crosses val="autoZero"/>
-        <c:crossBetween val="midCat"/>
-      </c:valAx>
-      <c:valAx>
-        <c:axId val="246533328"/>
-        <c:scaling>
-          <c:orientation val="minMax"/>
-          <c:max val="5"/>
-          <c:min val="1"/>
-        </c:scaling>
-        <c:delete val="0"/>
-        <c:axPos val="l"/>
-        <c:majorGridlines>
-          <c:spPr>
-            <a:ln w="9525" cap="flat" cmpd="sng" algn="ctr">
-              <a:solidFill>
-                <a:schemeClr val="tx1">
-                  <a:lumMod val="15000"/>
-                  <a:lumOff val="85000"/>
-                </a:schemeClr>
-              </a:solidFill>
-              <a:round/>
-            </a:ln>
-            <a:effectLst/>
-          </c:spPr>
-        </c:majorGridlines>
-        <c:title>
-          <c:tx>
-            <c:rich>
-              <a:bodyPr rot="0" spcFirstLastPara="1" vertOverflow="ellipsis" vert="eaVert" wrap="square" anchor="ctr" anchorCtr="1"/>
-              <a:lstStyle/>
-              <a:p>
-                <a:pPr>
-                  <a:defRPr sz="1000" b="0" i="0" u="none" strike="noStrike" kern="1200" baseline="0">
-                    <a:solidFill>
-                      <a:schemeClr val="tx1">
-                        <a:lumMod val="65000"/>
-                        <a:lumOff val="35000"/>
-                      </a:schemeClr>
-                    </a:solidFill>
-                    <a:latin typeface="+mn-lt"/>
-                    <a:ea typeface="+mn-ea"/>
-                    <a:cs typeface="+mn-cs"/>
-                  </a:defRPr>
-                </a:pPr>
-                <a:r>
-                  <a:rPr lang="ja-JP" altLang="en-US" sz="2400" dirty="0"/>
-                  <a:t>平均評価</a:t>
-                </a:r>
-              </a:p>
-            </c:rich>
-          </c:tx>
-          <c:layout>
-            <c:manualLayout>
-              <c:xMode val="edge"/>
-              <c:yMode val="edge"/>
-              <c:x val="1.4828875040073814E-2"/>
-              <c:y val="0.37230158286951726"/>
-            </c:manualLayout>
-          </c:layout>
-          <c:overlay val="0"/>
-          <c:spPr>
-            <a:noFill/>
-            <a:ln>
-              <a:noFill/>
-            </a:ln>
-            <a:effectLst/>
-          </c:spPr>
-          <c:txPr>
-            <a:bodyPr rot="0" spcFirstLastPara="1" vertOverflow="ellipsis" vert="eaVert" wrap="square" anchor="ctr" anchorCtr="1"/>
-            <a:lstStyle/>
-            <a:p>
-              <a:pPr>
-                <a:defRPr sz="1000" b="0" i="0" u="none" strike="noStrike" kern="1200" baseline="0">
-                  <a:solidFill>
-                    <a:schemeClr val="tx1">
-                      <a:lumMod val="65000"/>
-                      <a:lumOff val="35000"/>
-                    </a:schemeClr>
-                  </a:solidFill>
-                  <a:latin typeface="+mn-lt"/>
-                  <a:ea typeface="+mn-ea"/>
-                  <a:cs typeface="+mn-cs"/>
-                </a:defRPr>
-              </a:pPr>
-              <a:endParaRPr lang="ja-JP"/>
-            </a:p>
-          </c:txPr>
-        </c:title>
-        <c:numFmt formatCode="General" sourceLinked="1"/>
-        <c:majorTickMark val="none"/>
-        <c:minorTickMark val="none"/>
-        <c:tickLblPos val="nextTo"/>
-        <c:spPr>
-          <a:noFill/>
-          <a:ln w="9525" cap="flat" cmpd="sng" algn="ctr">
-            <a:solidFill>
-              <a:schemeClr val="tx1">
-                <a:lumMod val="25000"/>
-                <a:lumOff val="75000"/>
-              </a:schemeClr>
-            </a:solidFill>
-            <a:round/>
-          </a:ln>
-          <a:effectLst/>
-        </c:spPr>
-        <c:txPr>
-          <a:bodyPr rot="-60000000" spcFirstLastPara="1" vertOverflow="ellipsis" vert="horz" wrap="square" anchor="ctr" anchorCtr="1"/>
-          <a:lstStyle/>
-          <a:p>
-            <a:pPr>
-              <a:defRPr sz="900" b="0" i="0" u="none" strike="noStrike" kern="1200" baseline="0">
-                <a:solidFill>
-                  <a:schemeClr val="tx1">
-                    <a:lumMod val="65000"/>
-                    <a:lumOff val="35000"/>
-                  </a:schemeClr>
-                </a:solidFill>
-                <a:latin typeface="+mn-lt"/>
-                <a:ea typeface="+mn-ea"/>
-                <a:cs typeface="+mn-cs"/>
-              </a:defRPr>
-            </a:pPr>
-            <a:endParaRPr lang="ja-JP"/>
-          </a:p>
-        </c:txPr>
-        <c:crossAx val="246532768"/>
-        <c:crosses val="autoZero"/>
-        <c:crossBetween val="midCat"/>
-      </c:valAx>
-      <c:spPr>
-        <a:noFill/>
-        <a:ln>
-          <a:noFill/>
-        </a:ln>
-        <a:effectLst/>
-      </c:spPr>
-    </c:plotArea>
-    <c:plotVisOnly val="1"/>
-    <c:dispBlanksAs val="gap"/>
-    <c:showDLblsOverMax val="0"/>
-  </c:chart>
-  <c:spPr>
-    <a:noFill/>
-    <a:ln>
-      <a:noFill/>
-    </a:ln>
-    <a:effectLst/>
-  </c:spPr>
-  <c:txPr>
-    <a:bodyPr/>
-    <a:lstStyle/>
-    <a:p>
-      <a:pPr>
-        <a:defRPr/>
-      </a:pPr>
-      <a:endParaRPr lang="ja-JP"/>
-    </a:p>
-  </c:txPr>
-  <c:externalData r:id="rId3">
-    <c:autoUpdate val="0"/>
-  </c:externalData>
-</c:chartSpace>
-</file>
-
-<file path=ppt/charts/chart2.xml><?xml version="1.0" encoding="utf-8"?>
 <c:chartSpace xmlns:c="http://schemas.openxmlformats.org/drawingml/2006/chart" xmlns:a="http://schemas.openxmlformats.org/drawingml/2006/main" xmlns:r="http://schemas.openxmlformats.org/officeDocument/2006/relationships">
   <c:date1904 val="0"/>
   <c:lang val="ja-JP"/>
@@ -1440,11 +434,11 @@
           <c:showPercent val="0"/>
           <c:showBubbleSize val="0"/>
         </c:dLbls>
-        <c:axId val="310882832"/>
-        <c:axId val="310876672"/>
+        <c:axId val="182663920"/>
+        <c:axId val="182664480"/>
       </c:scatterChart>
       <c:valAx>
-        <c:axId val="310882832"/>
+        <c:axId val="182663920"/>
         <c:scaling>
           <c:orientation val="minMax"/>
           <c:max val="5"/>
@@ -1558,13 +552,13 @@
             <a:endParaRPr lang="ja-JP"/>
           </a:p>
         </c:txPr>
-        <c:crossAx val="310876672"/>
+        <c:crossAx val="182664480"/>
         <c:crosses val="autoZero"/>
         <c:crossBetween val="midCat"/>
         <c:majorUnit val="1"/>
       </c:valAx>
       <c:valAx>
-        <c:axId val="310876672"/>
+        <c:axId val="182664480"/>
         <c:scaling>
           <c:orientation val="minMax"/>
           <c:max val="5"/>
@@ -1680,7 +674,7 @@
             <a:endParaRPr lang="ja-JP"/>
           </a:p>
         </c:txPr>
-        <c:crossAx val="310882832"/>
+        <c:crossAx val="182663920"/>
         <c:crosses val="autoZero"/>
         <c:crossBetween val="midCat"/>
         <c:majorUnit val="1"/>
@@ -1720,7 +714,7 @@
 </c:chartSpace>
 </file>
 
-<file path=ppt/charts/chart3.xml><?xml version="1.0" encoding="utf-8"?>
+<file path=ppt/charts/chart2.xml><?xml version="1.0" encoding="utf-8"?>
 <c:chartSpace xmlns:c="http://schemas.openxmlformats.org/drawingml/2006/chart" xmlns:a="http://schemas.openxmlformats.org/drawingml/2006/main" xmlns:r="http://schemas.openxmlformats.org/officeDocument/2006/relationships">
   <c:date1904 val="0"/>
   <c:lang val="ja-JP"/>
@@ -2008,11 +1002,11 @@
           <c:showPercent val="0"/>
           <c:showBubbleSize val="0"/>
         </c:dLbls>
-        <c:axId val="341105840"/>
-        <c:axId val="341095200"/>
+        <c:axId val="182666720"/>
+        <c:axId val="182667280"/>
       </c:scatterChart>
       <c:valAx>
-        <c:axId val="341105840"/>
+        <c:axId val="182666720"/>
         <c:scaling>
           <c:orientation val="minMax"/>
           <c:max val="5"/>
@@ -2128,13 +1122,13 @@
             <a:endParaRPr lang="ja-JP"/>
           </a:p>
         </c:txPr>
-        <c:crossAx val="341095200"/>
+        <c:crossAx val="182667280"/>
         <c:crosses val="autoZero"/>
         <c:crossBetween val="midCat"/>
         <c:majorUnit val="1"/>
       </c:valAx>
       <c:valAx>
-        <c:axId val="341095200"/>
+        <c:axId val="182667280"/>
         <c:scaling>
           <c:orientation val="minMax"/>
           <c:max val="5"/>
@@ -2250,7 +1244,7 @@
             <a:endParaRPr lang="ja-JP"/>
           </a:p>
         </c:txPr>
-        <c:crossAx val="341105840"/>
+        <c:crossAx val="182666720"/>
         <c:crosses val="autoZero"/>
         <c:crossBetween val="midCat"/>
         <c:majorUnit val="1"/>
@@ -2290,7 +1284,7 @@
 </c:chartSpace>
 </file>
 
-<file path=ppt/charts/chart4.xml><?xml version="1.0" encoding="utf-8"?>
+<file path=ppt/charts/chart3.xml><?xml version="1.0" encoding="utf-8"?>
 <c:chartSpace xmlns:c="http://schemas.openxmlformats.org/drawingml/2006/chart" xmlns:a="http://schemas.openxmlformats.org/drawingml/2006/main" xmlns:r="http://schemas.openxmlformats.org/officeDocument/2006/relationships">
   <c:date1904 val="0"/>
   <c:lang val="ja-JP"/>
@@ -2570,11 +1564,11 @@
           <c:showPercent val="0"/>
           <c:showBubbleSize val="0"/>
         </c:dLbls>
-        <c:axId val="341100800"/>
-        <c:axId val="341102480"/>
+        <c:axId val="182669520"/>
+        <c:axId val="182670080"/>
       </c:scatterChart>
       <c:valAx>
-        <c:axId val="341100800"/>
+        <c:axId val="182669520"/>
         <c:scaling>
           <c:orientation val="minMax"/>
           <c:max val="5"/>
@@ -2690,13 +1684,13 @@
             <a:endParaRPr lang="ja-JP"/>
           </a:p>
         </c:txPr>
-        <c:crossAx val="341102480"/>
+        <c:crossAx val="182670080"/>
         <c:crosses val="autoZero"/>
         <c:crossBetween val="midCat"/>
         <c:majorUnit val="1"/>
       </c:valAx>
       <c:valAx>
-        <c:axId val="341102480"/>
+        <c:axId val="182670080"/>
         <c:scaling>
           <c:orientation val="minMax"/>
           <c:max val="5"/>
@@ -2811,7 +1805,7 @@
             <a:endParaRPr lang="ja-JP"/>
           </a:p>
         </c:txPr>
-        <c:crossAx val="341100800"/>
+        <c:crossAx val="182669520"/>
         <c:crosses val="autoZero"/>
         <c:crossBetween val="midCat"/>
         <c:majorUnit val="1"/>
@@ -2851,7 +1845,7 @@
 </c:chartSpace>
 </file>
 
-<file path=ppt/charts/chart5.xml><?xml version="1.0" encoding="utf-8"?>
+<file path=ppt/charts/chart4.xml><?xml version="1.0" encoding="utf-8"?>
 <c:chartSpace xmlns:c="http://schemas.openxmlformats.org/drawingml/2006/chart" xmlns:a="http://schemas.openxmlformats.org/drawingml/2006/main" xmlns:r="http://schemas.openxmlformats.org/officeDocument/2006/relationships">
   <c:date1904 val="0"/>
   <c:lang val="ja-JP"/>
@@ -3132,11 +2126,11 @@
           <c:showPercent val="0"/>
           <c:showBubbleSize val="0"/>
         </c:dLbls>
-        <c:axId val="341106400"/>
-        <c:axId val="341096880"/>
+        <c:axId val="182672320"/>
+        <c:axId val="182672880"/>
       </c:scatterChart>
       <c:valAx>
-        <c:axId val="341106400"/>
+        <c:axId val="182672320"/>
         <c:scaling>
           <c:orientation val="minMax"/>
           <c:max val="5"/>
@@ -3251,13 +2245,13 @@
             <a:endParaRPr lang="ja-JP"/>
           </a:p>
         </c:txPr>
-        <c:crossAx val="341096880"/>
+        <c:crossAx val="182672880"/>
         <c:crosses val="autoZero"/>
         <c:crossBetween val="midCat"/>
         <c:majorUnit val="1"/>
       </c:valAx>
       <c:valAx>
-        <c:axId val="341096880"/>
+        <c:axId val="182672880"/>
         <c:scaling>
           <c:orientation val="minMax"/>
           <c:max val="5"/>
@@ -3300,7 +2294,15 @@
                 </a:pPr>
                 <a:r>
                   <a:rPr lang="ja-JP" altLang="en-US" sz="1600" dirty="0"/>
-                  <a:t>購入者のみ重み月平均評価</a:t>
+                  <a:t>購入者のみ</a:t>
+                </a:r>
+                <a:r>
+                  <a:rPr lang="ja-JP" altLang="en-US" sz="1600" dirty="0" smtClean="0"/>
+                  <a:t>重み付き平均</a:t>
+                </a:r>
+                <a:r>
+                  <a:rPr lang="ja-JP" altLang="en-US" sz="1600" dirty="0"/>
+                  <a:t>評価</a:t>
                 </a:r>
               </a:p>
             </c:rich>
@@ -3372,7 +2374,7 @@
             <a:endParaRPr lang="ja-JP"/>
           </a:p>
         </c:txPr>
-        <c:crossAx val="341106400"/>
+        <c:crossAx val="182672320"/>
         <c:crosses val="autoZero"/>
         <c:crossBetween val="midCat"/>
         <c:majorUnit val="1"/>
@@ -3533,46 +2535,6 @@
 </file>
 
 <file path=ppt/charts/colors4.xml><?xml version="1.0" encoding="utf-8"?>
-<cs:colorStyle xmlns:cs="http://schemas.microsoft.com/office/drawing/2012/chartStyle" xmlns:a="http://schemas.openxmlformats.org/drawingml/2006/main" meth="cycle" id="10">
-  <a:schemeClr val="accent1"/>
-  <a:schemeClr val="accent2"/>
-  <a:schemeClr val="accent3"/>
-  <a:schemeClr val="accent4"/>
-  <a:schemeClr val="accent5"/>
-  <a:schemeClr val="accent6"/>
-  <cs:variation/>
-  <cs:variation>
-    <a:lumMod val="60000"/>
-  </cs:variation>
-  <cs:variation>
-    <a:lumMod val="80000"/>
-    <a:lumOff val="20000"/>
-  </cs:variation>
-  <cs:variation>
-    <a:lumMod val="80000"/>
-  </cs:variation>
-  <cs:variation>
-    <a:lumMod val="60000"/>
-    <a:lumOff val="40000"/>
-  </cs:variation>
-  <cs:variation>
-    <a:lumMod val="50000"/>
-  </cs:variation>
-  <cs:variation>
-    <a:lumMod val="70000"/>
-    <a:lumOff val="30000"/>
-  </cs:variation>
-  <cs:variation>
-    <a:lumMod val="70000"/>
-  </cs:variation>
-  <cs:variation>
-    <a:lumMod val="50000"/>
-    <a:lumOff val="50000"/>
-  </cs:variation>
-</cs:colorStyle>
-</file>
-
-<file path=ppt/charts/colors5.xml><?xml version="1.0" encoding="utf-8"?>
 <cs:colorStyle xmlns:cs="http://schemas.microsoft.com/office/drawing/2012/chartStyle" xmlns:a="http://schemas.openxmlformats.org/drawingml/2006/main" meth="cycle" id="10">
   <a:schemeClr val="accent1"/>
   <a:schemeClr val="accent2"/>
@@ -5676,522 +4638,6 @@
 </cs:chartStyle>
 </file>
 
-<file path=ppt/charts/style5.xml><?xml version="1.0" encoding="utf-8"?>
-<cs:chartStyle xmlns:cs="http://schemas.microsoft.com/office/drawing/2012/chartStyle" xmlns:a="http://schemas.openxmlformats.org/drawingml/2006/main" id="240">
-  <cs:axisTitle>
-    <cs:lnRef idx="0"/>
-    <cs:fillRef idx="0"/>
-    <cs:effectRef idx="0"/>
-    <cs:fontRef idx="minor">
-      <a:schemeClr val="tx1">
-        <a:lumMod val="65000"/>
-        <a:lumOff val="35000"/>
-      </a:schemeClr>
-    </cs:fontRef>
-    <cs:defRPr sz="1000" kern="1200"/>
-  </cs:axisTitle>
-  <cs:categoryAxis>
-    <cs:lnRef idx="0"/>
-    <cs:fillRef idx="0"/>
-    <cs:effectRef idx="0"/>
-    <cs:fontRef idx="minor">
-      <a:schemeClr val="tx1">
-        <a:lumMod val="65000"/>
-        <a:lumOff val="35000"/>
-      </a:schemeClr>
-    </cs:fontRef>
-    <cs:spPr>
-      <a:ln w="9525" cap="flat" cmpd="sng" algn="ctr">
-        <a:solidFill>
-          <a:schemeClr val="tx1">
-            <a:lumMod val="25000"/>
-            <a:lumOff val="75000"/>
-          </a:schemeClr>
-        </a:solidFill>
-        <a:round/>
-      </a:ln>
-    </cs:spPr>
-    <cs:defRPr sz="900" kern="1200"/>
-  </cs:categoryAxis>
-  <cs:chartArea mods="allowNoFillOverride allowNoLineOverride">
-    <cs:lnRef idx="0"/>
-    <cs:fillRef idx="0"/>
-    <cs:effectRef idx="0"/>
-    <cs:fontRef idx="minor">
-      <a:schemeClr val="tx1"/>
-    </cs:fontRef>
-    <cs:spPr>
-      <a:solidFill>
-        <a:schemeClr val="bg1"/>
-      </a:solidFill>
-      <a:ln w="9525" cap="flat" cmpd="sng" algn="ctr">
-        <a:solidFill>
-          <a:schemeClr val="tx1">
-            <a:lumMod val="15000"/>
-            <a:lumOff val="85000"/>
-          </a:schemeClr>
-        </a:solidFill>
-        <a:round/>
-      </a:ln>
-    </cs:spPr>
-    <cs:defRPr sz="1000" kern="1200"/>
-  </cs:chartArea>
-  <cs:dataLabel>
-    <cs:lnRef idx="0"/>
-    <cs:fillRef idx="0"/>
-    <cs:effectRef idx="0"/>
-    <cs:fontRef idx="minor">
-      <a:schemeClr val="tx1">
-        <a:lumMod val="75000"/>
-        <a:lumOff val="25000"/>
-      </a:schemeClr>
-    </cs:fontRef>
-    <cs:defRPr sz="900" kern="1200"/>
-  </cs:dataLabel>
-  <cs:dataLabelCallout>
-    <cs:lnRef idx="0"/>
-    <cs:fillRef idx="0"/>
-    <cs:effectRef idx="0"/>
-    <cs:fontRef idx="minor">
-      <a:schemeClr val="dk1">
-        <a:lumMod val="65000"/>
-        <a:lumOff val="35000"/>
-      </a:schemeClr>
-    </cs:fontRef>
-    <cs:spPr>
-      <a:solidFill>
-        <a:schemeClr val="lt1"/>
-      </a:solidFill>
-      <a:ln>
-        <a:solidFill>
-          <a:schemeClr val="dk1">
-            <a:lumMod val="25000"/>
-            <a:lumOff val="75000"/>
-          </a:schemeClr>
-        </a:solidFill>
-      </a:ln>
-    </cs:spPr>
-    <cs:defRPr sz="900" kern="1200"/>
-    <cs:bodyPr rot="0" spcFirstLastPara="1" vertOverflow="clip" horzOverflow="clip" vert="horz" wrap="square" lIns="36576" tIns="18288" rIns="36576" bIns="18288" anchor="ctr" anchorCtr="1">
-      <a:spAutoFit/>
-    </cs:bodyPr>
-  </cs:dataLabelCallout>
-  <cs:dataPoint>
-    <cs:lnRef idx="0"/>
-    <cs:fillRef idx="1">
-      <cs:styleClr val="auto"/>
-    </cs:fillRef>
-    <cs:effectRef idx="0"/>
-    <cs:fontRef idx="minor">
-      <a:schemeClr val="tx1"/>
-    </cs:fontRef>
-  </cs:dataPoint>
-  <cs:dataPoint3D>
-    <cs:lnRef idx="0"/>
-    <cs:fillRef idx="1">
-      <cs:styleClr val="auto"/>
-    </cs:fillRef>
-    <cs:effectRef idx="0"/>
-    <cs:fontRef idx="minor">
-      <a:schemeClr val="tx1"/>
-    </cs:fontRef>
-  </cs:dataPoint3D>
-  <cs:dataPointLine>
-    <cs:lnRef idx="0">
-      <cs:styleClr val="auto"/>
-    </cs:lnRef>
-    <cs:fillRef idx="1"/>
-    <cs:effectRef idx="0"/>
-    <cs:fontRef idx="minor">
-      <a:schemeClr val="tx1"/>
-    </cs:fontRef>
-    <cs:spPr>
-      <a:ln w="19050" cap="rnd">
-        <a:solidFill>
-          <a:schemeClr val="phClr"/>
-        </a:solidFill>
-        <a:round/>
-      </a:ln>
-    </cs:spPr>
-  </cs:dataPointLine>
-  <cs:dataPointMarker>
-    <cs:lnRef idx="0">
-      <cs:styleClr val="auto"/>
-    </cs:lnRef>
-    <cs:fillRef idx="1">
-      <cs:styleClr val="auto"/>
-    </cs:fillRef>
-    <cs:effectRef idx="0"/>
-    <cs:fontRef idx="minor">
-      <a:schemeClr val="tx1"/>
-    </cs:fontRef>
-    <cs:spPr>
-      <a:ln w="9525">
-        <a:solidFill>
-          <a:schemeClr val="phClr"/>
-        </a:solidFill>
-      </a:ln>
-    </cs:spPr>
-  </cs:dataPointMarker>
-  <cs:dataPointMarkerLayout symbol="circle" size="5"/>
-  <cs:dataPointWireframe>
-    <cs:lnRef idx="0">
-      <cs:styleClr val="auto"/>
-    </cs:lnRef>
-    <cs:fillRef idx="0"/>
-    <cs:effectRef idx="0"/>
-    <cs:fontRef idx="minor">
-      <a:schemeClr val="dk1"/>
-    </cs:fontRef>
-    <cs:spPr>
-      <a:ln w="9525" cap="rnd">
-        <a:solidFill>
-          <a:schemeClr val="phClr"/>
-        </a:solidFill>
-        <a:round/>
-      </a:ln>
-    </cs:spPr>
-  </cs:dataPointWireframe>
-  <cs:dataTable>
-    <cs:lnRef idx="0"/>
-    <cs:fillRef idx="0"/>
-    <cs:effectRef idx="0"/>
-    <cs:fontRef idx="minor">
-      <a:schemeClr val="tx1">
-        <a:lumMod val="65000"/>
-        <a:lumOff val="35000"/>
-      </a:schemeClr>
-    </cs:fontRef>
-    <cs:spPr>
-      <a:noFill/>
-      <a:ln w="9525" cap="flat" cmpd="sng" algn="ctr">
-        <a:solidFill>
-          <a:schemeClr val="tx1">
-            <a:lumMod val="15000"/>
-            <a:lumOff val="85000"/>
-          </a:schemeClr>
-        </a:solidFill>
-        <a:round/>
-      </a:ln>
-    </cs:spPr>
-    <cs:defRPr sz="900" kern="1200"/>
-  </cs:dataTable>
-  <cs:downBar>
-    <cs:lnRef idx="0"/>
-    <cs:fillRef idx="0"/>
-    <cs:effectRef idx="0"/>
-    <cs:fontRef idx="minor">
-      <a:schemeClr val="tx1"/>
-    </cs:fontRef>
-    <cs:spPr>
-      <a:solidFill>
-        <a:schemeClr val="dk1">
-          <a:lumMod val="75000"/>
-          <a:lumOff val="25000"/>
-        </a:schemeClr>
-      </a:solidFill>
-      <a:ln w="9525" cap="flat" cmpd="sng" algn="ctr">
-        <a:solidFill>
-          <a:schemeClr val="tx1">
-            <a:lumMod val="65000"/>
-            <a:lumOff val="35000"/>
-          </a:schemeClr>
-        </a:solidFill>
-        <a:round/>
-      </a:ln>
-    </cs:spPr>
-  </cs:downBar>
-  <cs:dropLine>
-    <cs:lnRef idx="0"/>
-    <cs:fillRef idx="0"/>
-    <cs:effectRef idx="0"/>
-    <cs:fontRef idx="minor">
-      <a:schemeClr val="tx1"/>
-    </cs:fontRef>
-    <cs:spPr>
-      <a:ln w="9525" cap="flat" cmpd="sng" algn="ctr">
-        <a:solidFill>
-          <a:schemeClr val="tx1">
-            <a:lumMod val="35000"/>
-            <a:lumOff val="65000"/>
-          </a:schemeClr>
-        </a:solidFill>
-        <a:round/>
-      </a:ln>
-    </cs:spPr>
-  </cs:dropLine>
-  <cs:errorBar>
-    <cs:lnRef idx="0"/>
-    <cs:fillRef idx="0"/>
-    <cs:effectRef idx="0"/>
-    <cs:fontRef idx="minor">
-      <a:schemeClr val="tx1"/>
-    </cs:fontRef>
-    <cs:spPr>
-      <a:ln w="9525" cap="flat" cmpd="sng" algn="ctr">
-        <a:solidFill>
-          <a:schemeClr val="tx1">
-            <a:lumMod val="65000"/>
-            <a:lumOff val="35000"/>
-          </a:schemeClr>
-        </a:solidFill>
-        <a:round/>
-      </a:ln>
-    </cs:spPr>
-  </cs:errorBar>
-  <cs:floor>
-    <cs:lnRef idx="0"/>
-    <cs:fillRef idx="0"/>
-    <cs:effectRef idx="0"/>
-    <cs:fontRef idx="minor">
-      <a:schemeClr val="tx1"/>
-    </cs:fontRef>
-    <cs:spPr>
-      <a:noFill/>
-      <a:ln>
-        <a:noFill/>
-      </a:ln>
-    </cs:spPr>
-  </cs:floor>
-  <cs:gridlineMajor>
-    <cs:lnRef idx="0"/>
-    <cs:fillRef idx="0"/>
-    <cs:effectRef idx="0"/>
-    <cs:fontRef idx="minor">
-      <a:schemeClr val="tx1"/>
-    </cs:fontRef>
-    <cs:spPr>
-      <a:ln w="9525" cap="flat" cmpd="sng" algn="ctr">
-        <a:solidFill>
-          <a:schemeClr val="tx1">
-            <a:lumMod val="15000"/>
-            <a:lumOff val="85000"/>
-          </a:schemeClr>
-        </a:solidFill>
-        <a:round/>
-      </a:ln>
-    </cs:spPr>
-  </cs:gridlineMajor>
-  <cs:gridlineMinor>
-    <cs:lnRef idx="0"/>
-    <cs:fillRef idx="0"/>
-    <cs:effectRef idx="0"/>
-    <cs:fontRef idx="minor">
-      <a:schemeClr val="tx1"/>
-    </cs:fontRef>
-    <cs:spPr>
-      <a:ln w="9525" cap="flat" cmpd="sng" algn="ctr">
-        <a:solidFill>
-          <a:schemeClr val="tx1">
-            <a:lumMod val="5000"/>
-            <a:lumOff val="95000"/>
-          </a:schemeClr>
-        </a:solidFill>
-        <a:round/>
-      </a:ln>
-    </cs:spPr>
-  </cs:gridlineMinor>
-  <cs:hiLoLine>
-    <cs:lnRef idx="0"/>
-    <cs:fillRef idx="0"/>
-    <cs:effectRef idx="0"/>
-    <cs:fontRef idx="minor">
-      <a:schemeClr val="tx1"/>
-    </cs:fontRef>
-    <cs:spPr>
-      <a:ln w="9525" cap="flat" cmpd="sng" algn="ctr">
-        <a:solidFill>
-          <a:schemeClr val="tx1">
-            <a:lumMod val="50000"/>
-            <a:lumOff val="50000"/>
-          </a:schemeClr>
-        </a:solidFill>
-        <a:round/>
-      </a:ln>
-    </cs:spPr>
-  </cs:hiLoLine>
-  <cs:leaderLine>
-    <cs:lnRef idx="0"/>
-    <cs:fillRef idx="0"/>
-    <cs:effectRef idx="0"/>
-    <cs:fontRef idx="minor">
-      <a:schemeClr val="tx1"/>
-    </cs:fontRef>
-    <cs:spPr>
-      <a:ln w="9525" cap="flat" cmpd="sng" algn="ctr">
-        <a:solidFill>
-          <a:schemeClr val="tx1">
-            <a:lumMod val="35000"/>
-            <a:lumOff val="65000"/>
-          </a:schemeClr>
-        </a:solidFill>
-        <a:round/>
-      </a:ln>
-    </cs:spPr>
-  </cs:leaderLine>
-  <cs:legend>
-    <cs:lnRef idx="0"/>
-    <cs:fillRef idx="0"/>
-    <cs:effectRef idx="0"/>
-    <cs:fontRef idx="minor">
-      <a:schemeClr val="tx1">
-        <a:lumMod val="65000"/>
-        <a:lumOff val="35000"/>
-      </a:schemeClr>
-    </cs:fontRef>
-    <cs:defRPr sz="900" kern="1200"/>
-  </cs:legend>
-  <cs:plotArea mods="allowNoFillOverride allowNoLineOverride">
-    <cs:lnRef idx="0"/>
-    <cs:fillRef idx="0"/>
-    <cs:effectRef idx="0"/>
-    <cs:fontRef idx="minor">
-      <a:schemeClr val="tx1"/>
-    </cs:fontRef>
-  </cs:plotArea>
-  <cs:plotArea3D mods="allowNoFillOverride allowNoLineOverride">
-    <cs:lnRef idx="0"/>
-    <cs:fillRef idx="0"/>
-    <cs:effectRef idx="0"/>
-    <cs:fontRef idx="minor">
-      <a:schemeClr val="tx1"/>
-    </cs:fontRef>
-  </cs:plotArea3D>
-  <cs:seriesAxis>
-    <cs:lnRef idx="0"/>
-    <cs:fillRef idx="0"/>
-    <cs:effectRef idx="0"/>
-    <cs:fontRef idx="minor">
-      <a:schemeClr val="tx1">
-        <a:lumMod val="65000"/>
-        <a:lumOff val="35000"/>
-      </a:schemeClr>
-    </cs:fontRef>
-    <cs:defRPr sz="900" kern="1200"/>
-  </cs:seriesAxis>
-  <cs:seriesLine>
-    <cs:lnRef idx="0"/>
-    <cs:fillRef idx="0"/>
-    <cs:effectRef idx="0"/>
-    <cs:fontRef idx="minor">
-      <a:schemeClr val="tx1"/>
-    </cs:fontRef>
-    <cs:spPr>
-      <a:ln w="9525" cap="flat" cmpd="sng" algn="ctr">
-        <a:solidFill>
-          <a:schemeClr val="tx1">
-            <a:lumMod val="35000"/>
-            <a:lumOff val="65000"/>
-          </a:schemeClr>
-        </a:solidFill>
-        <a:round/>
-      </a:ln>
-    </cs:spPr>
-  </cs:seriesLine>
-  <cs:title>
-    <cs:lnRef idx="0"/>
-    <cs:fillRef idx="0"/>
-    <cs:effectRef idx="0"/>
-    <cs:fontRef idx="minor">
-      <a:schemeClr val="tx1">
-        <a:lumMod val="65000"/>
-        <a:lumOff val="35000"/>
-      </a:schemeClr>
-    </cs:fontRef>
-    <cs:defRPr sz="1400" b="0" kern="1200" spc="0" baseline="0"/>
-  </cs:title>
-  <cs:trendline>
-    <cs:lnRef idx="0">
-      <cs:styleClr val="auto"/>
-    </cs:lnRef>
-    <cs:fillRef idx="0"/>
-    <cs:effectRef idx="0"/>
-    <cs:fontRef idx="minor">
-      <a:schemeClr val="tx1"/>
-    </cs:fontRef>
-    <cs:spPr>
-      <a:ln w="19050" cap="rnd">
-        <a:solidFill>
-          <a:schemeClr val="phClr"/>
-        </a:solidFill>
-        <a:prstDash val="sysDot"/>
-      </a:ln>
-    </cs:spPr>
-  </cs:trendline>
-  <cs:trendlineLabel>
-    <cs:lnRef idx="0"/>
-    <cs:fillRef idx="0"/>
-    <cs:effectRef idx="0"/>
-    <cs:fontRef idx="minor">
-      <a:schemeClr val="tx1">
-        <a:lumMod val="65000"/>
-        <a:lumOff val="35000"/>
-      </a:schemeClr>
-    </cs:fontRef>
-    <cs:defRPr sz="900" kern="1200"/>
-  </cs:trendlineLabel>
-  <cs:upBar>
-    <cs:lnRef idx="0"/>
-    <cs:fillRef idx="0"/>
-    <cs:effectRef idx="0"/>
-    <cs:fontRef idx="minor">
-      <a:schemeClr val="tx1"/>
-    </cs:fontRef>
-    <cs:spPr>
-      <a:solidFill>
-        <a:schemeClr val="lt1"/>
-      </a:solidFill>
-      <a:ln w="9525" cap="flat" cmpd="sng" algn="ctr">
-        <a:solidFill>
-          <a:schemeClr val="tx1">
-            <a:lumMod val="65000"/>
-            <a:lumOff val="35000"/>
-          </a:schemeClr>
-        </a:solidFill>
-        <a:round/>
-      </a:ln>
-    </cs:spPr>
-  </cs:upBar>
-  <cs:valueAxis>
-    <cs:lnRef idx="0"/>
-    <cs:fillRef idx="0"/>
-    <cs:effectRef idx="0"/>
-    <cs:fontRef idx="minor">
-      <a:schemeClr val="tx1">
-        <a:lumMod val="65000"/>
-        <a:lumOff val="35000"/>
-      </a:schemeClr>
-    </cs:fontRef>
-    <cs:spPr>
-      <a:ln w="9525" cap="flat" cmpd="sng" algn="ctr">
-        <a:solidFill>
-          <a:schemeClr val="tx1">
-            <a:lumMod val="25000"/>
-            <a:lumOff val="75000"/>
-          </a:schemeClr>
-        </a:solidFill>
-        <a:round/>
-      </a:ln>
-    </cs:spPr>
-    <cs:defRPr sz="900" kern="1200"/>
-  </cs:valueAxis>
-  <cs:wall>
-    <cs:lnRef idx="0"/>
-    <cs:fillRef idx="0"/>
-    <cs:effectRef idx="0"/>
-    <cs:fontRef idx="minor">
-      <a:schemeClr val="tx1"/>
-    </cs:fontRef>
-    <cs:spPr>
-      <a:noFill/>
-      <a:ln>
-        <a:noFill/>
-      </a:ln>
-    </cs:spPr>
-  </cs:wall>
-</cs:chartStyle>
-</file>
-
 <file path=ppt/handoutMasters/handoutMaster1.xml><?xml version="1.0" encoding="utf-8"?>
 <p:handoutMaster xmlns:a="http://schemas.openxmlformats.org/drawingml/2006/main" xmlns:r="http://schemas.openxmlformats.org/officeDocument/2006/relationships" xmlns:p="http://schemas.openxmlformats.org/presentationml/2006/main">
   <p:cSld>
@@ -6274,7 +4720,7 @@
           <a:p>
             <a:fld id="{C59E093D-FDD9-42D3-92B7-F440FB057357}" type="datetimeFigureOut">
               <a:rPr kumimoji="1" lang="ja-JP" altLang="en-US" smtClean="0"/>
-              <a:t>2016/2/5</a:t>
+              <a:t>2016/2/6</a:t>
             </a:fld>
             <a:endParaRPr kumimoji="1" lang="ja-JP" altLang="en-US" dirty="0"/>
           </a:p>
@@ -6440,7 +4886,7 @@
           <a:p>
             <a:fld id="{E9AF6D4E-1949-442B-9081-390E7ABD133E}" type="datetimeFigureOut">
               <a:rPr kumimoji="1" lang="ja-JP" altLang="en-US" smtClean="0"/>
-              <a:t>2016/2/5</a:t>
+              <a:t>2016/2/6</a:t>
             </a:fld>
             <a:endParaRPr kumimoji="1" lang="ja-JP" altLang="en-US" dirty="0"/>
           </a:p>
@@ -6803,28 +5249,14 @@
               <a:defRPr/>
             </a:pPr>
             <a:r>
-              <a:rPr lang="ja-JP" altLang="en-US" sz="1200" dirty="0" smtClean="0">
+              <a:rPr lang="ja-JP" altLang="en-US" sz="1200" smtClean="0">
                 <a:latin typeface="ＭＳ ゴシック" panose="020B0609070205080204" pitchFamily="49" charset="-128"/>
                 <a:ea typeface="ＭＳ ゴシック" panose="020B0609070205080204" pitchFamily="49" charset="-128"/>
               </a:rPr>
-              <a:t>これからＡ群下田研</a:t>
-            </a:r>
-            <a:r>
-              <a:rPr lang="ja-JP" altLang="en-US" sz="1200" dirty="0" err="1" smtClean="0">
-                <a:latin typeface="ＭＳ ゴシック" panose="020B0609070205080204" pitchFamily="49" charset="-128"/>
-                <a:ea typeface="ＭＳ ゴシック" panose="020B0609070205080204" pitchFamily="49" charset="-128"/>
-              </a:rPr>
-              <a:t>ｂ</a:t>
-            </a:r>
-            <a:r>
-              <a:rPr lang="ja-JP" altLang="en-US" sz="1200" dirty="0" smtClean="0">
-                <a:latin typeface="ＭＳ ゴシック" panose="020B0609070205080204" pitchFamily="49" charset="-128"/>
-                <a:ea typeface="ＭＳ ゴシック" panose="020B0609070205080204" pitchFamily="49" charset="-128"/>
-              </a:rPr>
-              <a:t>班の発表を行います</a:t>
-            </a:r>
-            <a:r>
-              <a:rPr lang="en-US" altLang="ja-JP" sz="1200" dirty="0" smtClean="0">
+              <a:t>これからＡ群下田研ｂ班の発表を行います</a:t>
+            </a:r>
+            <a:r>
+              <a:rPr lang="en-US" altLang="ja-JP" sz="1200" smtClean="0">
                 <a:latin typeface="ＭＳ ゴシック" panose="020B0609070205080204" pitchFamily="49" charset="-128"/>
                 <a:ea typeface="ＭＳ ゴシック" panose="020B0609070205080204" pitchFamily="49" charset="-128"/>
               </a:rPr>
@@ -7409,6 +5841,9 @@
             </a:r>
           </a:p>
           <a:p>
+            <a:endParaRPr kumimoji="1" lang="en-US" altLang="ja-JP" dirty="0" smtClean="0"/>
+          </a:p>
+          <a:p>
             <a:endParaRPr kumimoji="1" lang="ja-JP" altLang="en-US" dirty="0"/>
           </a:p>
         </p:txBody>
@@ -7493,206 +5928,38 @@
           <a:bodyPr/>
           <a:lstStyle/>
           <a:p>
-            <a:r>
-              <a:rPr lang="en-US" altLang="ja-JP" dirty="0" smtClean="0">
-                <a:effectLst/>
-              </a:rPr>
-              <a:t>89</a:t>
-            </a:r>
-            <a:r>
-              <a:rPr lang="ja-JP" altLang="en-US" dirty="0" smtClean="0">
-                <a:effectLst/>
-              </a:rPr>
-              <a:t>件のデータを調査した結果，各平均評価の平均値が</a:t>
-            </a:r>
-            <a:r>
-              <a:rPr lang="en-US" altLang="ja-JP" dirty="0" smtClean="0">
-                <a:effectLst/>
-              </a:rPr>
-              <a:t>3.966884</a:t>
-            </a:r>
-            <a:r>
-              <a:rPr lang="ja-JP" altLang="en-US" dirty="0" err="1" smtClean="0">
-                <a:effectLst/>
-              </a:rPr>
-              <a:t>，</a:t>
-            </a:r>
-            <a:r>
-              <a:rPr lang="ja-JP" altLang="en-US" dirty="0" smtClean="0">
-                <a:effectLst/>
-              </a:rPr>
-              <a:t>各重み付き評価の平均値が</a:t>
-            </a:r>
-            <a:r>
-              <a:rPr lang="en-US" altLang="ja-JP" dirty="0" smtClean="0">
-                <a:effectLst/>
-              </a:rPr>
-              <a:t>0.634423328</a:t>
-            </a:r>
-            <a:r>
-              <a:rPr lang="ja-JP" altLang="en-US" dirty="0" err="1" smtClean="0">
-                <a:effectLst/>
-              </a:rPr>
-              <a:t>，</a:t>
-            </a:r>
-            <a:r>
-              <a:rPr lang="ja-JP" altLang="en-US" dirty="0" smtClean="0">
-                <a:effectLst/>
-              </a:rPr>
-              <a:t>分散比が</a:t>
-            </a:r>
-            <a:r>
-              <a:rPr lang="en-US" altLang="ja-JP" dirty="0" smtClean="0">
-                <a:effectLst/>
-              </a:rPr>
-              <a:t>0.52319547</a:t>
-            </a:r>
-            <a:r>
-              <a:rPr lang="ja-JP" altLang="en-US" dirty="0" err="1" smtClean="0">
-                <a:effectLst/>
-              </a:rPr>
-              <a:t>，</a:t>
-            </a:r>
-            <a:r>
-              <a:rPr lang="en-US" altLang="ja-JP" dirty="0" smtClean="0">
-                <a:effectLst/>
-              </a:rPr>
-              <a:t>P-</a:t>
-            </a:r>
-            <a:r>
-              <a:rPr lang="ja-JP" altLang="en-US" dirty="0" smtClean="0">
-                <a:effectLst/>
-              </a:rPr>
-              <a:t>値が</a:t>
-            </a:r>
-            <a:r>
-              <a:rPr lang="en-US" altLang="ja-JP" dirty="0" smtClean="0">
-                <a:effectLst/>
-              </a:rPr>
-              <a:t>0.47045</a:t>
-            </a:r>
-            <a:r>
-              <a:rPr lang="ja-JP" altLang="en-US" dirty="0" err="1" smtClean="0">
-                <a:effectLst/>
-              </a:rPr>
-              <a:t>，</a:t>
-            </a:r>
-            <a:r>
-              <a:rPr lang="en-US" altLang="ja-JP" dirty="0" smtClean="0">
-                <a:effectLst/>
-              </a:rPr>
-              <a:t>F</a:t>
-            </a:r>
-            <a:r>
-              <a:rPr lang="ja-JP" altLang="en-US" dirty="0" smtClean="0">
-                <a:effectLst/>
-              </a:rPr>
-              <a:t>境界値が</a:t>
-            </a:r>
-            <a:r>
-              <a:rPr lang="en-US" altLang="ja-JP" dirty="0" smtClean="0">
-                <a:effectLst/>
-              </a:rPr>
-              <a:t>3.896742</a:t>
-            </a:r>
-            <a:r>
-              <a:rPr lang="ja-JP" altLang="en-US" dirty="0" smtClean="0">
-                <a:effectLst/>
-              </a:rPr>
-              <a:t>であった．</a:t>
-            </a:r>
-          </a:p>
-          <a:p>
-            <a:r>
-              <a:rPr lang="ja-JP" altLang="en-US" dirty="0" smtClean="0">
-                <a:effectLst/>
-              </a:rPr>
-              <a:t>また，平均評価と重み付き評価の間で相関があり，相関係数は</a:t>
-            </a:r>
-            <a:r>
-              <a:rPr lang="en-US" altLang="ja-JP" dirty="0" smtClean="0">
-                <a:effectLst/>
-              </a:rPr>
-              <a:t>0.97</a:t>
-            </a:r>
-            <a:r>
-              <a:rPr lang="ja-JP" altLang="en-US" dirty="0" smtClean="0">
-                <a:effectLst/>
-              </a:rPr>
-              <a:t>という数値が算出された．</a:t>
-            </a:r>
-          </a:p>
-          <a:p>
-            <a:r>
-              <a:rPr lang="en-US" altLang="ja-JP" dirty="0" smtClean="0">
-                <a:effectLst/>
-              </a:rPr>
-              <a:t>89</a:t>
-            </a:r>
-            <a:r>
-              <a:rPr lang="ja-JP" altLang="en-US" dirty="0" smtClean="0">
-                <a:effectLst/>
-              </a:rPr>
-              <a:t>件合計のレビュー数は</a:t>
-            </a:r>
-            <a:r>
-              <a:rPr lang="en-US" altLang="ja-JP" dirty="0" smtClean="0">
-                <a:effectLst/>
-              </a:rPr>
-              <a:t>27312</a:t>
-            </a:r>
-            <a:r>
-              <a:rPr lang="ja-JP" altLang="en-US" dirty="0" smtClean="0">
-                <a:effectLst/>
-              </a:rPr>
-              <a:t>件であった．</a:t>
-            </a:r>
-          </a:p>
-          <a:p>
-            <a:r>
-              <a:rPr lang="en-US" altLang="ja-JP" dirty="0" smtClean="0">
-                <a:effectLst/>
-              </a:rPr>
-              <a:t>P-</a:t>
-            </a:r>
-            <a:r>
-              <a:rPr lang="ja-JP" altLang="en-US" dirty="0" smtClean="0">
-                <a:effectLst/>
-              </a:rPr>
-              <a:t>値が</a:t>
-            </a:r>
-            <a:r>
-              <a:rPr lang="en-US" altLang="ja-JP" dirty="0" smtClean="0">
-                <a:effectLst/>
-              </a:rPr>
-              <a:t>5%</a:t>
-            </a:r>
-            <a:r>
-              <a:rPr lang="ja-JP" altLang="en-US" dirty="0" smtClean="0">
-                <a:effectLst/>
-              </a:rPr>
-              <a:t>以下で，観測された分散比＜</a:t>
-            </a:r>
-            <a:r>
-              <a:rPr lang="en-US" altLang="ja-JP" dirty="0" smtClean="0">
-                <a:effectLst/>
-              </a:rPr>
-              <a:t>F</a:t>
-            </a:r>
-            <a:r>
-              <a:rPr lang="ja-JP" altLang="en-US" dirty="0" smtClean="0">
-                <a:effectLst/>
-              </a:rPr>
-              <a:t>境界値であるため帰無仮説を棄却できる．</a:t>
-            </a:r>
-          </a:p>
-          <a:p>
-            <a:r>
-              <a:rPr lang="ja-JP" altLang="en-US" dirty="0" smtClean="0">
-                <a:effectLst/>
-              </a:rPr>
-              <a:t>このことから，平均値と重み付き平均値の分散に差がないという帰無仮説を棄却でき，分散があることが分かる．</a:t>
-            </a:r>
+            <a:pPr marL="0" marR="0" indent="0" algn="l" defTabSz="914400" rtl="0" eaLnBrk="1" fontAlgn="auto" latinLnBrk="0" hangingPunct="1">
+              <a:lnSpc>
+                <a:spcPct val="100000"/>
+              </a:lnSpc>
+              <a:spcBef>
+                <a:spcPts val="0"/>
+              </a:spcBef>
+              <a:spcAft>
+                <a:spcPts val="0"/>
+              </a:spcAft>
+              <a:buClrTx/>
+              <a:buSzTx/>
+              <a:buFontTx/>
+              <a:buNone/>
+              <a:tabLst/>
+              <a:defRPr/>
+            </a:pPr>
+            <a:r>
+              <a:rPr lang="ja-JP" altLang="en-US" sz="1200" dirty="0" smtClean="0"/>
+              <a:t>レビューを読んだ人物に「参考になった」</a:t>
+            </a:r>
+            <a:r>
+              <a:rPr lang="ja-JP" altLang="en-US" sz="1200" dirty="0" err="1" smtClean="0"/>
+              <a:t>か</a:t>
+            </a:r>
+            <a:r>
+              <a:rPr lang="ja-JP" altLang="en-US" sz="1200" dirty="0" smtClean="0"/>
+              <a:t>判断させるシステムを利用し信頼度を上げようと図った．</a:t>
+            </a:r>
+            <a:endParaRPr lang="en-US" altLang="ja-JP" sz="1200" dirty="0" smtClean="0"/>
+          </a:p>
+          <a:p>
             <a:endParaRPr kumimoji="1" lang="ja-JP" altLang="en-US" dirty="0"/>
           </a:p>
         </p:txBody>
@@ -7714,7 +5981,7 @@
           <a:p>
             <a:fld id="{10B37991-4255-4127-A803-43D556378B8F}" type="slidenum">
               <a:rPr kumimoji="1" lang="ja-JP" altLang="en-US" smtClean="0"/>
-              <a:t>16</a:t>
+              <a:t>13</a:t>
             </a:fld>
             <a:endParaRPr kumimoji="1" lang="ja-JP" altLang="en-US" dirty="0"/>
           </a:p>
@@ -7723,7 +5990,7 @@
     </p:spTree>
     <p:extLst>
       <p:ext uri="{BB962C8B-B14F-4D97-AF65-F5344CB8AC3E}">
-        <p14:creationId xmlns:p14="http://schemas.microsoft.com/office/powerpoint/2010/main" val="2151696756"/>
+        <p14:creationId xmlns:p14="http://schemas.microsoft.com/office/powerpoint/2010/main" val="3169013572"/>
       </p:ext>
     </p:extLst>
   </p:cSld>
@@ -7777,206 +6044,6 @@
           <a:bodyPr/>
           <a:lstStyle/>
           <a:p>
-            <a:r>
-              <a:rPr lang="en-US" altLang="ja-JP" dirty="0" smtClean="0">
-                <a:effectLst/>
-              </a:rPr>
-              <a:t>89</a:t>
-            </a:r>
-            <a:r>
-              <a:rPr lang="ja-JP" altLang="en-US" dirty="0" smtClean="0">
-                <a:effectLst/>
-              </a:rPr>
-              <a:t>件のデータを調査した結果，各平均評価の平均値が</a:t>
-            </a:r>
-            <a:r>
-              <a:rPr lang="en-US" altLang="ja-JP" dirty="0" smtClean="0">
-                <a:effectLst/>
-              </a:rPr>
-              <a:t>3.966884</a:t>
-            </a:r>
-            <a:r>
-              <a:rPr lang="ja-JP" altLang="en-US" dirty="0" err="1" smtClean="0">
-                <a:effectLst/>
-              </a:rPr>
-              <a:t>，</a:t>
-            </a:r>
-            <a:r>
-              <a:rPr lang="ja-JP" altLang="en-US" dirty="0" smtClean="0">
-                <a:effectLst/>
-              </a:rPr>
-              <a:t>各重み付き評価の平均値が</a:t>
-            </a:r>
-            <a:r>
-              <a:rPr lang="en-US" altLang="ja-JP" dirty="0" smtClean="0">
-                <a:effectLst/>
-              </a:rPr>
-              <a:t>0.634423328</a:t>
-            </a:r>
-            <a:r>
-              <a:rPr lang="ja-JP" altLang="en-US" dirty="0" err="1" smtClean="0">
-                <a:effectLst/>
-              </a:rPr>
-              <a:t>，</a:t>
-            </a:r>
-            <a:r>
-              <a:rPr lang="ja-JP" altLang="en-US" dirty="0" smtClean="0">
-                <a:effectLst/>
-              </a:rPr>
-              <a:t>分散比が</a:t>
-            </a:r>
-            <a:r>
-              <a:rPr lang="en-US" altLang="ja-JP" dirty="0" smtClean="0">
-                <a:effectLst/>
-              </a:rPr>
-              <a:t>0.52319547</a:t>
-            </a:r>
-            <a:r>
-              <a:rPr lang="ja-JP" altLang="en-US" dirty="0" err="1" smtClean="0">
-                <a:effectLst/>
-              </a:rPr>
-              <a:t>，</a:t>
-            </a:r>
-            <a:r>
-              <a:rPr lang="en-US" altLang="ja-JP" dirty="0" smtClean="0">
-                <a:effectLst/>
-              </a:rPr>
-              <a:t>P-</a:t>
-            </a:r>
-            <a:r>
-              <a:rPr lang="ja-JP" altLang="en-US" dirty="0" smtClean="0">
-                <a:effectLst/>
-              </a:rPr>
-              <a:t>値が</a:t>
-            </a:r>
-            <a:r>
-              <a:rPr lang="en-US" altLang="ja-JP" dirty="0" smtClean="0">
-                <a:effectLst/>
-              </a:rPr>
-              <a:t>0.47045</a:t>
-            </a:r>
-            <a:r>
-              <a:rPr lang="ja-JP" altLang="en-US" dirty="0" err="1" smtClean="0">
-                <a:effectLst/>
-              </a:rPr>
-              <a:t>，</a:t>
-            </a:r>
-            <a:r>
-              <a:rPr lang="en-US" altLang="ja-JP" dirty="0" smtClean="0">
-                <a:effectLst/>
-              </a:rPr>
-              <a:t>F</a:t>
-            </a:r>
-            <a:r>
-              <a:rPr lang="ja-JP" altLang="en-US" dirty="0" smtClean="0">
-                <a:effectLst/>
-              </a:rPr>
-              <a:t>境界値が</a:t>
-            </a:r>
-            <a:r>
-              <a:rPr lang="en-US" altLang="ja-JP" dirty="0" smtClean="0">
-                <a:effectLst/>
-              </a:rPr>
-              <a:t>3.896742</a:t>
-            </a:r>
-            <a:r>
-              <a:rPr lang="ja-JP" altLang="en-US" dirty="0" smtClean="0">
-                <a:effectLst/>
-              </a:rPr>
-              <a:t>であった．</a:t>
-            </a:r>
-          </a:p>
-          <a:p>
-            <a:r>
-              <a:rPr lang="ja-JP" altLang="en-US" dirty="0" smtClean="0">
-                <a:effectLst/>
-              </a:rPr>
-              <a:t>また，平均評価と重み付き評価の間で相関があり，相関係数は</a:t>
-            </a:r>
-            <a:r>
-              <a:rPr lang="en-US" altLang="ja-JP" dirty="0" smtClean="0">
-                <a:effectLst/>
-              </a:rPr>
-              <a:t>0.97</a:t>
-            </a:r>
-            <a:r>
-              <a:rPr lang="ja-JP" altLang="en-US" dirty="0" smtClean="0">
-                <a:effectLst/>
-              </a:rPr>
-              <a:t>という数値が算出された．</a:t>
-            </a:r>
-          </a:p>
-          <a:p>
-            <a:r>
-              <a:rPr lang="en-US" altLang="ja-JP" dirty="0" smtClean="0">
-                <a:effectLst/>
-              </a:rPr>
-              <a:t>89</a:t>
-            </a:r>
-            <a:r>
-              <a:rPr lang="ja-JP" altLang="en-US" dirty="0" smtClean="0">
-                <a:effectLst/>
-              </a:rPr>
-              <a:t>件合計のレビュー数は</a:t>
-            </a:r>
-            <a:r>
-              <a:rPr lang="en-US" altLang="ja-JP" dirty="0" smtClean="0">
-                <a:effectLst/>
-              </a:rPr>
-              <a:t>27312</a:t>
-            </a:r>
-            <a:r>
-              <a:rPr lang="ja-JP" altLang="en-US" dirty="0" smtClean="0">
-                <a:effectLst/>
-              </a:rPr>
-              <a:t>件であった．</a:t>
-            </a:r>
-          </a:p>
-          <a:p>
-            <a:r>
-              <a:rPr lang="en-US" altLang="ja-JP" dirty="0" smtClean="0">
-                <a:effectLst/>
-              </a:rPr>
-              <a:t>P-</a:t>
-            </a:r>
-            <a:r>
-              <a:rPr lang="ja-JP" altLang="en-US" dirty="0" smtClean="0">
-                <a:effectLst/>
-              </a:rPr>
-              <a:t>値が</a:t>
-            </a:r>
-            <a:r>
-              <a:rPr lang="en-US" altLang="ja-JP" dirty="0" smtClean="0">
-                <a:effectLst/>
-              </a:rPr>
-              <a:t>5%</a:t>
-            </a:r>
-            <a:r>
-              <a:rPr lang="ja-JP" altLang="en-US" dirty="0" smtClean="0">
-                <a:effectLst/>
-              </a:rPr>
-              <a:t>以下で，観測された分散比＜</a:t>
-            </a:r>
-            <a:r>
-              <a:rPr lang="en-US" altLang="ja-JP" dirty="0" smtClean="0">
-                <a:effectLst/>
-              </a:rPr>
-              <a:t>F</a:t>
-            </a:r>
-            <a:r>
-              <a:rPr lang="ja-JP" altLang="en-US" dirty="0" smtClean="0">
-                <a:effectLst/>
-              </a:rPr>
-              <a:t>境界値であるため帰無仮説を棄却できる．</a:t>
-            </a:r>
-          </a:p>
-          <a:p>
-            <a:r>
-              <a:rPr lang="ja-JP" altLang="en-US" dirty="0" smtClean="0">
-                <a:effectLst/>
-              </a:rPr>
-              <a:t>このことから，平均値と重み付き平均値の分散に差がないという帰無仮説を棄却でき，分散があることが分かる．</a:t>
-            </a:r>
             <a:endParaRPr kumimoji="1" lang="ja-JP" altLang="en-US" dirty="0"/>
           </a:p>
         </p:txBody>
@@ -7998,7 +6065,7 @@
           <a:p>
             <a:fld id="{10B37991-4255-4127-A803-43D556378B8F}" type="slidenum">
               <a:rPr kumimoji="1" lang="ja-JP" altLang="en-US" smtClean="0"/>
-              <a:t>18</a:t>
+              <a:t>16</a:t>
             </a:fld>
             <a:endParaRPr kumimoji="1" lang="ja-JP" altLang="en-US" dirty="0"/>
           </a:p>
@@ -8007,7 +6074,7 @@
     </p:spTree>
     <p:extLst>
       <p:ext uri="{BB962C8B-B14F-4D97-AF65-F5344CB8AC3E}">
-        <p14:creationId xmlns:p14="http://schemas.microsoft.com/office/powerpoint/2010/main" val="407745618"/>
+        <p14:creationId xmlns:p14="http://schemas.microsoft.com/office/powerpoint/2010/main" val="3427979798"/>
       </p:ext>
     </p:extLst>
   </p:cSld>
@@ -8082,7 +6149,7 @@
           <a:p>
             <a:fld id="{10B37991-4255-4127-A803-43D556378B8F}" type="slidenum">
               <a:rPr kumimoji="1" lang="ja-JP" altLang="en-US" smtClean="0"/>
-              <a:t>19</a:t>
+              <a:t>17</a:t>
             </a:fld>
             <a:endParaRPr kumimoji="1" lang="ja-JP" altLang="en-US" dirty="0"/>
           </a:p>
@@ -8091,7 +6158,7 @@
     </p:spTree>
     <p:extLst>
       <p:ext uri="{BB962C8B-B14F-4D97-AF65-F5344CB8AC3E}">
-        <p14:creationId xmlns:p14="http://schemas.microsoft.com/office/powerpoint/2010/main" val="3427979798"/>
+        <p14:creationId xmlns:p14="http://schemas.microsoft.com/office/powerpoint/2010/main" val="1345000835"/>
       </p:ext>
     </p:extLst>
   </p:cSld>
@@ -8166,7 +6233,7 @@
           <a:p>
             <a:fld id="{10B37991-4255-4127-A803-43D556378B8F}" type="slidenum">
               <a:rPr kumimoji="1" lang="ja-JP" altLang="en-US" smtClean="0"/>
-              <a:t>20</a:t>
+              <a:t>18</a:t>
             </a:fld>
             <a:endParaRPr kumimoji="1" lang="ja-JP" altLang="en-US" dirty="0"/>
           </a:p>
@@ -8175,7 +6242,7 @@
     </p:spTree>
     <p:extLst>
       <p:ext uri="{BB962C8B-B14F-4D97-AF65-F5344CB8AC3E}">
-        <p14:creationId xmlns:p14="http://schemas.microsoft.com/office/powerpoint/2010/main" val="1345000835"/>
+        <p14:creationId xmlns:p14="http://schemas.microsoft.com/office/powerpoint/2010/main" val="1148798108"/>
       </p:ext>
     </p:extLst>
   </p:cSld>
@@ -8250,7 +6317,7 @@
           <a:p>
             <a:fld id="{10B37991-4255-4127-A803-43D556378B8F}" type="slidenum">
               <a:rPr kumimoji="1" lang="ja-JP" altLang="en-US" smtClean="0"/>
-              <a:t>21</a:t>
+              <a:t>19</a:t>
             </a:fld>
             <a:endParaRPr kumimoji="1" lang="ja-JP" altLang="en-US" dirty="0"/>
           </a:p>
@@ -8259,7 +6326,7 @@
     </p:spTree>
     <p:extLst>
       <p:ext uri="{BB962C8B-B14F-4D97-AF65-F5344CB8AC3E}">
-        <p14:creationId xmlns:p14="http://schemas.microsoft.com/office/powerpoint/2010/main" val="1148798108"/>
+        <p14:creationId xmlns:p14="http://schemas.microsoft.com/office/powerpoint/2010/main" val="1325112468"/>
       </p:ext>
     </p:extLst>
   </p:cSld>
@@ -8334,7 +6401,7 @@
           <a:p>
             <a:fld id="{10B37991-4255-4127-A803-43D556378B8F}" type="slidenum">
               <a:rPr kumimoji="1" lang="ja-JP" altLang="en-US" smtClean="0"/>
-              <a:t>22</a:t>
+              <a:t>20</a:t>
             </a:fld>
             <a:endParaRPr kumimoji="1" lang="ja-JP" altLang="en-US" dirty="0"/>
           </a:p>
@@ -8343,7 +6410,7 @@
     </p:spTree>
     <p:extLst>
       <p:ext uri="{BB962C8B-B14F-4D97-AF65-F5344CB8AC3E}">
-        <p14:creationId xmlns:p14="http://schemas.microsoft.com/office/powerpoint/2010/main" val="1325112468"/>
+        <p14:creationId xmlns:p14="http://schemas.microsoft.com/office/powerpoint/2010/main" val="982714782"/>
       </p:ext>
     </p:extLst>
   </p:cSld>
@@ -8397,6 +6464,23 @@
           <a:bodyPr/>
           <a:lstStyle/>
           <a:p>
+            <a:pPr marL="0" marR="0" indent="0" algn="l" defTabSz="914400" rtl="0" eaLnBrk="1" fontAlgn="auto" latinLnBrk="0" hangingPunct="1">
+              <a:lnSpc>
+                <a:spcPct val="100000"/>
+              </a:lnSpc>
+              <a:spcBef>
+                <a:spcPts val="0"/>
+              </a:spcBef>
+              <a:spcAft>
+                <a:spcPts val="0"/>
+              </a:spcAft>
+              <a:buClrTx/>
+              <a:buSzTx/>
+              <a:buFontTx/>
+              <a:buNone/>
+              <a:tabLst/>
+              <a:defRPr/>
+            </a:pPr>
             <a:endParaRPr kumimoji="1" lang="ja-JP" altLang="en-US" dirty="0"/>
           </a:p>
         </p:txBody>
@@ -8418,7 +6502,7 @@
           <a:p>
             <a:fld id="{10B37991-4255-4127-A803-43D556378B8F}" type="slidenum">
               <a:rPr kumimoji="1" lang="ja-JP" altLang="en-US" smtClean="0"/>
-              <a:t>23</a:t>
+              <a:t>21</a:t>
             </a:fld>
             <a:endParaRPr kumimoji="1" lang="ja-JP" altLang="en-US" dirty="0"/>
           </a:p>
@@ -8427,7 +6511,7 @@
     </p:spTree>
     <p:extLst>
       <p:ext uri="{BB962C8B-B14F-4D97-AF65-F5344CB8AC3E}">
-        <p14:creationId xmlns:p14="http://schemas.microsoft.com/office/powerpoint/2010/main" val="982714782"/>
+        <p14:creationId xmlns:p14="http://schemas.microsoft.com/office/powerpoint/2010/main" val="3357964322"/>
       </p:ext>
     </p:extLst>
   </p:cSld>
@@ -8519,7 +6603,7 @@
           <a:p>
             <a:fld id="{10B37991-4255-4127-A803-43D556378B8F}" type="slidenum">
               <a:rPr kumimoji="1" lang="ja-JP" altLang="en-US" smtClean="0"/>
-              <a:t>24</a:t>
+              <a:t>22</a:t>
             </a:fld>
             <a:endParaRPr kumimoji="1" lang="ja-JP" altLang="en-US" dirty="0"/>
           </a:p>
@@ -8528,7 +6612,7 @@
     </p:spTree>
     <p:extLst>
       <p:ext uri="{BB962C8B-B14F-4D97-AF65-F5344CB8AC3E}">
-        <p14:creationId xmlns:p14="http://schemas.microsoft.com/office/powerpoint/2010/main" val="3357964322"/>
+        <p14:creationId xmlns:p14="http://schemas.microsoft.com/office/powerpoint/2010/main" val="497631961"/>
       </p:ext>
     </p:extLst>
   </p:cSld>
@@ -8755,7 +6839,7 @@
           <a:p>
             <a:fld id="{10B37991-4255-4127-A803-43D556378B8F}" type="slidenum">
               <a:rPr kumimoji="1" lang="ja-JP" altLang="en-US" smtClean="0"/>
-              <a:t>25</a:t>
+              <a:t>23</a:t>
             </a:fld>
             <a:endParaRPr kumimoji="1" lang="ja-JP" altLang="en-US" dirty="0"/>
           </a:p>
@@ -8764,7 +6848,7 @@
     </p:spTree>
     <p:extLst>
       <p:ext uri="{BB962C8B-B14F-4D97-AF65-F5344CB8AC3E}">
-        <p14:creationId xmlns:p14="http://schemas.microsoft.com/office/powerpoint/2010/main" val="497631961"/>
+        <p14:creationId xmlns:p14="http://schemas.microsoft.com/office/powerpoint/2010/main" val="1362873802"/>
       </p:ext>
     </p:extLst>
   </p:cSld>
@@ -8818,160 +6902,19 @@
           <a:bodyPr/>
           <a:lstStyle/>
           <a:p>
-            <a:pPr marL="0" marR="0" indent="0" algn="l" defTabSz="914400" rtl="0" eaLnBrk="1" fontAlgn="auto" latinLnBrk="0" hangingPunct="1">
-              <a:lnSpc>
-                <a:spcPct val="100000"/>
-              </a:lnSpc>
-              <a:spcBef>
-                <a:spcPts val="0"/>
-              </a:spcBef>
-              <a:spcAft>
-                <a:spcPts val="0"/>
-              </a:spcAft>
-              <a:buClrTx/>
-              <a:buSzTx/>
-              <a:buFontTx/>
-              <a:buNone/>
-              <a:tabLst/>
-              <a:defRPr/>
-            </a:pPr>
-            <a:r>
-              <a:rPr lang="en-US" altLang="ja-JP" dirty="0" smtClean="0"/>
-              <a:t>9</a:t>
-            </a:r>
-            <a:r>
-              <a:rPr lang="ja-JP" altLang="en-US" dirty="0" smtClean="0"/>
-              <a:t>件合計のレビュー数は</a:t>
-            </a:r>
-            <a:r>
-              <a:rPr lang="en-US" altLang="ja-JP" dirty="0" smtClean="0"/>
-              <a:t>1506</a:t>
-            </a:r>
-            <a:r>
-              <a:rPr lang="ja-JP" altLang="en-US" dirty="0" smtClean="0"/>
-              <a:t>件であった．</a:t>
-            </a:r>
-            <a:endParaRPr lang="en-US" altLang="ja-JP" dirty="0" smtClean="0"/>
-          </a:p>
-          <a:p>
-            <a:pPr marL="0" marR="0" indent="0" algn="l" defTabSz="914400" rtl="0" eaLnBrk="1" fontAlgn="auto" latinLnBrk="0" hangingPunct="1">
-              <a:lnSpc>
-                <a:spcPct val="100000"/>
-              </a:lnSpc>
-              <a:spcBef>
-                <a:spcPts val="0"/>
-              </a:spcBef>
-              <a:spcAft>
-                <a:spcPts val="0"/>
-              </a:spcAft>
-              <a:buClrTx/>
-              <a:buSzTx/>
-              <a:buFontTx/>
-              <a:buNone/>
-              <a:tabLst/>
-              <a:defRPr/>
-            </a:pPr>
-            <a:endParaRPr lang="en-US" altLang="ja-JP" dirty="0" smtClean="0"/>
-          </a:p>
-          <a:p>
-            <a:pPr marL="0" marR="0" indent="0" algn="l" defTabSz="914400" rtl="0" eaLnBrk="1" fontAlgn="auto" latinLnBrk="0" hangingPunct="1">
-              <a:lnSpc>
-                <a:spcPct val="100000"/>
-              </a:lnSpc>
-              <a:spcBef>
-                <a:spcPts val="0"/>
-              </a:spcBef>
-              <a:spcAft>
-                <a:spcPts val="0"/>
-              </a:spcAft>
-              <a:buClrTx/>
-              <a:buSzTx/>
-              <a:buFontTx/>
-              <a:buNone/>
-              <a:tabLst/>
-              <a:defRPr/>
-            </a:pPr>
-            <a:endParaRPr lang="ja-JP" altLang="en-US" dirty="0" smtClean="0"/>
-          </a:p>
-          <a:p>
             <a:r>
               <a:rPr kumimoji="1" lang="ja-JP" altLang="en-US" dirty="0" smtClean="0"/>
-              <a:t>平均値と重み付き評価値は相関係数が</a:t>
+              <a:t>今回の発表で話す内容は次の通りになります</a:t>
             </a:r>
             <a:r>
               <a:rPr kumimoji="1" lang="en-US" altLang="ja-JP" dirty="0" smtClean="0"/>
-              <a:t>0.97 </a:t>
+              <a:t>.</a:t>
             </a:r>
             <a:r>
               <a:rPr kumimoji="1" lang="ja-JP" altLang="en-US" dirty="0" smtClean="0"/>
-              <a:t>であった．購入者のみの重み付き評価値は相</a:t>
-            </a:r>
-          </a:p>
-          <a:p>
-            <a:r>
-              <a:rPr kumimoji="1" lang="ja-JP" altLang="en-US" dirty="0" smtClean="0"/>
-              <a:t>関係数</a:t>
-            </a:r>
-            <a:r>
-              <a:rPr kumimoji="1" lang="en-US" altLang="ja-JP" dirty="0" smtClean="0"/>
-              <a:t>0.5 </a:t>
-            </a:r>
-            <a:r>
-              <a:rPr kumimoji="1" lang="ja-JP" altLang="en-US" dirty="0" smtClean="0"/>
-              <a:t>であった．よって購入者のみの相関係数のほうが相関が低いと言える．</a:t>
-            </a:r>
-          </a:p>
-          <a:p>
-            <a:r>
-              <a:rPr kumimoji="1" lang="ja-JP" altLang="en-US" dirty="0" smtClean="0"/>
-              <a:t>このことから，レビューデータ全体から分析する方法に比べ，相関が低い結果が出た購</a:t>
-            </a:r>
-          </a:p>
-          <a:p>
-            <a:r>
-              <a:rPr kumimoji="1" lang="ja-JP" altLang="en-US" dirty="0" smtClean="0"/>
-              <a:t>入者に絞ったレビューデータから参考になったと答えた比率を分析すれば平均値より正確</a:t>
-            </a:r>
-          </a:p>
-          <a:p>
-            <a:r>
-              <a:rPr kumimoji="1" lang="ja-JP" altLang="en-US" dirty="0" smtClean="0"/>
-              <a:t>な商品の評価がわかる可能性が高いと言える．</a:t>
-            </a:r>
-          </a:p>
-          <a:p>
-            <a:r>
-              <a:rPr kumimoji="1" lang="ja-JP" altLang="en-US" dirty="0" smtClean="0"/>
-              <a:t>目標である対象の商品が参考であるかの比率を踏まえた評価を出し，平均評価と</a:t>
-            </a:r>
-            <a:r>
-              <a:rPr kumimoji="1" lang="ja-JP" altLang="en-US" dirty="0" err="1" smtClean="0"/>
-              <a:t>比較す</a:t>
-            </a:r>
-            <a:endParaRPr kumimoji="1" lang="ja-JP" altLang="en-US" dirty="0" smtClean="0"/>
-          </a:p>
-          <a:p>
-            <a:r>
-              <a:rPr kumimoji="1" lang="ja-JP" altLang="en-US" dirty="0" smtClean="0"/>
-              <a:t>ることには成功した．購入者で絞った結果，そのほうが信頼できる評価になると推測でき</a:t>
-            </a:r>
-          </a:p>
-          <a:p>
-            <a:r>
-              <a:rPr kumimoji="1" lang="ja-JP" altLang="en-US" dirty="0" err="1" smtClean="0"/>
-              <a:t>るが</a:t>
-            </a:r>
-            <a:r>
-              <a:rPr kumimoji="1" lang="ja-JP" altLang="en-US" dirty="0" smtClean="0"/>
-              <a:t>件数が少ないので断定できない．これらのツールを使いさらに項目数を増やすことで</a:t>
-            </a:r>
-          </a:p>
-          <a:p>
-            <a:r>
-              <a:rPr kumimoji="1" lang="ja-JP" altLang="en-US" dirty="0" smtClean="0"/>
-              <a:t>信頼できる度合いがさらに高くなることだろう．</a:t>
-            </a:r>
-            <a:endParaRPr kumimoji="1" lang="ja-JP" altLang="en-US" dirty="0"/>
+              <a:t>　</a:t>
+            </a:r>
+            <a:endParaRPr kumimoji="1" lang="en-US" altLang="ja-JP" dirty="0" smtClean="0"/>
           </a:p>
         </p:txBody>
       </p:sp>
@@ -8992,7 +6935,7 @@
           <a:p>
             <a:fld id="{10B37991-4255-4127-A803-43D556378B8F}" type="slidenum">
               <a:rPr kumimoji="1" lang="ja-JP" altLang="en-US" smtClean="0"/>
-              <a:t>26</a:t>
+              <a:t>24</a:t>
             </a:fld>
             <a:endParaRPr kumimoji="1" lang="ja-JP" altLang="en-US" dirty="0"/>
           </a:p>
@@ -9001,7 +6944,7 @@
     </p:spTree>
     <p:extLst>
       <p:ext uri="{BB962C8B-B14F-4D97-AF65-F5344CB8AC3E}">
-        <p14:creationId xmlns:p14="http://schemas.microsoft.com/office/powerpoint/2010/main" val="1362873802"/>
+        <p14:creationId xmlns:p14="http://schemas.microsoft.com/office/powerpoint/2010/main" val="2831130098"/>
       </p:ext>
     </p:extLst>
   </p:cSld>
@@ -9055,19 +6998,7 @@
           <a:bodyPr/>
           <a:lstStyle/>
           <a:p>
-            <a:r>
-              <a:rPr kumimoji="1" lang="ja-JP" altLang="en-US" dirty="0" smtClean="0"/>
-              <a:t>今回の発表で話す内容は次の通りになります</a:t>
-            </a:r>
-            <a:r>
-              <a:rPr kumimoji="1" lang="en-US" altLang="ja-JP" dirty="0" smtClean="0"/>
-              <a:t>.</a:t>
-            </a:r>
-            <a:r>
-              <a:rPr kumimoji="1" lang="ja-JP" altLang="en-US" dirty="0" smtClean="0"/>
-              <a:t>　</a:t>
-            </a:r>
-            <a:endParaRPr kumimoji="1" lang="en-US" altLang="ja-JP" dirty="0" smtClean="0"/>
+            <a:endParaRPr kumimoji="1" lang="ja-JP" altLang="en-US" dirty="0"/>
           </a:p>
         </p:txBody>
       </p:sp>
@@ -9088,91 +7019,7 @@
           <a:p>
             <a:fld id="{10B37991-4255-4127-A803-43D556378B8F}" type="slidenum">
               <a:rPr kumimoji="1" lang="ja-JP" altLang="en-US" smtClean="0"/>
-              <a:t>27</a:t>
-            </a:fld>
-            <a:endParaRPr kumimoji="1" lang="ja-JP" altLang="en-US" dirty="0"/>
-          </a:p>
-        </p:txBody>
-      </p:sp>
-    </p:spTree>
-    <p:extLst>
-      <p:ext uri="{BB962C8B-B14F-4D97-AF65-F5344CB8AC3E}">
-        <p14:creationId xmlns:p14="http://schemas.microsoft.com/office/powerpoint/2010/main" val="2831130098"/>
-      </p:ext>
-    </p:extLst>
-  </p:cSld>
-  <p:clrMapOvr>
-    <a:masterClrMapping/>
-  </p:clrMapOvr>
-</p:notes>
-</file>
-
-<file path=ppt/notesSlides/notesSlide23.xml><?xml version="1.0" encoding="utf-8"?>
-<p:notes xmlns:a="http://schemas.openxmlformats.org/drawingml/2006/main" xmlns:r="http://schemas.openxmlformats.org/officeDocument/2006/relationships" xmlns:p="http://schemas.openxmlformats.org/presentationml/2006/main">
-  <p:cSld>
-    <p:spTree>
-      <p:nvGrpSpPr>
-        <p:cNvPr id="1" name=""/>
-        <p:cNvGrpSpPr/>
-        <p:nvPr/>
-      </p:nvGrpSpPr>
-      <p:grpSpPr>
-        <a:xfrm>
-          <a:off x="0" y="0"/>
-          <a:ext cx="0" cy="0"/>
-          <a:chOff x="0" y="0"/>
-          <a:chExt cx="0" cy="0"/>
-        </a:xfrm>
-      </p:grpSpPr>
-      <p:sp>
-        <p:nvSpPr>
-          <p:cNvPr id="2" name="スライド イメージ プレースホルダー 1"/>
-          <p:cNvSpPr>
-            <a:spLocks noGrp="1" noRot="1" noChangeAspect="1"/>
-          </p:cNvSpPr>
-          <p:nvPr>
-            <p:ph type="sldImg"/>
-          </p:nvPr>
-        </p:nvSpPr>
-        <p:spPr/>
-      </p:sp>
-      <p:sp>
-        <p:nvSpPr>
-          <p:cNvPr id="3" name="ノート プレースホルダー 2"/>
-          <p:cNvSpPr>
-            <a:spLocks noGrp="1"/>
-          </p:cNvSpPr>
-          <p:nvPr>
-            <p:ph type="body" idx="1"/>
-          </p:nvPr>
-        </p:nvSpPr>
-        <p:spPr/>
-        <p:txBody>
-          <a:bodyPr/>
-          <a:lstStyle/>
-          <a:p>
-            <a:endParaRPr kumimoji="1" lang="ja-JP" altLang="en-US" dirty="0"/>
-          </a:p>
-        </p:txBody>
-      </p:sp>
-      <p:sp>
-        <p:nvSpPr>
-          <p:cNvPr id="4" name="スライド番号プレースホルダー 3"/>
-          <p:cNvSpPr>
-            <a:spLocks noGrp="1"/>
-          </p:cNvSpPr>
-          <p:nvPr>
-            <p:ph type="sldNum" sz="quarter" idx="10"/>
-          </p:nvPr>
-        </p:nvSpPr>
-        <p:spPr/>
-        <p:txBody>
-          <a:bodyPr/>
-          <a:lstStyle/>
-          <a:p>
-            <a:fld id="{10B37991-4255-4127-A803-43D556378B8F}" type="slidenum">
-              <a:rPr kumimoji="1" lang="ja-JP" altLang="en-US" smtClean="0"/>
-              <a:t>28</a:t>
+              <a:t>25</a:t>
             </a:fld>
             <a:endParaRPr kumimoji="1" lang="ja-JP" altLang="en-US" dirty="0"/>
           </a:p>
@@ -12169,10 +10016,20 @@
                 <a:ea typeface="+mn-ea"/>
                 <a:cs typeface="+mn-cs"/>
               </a:rPr>
-              <a:t>グラフからインターネット経由での支出，注文率が増加していることからインターネットを利用している通信販売サイトの重要性がわかります．</a:t>
-            </a:r>
-          </a:p>
-          <a:p>
+              <a:t>グラフからインターネット経由での支出，注文率が増加していることからインターネットを利用している通信販売サイトの</a:t>
+            </a:r>
+            <a:r>
+              <a:rPr kumimoji="1" lang="ja-JP" altLang="en-US" sz="1200" kern="1200" dirty="0" smtClean="0">
+                <a:solidFill>
+                  <a:schemeClr val="tx1"/>
+                </a:solidFill>
+                <a:effectLst/>
+                <a:latin typeface="+mn-lt"/>
+                <a:ea typeface="+mn-ea"/>
+                <a:cs typeface="+mn-cs"/>
+              </a:rPr>
+              <a:t>需要の高さがうかがえます．</a:t>
+            </a:r>
             <a:endParaRPr kumimoji="1" lang="ja-JP" altLang="en-US" dirty="0"/>
           </a:p>
         </p:txBody>
@@ -12559,7 +10416,7 @@
           <a:p>
             <a:fld id="{DF11A6B3-01A9-491D-9492-E11B185432A5}" type="datetime1">
               <a:rPr kumimoji="1" lang="ja-JP" altLang="en-US" smtClean="0"/>
-              <a:t>2016/2/5</a:t>
+              <a:t>2016/2/6</a:t>
             </a:fld>
             <a:endParaRPr kumimoji="1" lang="ja-JP" altLang="en-US" dirty="0"/>
           </a:p>
@@ -12777,7 +10634,7 @@
           <a:p>
             <a:fld id="{1BE1FADC-2125-4CA8-AEFF-08FEC35543F4}" type="datetime1">
               <a:rPr kumimoji="1" lang="ja-JP" altLang="en-US" smtClean="0"/>
-              <a:t>2016/2/5</a:t>
+              <a:t>2016/2/6</a:t>
             </a:fld>
             <a:endParaRPr kumimoji="1" lang="ja-JP" altLang="en-US" dirty="0"/>
           </a:p>
@@ -12991,7 +10848,7 @@
           <a:p>
             <a:fld id="{37AB47FA-0757-49A6-89F3-B3DC32151838}" type="datetime1">
               <a:rPr kumimoji="1" lang="ja-JP" altLang="en-US" smtClean="0"/>
-              <a:t>2016/2/5</a:t>
+              <a:t>2016/2/6</a:t>
             </a:fld>
             <a:endParaRPr kumimoji="1" lang="ja-JP" altLang="en-US" dirty="0"/>
           </a:p>
@@ -13216,7 +11073,7 @@
           <a:p>
             <a:fld id="{787163D9-1DD6-4E72-AD2B-7FB92F7BF1EF}" type="datetime1">
               <a:rPr kumimoji="1" lang="ja-JP" altLang="en-US" smtClean="0"/>
-              <a:t>2016/2/5</a:t>
+              <a:t>2016/2/6</a:t>
             </a:fld>
             <a:endParaRPr kumimoji="1" lang="ja-JP" altLang="en-US" dirty="0"/>
           </a:p>
@@ -13342,7 +11199,7 @@
           <a:p>
             <a:fld id="{491C3ABE-B0AF-4990-8A54-5D5A08096821}" type="datetime1">
               <a:rPr kumimoji="1" lang="ja-JP" altLang="en-US" smtClean="0"/>
-              <a:t>2016/2/5</a:t>
+              <a:t>2016/2/6</a:t>
             </a:fld>
             <a:endParaRPr kumimoji="1" lang="ja-JP" altLang="en-US" dirty="0"/>
           </a:p>
@@ -13795,7 +11652,7 @@
           <a:p>
             <a:fld id="{49E28454-C1E7-4BF6-B840-71FCE1C40326}" type="datetime1">
               <a:rPr kumimoji="1" lang="ja-JP" altLang="en-US" smtClean="0"/>
-              <a:t>2016/2/5</a:t>
+              <a:t>2016/2/6</a:t>
             </a:fld>
             <a:endParaRPr kumimoji="1" lang="ja-JP" altLang="en-US" dirty="0"/>
           </a:p>
@@ -14304,7 +12161,7 @@
           <a:p>
             <a:fld id="{8EBF019F-02AD-466A-B39A-B6C178231D9A}" type="datetime1">
               <a:rPr kumimoji="1" lang="ja-JP" altLang="en-US" smtClean="0"/>
-              <a:t>2016/2/5</a:t>
+              <a:t>2016/2/6</a:t>
             </a:fld>
             <a:endParaRPr kumimoji="1" lang="ja-JP" altLang="en-US" dirty="0"/>
           </a:p>
@@ -14429,7 +12286,7 @@
           <a:p>
             <a:fld id="{DEFF7505-E23C-4CC6-A1C8-CE68DEC48D32}" type="datetime1">
               <a:rPr kumimoji="1" lang="ja-JP" altLang="en-US" smtClean="0"/>
-              <a:t>2016/2/5</a:t>
+              <a:t>2016/2/6</a:t>
             </a:fld>
             <a:endParaRPr kumimoji="1" lang="ja-JP" altLang="en-US" dirty="0"/>
           </a:p>
@@ -14526,7 +12383,7 @@
           <a:p>
             <a:fld id="{E2DD791C-1CDE-4E70-9EB4-092DBEC2F5A7}" type="datetime1">
               <a:rPr kumimoji="1" lang="ja-JP" altLang="en-US" smtClean="0"/>
-              <a:t>2016/2/5</a:t>
+              <a:t>2016/2/6</a:t>
             </a:fld>
             <a:endParaRPr kumimoji="1" lang="ja-JP" altLang="en-US" dirty="0"/>
           </a:p>
@@ -14849,7 +12706,7 @@
           <a:p>
             <a:fld id="{A8FADB2E-D283-4A62-8327-5930A41E6D0B}" type="datetime1">
               <a:rPr kumimoji="1" lang="ja-JP" altLang="en-US" smtClean="0"/>
-              <a:t>2016/2/5</a:t>
+              <a:t>2016/2/6</a:t>
             </a:fld>
             <a:endParaRPr kumimoji="1" lang="ja-JP" altLang="en-US" dirty="0"/>
           </a:p>
@@ -15118,7 +12975,7 @@
           <a:p>
             <a:fld id="{B38FD3E7-FD25-4904-9B70-CE42A73563F1}" type="datetime1">
               <a:rPr kumimoji="1" lang="ja-JP" altLang="en-US" smtClean="0"/>
-              <a:t>2016/2/5</a:t>
+              <a:t>2016/2/6</a:t>
             </a:fld>
             <a:endParaRPr kumimoji="1" lang="ja-JP" altLang="en-US" dirty="0"/>
           </a:p>
@@ -15432,7 +13289,7 @@
           <a:p>
             <a:fld id="{3783166B-6267-4735-8669-3D2282BE458F}" type="datetime1">
               <a:rPr kumimoji="1" lang="ja-JP" altLang="en-US" smtClean="0"/>
-              <a:t>2016/2/5</a:t>
+              <a:t>2016/2/6</a:t>
             </a:fld>
             <a:endParaRPr kumimoji="1" lang="ja-JP" altLang="en-US" dirty="0"/>
           </a:p>
@@ -16238,11 +14095,7 @@
           <a:p>
             <a:r>
               <a:rPr lang="ja-JP" altLang="en-US" sz="2400" dirty="0" smtClean="0"/>
-              <a:t>表示</a:t>
-            </a:r>
-            <a:r>
-              <a:rPr lang="ja-JP" altLang="en-US" sz="2400" dirty="0" smtClean="0"/>
-              <a:t>している</a:t>
+              <a:t>表示している</a:t>
             </a:r>
             <a:r>
               <a:rPr lang="ja-JP" altLang="en-US" dirty="0" smtClean="0"/>
@@ -16898,6 +14751,36 @@
           <a:chExt cx="0" cy="0"/>
         </a:xfrm>
       </p:grpSpPr>
+      <p:pic>
+        <p:nvPicPr>
+          <p:cNvPr id="7" name="図 6"/>
+          <p:cNvPicPr>
+            <a:picLocks noChangeAspect="1"/>
+          </p:cNvPicPr>
+          <p:nvPr/>
+        </p:nvPicPr>
+        <p:blipFill>
+          <a:blip r:embed="rId3">
+            <a:extLst>
+              <a:ext uri="{28A0092B-C50C-407E-A947-70E740481C1C}">
+                <a14:useLocalDpi xmlns:a14="http://schemas.microsoft.com/office/drawing/2010/main" val="0"/>
+              </a:ext>
+            </a:extLst>
+          </a:blip>
+          <a:stretch>
+            <a:fillRect/>
+          </a:stretch>
+        </p:blipFill>
+        <p:spPr>
+          <a:xfrm>
+            <a:off x="419857" y="1124744"/>
+            <a:ext cx="8387184" cy="2232248"/>
+          </a:xfrm>
+          <a:prstGeom prst="rect">
+            <a:avLst/>
+          </a:prstGeom>
+        </p:spPr>
+      </p:pic>
       <p:sp>
         <p:nvSpPr>
           <p:cNvPr id="3" name="スライド番号プレースホルダー 2"/>
@@ -16964,8 +14847,8 @@
         </p:nvSpPr>
         <p:spPr>
           <a:xfrm>
-            <a:off x="539552" y="1290221"/>
-            <a:ext cx="7992888" cy="5262979"/>
+            <a:off x="446014" y="3506212"/>
+            <a:ext cx="7584640" cy="3046988"/>
           </a:xfrm>
           <a:prstGeom prst="rect">
             <a:avLst/>
@@ -16978,176 +14861,87 @@
           </a:bodyPr>
           <a:lstStyle/>
           <a:p>
-            <a:pPr marL="457200" indent="-457200">
-              <a:buFont typeface="Arial" panose="020B0604020202020204" pitchFamily="34" charset="0"/>
-              <a:buChar char="•"/>
-            </a:pPr>
-            <a:r>
-              <a:rPr kumimoji="1" lang="en-US" altLang="ja-JP" sz="2800" dirty="0" smtClean="0"/>
-              <a:t>Amazon</a:t>
-            </a:r>
-            <a:r>
-              <a:rPr lang="ja-JP" altLang="en-US" sz="2800" dirty="0" smtClean="0"/>
-              <a:t>の商品レビューページを利用</a:t>
-            </a:r>
-            <a:r>
-              <a:rPr lang="ja-JP" altLang="en-US" sz="2800" dirty="0" smtClean="0"/>
-              <a:t>する</a:t>
-            </a:r>
-            <a:endParaRPr lang="en-US" altLang="ja-JP" sz="2800" dirty="0" smtClean="0"/>
-          </a:p>
-          <a:p>
-            <a:pPr marL="457200" indent="-457200">
-              <a:buFont typeface="Arial" panose="020B0604020202020204" pitchFamily="34" charset="0"/>
-              <a:buChar char="•"/>
-            </a:pPr>
-            <a:endParaRPr lang="en-US" altLang="ja-JP" sz="2800" dirty="0"/>
-          </a:p>
-          <a:p>
-            <a:pPr marL="457200" indent="-457200">
-              <a:buFont typeface="Arial" panose="020B0604020202020204" pitchFamily="34" charset="0"/>
-              <a:buChar char="•"/>
-            </a:pPr>
-            <a:r>
-              <a:rPr lang="ja-JP" altLang="en-US" sz="2800" dirty="0" smtClean="0"/>
-              <a:t>商品ページの平均値を求め，これを</a:t>
-            </a:r>
-            <a:r>
-              <a:rPr lang="ja-JP" altLang="en-US" sz="2800" u="sng" dirty="0" smtClean="0"/>
-              <a:t>平均評価</a:t>
-            </a:r>
-            <a:r>
-              <a:rPr lang="ja-JP" altLang="en-US" sz="2800" dirty="0" smtClean="0"/>
-              <a:t>とする</a:t>
-            </a:r>
-            <a:endParaRPr lang="en-US" altLang="ja-JP" sz="2800" dirty="0" smtClean="0"/>
-          </a:p>
-          <a:p>
-            <a:pPr marL="457200" indent="-457200">
-              <a:buFont typeface="Arial" panose="020B0604020202020204" pitchFamily="34" charset="0"/>
-              <a:buChar char="•"/>
-            </a:pPr>
-            <a:endParaRPr kumimoji="1" lang="en-US" altLang="ja-JP" sz="2800" dirty="0"/>
-          </a:p>
-          <a:p>
-            <a:pPr marL="457200" indent="-457200">
-              <a:buFont typeface="Arial" panose="020B0604020202020204" pitchFamily="34" charset="0"/>
-              <a:buChar char="•"/>
-            </a:pPr>
-            <a:r>
-              <a:rPr lang="ja-JP" altLang="en-US" sz="2800" dirty="0" smtClean="0"/>
-              <a:t>商品ページの「レビュー</a:t>
-            </a:r>
-            <a:r>
-              <a:rPr lang="ja-JP" altLang="en-US" sz="2800" dirty="0" smtClean="0"/>
-              <a:t>の</a:t>
-            </a:r>
-            <a:r>
-              <a:rPr lang="ja-JP" altLang="en-US" sz="2800" dirty="0" smtClean="0"/>
-              <a:t>回覧者」と「参考</a:t>
-            </a:r>
-            <a:r>
-              <a:rPr lang="ja-JP" altLang="en-US" sz="2800" dirty="0" smtClean="0"/>
-              <a:t>になったと答えた人物の</a:t>
-            </a:r>
-            <a:r>
-              <a:rPr lang="ja-JP" altLang="en-US" sz="2800" dirty="0" smtClean="0"/>
-              <a:t>比率」を</a:t>
-            </a:r>
-            <a:r>
-              <a:rPr lang="ja-JP" altLang="en-US" sz="2800" dirty="0" smtClean="0"/>
-              <a:t>求め</a:t>
-            </a:r>
-            <a:r>
-              <a:rPr lang="ja-JP" altLang="en-US" sz="2800" dirty="0" smtClean="0"/>
-              <a:t>，平均値にその比率</a:t>
-            </a:r>
-            <a:r>
-              <a:rPr lang="ja-JP" altLang="en-US" sz="2800" dirty="0" smtClean="0"/>
-              <a:t>を</a:t>
-            </a:r>
-            <a:r>
-              <a:rPr lang="ja-JP" altLang="en-US" sz="2800" dirty="0" smtClean="0"/>
-              <a:t>掛ける</a:t>
-            </a:r>
-            <a:r>
-              <a:rPr lang="ja-JP" altLang="en-US" sz="2800" dirty="0"/>
-              <a:t>．</a:t>
-            </a:r>
-            <a:r>
-              <a:rPr lang="ja-JP" altLang="en-US" sz="2800" dirty="0" smtClean="0"/>
-              <a:t>これ</a:t>
-            </a:r>
-            <a:r>
-              <a:rPr lang="ja-JP" altLang="en-US" sz="2800" dirty="0" smtClean="0"/>
-              <a:t>を</a:t>
-            </a:r>
-            <a:r>
-              <a:rPr lang="ja-JP" altLang="en-US" sz="2800" u="sng" dirty="0" smtClean="0"/>
-              <a:t>重み付き</a:t>
-            </a:r>
-            <a:r>
-              <a:rPr lang="ja-JP" altLang="en-US" sz="2800" u="sng" dirty="0" smtClean="0"/>
-              <a:t>平均評価</a:t>
-            </a:r>
-            <a:r>
-              <a:rPr lang="ja-JP" altLang="en-US" sz="2800" dirty="0" smtClean="0"/>
-              <a:t>と</a:t>
-            </a:r>
-            <a:r>
-              <a:rPr lang="ja-JP" altLang="en-US" sz="2800" dirty="0" smtClean="0"/>
-              <a:t>する．</a:t>
-            </a:r>
-            <a:endParaRPr lang="en-US" altLang="ja-JP" sz="2800" dirty="0" smtClean="0"/>
-          </a:p>
-          <a:p>
-            <a:endParaRPr kumimoji="1" lang="en-US" altLang="ja-JP" sz="2800" dirty="0"/>
-          </a:p>
-          <a:p>
-            <a:pPr marL="457200" indent="-457200">
-              <a:buFont typeface="Arial" panose="020B0604020202020204" pitchFamily="34" charset="0"/>
-              <a:buChar char="•"/>
-            </a:pPr>
-            <a:r>
-              <a:rPr lang="en-US" altLang="ja-JP" sz="2800" dirty="0" smtClean="0"/>
-              <a:t>Amazon</a:t>
-            </a:r>
-            <a:r>
-              <a:rPr lang="ja-JP" altLang="en-US" sz="2800" dirty="0" smtClean="0"/>
-              <a:t>で購入した人物のみに絞込み，絞り込まない場合との差異を</a:t>
-            </a:r>
-            <a:r>
-              <a:rPr lang="ja-JP" altLang="en-US" sz="2800" dirty="0"/>
-              <a:t>調べ，アマゾン</a:t>
-            </a:r>
-            <a:r>
-              <a:rPr lang="ja-JP" altLang="en-US" sz="2800" u="sng" dirty="0"/>
-              <a:t>購入者の平均</a:t>
-            </a:r>
-            <a:r>
-              <a:rPr lang="ja-JP" altLang="en-US" sz="2800" u="sng" dirty="0" smtClean="0"/>
-              <a:t>評価</a:t>
-            </a:r>
-            <a:r>
-              <a:rPr lang="ja-JP" altLang="en-US" sz="2800" dirty="0" smtClean="0"/>
-              <a:t>と</a:t>
-            </a:r>
-            <a:r>
-              <a:rPr lang="ja-JP" altLang="en-US" sz="2800" u="sng" dirty="0" smtClean="0"/>
-              <a:t>購入者の重み付き評価</a:t>
-            </a:r>
-            <a:r>
-              <a:rPr lang="ja-JP" altLang="en-US" sz="2800" dirty="0" smtClean="0"/>
-              <a:t>を求める．</a:t>
-            </a:r>
-            <a:endParaRPr lang="ja-JP" altLang="en-US" sz="2800" dirty="0"/>
+            <a:r>
+              <a:rPr lang="ja-JP" altLang="en-US" sz="3200" dirty="0" smtClean="0"/>
+              <a:t>上記の</a:t>
+            </a:r>
+            <a:endParaRPr lang="en-US" altLang="ja-JP" sz="3200" dirty="0" smtClean="0"/>
+          </a:p>
+          <a:p>
+            <a:r>
+              <a:rPr lang="ja-JP" altLang="en-US" sz="3200" dirty="0" smtClean="0"/>
+              <a:t>「○○人中○○人の方が「このレビューが参考になった」と投票しています」</a:t>
+            </a:r>
+            <a:endParaRPr lang="en-US" altLang="ja-JP" sz="3200" dirty="0" smtClean="0"/>
+          </a:p>
+          <a:p>
+            <a:endParaRPr lang="en-US" altLang="ja-JP" sz="3200" dirty="0"/>
+          </a:p>
+          <a:p>
+            <a:r>
+              <a:rPr kumimoji="1" lang="ja-JP" altLang="en-US" sz="3200" dirty="0" smtClean="0"/>
+              <a:t>と記載している部分を使用して</a:t>
+            </a:r>
+          </a:p>
+          <a:p>
+            <a:r>
+              <a:rPr lang="ja-JP" altLang="en-US" sz="3200" dirty="0" smtClean="0"/>
+              <a:t>どの程度の割合が参考になったかを調べる</a:t>
+            </a:r>
+            <a:endParaRPr kumimoji="1" lang="en-US" altLang="ja-JP" sz="3200" dirty="0" smtClean="0"/>
+          </a:p>
+        </p:txBody>
+      </p:sp>
+      <p:sp>
+        <p:nvSpPr>
+          <p:cNvPr id="6" name="円/楕円 5"/>
+          <p:cNvSpPr/>
+          <p:nvPr/>
+        </p:nvSpPr>
+        <p:spPr>
+          <a:xfrm>
+            <a:off x="251520" y="1412776"/>
+            <a:ext cx="5400600" cy="648072"/>
+          </a:xfrm>
+          <a:prstGeom prst="ellipse">
+            <a:avLst/>
+          </a:prstGeom>
+          <a:noFill/>
+          <a:ln>
+            <a:solidFill>
+              <a:srgbClr val="FF0000"/>
+            </a:solidFill>
+          </a:ln>
+        </p:spPr>
+        <p:style>
+          <a:lnRef idx="2">
+            <a:schemeClr val="accent1">
+              <a:shade val="50000"/>
+            </a:schemeClr>
+          </a:lnRef>
+          <a:fillRef idx="1">
+            <a:schemeClr val="accent1"/>
+          </a:fillRef>
+          <a:effectRef idx="0">
+            <a:schemeClr val="accent1"/>
+          </a:effectRef>
+          <a:fontRef idx="minor">
+            <a:schemeClr val="lt1"/>
+          </a:fontRef>
+        </p:style>
+        <p:txBody>
+          <a:bodyPr rtlCol="0" anchor="ctr"/>
+          <a:lstStyle/>
+          <a:p>
+            <a:pPr algn="ctr"/>
+            <a:endParaRPr kumimoji="1" lang="ja-JP" altLang="en-US"/>
           </a:p>
         </p:txBody>
       </p:sp>
     </p:spTree>
     <p:extLst>
       <p:ext uri="{BB962C8B-B14F-4D97-AF65-F5344CB8AC3E}">
-        <p14:creationId xmlns:p14="http://schemas.microsoft.com/office/powerpoint/2010/main" val="1525367692"/>
+        <p14:creationId xmlns:p14="http://schemas.microsoft.com/office/powerpoint/2010/main" val="2484998997"/>
       </p:ext>
     </p:extLst>
   </p:cSld>
@@ -17181,9 +14975,141 @@
           <a:chExt cx="0" cy="0"/>
         </a:xfrm>
       </p:grpSpPr>
+      <p:sp>
+        <p:nvSpPr>
+          <p:cNvPr id="3" name="スライド番号プレースホルダー 2"/>
+          <p:cNvSpPr>
+            <a:spLocks noGrp="1"/>
+          </p:cNvSpPr>
+          <p:nvPr>
+            <p:ph type="sldNum" sz="quarter" idx="11"/>
+          </p:nvPr>
+        </p:nvSpPr>
+        <p:spPr/>
+        <p:txBody>
+          <a:bodyPr/>
+          <a:lstStyle/>
+          <a:p>
+            <a:fld id="{E00335F1-3F40-4BF0-898D-F6D15F346D60}" type="slidenum">
+              <a:rPr kumimoji="1" lang="ja-JP" altLang="en-US" smtClean="0"/>
+              <a:t>14</a:t>
+            </a:fld>
+            <a:endParaRPr kumimoji="1" lang="ja-JP" altLang="en-US" dirty="0"/>
+          </a:p>
+        </p:txBody>
+      </p:sp>
+      <p:sp>
+        <p:nvSpPr>
+          <p:cNvPr id="4" name="テキスト ボックス 3"/>
+          <p:cNvSpPr txBox="1"/>
+          <p:nvPr/>
+        </p:nvSpPr>
+        <p:spPr>
+          <a:xfrm>
+            <a:off x="0" y="348953"/>
+            <a:ext cx="8820472" cy="646331"/>
+          </a:xfrm>
+          <a:prstGeom prst="rect">
+            <a:avLst/>
+          </a:prstGeom>
+          <a:noFill/>
+        </p:spPr>
+        <p:txBody>
+          <a:bodyPr wrap="square" rtlCol="0">
+            <a:spAutoFit/>
+          </a:bodyPr>
+          <a:lstStyle/>
+          <a:p>
+            <a:pPr algn="ctr"/>
+            <a:r>
+              <a:rPr lang="ja-JP" altLang="en-US" sz="3600" b="1" u="sng" dirty="0"/>
+              <a:t>計算</a:t>
+            </a:r>
+            <a:r>
+              <a:rPr lang="ja-JP" altLang="en-US" sz="3600" b="1" u="sng" dirty="0" smtClean="0"/>
+              <a:t>方法</a:t>
+            </a:r>
+            <a:endParaRPr kumimoji="1" lang="ja-JP" altLang="en-US" sz="3600" b="1" u="sng" dirty="0"/>
+          </a:p>
+        </p:txBody>
+      </p:sp>
+      <p:sp>
+        <p:nvSpPr>
+          <p:cNvPr id="2" name="テキスト ボックス 1"/>
+          <p:cNvSpPr txBox="1"/>
+          <p:nvPr/>
+        </p:nvSpPr>
+        <p:spPr>
+          <a:xfrm>
+            <a:off x="443744" y="3573016"/>
+            <a:ext cx="7512632" cy="2554545"/>
+          </a:xfrm>
+          <a:prstGeom prst="rect">
+            <a:avLst/>
+          </a:prstGeom>
+          <a:noFill/>
+        </p:spPr>
+        <p:txBody>
+          <a:bodyPr wrap="square" rtlCol="0">
+            <a:spAutoFit/>
+          </a:bodyPr>
+          <a:lstStyle/>
+          <a:p>
+            <a:r>
+              <a:rPr lang="ja-JP" altLang="en-US" sz="3200" dirty="0" smtClean="0"/>
+              <a:t>上記の</a:t>
+            </a:r>
+            <a:endParaRPr lang="en-US" altLang="ja-JP" sz="3200" dirty="0" smtClean="0"/>
+          </a:p>
+          <a:p>
+            <a:r>
+              <a:rPr lang="ja-JP" altLang="en-US" sz="3200" dirty="0" smtClean="0"/>
+              <a:t>「</a:t>
+            </a:r>
+            <a:r>
+              <a:rPr lang="en-US" altLang="ja-JP" sz="3200" dirty="0" smtClean="0"/>
+              <a:t>Amazon</a:t>
+            </a:r>
+            <a:r>
+              <a:rPr lang="ja-JP" altLang="en-US" sz="3200" dirty="0" smtClean="0"/>
+              <a:t>で購入」</a:t>
+            </a:r>
+            <a:endParaRPr lang="en-US" altLang="ja-JP" sz="3200" dirty="0" smtClean="0"/>
+          </a:p>
+          <a:p>
+            <a:endParaRPr lang="en-US" altLang="ja-JP" sz="3200" dirty="0"/>
+          </a:p>
+          <a:p>
+            <a:r>
+              <a:rPr kumimoji="1" lang="ja-JP" altLang="en-US" sz="3200" dirty="0" smtClean="0"/>
+              <a:t>と記載している部分を使用して</a:t>
+            </a:r>
+            <a:endParaRPr kumimoji="1" lang="en-US" altLang="ja-JP" sz="3200" dirty="0" smtClean="0"/>
+          </a:p>
+          <a:p>
+            <a:r>
+              <a:rPr lang="en-US" altLang="ja-JP" sz="3200" dirty="0" smtClean="0"/>
+              <a:t>Amazon</a:t>
+            </a:r>
+            <a:r>
+              <a:rPr lang="ja-JP" altLang="en-US" sz="3200" dirty="0" smtClean="0"/>
+              <a:t>で購入している者</a:t>
+            </a:r>
+            <a:r>
+              <a:rPr lang="ja-JP" altLang="en-US" sz="3200" dirty="0"/>
+              <a:t>の絞込みを行う</a:t>
+            </a:r>
+            <a:r>
+              <a:rPr lang="ja-JP" altLang="en-US" sz="3200" dirty="0" smtClean="0"/>
+              <a:t>．</a:t>
+            </a:r>
+            <a:endParaRPr lang="ja-JP" altLang="en-US" sz="3200" dirty="0"/>
+          </a:p>
+        </p:txBody>
+      </p:sp>
       <p:pic>
         <p:nvPicPr>
-          <p:cNvPr id="7" name="図 6"/>
+          <p:cNvPr id="5" name="図 4"/>
           <p:cNvPicPr>
             <a:picLocks noChangeAspect="1"/>
           </p:cNvPicPr>
@@ -17203,8 +15129,8 @@
         </p:blipFill>
         <p:spPr>
           <a:xfrm>
-            <a:off x="419857" y="1124744"/>
-            <a:ext cx="8387184" cy="2232248"/>
+            <a:off x="683568" y="1099864"/>
+            <a:ext cx="5674704" cy="2368572"/>
           </a:xfrm>
           <a:prstGeom prst="rect">
             <a:avLst/>
@@ -17213,130 +15139,14 @@
       </p:pic>
       <p:sp>
         <p:nvSpPr>
-          <p:cNvPr id="3" name="スライド番号プレースホルダー 2"/>
-          <p:cNvSpPr>
-            <a:spLocks noGrp="1"/>
-          </p:cNvSpPr>
-          <p:nvPr>
-            <p:ph type="sldNum" sz="quarter" idx="11"/>
-          </p:nvPr>
-        </p:nvSpPr>
-        <p:spPr/>
-        <p:txBody>
-          <a:bodyPr/>
-          <a:lstStyle/>
-          <a:p>
-            <a:fld id="{E00335F1-3F40-4BF0-898D-F6D15F346D60}" type="slidenum">
-              <a:rPr kumimoji="1" lang="ja-JP" altLang="en-US" smtClean="0"/>
-              <a:t>14</a:t>
-            </a:fld>
-            <a:endParaRPr kumimoji="1" lang="ja-JP" altLang="en-US" dirty="0"/>
-          </a:p>
-        </p:txBody>
-      </p:sp>
-      <p:sp>
-        <p:nvSpPr>
-          <p:cNvPr id="4" name="テキスト ボックス 3"/>
-          <p:cNvSpPr txBox="1"/>
-          <p:nvPr/>
-        </p:nvSpPr>
-        <p:spPr>
-          <a:xfrm>
-            <a:off x="0" y="348953"/>
-            <a:ext cx="8820472" cy="646331"/>
-          </a:xfrm>
-          <a:prstGeom prst="rect">
-            <a:avLst/>
-          </a:prstGeom>
-          <a:noFill/>
-        </p:spPr>
-        <p:txBody>
-          <a:bodyPr wrap="square" rtlCol="0">
-            <a:spAutoFit/>
-          </a:bodyPr>
-          <a:lstStyle/>
-          <a:p>
-            <a:pPr algn="ctr"/>
-            <a:r>
-              <a:rPr lang="ja-JP" altLang="en-US" sz="3600" b="1" u="sng" dirty="0"/>
-              <a:t>計算</a:t>
-            </a:r>
-            <a:r>
-              <a:rPr lang="ja-JP" altLang="en-US" sz="3600" b="1" u="sng" dirty="0" smtClean="0"/>
-              <a:t>方法</a:t>
-            </a:r>
-            <a:endParaRPr kumimoji="1" lang="ja-JP" altLang="en-US" sz="3600" b="1" u="sng" dirty="0"/>
-          </a:p>
-        </p:txBody>
-      </p:sp>
-      <p:sp>
-        <p:nvSpPr>
-          <p:cNvPr id="2" name="テキスト ボックス 1"/>
-          <p:cNvSpPr txBox="1"/>
-          <p:nvPr/>
-        </p:nvSpPr>
-        <p:spPr>
-          <a:xfrm>
-            <a:off x="446014" y="3506212"/>
-            <a:ext cx="7584640" cy="3046988"/>
-          </a:xfrm>
-          <a:prstGeom prst="rect">
-            <a:avLst/>
-          </a:prstGeom>
-          <a:noFill/>
-        </p:spPr>
-        <p:txBody>
-          <a:bodyPr wrap="square" rtlCol="0">
-            <a:spAutoFit/>
-          </a:bodyPr>
-          <a:lstStyle/>
-          <a:p>
-            <a:r>
-              <a:rPr lang="ja-JP" altLang="en-US" sz="3200" dirty="0" smtClean="0"/>
-              <a:t>上記の</a:t>
-            </a:r>
-            <a:endParaRPr lang="en-US" altLang="ja-JP" sz="3200" dirty="0" smtClean="0"/>
-          </a:p>
-          <a:p>
-            <a:r>
-              <a:rPr lang="ja-JP" altLang="en-US" sz="3200" dirty="0" smtClean="0"/>
-              <a:t>「○○人中○○人の方が「このレビューが参考になった」と投票しています」</a:t>
-            </a:r>
-            <a:endParaRPr lang="en-US" altLang="ja-JP" sz="3200" dirty="0" smtClean="0"/>
-          </a:p>
-          <a:p>
-            <a:endParaRPr lang="en-US" altLang="ja-JP" sz="3200" dirty="0"/>
-          </a:p>
-          <a:p>
-            <a:r>
-              <a:rPr kumimoji="1" lang="ja-JP" altLang="en-US" sz="3200" dirty="0" smtClean="0"/>
-              <a:t>と記載している部分を使用</a:t>
-            </a:r>
-            <a:r>
-              <a:rPr kumimoji="1" lang="ja-JP" altLang="en-US" sz="3200" dirty="0" smtClean="0"/>
-              <a:t>して</a:t>
-            </a:r>
-            <a:endParaRPr kumimoji="1" lang="ja-JP" altLang="en-US" sz="3200" dirty="0" smtClean="0"/>
-          </a:p>
-          <a:p>
-            <a:r>
-              <a:rPr lang="ja-JP" altLang="en-US" sz="3200" dirty="0" smtClean="0"/>
-              <a:t>どの程度の割合が参考になったかを調べる</a:t>
-            </a:r>
-            <a:endParaRPr kumimoji="1" lang="en-US" altLang="ja-JP" sz="3200" dirty="0" smtClean="0"/>
-          </a:p>
-        </p:txBody>
-      </p:sp>
-      <p:sp>
-        <p:nvSpPr>
           <p:cNvPr id="6" name="円/楕円 5"/>
           <p:cNvSpPr/>
           <p:nvPr/>
         </p:nvSpPr>
         <p:spPr>
           <a:xfrm>
-            <a:off x="251520" y="1412776"/>
-            <a:ext cx="5400600" cy="648072"/>
+            <a:off x="390712" y="2420888"/>
+            <a:ext cx="2880320" cy="540060"/>
           </a:xfrm>
           <a:prstGeom prst="ellipse">
             <a:avLst/>
@@ -17376,7 +15186,7 @@
     </p:spTree>
     <p:extLst>
       <p:ext uri="{BB962C8B-B14F-4D97-AF65-F5344CB8AC3E}">
-        <p14:creationId xmlns:p14="http://schemas.microsoft.com/office/powerpoint/2010/main" val="2484998997"/>
+        <p14:creationId xmlns:p14="http://schemas.microsoft.com/office/powerpoint/2010/main" val="170796871"/>
       </p:ext>
     </p:extLst>
   </p:cSld>
@@ -17476,8 +15286,8 @@
         </p:nvSpPr>
         <p:spPr>
           <a:xfrm>
-            <a:off x="443744" y="3573016"/>
-            <a:ext cx="7512632" cy="2554545"/>
+            <a:off x="539552" y="998572"/>
+            <a:ext cx="7992888" cy="5693866"/>
           </a:xfrm>
           <a:prstGeom prst="rect">
             <a:avLst/>
@@ -17490,138 +15300,120 @@
           </a:bodyPr>
           <a:lstStyle/>
           <a:p>
-            <a:r>
-              <a:rPr lang="ja-JP" altLang="en-US" sz="3200" dirty="0" smtClean="0"/>
-              <a:t>上記の</a:t>
-            </a:r>
-            <a:endParaRPr lang="en-US" altLang="ja-JP" sz="3200" dirty="0" smtClean="0"/>
-          </a:p>
-          <a:p>
-            <a:r>
-              <a:rPr lang="ja-JP" altLang="en-US" sz="3200" dirty="0" smtClean="0"/>
-              <a:t>「</a:t>
-            </a:r>
-            <a:r>
-              <a:rPr lang="en-US" altLang="ja-JP" sz="3200" dirty="0" smtClean="0"/>
+            <a:pPr marL="457200" indent="-457200">
+              <a:buFont typeface="Arial" panose="020B0604020202020204" pitchFamily="34" charset="0"/>
+              <a:buChar char="•"/>
+            </a:pPr>
+            <a:r>
+              <a:rPr kumimoji="1" lang="en-US" altLang="ja-JP" sz="2800" dirty="0" smtClean="0"/>
               <a:t>Amazon</a:t>
             </a:r>
             <a:r>
-              <a:rPr lang="ja-JP" altLang="en-US" sz="3200" dirty="0" smtClean="0"/>
-              <a:t>で購入」</a:t>
-            </a:r>
-            <a:endParaRPr lang="en-US" altLang="ja-JP" sz="3200" dirty="0" smtClean="0"/>
-          </a:p>
-          <a:p>
-            <a:endParaRPr lang="en-US" altLang="ja-JP" sz="3200" dirty="0"/>
-          </a:p>
-          <a:p>
-            <a:r>
-              <a:rPr kumimoji="1" lang="ja-JP" altLang="en-US" sz="3200" dirty="0" smtClean="0"/>
-              <a:t>と記載している部分を使用して</a:t>
-            </a:r>
-            <a:endParaRPr kumimoji="1" lang="en-US" altLang="ja-JP" sz="3200" dirty="0" smtClean="0"/>
-          </a:p>
-          <a:p>
-            <a:r>
-              <a:rPr lang="en-US" altLang="ja-JP" sz="3200" dirty="0" smtClean="0"/>
+              <a:rPr lang="ja-JP" altLang="en-US" sz="2800" dirty="0" smtClean="0"/>
+              <a:t>の商品レビューページを利用する</a:t>
+            </a:r>
+            <a:endParaRPr lang="en-US" altLang="ja-JP" sz="2800" dirty="0" smtClean="0"/>
+          </a:p>
+          <a:p>
+            <a:pPr marL="457200" indent="-457200">
+              <a:buFont typeface="Arial" panose="020B0604020202020204" pitchFamily="34" charset="0"/>
+              <a:buChar char="•"/>
+            </a:pPr>
+            <a:endParaRPr lang="en-US" altLang="ja-JP" sz="2800" dirty="0"/>
+          </a:p>
+          <a:p>
+            <a:pPr marL="457200" indent="-457200">
+              <a:buFont typeface="Arial" panose="020B0604020202020204" pitchFamily="34" charset="0"/>
+              <a:buChar char="•"/>
+            </a:pPr>
+            <a:r>
+              <a:rPr lang="ja-JP" altLang="en-US" sz="2800" dirty="0" smtClean="0"/>
+              <a:t>商品ページの平均値を求め，これを</a:t>
+            </a:r>
+            <a:r>
+              <a:rPr lang="ja-JP" altLang="en-US" sz="2800" u="sng" dirty="0" smtClean="0"/>
+              <a:t>平均評価</a:t>
+            </a:r>
+            <a:r>
+              <a:rPr lang="ja-JP" altLang="en-US" sz="2800" dirty="0" smtClean="0"/>
+              <a:t>とする</a:t>
+            </a:r>
+            <a:endParaRPr lang="en-US" altLang="ja-JP" sz="2800" dirty="0" smtClean="0"/>
+          </a:p>
+          <a:p>
+            <a:pPr marL="457200" indent="-457200">
+              <a:buFont typeface="Arial" panose="020B0604020202020204" pitchFamily="34" charset="0"/>
+              <a:buChar char="•"/>
+            </a:pPr>
+            <a:endParaRPr kumimoji="1" lang="en-US" altLang="ja-JP" sz="2800" dirty="0"/>
+          </a:p>
+          <a:p>
+            <a:pPr marL="457200" indent="-457200">
+              <a:buFont typeface="Arial" panose="020B0604020202020204" pitchFamily="34" charset="0"/>
+              <a:buChar char="•"/>
+            </a:pPr>
+            <a:r>
+              <a:rPr lang="ja-JP" altLang="en-US" sz="2800" dirty="0" smtClean="0"/>
+              <a:t>商品ページの「参考になるかを判断した人物」と「参考になったと答えた人物の比率」を求め，平均値にその比率を掛ける．これを</a:t>
+            </a:r>
+            <a:r>
+              <a:rPr lang="ja-JP" altLang="en-US" sz="2800" u="sng" dirty="0" smtClean="0"/>
+              <a:t>重み付き平均評価</a:t>
+            </a:r>
+            <a:r>
+              <a:rPr lang="ja-JP" altLang="en-US" sz="2800" dirty="0" smtClean="0"/>
+              <a:t>とする．</a:t>
+            </a:r>
+            <a:endParaRPr lang="en-US" altLang="ja-JP" sz="2800" dirty="0" smtClean="0"/>
+          </a:p>
+          <a:p>
+            <a:endParaRPr kumimoji="1" lang="en-US" altLang="ja-JP" sz="2800" dirty="0"/>
+          </a:p>
+          <a:p>
+            <a:pPr marL="457200" indent="-457200">
+              <a:buFont typeface="Arial" panose="020B0604020202020204" pitchFamily="34" charset="0"/>
+              <a:buChar char="•"/>
+            </a:pPr>
+            <a:r>
+              <a:rPr lang="en-US" altLang="ja-JP" sz="2800" dirty="0" smtClean="0"/>
               <a:t>Amazon</a:t>
             </a:r>
             <a:r>
-              <a:rPr lang="ja-JP" altLang="en-US" sz="3200" dirty="0" smtClean="0"/>
-              <a:t>で購入している者</a:t>
-            </a:r>
-            <a:r>
-              <a:rPr lang="ja-JP" altLang="en-US" sz="3200" dirty="0"/>
-              <a:t>の絞込みを行う</a:t>
-            </a:r>
-            <a:r>
-              <a:rPr lang="ja-JP" altLang="en-US" sz="3200" dirty="0" smtClean="0"/>
-              <a:t>．</a:t>
-            </a:r>
-            <a:endParaRPr lang="ja-JP" altLang="en-US" sz="3200" dirty="0"/>
-          </a:p>
-        </p:txBody>
-      </p:sp>
-      <p:pic>
-        <p:nvPicPr>
-          <p:cNvPr id="5" name="図 4"/>
-          <p:cNvPicPr>
-            <a:picLocks noChangeAspect="1"/>
-          </p:cNvPicPr>
-          <p:nvPr/>
-        </p:nvPicPr>
-        <p:blipFill>
-          <a:blip r:embed="rId2">
-            <a:extLst>
-              <a:ext uri="{28A0092B-C50C-407E-A947-70E740481C1C}">
-                <a14:useLocalDpi xmlns:a14="http://schemas.microsoft.com/office/drawing/2010/main" val="0"/>
-              </a:ext>
-            </a:extLst>
-          </a:blip>
-          <a:stretch>
-            <a:fillRect/>
-          </a:stretch>
-        </p:blipFill>
-        <p:spPr>
-          <a:xfrm>
-            <a:off x="683568" y="1099864"/>
-            <a:ext cx="5674704" cy="2368572"/>
-          </a:xfrm>
-          <a:prstGeom prst="rect">
-            <a:avLst/>
-          </a:prstGeom>
-        </p:spPr>
-      </p:pic>
-      <p:sp>
-        <p:nvSpPr>
-          <p:cNvPr id="6" name="円/楕円 5"/>
-          <p:cNvSpPr/>
-          <p:nvPr/>
-        </p:nvSpPr>
-        <p:spPr>
-          <a:xfrm>
-            <a:off x="390712" y="2420888"/>
-            <a:ext cx="2880320" cy="540060"/>
-          </a:xfrm>
-          <a:prstGeom prst="ellipse">
-            <a:avLst/>
-          </a:prstGeom>
-          <a:noFill/>
-          <a:ln>
-            <a:solidFill>
-              <a:srgbClr val="FF0000"/>
-            </a:solidFill>
-          </a:ln>
-        </p:spPr>
-        <p:style>
-          <a:lnRef idx="2">
-            <a:schemeClr val="accent1">
-              <a:shade val="50000"/>
-            </a:schemeClr>
-          </a:lnRef>
-          <a:fillRef idx="1">
-            <a:schemeClr val="accent1"/>
-          </a:fillRef>
-          <a:effectRef idx="0">
-            <a:schemeClr val="accent1"/>
-          </a:effectRef>
-          <a:fontRef idx="minor">
-            <a:schemeClr val="lt1"/>
-          </a:fontRef>
-        </p:style>
-        <p:txBody>
-          <a:bodyPr rtlCol="0" anchor="ctr"/>
-          <a:lstStyle/>
-          <a:p>
-            <a:pPr algn="ctr"/>
-            <a:endParaRPr kumimoji="1" lang="ja-JP" altLang="en-US"/>
+              <a:rPr lang="ja-JP" altLang="en-US" sz="2800" dirty="0" smtClean="0"/>
+              <a:t>で購入した人物のみに絞込み，絞り込まない場合との差異を</a:t>
+            </a:r>
+            <a:r>
+              <a:rPr lang="ja-JP" altLang="en-US" sz="2800" dirty="0"/>
+              <a:t>調べ，アマゾン</a:t>
+            </a:r>
+            <a:r>
+              <a:rPr lang="ja-JP" altLang="en-US" sz="2800" u="sng" dirty="0"/>
+              <a:t>購入者の平均</a:t>
+            </a:r>
+            <a:r>
+              <a:rPr lang="ja-JP" altLang="en-US" sz="2800" u="sng" dirty="0" smtClean="0"/>
+              <a:t>評価</a:t>
+            </a:r>
+            <a:r>
+              <a:rPr lang="ja-JP" altLang="en-US" sz="2800" dirty="0" smtClean="0"/>
+              <a:t>と</a:t>
+            </a:r>
+            <a:r>
+              <a:rPr lang="ja-JP" altLang="en-US" sz="2800" u="sng" dirty="0" smtClean="0"/>
+              <a:t>購入者の重み付き評価</a:t>
+            </a:r>
+            <a:r>
+              <a:rPr lang="ja-JP" altLang="en-US" sz="2800" dirty="0" smtClean="0"/>
+              <a:t>を求める．</a:t>
+            </a:r>
+            <a:endParaRPr lang="ja-JP" altLang="en-US" sz="2800" dirty="0"/>
           </a:p>
         </p:txBody>
       </p:sp>
     </p:spTree>
     <p:extLst>
       <p:ext uri="{BB962C8B-B14F-4D97-AF65-F5344CB8AC3E}">
-        <p14:creationId xmlns:p14="http://schemas.microsoft.com/office/powerpoint/2010/main" val="170796871"/>
+        <p14:creationId xmlns:p14="http://schemas.microsoft.com/office/powerpoint/2010/main" val="1525367692"/>
       </p:ext>
     </p:extLst>
   </p:cSld>
@@ -17686,8 +15478,8 @@
         </p:nvSpPr>
         <p:spPr>
           <a:xfrm>
-            <a:off x="331044" y="1772816"/>
-            <a:ext cx="7956376" cy="3785652"/>
+            <a:off x="179512" y="1772816"/>
+            <a:ext cx="8496944" cy="4154984"/>
           </a:xfrm>
           <a:prstGeom prst="rect">
             <a:avLst/>
@@ -17704,20 +15496,16 @@
               <a:buChar char="•"/>
             </a:pPr>
             <a:r>
-              <a:rPr lang="ja-JP" altLang="en-US" sz="2400" dirty="0"/>
-              <a:t>自身</a:t>
-            </a:r>
-            <a:r>
               <a:rPr lang="ja-JP" altLang="en-US" sz="2400" dirty="0" smtClean="0"/>
-              <a:t>で無作為に選んだ商品</a:t>
+              <a:t>「</a:t>
             </a:r>
             <a:r>
               <a:rPr lang="en-US" altLang="ja-JP" sz="2400" dirty="0" smtClean="0"/>
-              <a:t>86</a:t>
+              <a:t>2003</a:t>
             </a:r>
             <a:r>
               <a:rPr lang="ja-JP" altLang="en-US" sz="2400" dirty="0" smtClean="0"/>
-              <a:t>件を調べた．</a:t>
+              <a:t>年」 の間で「アニメ映画」のものをすべて抽出することとした．</a:t>
             </a:r>
             <a:endParaRPr lang="en-US" altLang="ja-JP" sz="2400" dirty="0" smtClean="0"/>
           </a:p>
@@ -17735,9 +15523,45 @@
             </a:pPr>
             <a:r>
               <a:rPr lang="ja-JP" altLang="en-US" sz="2400" dirty="0" smtClean="0"/>
-              <a:t>「平均評価」と「重み付き評価」の二点を調べることとした．</a:t>
+              <a:t>「平均評価」，「</a:t>
+            </a:r>
+            <a:r>
+              <a:rPr lang="en-US" altLang="ja-JP" sz="2400" dirty="0" smtClean="0"/>
+              <a:t>Amazon</a:t>
+            </a:r>
+            <a:r>
+              <a:rPr lang="ja-JP" altLang="en-US" sz="2400" dirty="0" smtClean="0"/>
+              <a:t>で購入した人物のみの平均評価」</a:t>
             </a:r>
             <a:endParaRPr lang="en-US" altLang="ja-JP" sz="2400" dirty="0" smtClean="0"/>
+          </a:p>
+          <a:p>
+            <a:pPr lvl="1"/>
+            <a:r>
+              <a:rPr lang="ja-JP" altLang="en-US" sz="2400" dirty="0" smtClean="0"/>
+              <a:t>「重み付き平均評価」，「</a:t>
+            </a:r>
+            <a:r>
+              <a:rPr lang="en-US" altLang="ja-JP" sz="2400" dirty="0" smtClean="0"/>
+              <a:t>Amazon</a:t>
+            </a:r>
+            <a:r>
+              <a:rPr lang="ja-JP" altLang="en-US" sz="2400" dirty="0" smtClean="0"/>
+              <a:t>で購入した人物のみの重み付き平均評価」の</a:t>
+            </a:r>
+            <a:r>
+              <a:rPr lang="en-US" altLang="ja-JP" sz="2400" dirty="0" smtClean="0"/>
+              <a:t>4</a:t>
+            </a:r>
+            <a:r>
+              <a:rPr lang="ja-JP" altLang="en-US" sz="2400" dirty="0" err="1" smtClean="0"/>
+              <a:t>つの</a:t>
+            </a:r>
+            <a:r>
+              <a:rPr lang="ja-JP" altLang="en-US" sz="2400" dirty="0" smtClean="0"/>
+              <a:t>評価を調べることとした．</a:t>
+            </a:r>
+            <a:endParaRPr lang="en-US" altLang="ja-JP" sz="2400" dirty="0"/>
           </a:p>
           <a:p>
             <a:pPr marL="342900" indent="-342900">
@@ -17751,17 +15575,7 @@
               <a:buFont typeface="Arial" panose="020B0604020202020204" pitchFamily="34" charset="0"/>
               <a:buChar char="•"/>
             </a:pPr>
-            <a:endParaRPr lang="en-US" altLang="ja-JP" sz="2400" dirty="0"/>
-          </a:p>
-          <a:p>
-            <a:pPr marL="342900" indent="-342900">
-              <a:buFont typeface="Arial" panose="020B0604020202020204" pitchFamily="34" charset="0"/>
-              <a:buChar char="•"/>
-            </a:pPr>
             <a:endParaRPr lang="en-US" altLang="ja-JP" sz="2400" dirty="0" smtClean="0"/>
-          </a:p>
-          <a:p>
-            <a:endParaRPr lang="en-US" altLang="ja-JP" sz="2400" dirty="0"/>
           </a:p>
           <a:p>
             <a:endParaRPr lang="en-US" altLang="ja-JP" sz="2400" dirty="0" smtClean="0"/>
@@ -17808,7 +15622,7 @@
     </p:spTree>
     <p:extLst>
       <p:ext uri="{BB962C8B-B14F-4D97-AF65-F5344CB8AC3E}">
-        <p14:creationId xmlns:p14="http://schemas.microsoft.com/office/powerpoint/2010/main" val="465417954"/>
+        <p14:creationId xmlns:p14="http://schemas.microsoft.com/office/powerpoint/2010/main" val="3452389176"/>
       </p:ext>
     </p:extLst>
   </p:cSld>
@@ -17860,823 +15674,6 @@
             <a:fld id="{E00335F1-3F40-4BF0-898D-F6D15F346D60}" type="slidenum">
               <a:rPr kumimoji="1" lang="ja-JP" altLang="en-US" smtClean="0"/>
               <a:t>17</a:t>
-            </a:fld>
-            <a:endParaRPr kumimoji="1" lang="ja-JP" altLang="en-US" dirty="0"/>
-          </a:p>
-        </p:txBody>
-      </p:sp>
-      <p:graphicFrame>
-        <p:nvGraphicFramePr>
-          <p:cNvPr id="4" name="グラフ 3"/>
-          <p:cNvGraphicFramePr>
-            <a:graphicFrameLocks/>
-          </p:cNvGraphicFramePr>
-          <p:nvPr>
-            <p:extLst>
-              <p:ext uri="{D42A27DB-BD31-4B8C-83A1-F6EECF244321}">
-                <p14:modId xmlns:p14="http://schemas.microsoft.com/office/powerpoint/2010/main" val="176175123"/>
-              </p:ext>
-            </p:extLst>
-          </p:nvPr>
-        </p:nvGraphicFramePr>
-        <p:xfrm>
-          <a:off x="427052" y="1425009"/>
-          <a:ext cx="7673340" cy="4029075"/>
-        </p:xfrm>
-        <a:graphic>
-          <a:graphicData uri="http://schemas.openxmlformats.org/drawingml/2006/chart">
-            <c:chart xmlns:c="http://schemas.openxmlformats.org/drawingml/2006/chart" xmlns:r="http://schemas.openxmlformats.org/officeDocument/2006/relationships" r:id="rId2"/>
-          </a:graphicData>
-        </a:graphic>
-      </p:graphicFrame>
-      <p:sp>
-        <p:nvSpPr>
-          <p:cNvPr id="5" name="テキスト ボックス 4"/>
-          <p:cNvSpPr txBox="1"/>
-          <p:nvPr/>
-        </p:nvSpPr>
-        <p:spPr>
-          <a:xfrm>
-            <a:off x="427052" y="5454084"/>
-            <a:ext cx="2920812" cy="1107996"/>
-          </a:xfrm>
-          <a:prstGeom prst="rect">
-            <a:avLst/>
-          </a:prstGeom>
-          <a:noFill/>
-        </p:spPr>
-        <p:txBody>
-          <a:bodyPr wrap="square" rtlCol="0">
-            <a:spAutoFit/>
-          </a:bodyPr>
-          <a:lstStyle/>
-          <a:p>
-            <a:r>
-              <a:rPr lang="en-US" altLang="ja-JP" sz="2400" dirty="0"/>
-              <a:t>y = 0.7613x + 1.0081</a:t>
-            </a:r>
-            <a:br>
-              <a:rPr lang="en-US" altLang="ja-JP" sz="2400" dirty="0"/>
-            </a:br>
-            <a:r>
-              <a:rPr lang="en-US" altLang="ja-JP" sz="2400" dirty="0"/>
-              <a:t>R² = 0.9452</a:t>
-            </a:r>
-          </a:p>
-          <a:p>
-            <a:endParaRPr kumimoji="1" lang="ja-JP" altLang="en-US" dirty="0"/>
-          </a:p>
-        </p:txBody>
-      </p:sp>
-      <p:sp>
-        <p:nvSpPr>
-          <p:cNvPr id="6" name="テキスト ボックス 5"/>
-          <p:cNvSpPr txBox="1"/>
-          <p:nvPr/>
-        </p:nvSpPr>
-        <p:spPr>
-          <a:xfrm>
-            <a:off x="0" y="348953"/>
-            <a:ext cx="8820472" cy="646331"/>
-          </a:xfrm>
-          <a:prstGeom prst="rect">
-            <a:avLst/>
-          </a:prstGeom>
-          <a:noFill/>
-        </p:spPr>
-        <p:txBody>
-          <a:bodyPr wrap="square" rtlCol="0">
-            <a:spAutoFit/>
-          </a:bodyPr>
-          <a:lstStyle/>
-          <a:p>
-            <a:pPr algn="ctr"/>
-            <a:r>
-              <a:rPr lang="ja-JP" altLang="en-US" sz="3600" b="1" u="sng" dirty="0" smtClean="0"/>
-              <a:t>研究</a:t>
-            </a:r>
-            <a:r>
-              <a:rPr lang="ja-JP" altLang="en-US" sz="3600" b="1" u="sng" dirty="0"/>
-              <a:t>結果</a:t>
-            </a:r>
-            <a:endParaRPr kumimoji="1" lang="ja-JP" altLang="en-US" sz="3600" b="1" u="sng" dirty="0"/>
-          </a:p>
-        </p:txBody>
-      </p:sp>
-      <p:sp>
-        <p:nvSpPr>
-          <p:cNvPr id="7" name="テキスト ボックス 6"/>
-          <p:cNvSpPr txBox="1"/>
-          <p:nvPr/>
-        </p:nvSpPr>
-        <p:spPr>
-          <a:xfrm>
-            <a:off x="591314" y="840234"/>
-            <a:ext cx="2592288" cy="584775"/>
-          </a:xfrm>
-          <a:prstGeom prst="rect">
-            <a:avLst/>
-          </a:prstGeom>
-          <a:noFill/>
-        </p:spPr>
-        <p:txBody>
-          <a:bodyPr wrap="square" rtlCol="0">
-            <a:spAutoFit/>
-          </a:bodyPr>
-          <a:lstStyle/>
-          <a:p>
-            <a:r>
-              <a:rPr kumimoji="1" lang="ja-JP" altLang="en-US" sz="3200" dirty="0" smtClean="0"/>
-              <a:t>散布図</a:t>
-            </a:r>
-            <a:r>
-              <a:rPr kumimoji="1" lang="en-US" altLang="ja-JP" sz="3200" dirty="0" smtClean="0"/>
-              <a:t>(</a:t>
-            </a:r>
-            <a:r>
-              <a:rPr lang="en-US" altLang="ja-JP" sz="3200" dirty="0" smtClean="0"/>
-              <a:t>86</a:t>
-            </a:r>
-            <a:r>
-              <a:rPr lang="ja-JP" altLang="en-US" sz="3200" dirty="0" smtClean="0"/>
-              <a:t>件</a:t>
-            </a:r>
-            <a:r>
-              <a:rPr kumimoji="1" lang="en-US" altLang="ja-JP" sz="3200" dirty="0" smtClean="0"/>
-              <a:t>)</a:t>
-            </a:r>
-            <a:endParaRPr kumimoji="1" lang="ja-JP" altLang="en-US" sz="3200" dirty="0"/>
-          </a:p>
-        </p:txBody>
-      </p:sp>
-    </p:spTree>
-    <p:extLst>
-      <p:ext uri="{BB962C8B-B14F-4D97-AF65-F5344CB8AC3E}">
-        <p14:creationId xmlns:p14="http://schemas.microsoft.com/office/powerpoint/2010/main" val="148072744"/>
-      </p:ext>
-    </p:extLst>
-  </p:cSld>
-  <p:clrMapOvr>
-    <a:masterClrMapping/>
-  </p:clrMapOvr>
-  <p:timing>
-    <p:tnLst>
-      <p:par>
-        <p:cTn id="1" dur="indefinite" restart="never" nodeType="tmRoot"/>
-      </p:par>
-    </p:tnLst>
-  </p:timing>
-</p:sld>
-</file>
-
-<file path=ppt/slides/slide18.xml><?xml version="1.0" encoding="utf-8"?>
-<p:sld xmlns:a="http://schemas.openxmlformats.org/drawingml/2006/main" xmlns:r="http://schemas.openxmlformats.org/officeDocument/2006/relationships" xmlns:p="http://schemas.openxmlformats.org/presentationml/2006/main">
-  <p:cSld>
-    <p:spTree>
-      <p:nvGrpSpPr>
-        <p:cNvPr id="1" name=""/>
-        <p:cNvGrpSpPr/>
-        <p:nvPr/>
-      </p:nvGrpSpPr>
-      <p:grpSpPr>
-        <a:xfrm>
-          <a:off x="0" y="0"/>
-          <a:ext cx="0" cy="0"/>
-          <a:chOff x="0" y="0"/>
-          <a:chExt cx="0" cy="0"/>
-        </a:xfrm>
-      </p:grpSpPr>
-      <p:sp>
-        <p:nvSpPr>
-          <p:cNvPr id="3" name="スライド番号プレースホルダー 2"/>
-          <p:cNvSpPr>
-            <a:spLocks noGrp="1"/>
-          </p:cNvSpPr>
-          <p:nvPr>
-            <p:ph type="sldNum" sz="quarter" idx="11"/>
-          </p:nvPr>
-        </p:nvSpPr>
-        <p:spPr/>
-        <p:txBody>
-          <a:bodyPr/>
-          <a:lstStyle/>
-          <a:p>
-            <a:fld id="{E00335F1-3F40-4BF0-898D-F6D15F346D60}" type="slidenum">
-              <a:rPr kumimoji="1" lang="ja-JP" altLang="en-US" smtClean="0"/>
-              <a:t>18</a:t>
-            </a:fld>
-            <a:endParaRPr kumimoji="1" lang="ja-JP" altLang="en-US" dirty="0"/>
-          </a:p>
-        </p:txBody>
-      </p:sp>
-      <p:sp>
-        <p:nvSpPr>
-          <p:cNvPr id="4" name="正方形/長方形 3"/>
-          <p:cNvSpPr/>
-          <p:nvPr/>
-        </p:nvSpPr>
-        <p:spPr>
-          <a:xfrm>
-            <a:off x="331044" y="1772816"/>
-            <a:ext cx="7956376" cy="3416320"/>
-          </a:xfrm>
-          <a:prstGeom prst="rect">
-            <a:avLst/>
-          </a:prstGeom>
-        </p:spPr>
-        <p:txBody>
-          <a:bodyPr wrap="square">
-            <a:spAutoFit/>
-          </a:bodyPr>
-          <a:lstStyle/>
-          <a:p>
-            <a:r>
-              <a:rPr lang="en-US" altLang="ja-JP" sz="2400" dirty="0" smtClean="0"/>
-              <a:t>86 </a:t>
-            </a:r>
-            <a:r>
-              <a:rPr lang="ja-JP" altLang="en-US" sz="2400" dirty="0" smtClean="0"/>
-              <a:t>件のデータを調査した．</a:t>
-            </a:r>
-            <a:endParaRPr lang="en-US" altLang="ja-JP" sz="2400" dirty="0" smtClean="0"/>
-          </a:p>
-          <a:p>
-            <a:r>
-              <a:rPr lang="en-US" altLang="ja-JP" sz="2400" dirty="0" smtClean="0"/>
-              <a:t>86</a:t>
-            </a:r>
-            <a:r>
-              <a:rPr lang="ja-JP" altLang="en-US" sz="2400" dirty="0" smtClean="0"/>
-              <a:t>件</a:t>
-            </a:r>
-            <a:r>
-              <a:rPr lang="ja-JP" altLang="en-US" sz="2400" dirty="0"/>
-              <a:t>合計のレビュー数は</a:t>
-            </a:r>
-            <a:r>
-              <a:rPr lang="en-US" altLang="ja-JP" sz="2400" dirty="0"/>
-              <a:t>27312 </a:t>
-            </a:r>
-            <a:r>
-              <a:rPr lang="ja-JP" altLang="en-US" sz="2400" dirty="0"/>
-              <a:t>件であった．</a:t>
-            </a:r>
-            <a:endParaRPr lang="en-US" altLang="ja-JP" sz="2400" dirty="0"/>
-          </a:p>
-          <a:p>
-            <a:endParaRPr lang="en-US" altLang="ja-JP" sz="2400" dirty="0" smtClean="0"/>
-          </a:p>
-          <a:p>
-            <a:r>
-              <a:rPr lang="ja-JP" altLang="en-US" sz="2400" dirty="0" smtClean="0"/>
-              <a:t>平均</a:t>
-            </a:r>
-            <a:r>
-              <a:rPr lang="ja-JP" altLang="en-US" sz="2400" dirty="0"/>
-              <a:t>評価と重み付き</a:t>
-            </a:r>
-            <a:r>
-              <a:rPr lang="en-US" altLang="ja-JP" sz="2400" dirty="0"/>
-              <a:t>5 </a:t>
-            </a:r>
-            <a:r>
-              <a:rPr lang="ja-JP" altLang="en-US" sz="2400" dirty="0"/>
-              <a:t>段階評価の間</a:t>
-            </a:r>
-            <a:r>
-              <a:rPr lang="ja-JP" altLang="en-US" sz="2400" dirty="0" smtClean="0"/>
-              <a:t>で相関</a:t>
-            </a:r>
-            <a:r>
-              <a:rPr lang="ja-JP" altLang="en-US" sz="2400" dirty="0"/>
-              <a:t>が見つかり</a:t>
-            </a:r>
-            <a:r>
-              <a:rPr lang="ja-JP" altLang="en-US" sz="2400" dirty="0" smtClean="0"/>
-              <a:t>，</a:t>
-            </a:r>
-            <a:endParaRPr lang="en-US" altLang="ja-JP" sz="2400" dirty="0" smtClean="0"/>
-          </a:p>
-          <a:p>
-            <a:r>
-              <a:rPr lang="ja-JP" altLang="en-US" sz="2400" dirty="0" smtClean="0"/>
-              <a:t>平均</a:t>
-            </a:r>
-            <a:r>
-              <a:rPr lang="ja-JP" altLang="en-US" sz="2400" dirty="0"/>
-              <a:t>評価の約</a:t>
-            </a:r>
-            <a:r>
-              <a:rPr lang="en-US" altLang="ja-JP" sz="2400" dirty="0"/>
-              <a:t>1 </a:t>
-            </a:r>
-            <a:r>
-              <a:rPr lang="ja-JP" altLang="en-US" sz="2400" dirty="0"/>
-              <a:t>少ない数値が重み付き</a:t>
-            </a:r>
-            <a:r>
-              <a:rPr lang="en-US" altLang="ja-JP" sz="2400" dirty="0"/>
-              <a:t>5 </a:t>
-            </a:r>
-            <a:r>
-              <a:rPr lang="ja-JP" altLang="en-US" sz="2400" dirty="0"/>
-              <a:t>段階評価となった</a:t>
-            </a:r>
-            <a:r>
-              <a:rPr lang="ja-JP" altLang="en-US" sz="2400" dirty="0" smtClean="0"/>
-              <a:t>．</a:t>
-            </a:r>
-            <a:endParaRPr lang="en-US" altLang="ja-JP" sz="2400" dirty="0" smtClean="0"/>
-          </a:p>
-          <a:p>
-            <a:endParaRPr lang="en-US" altLang="ja-JP" sz="2400" dirty="0" smtClean="0"/>
-          </a:p>
-          <a:p>
-            <a:endParaRPr lang="en-US" altLang="ja-JP" sz="2400" dirty="0" smtClean="0"/>
-          </a:p>
-          <a:p>
-            <a:endParaRPr lang="en-US" altLang="ja-JP" sz="2400" dirty="0"/>
-          </a:p>
-          <a:p>
-            <a:endParaRPr lang="ja-JP" altLang="en-US" sz="2400" dirty="0"/>
-          </a:p>
-        </p:txBody>
-      </p:sp>
-      <p:sp>
-        <p:nvSpPr>
-          <p:cNvPr id="5" name="テキスト ボックス 4"/>
-          <p:cNvSpPr txBox="1"/>
-          <p:nvPr/>
-        </p:nvSpPr>
-        <p:spPr>
-          <a:xfrm>
-            <a:off x="0" y="348953"/>
-            <a:ext cx="8820472" cy="646331"/>
-          </a:xfrm>
-          <a:prstGeom prst="rect">
-            <a:avLst/>
-          </a:prstGeom>
-          <a:noFill/>
-        </p:spPr>
-        <p:txBody>
-          <a:bodyPr wrap="square" rtlCol="0">
-            <a:spAutoFit/>
-          </a:bodyPr>
-          <a:lstStyle/>
-          <a:p>
-            <a:pPr algn="ctr"/>
-            <a:r>
-              <a:rPr lang="ja-JP" altLang="en-US" sz="3600" b="1" u="sng" dirty="0" smtClean="0"/>
-              <a:t>研究結果</a:t>
-            </a:r>
-            <a:endParaRPr kumimoji="1" lang="ja-JP" altLang="en-US" sz="3600" b="1" u="sng" dirty="0"/>
-          </a:p>
-        </p:txBody>
-      </p:sp>
-    </p:spTree>
-    <p:extLst>
-      <p:ext uri="{BB962C8B-B14F-4D97-AF65-F5344CB8AC3E}">
-        <p14:creationId xmlns:p14="http://schemas.microsoft.com/office/powerpoint/2010/main" val="1220316345"/>
-      </p:ext>
-    </p:extLst>
-  </p:cSld>
-  <p:clrMapOvr>
-    <a:masterClrMapping/>
-  </p:clrMapOvr>
-  <p:timing>
-    <p:tnLst>
-      <p:par>
-        <p:cTn id="1" dur="indefinite" restart="never" nodeType="tmRoot"/>
-      </p:par>
-    </p:tnLst>
-  </p:timing>
-</p:sld>
-</file>
-
-<file path=ppt/slides/slide19.xml><?xml version="1.0" encoding="utf-8"?>
-<p:sld xmlns:a="http://schemas.openxmlformats.org/drawingml/2006/main" xmlns:r="http://schemas.openxmlformats.org/officeDocument/2006/relationships" xmlns:p="http://schemas.openxmlformats.org/presentationml/2006/main">
-  <p:cSld>
-    <p:spTree>
-      <p:nvGrpSpPr>
-        <p:cNvPr id="1" name=""/>
-        <p:cNvGrpSpPr/>
-        <p:nvPr/>
-      </p:nvGrpSpPr>
-      <p:grpSpPr>
-        <a:xfrm>
-          <a:off x="0" y="0"/>
-          <a:ext cx="0" cy="0"/>
-          <a:chOff x="0" y="0"/>
-          <a:chExt cx="0" cy="0"/>
-        </a:xfrm>
-      </p:grpSpPr>
-      <p:sp>
-        <p:nvSpPr>
-          <p:cNvPr id="3" name="スライド番号プレースホルダー 2"/>
-          <p:cNvSpPr>
-            <a:spLocks noGrp="1"/>
-          </p:cNvSpPr>
-          <p:nvPr>
-            <p:ph type="sldNum" sz="quarter" idx="11"/>
-          </p:nvPr>
-        </p:nvSpPr>
-        <p:spPr/>
-        <p:txBody>
-          <a:bodyPr/>
-          <a:lstStyle/>
-          <a:p>
-            <a:fld id="{E00335F1-3F40-4BF0-898D-F6D15F346D60}" type="slidenum">
-              <a:rPr kumimoji="1" lang="ja-JP" altLang="en-US" smtClean="0"/>
-              <a:t>19</a:t>
-            </a:fld>
-            <a:endParaRPr kumimoji="1" lang="ja-JP" altLang="en-US" dirty="0"/>
-          </a:p>
-        </p:txBody>
-      </p:sp>
-      <p:sp>
-        <p:nvSpPr>
-          <p:cNvPr id="4" name="正方形/長方形 3"/>
-          <p:cNvSpPr/>
-          <p:nvPr/>
-        </p:nvSpPr>
-        <p:spPr>
-          <a:xfrm>
-            <a:off x="179512" y="1772816"/>
-            <a:ext cx="8496944" cy="4154984"/>
-          </a:xfrm>
-          <a:prstGeom prst="rect">
-            <a:avLst/>
-          </a:prstGeom>
-        </p:spPr>
-        <p:txBody>
-          <a:bodyPr wrap="square">
-            <a:spAutoFit/>
-          </a:bodyPr>
-          <a:lstStyle/>
-          <a:p>
-            <a:pPr marL="342900" indent="-342900">
-              <a:buFont typeface="Arial" panose="020B0604020202020204" pitchFamily="34" charset="0"/>
-              <a:buChar char="•"/>
-            </a:pPr>
-            <a:r>
-              <a:rPr lang="ja-JP" altLang="en-US" sz="2400" dirty="0"/>
-              <a:t>サンプリング</a:t>
-            </a:r>
-            <a:r>
-              <a:rPr lang="ja-JP" altLang="en-US" sz="2400" dirty="0" smtClean="0"/>
-              <a:t>のとり方が主観的で</a:t>
-            </a:r>
-            <a:r>
-              <a:rPr lang="ja-JP" altLang="en-US" sz="2400"/>
-              <a:t>あった</a:t>
-            </a:r>
-            <a:r>
-              <a:rPr lang="ja-JP" altLang="en-US" sz="2400" smtClean="0"/>
-              <a:t>ため「</a:t>
-            </a:r>
-            <a:r>
-              <a:rPr lang="en-US" altLang="ja-JP" sz="2400" dirty="0" smtClean="0"/>
-              <a:t>2003</a:t>
-            </a:r>
-            <a:r>
-              <a:rPr lang="ja-JP" altLang="en-US" sz="2400" dirty="0" smtClean="0"/>
-              <a:t>年」 の間で「</a:t>
-            </a:r>
-            <a:r>
-              <a:rPr lang="ja-JP" altLang="en-US" sz="2400" dirty="0" smtClean="0"/>
-              <a:t>アニメ映画」のものをすべて抽出することとした．</a:t>
-            </a:r>
-            <a:endParaRPr lang="en-US" altLang="ja-JP" sz="2400" dirty="0" smtClean="0"/>
-          </a:p>
-          <a:p>
-            <a:pPr marL="342900" indent="-342900">
-              <a:buFont typeface="Arial" panose="020B0604020202020204" pitchFamily="34" charset="0"/>
-              <a:buChar char="•"/>
-            </a:pPr>
-            <a:endParaRPr lang="en-US" altLang="ja-JP" sz="2400" dirty="0"/>
-          </a:p>
-          <a:p>
-            <a:pPr marL="342900" indent="-342900">
-              <a:buFont typeface="Arial" panose="020B0604020202020204" pitchFamily="34" charset="0"/>
-              <a:buChar char="•"/>
-            </a:pPr>
-            <a:r>
-              <a:rPr lang="ja-JP" altLang="en-US" sz="2400" dirty="0" smtClean="0"/>
-              <a:t>「平均評価」，「</a:t>
-            </a:r>
-            <a:r>
-              <a:rPr lang="en-US" altLang="ja-JP" sz="2400" dirty="0" smtClean="0"/>
-              <a:t>Amazon</a:t>
-            </a:r>
-            <a:r>
-              <a:rPr lang="ja-JP" altLang="en-US" sz="2400" dirty="0" smtClean="0"/>
-              <a:t>で購入した人物のみの平均評価」</a:t>
-            </a:r>
-            <a:endParaRPr lang="en-US" altLang="ja-JP" sz="2400" dirty="0" smtClean="0"/>
-          </a:p>
-          <a:p>
-            <a:pPr lvl="1"/>
-            <a:r>
-              <a:rPr lang="ja-JP" altLang="en-US" sz="2400" dirty="0" smtClean="0"/>
-              <a:t>「重み付き平均評価」，「</a:t>
-            </a:r>
-            <a:r>
-              <a:rPr lang="en-US" altLang="ja-JP" sz="2400" dirty="0" smtClean="0"/>
-              <a:t>Amazon</a:t>
-            </a:r>
-            <a:r>
-              <a:rPr lang="ja-JP" altLang="en-US" sz="2400" dirty="0" smtClean="0"/>
-              <a:t>で購入した人物のみの重み付き平均評価」の</a:t>
-            </a:r>
-            <a:r>
-              <a:rPr lang="en-US" altLang="ja-JP" sz="2400" dirty="0" smtClean="0"/>
-              <a:t>4</a:t>
-            </a:r>
-            <a:r>
-              <a:rPr lang="ja-JP" altLang="en-US" sz="2400" dirty="0" err="1" smtClean="0"/>
-              <a:t>つの</a:t>
-            </a:r>
-            <a:r>
-              <a:rPr lang="ja-JP" altLang="en-US" sz="2400" dirty="0" smtClean="0"/>
-              <a:t>評価を調べることとした．</a:t>
-            </a:r>
-            <a:endParaRPr lang="en-US" altLang="ja-JP" sz="2400" dirty="0"/>
-          </a:p>
-          <a:p>
-            <a:pPr marL="342900" indent="-342900">
-              <a:buFont typeface="Arial" panose="020B0604020202020204" pitchFamily="34" charset="0"/>
-              <a:buChar char="•"/>
-            </a:pPr>
-            <a:endParaRPr lang="en-US" altLang="ja-JP" sz="2400" dirty="0" smtClean="0"/>
-          </a:p>
-          <a:p>
-            <a:pPr marL="342900" indent="-342900">
-              <a:buFont typeface="Arial" panose="020B0604020202020204" pitchFamily="34" charset="0"/>
-              <a:buChar char="•"/>
-            </a:pPr>
-            <a:endParaRPr lang="en-US" altLang="ja-JP" sz="2400" dirty="0" smtClean="0"/>
-          </a:p>
-          <a:p>
-            <a:endParaRPr lang="en-US" altLang="ja-JP" sz="2400" dirty="0" smtClean="0"/>
-          </a:p>
-          <a:p>
-            <a:endParaRPr lang="en-US" altLang="ja-JP" sz="2400" dirty="0"/>
-          </a:p>
-          <a:p>
-            <a:endParaRPr lang="ja-JP" altLang="en-US" sz="2400" dirty="0"/>
-          </a:p>
-        </p:txBody>
-      </p:sp>
-      <p:sp>
-        <p:nvSpPr>
-          <p:cNvPr id="5" name="テキスト ボックス 4"/>
-          <p:cNvSpPr txBox="1"/>
-          <p:nvPr/>
-        </p:nvSpPr>
-        <p:spPr>
-          <a:xfrm>
-            <a:off x="0" y="348953"/>
-            <a:ext cx="8820472" cy="646331"/>
-          </a:xfrm>
-          <a:prstGeom prst="rect">
-            <a:avLst/>
-          </a:prstGeom>
-          <a:noFill/>
-        </p:spPr>
-        <p:txBody>
-          <a:bodyPr wrap="square" rtlCol="0">
-            <a:spAutoFit/>
-          </a:bodyPr>
-          <a:lstStyle/>
-          <a:p>
-            <a:pPr algn="ctr"/>
-            <a:r>
-              <a:rPr lang="ja-JP" altLang="en-US" sz="3600" b="1" u="sng" dirty="0" smtClean="0"/>
-              <a:t>研究方法</a:t>
-            </a:r>
-            <a:endParaRPr kumimoji="1" lang="ja-JP" altLang="en-US" sz="3600" b="1" u="sng" dirty="0"/>
-          </a:p>
-        </p:txBody>
-      </p:sp>
-    </p:spTree>
-    <p:extLst>
-      <p:ext uri="{BB962C8B-B14F-4D97-AF65-F5344CB8AC3E}">
-        <p14:creationId xmlns:p14="http://schemas.microsoft.com/office/powerpoint/2010/main" val="3452389176"/>
-      </p:ext>
-    </p:extLst>
-  </p:cSld>
-  <p:clrMapOvr>
-    <a:masterClrMapping/>
-  </p:clrMapOvr>
-  <p:timing>
-    <p:tnLst>
-      <p:par>
-        <p:cTn id="1" dur="indefinite" restart="never" nodeType="tmRoot"/>
-      </p:par>
-    </p:tnLst>
-  </p:timing>
-</p:sld>
-</file>
-
-<file path=ppt/slides/slide2.xml><?xml version="1.0" encoding="utf-8"?>
-<p:sld xmlns:a="http://schemas.openxmlformats.org/drawingml/2006/main" xmlns:r="http://schemas.openxmlformats.org/officeDocument/2006/relationships" xmlns:p="http://schemas.openxmlformats.org/presentationml/2006/main">
-  <p:cSld>
-    <p:spTree>
-      <p:nvGrpSpPr>
-        <p:cNvPr id="1" name=""/>
-        <p:cNvGrpSpPr/>
-        <p:nvPr/>
-      </p:nvGrpSpPr>
-      <p:grpSpPr>
-        <a:xfrm>
-          <a:off x="0" y="0"/>
-          <a:ext cx="0" cy="0"/>
-          <a:chOff x="0" y="0"/>
-          <a:chExt cx="0" cy="0"/>
-        </a:xfrm>
-      </p:grpSpPr>
-      <p:sp>
-        <p:nvSpPr>
-          <p:cNvPr id="3" name="スライド番号プレースホルダー 2"/>
-          <p:cNvSpPr>
-            <a:spLocks noGrp="1"/>
-          </p:cNvSpPr>
-          <p:nvPr>
-            <p:ph type="sldNum" sz="quarter" idx="11"/>
-          </p:nvPr>
-        </p:nvSpPr>
-        <p:spPr/>
-        <p:txBody>
-          <a:bodyPr/>
-          <a:lstStyle/>
-          <a:p>
-            <a:fld id="{E00335F1-3F40-4BF0-898D-F6D15F346D60}" type="slidenum">
-              <a:rPr kumimoji="1" lang="ja-JP" altLang="en-US" smtClean="0"/>
-              <a:t>2</a:t>
-            </a:fld>
-            <a:endParaRPr kumimoji="1" lang="ja-JP" altLang="en-US" dirty="0"/>
-          </a:p>
-        </p:txBody>
-      </p:sp>
-      <p:sp>
-        <p:nvSpPr>
-          <p:cNvPr id="4" name="テキスト ボックス 3"/>
-          <p:cNvSpPr txBox="1"/>
-          <p:nvPr/>
-        </p:nvSpPr>
-        <p:spPr>
-          <a:xfrm>
-            <a:off x="0" y="348953"/>
-            <a:ext cx="8820472" cy="646331"/>
-          </a:xfrm>
-          <a:prstGeom prst="rect">
-            <a:avLst/>
-          </a:prstGeom>
-          <a:noFill/>
-        </p:spPr>
-        <p:txBody>
-          <a:bodyPr wrap="square" rtlCol="0">
-            <a:spAutoFit/>
-          </a:bodyPr>
-          <a:lstStyle/>
-          <a:p>
-            <a:pPr algn="ctr"/>
-            <a:r>
-              <a:rPr lang="ja-JP" altLang="en-US" sz="3600" b="1" u="sng" dirty="0" smtClean="0"/>
-              <a:t>研究背景</a:t>
-            </a:r>
-            <a:endParaRPr kumimoji="1" lang="ja-JP" altLang="en-US" sz="3600" b="1" u="sng" dirty="0"/>
-          </a:p>
-        </p:txBody>
-      </p:sp>
-      <p:sp>
-        <p:nvSpPr>
-          <p:cNvPr id="2" name="テキスト ボックス 1"/>
-          <p:cNvSpPr txBox="1"/>
-          <p:nvPr/>
-        </p:nvSpPr>
-        <p:spPr>
-          <a:xfrm>
-            <a:off x="467544" y="995284"/>
-            <a:ext cx="7304856" cy="2062103"/>
-          </a:xfrm>
-          <a:prstGeom prst="rect">
-            <a:avLst/>
-          </a:prstGeom>
-          <a:noFill/>
-        </p:spPr>
-        <p:txBody>
-          <a:bodyPr wrap="square" rtlCol="0">
-            <a:spAutoFit/>
-          </a:bodyPr>
-          <a:lstStyle/>
-          <a:p>
-            <a:endParaRPr lang="en-US" altLang="ja-JP" sz="3200" dirty="0" smtClean="0"/>
-          </a:p>
-          <a:p>
-            <a:r>
-              <a:rPr lang="ja-JP" altLang="en-US" sz="3200" dirty="0" smtClean="0"/>
-              <a:t>オンラインショッピングが普及し，より多くの人々がそのサイトを回覧できる状況が整っている．</a:t>
-            </a:r>
-            <a:endParaRPr lang="en-US" altLang="ja-JP" sz="3200" dirty="0"/>
-          </a:p>
-        </p:txBody>
-      </p:sp>
-      <p:sp>
-        <p:nvSpPr>
-          <p:cNvPr id="5" name="テキスト ボックス 4"/>
-          <p:cNvSpPr txBox="1"/>
-          <p:nvPr/>
-        </p:nvSpPr>
-        <p:spPr>
-          <a:xfrm>
-            <a:off x="467544" y="3999523"/>
-            <a:ext cx="7304856" cy="3046988"/>
-          </a:xfrm>
-          <a:prstGeom prst="rect">
-            <a:avLst/>
-          </a:prstGeom>
-          <a:noFill/>
-        </p:spPr>
-        <p:txBody>
-          <a:bodyPr wrap="square" rtlCol="0">
-            <a:spAutoFit/>
-          </a:bodyPr>
-          <a:lstStyle/>
-          <a:p>
-            <a:r>
-              <a:rPr lang="ja-JP" altLang="en-US" sz="3200" dirty="0" smtClean="0"/>
-              <a:t>そのオンラインショッピングサイトでの</a:t>
-            </a:r>
-            <a:endParaRPr lang="en-US" altLang="ja-JP" sz="3200" dirty="0" smtClean="0"/>
-          </a:p>
-          <a:p>
-            <a:r>
-              <a:rPr lang="ja-JP" altLang="en-US" sz="3200" dirty="0" smtClean="0"/>
-              <a:t>レビューによる商品の評価が適切でない可能性があり，現在の表示方法である平均値よりも信頼できる方法を探そうと考えた．</a:t>
-            </a:r>
-            <a:endParaRPr lang="en-US" altLang="ja-JP" sz="3200" dirty="0" smtClean="0"/>
-          </a:p>
-          <a:p>
-            <a:endParaRPr lang="en-US" altLang="ja-JP" sz="3200" dirty="0"/>
-          </a:p>
-        </p:txBody>
-      </p:sp>
-    </p:spTree>
-    <p:extLst>
-      <p:ext uri="{BB962C8B-B14F-4D97-AF65-F5344CB8AC3E}">
-        <p14:creationId xmlns:p14="http://schemas.microsoft.com/office/powerpoint/2010/main" val="3498506754"/>
-      </p:ext>
-    </p:extLst>
-  </p:cSld>
-  <p:clrMapOvr>
-    <a:masterClrMapping/>
-  </p:clrMapOvr>
-  <p:timing>
-    <p:tnLst>
-      <p:par>
-        <p:cTn id="1" dur="indefinite" restart="never" nodeType="tmRoot"/>
-      </p:par>
-    </p:tnLst>
-  </p:timing>
-</p:sld>
-</file>
-
-<file path=ppt/slides/slide20.xml><?xml version="1.0" encoding="utf-8"?>
-<p:sld xmlns:a="http://schemas.openxmlformats.org/drawingml/2006/main" xmlns:r="http://schemas.openxmlformats.org/officeDocument/2006/relationships" xmlns:p="http://schemas.openxmlformats.org/presentationml/2006/main">
-  <p:cSld>
-    <p:spTree>
-      <p:nvGrpSpPr>
-        <p:cNvPr id="1" name=""/>
-        <p:cNvGrpSpPr/>
-        <p:nvPr/>
-      </p:nvGrpSpPr>
-      <p:grpSpPr>
-        <a:xfrm>
-          <a:off x="0" y="0"/>
-          <a:ext cx="0" cy="0"/>
-          <a:chOff x="0" y="0"/>
-          <a:chExt cx="0" cy="0"/>
-        </a:xfrm>
-      </p:grpSpPr>
-      <p:sp>
-        <p:nvSpPr>
-          <p:cNvPr id="3" name="スライド番号プレースホルダー 2"/>
-          <p:cNvSpPr>
-            <a:spLocks noGrp="1"/>
-          </p:cNvSpPr>
-          <p:nvPr>
-            <p:ph type="sldNum" sz="quarter" idx="11"/>
-          </p:nvPr>
-        </p:nvSpPr>
-        <p:spPr/>
-        <p:txBody>
-          <a:bodyPr/>
-          <a:lstStyle/>
-          <a:p>
-            <a:fld id="{E00335F1-3F40-4BF0-898D-F6D15F346D60}" type="slidenum">
-              <a:rPr kumimoji="1" lang="ja-JP" altLang="en-US" smtClean="0"/>
-              <a:t>20</a:t>
             </a:fld>
             <a:endParaRPr kumimoji="1" lang="ja-JP" altLang="en-US" dirty="0"/>
           </a:p>
@@ -18842,7 +15839,7 @@
 </p:sld>
 </file>
 
-<file path=ppt/slides/slide21.xml><?xml version="1.0" encoding="utf-8"?>
+<file path=ppt/slides/slide18.xml><?xml version="1.0" encoding="utf-8"?>
 <p:sld xmlns:a="http://schemas.openxmlformats.org/drawingml/2006/main" xmlns:r="http://schemas.openxmlformats.org/officeDocument/2006/relationships" xmlns:p="http://schemas.openxmlformats.org/presentationml/2006/main">
   <p:cSld>
     <p:spTree>
@@ -18876,7 +15873,7 @@
           <a:p>
             <a:fld id="{E00335F1-3F40-4BF0-898D-F6D15F346D60}" type="slidenum">
               <a:rPr kumimoji="1" lang="ja-JP" altLang="en-US" smtClean="0"/>
-              <a:t>21</a:t>
+              <a:t>18</a:t>
             </a:fld>
             <a:endParaRPr kumimoji="1" lang="ja-JP" altLang="en-US" dirty="0"/>
           </a:p>
@@ -19042,7 +16039,7 @@
 </p:sld>
 </file>
 
-<file path=ppt/slides/slide22.xml><?xml version="1.0" encoding="utf-8"?>
+<file path=ppt/slides/slide19.xml><?xml version="1.0" encoding="utf-8"?>
 <p:sld xmlns:a="http://schemas.openxmlformats.org/drawingml/2006/main" xmlns:r="http://schemas.openxmlformats.org/officeDocument/2006/relationships" xmlns:p="http://schemas.openxmlformats.org/presentationml/2006/main">
   <p:cSld>
     <p:spTree>
@@ -19076,7 +16073,7 @@
           <a:p>
             <a:fld id="{E00335F1-3F40-4BF0-898D-F6D15F346D60}" type="slidenum">
               <a:rPr kumimoji="1" lang="ja-JP" altLang="en-US" smtClean="0"/>
-              <a:t>22</a:t>
+              <a:t>19</a:t>
             </a:fld>
             <a:endParaRPr kumimoji="1" lang="ja-JP" altLang="en-US" dirty="0"/>
           </a:p>
@@ -19242,7 +16239,7 @@
 </p:sld>
 </file>
 
-<file path=ppt/slides/slide23.xml><?xml version="1.0" encoding="utf-8"?>
+<file path=ppt/slides/slide2.xml><?xml version="1.0" encoding="utf-8"?>
 <p:sld xmlns:a="http://schemas.openxmlformats.org/drawingml/2006/main" xmlns:r="http://schemas.openxmlformats.org/officeDocument/2006/relationships" xmlns:p="http://schemas.openxmlformats.org/presentationml/2006/main">
   <p:cSld>
     <p:spTree>
@@ -19276,7 +16273,7 @@
           <a:p>
             <a:fld id="{E00335F1-3F40-4BF0-898D-F6D15F346D60}" type="slidenum">
               <a:rPr kumimoji="1" lang="ja-JP" altLang="en-US" smtClean="0"/>
-              <a:t>23</a:t>
+              <a:t>2</a:t>
             </a:fld>
             <a:endParaRPr kumimoji="1" lang="ja-JP" altLang="en-US" dirty="0"/>
           </a:p>
@@ -19284,7 +16281,7 @@
       </p:sp>
       <p:sp>
         <p:nvSpPr>
-          <p:cNvPr id="6" name="テキスト ボックス 5"/>
+          <p:cNvPr id="4" name="テキスト ボックス 3"/>
           <p:cNvSpPr txBox="1"/>
           <p:nvPr/>
         </p:nvSpPr>
@@ -19307,6 +16304,178 @@
             <a:pPr algn="ctr"/>
             <a:r>
               <a:rPr lang="ja-JP" altLang="en-US" sz="3600" b="1" u="sng" dirty="0" smtClean="0"/>
+              <a:t>研究背景</a:t>
+            </a:r>
+            <a:endParaRPr kumimoji="1" lang="ja-JP" altLang="en-US" sz="3600" b="1" u="sng" dirty="0"/>
+          </a:p>
+        </p:txBody>
+      </p:sp>
+      <p:sp>
+        <p:nvSpPr>
+          <p:cNvPr id="2" name="テキスト ボックス 1"/>
+          <p:cNvSpPr txBox="1"/>
+          <p:nvPr/>
+        </p:nvSpPr>
+        <p:spPr>
+          <a:xfrm>
+            <a:off x="467544" y="995284"/>
+            <a:ext cx="7304856" cy="2062103"/>
+          </a:xfrm>
+          <a:prstGeom prst="rect">
+            <a:avLst/>
+          </a:prstGeom>
+          <a:noFill/>
+        </p:spPr>
+        <p:txBody>
+          <a:bodyPr wrap="square" rtlCol="0">
+            <a:spAutoFit/>
+          </a:bodyPr>
+          <a:lstStyle/>
+          <a:p>
+            <a:endParaRPr lang="en-US" altLang="ja-JP" sz="3200" dirty="0" smtClean="0"/>
+          </a:p>
+          <a:p>
+            <a:r>
+              <a:rPr lang="ja-JP" altLang="en-US" sz="3200" dirty="0" smtClean="0"/>
+              <a:t>オンラインショッピングが普及し，より多くの人々</a:t>
+            </a:r>
+            <a:r>
+              <a:rPr lang="ja-JP" altLang="en-US" sz="3200" dirty="0" smtClean="0"/>
+              <a:t>がサイト</a:t>
+            </a:r>
+            <a:r>
+              <a:rPr lang="ja-JP" altLang="en-US" sz="3200" dirty="0" smtClean="0"/>
+              <a:t>を回覧できる状況が整っている．</a:t>
+            </a:r>
+            <a:endParaRPr lang="en-US" altLang="ja-JP" sz="3200" dirty="0"/>
+          </a:p>
+        </p:txBody>
+      </p:sp>
+      <p:sp>
+        <p:nvSpPr>
+          <p:cNvPr id="5" name="テキスト ボックス 4"/>
+          <p:cNvSpPr txBox="1"/>
+          <p:nvPr/>
+        </p:nvSpPr>
+        <p:spPr>
+          <a:xfrm>
+            <a:off x="467544" y="3999523"/>
+            <a:ext cx="7304856" cy="3046988"/>
+          </a:xfrm>
+          <a:prstGeom prst="rect">
+            <a:avLst/>
+          </a:prstGeom>
+          <a:noFill/>
+        </p:spPr>
+        <p:txBody>
+          <a:bodyPr wrap="square" rtlCol="0">
+            <a:spAutoFit/>
+          </a:bodyPr>
+          <a:lstStyle/>
+          <a:p>
+            <a:r>
+              <a:rPr lang="ja-JP" altLang="en-US" sz="3200" dirty="0" smtClean="0"/>
+              <a:t>そのオンラインショッピングサイトでの</a:t>
+            </a:r>
+            <a:endParaRPr lang="en-US" altLang="ja-JP" sz="3200" dirty="0" smtClean="0"/>
+          </a:p>
+          <a:p>
+            <a:r>
+              <a:rPr lang="ja-JP" altLang="en-US" sz="3200" dirty="0" smtClean="0"/>
+              <a:t>レビューによる商品の評価が適切でない可能性があり，現在の表示方法である平均値よりも信頼できる方法を探そうと考えた．</a:t>
+            </a:r>
+            <a:endParaRPr lang="en-US" altLang="ja-JP" sz="3200" dirty="0" smtClean="0"/>
+          </a:p>
+          <a:p>
+            <a:endParaRPr lang="en-US" altLang="ja-JP" sz="3200" dirty="0"/>
+          </a:p>
+        </p:txBody>
+      </p:sp>
+    </p:spTree>
+    <p:extLst>
+      <p:ext uri="{BB962C8B-B14F-4D97-AF65-F5344CB8AC3E}">
+        <p14:creationId xmlns:p14="http://schemas.microsoft.com/office/powerpoint/2010/main" val="3498506754"/>
+      </p:ext>
+    </p:extLst>
+  </p:cSld>
+  <p:clrMapOvr>
+    <a:masterClrMapping/>
+  </p:clrMapOvr>
+  <p:timing>
+    <p:tnLst>
+      <p:par>
+        <p:cTn id="1" dur="indefinite" restart="never" nodeType="tmRoot"/>
+      </p:par>
+    </p:tnLst>
+  </p:timing>
+</p:sld>
+</file>
+
+<file path=ppt/slides/slide20.xml><?xml version="1.0" encoding="utf-8"?>
+<p:sld xmlns:a="http://schemas.openxmlformats.org/drawingml/2006/main" xmlns:r="http://schemas.openxmlformats.org/officeDocument/2006/relationships" xmlns:p="http://schemas.openxmlformats.org/presentationml/2006/main">
+  <p:cSld>
+    <p:spTree>
+      <p:nvGrpSpPr>
+        <p:cNvPr id="1" name=""/>
+        <p:cNvGrpSpPr/>
+        <p:nvPr/>
+      </p:nvGrpSpPr>
+      <p:grpSpPr>
+        <a:xfrm>
+          <a:off x="0" y="0"/>
+          <a:ext cx="0" cy="0"/>
+          <a:chOff x="0" y="0"/>
+          <a:chExt cx="0" cy="0"/>
+        </a:xfrm>
+      </p:grpSpPr>
+      <p:sp>
+        <p:nvSpPr>
+          <p:cNvPr id="3" name="スライド番号プレースホルダー 2"/>
+          <p:cNvSpPr>
+            <a:spLocks noGrp="1"/>
+          </p:cNvSpPr>
+          <p:nvPr>
+            <p:ph type="sldNum" sz="quarter" idx="11"/>
+          </p:nvPr>
+        </p:nvSpPr>
+        <p:spPr/>
+        <p:txBody>
+          <a:bodyPr/>
+          <a:lstStyle/>
+          <a:p>
+            <a:fld id="{E00335F1-3F40-4BF0-898D-F6D15F346D60}" type="slidenum">
+              <a:rPr kumimoji="1" lang="ja-JP" altLang="en-US" smtClean="0"/>
+              <a:t>20</a:t>
+            </a:fld>
+            <a:endParaRPr kumimoji="1" lang="ja-JP" altLang="en-US" dirty="0"/>
+          </a:p>
+        </p:txBody>
+      </p:sp>
+      <p:sp>
+        <p:nvSpPr>
+          <p:cNvPr id="6" name="テキスト ボックス 5"/>
+          <p:cNvSpPr txBox="1"/>
+          <p:nvPr/>
+        </p:nvSpPr>
+        <p:spPr>
+          <a:xfrm>
+            <a:off x="0" y="348953"/>
+            <a:ext cx="8820472" cy="646331"/>
+          </a:xfrm>
+          <a:prstGeom prst="rect">
+            <a:avLst/>
+          </a:prstGeom>
+          <a:noFill/>
+        </p:spPr>
+        <p:txBody>
+          <a:bodyPr wrap="square" rtlCol="0">
+            <a:spAutoFit/>
+          </a:bodyPr>
+          <a:lstStyle/>
+          <a:p>
+            <a:pPr algn="ctr"/>
+            <a:r>
+              <a:rPr lang="ja-JP" altLang="en-US" sz="3600" b="1" u="sng" dirty="0" smtClean="0"/>
               <a:t>研究</a:t>
             </a:r>
             <a:r>
@@ -19407,7 +16576,7 @@
           <p:nvPr>
             <p:extLst>
               <p:ext uri="{D42A27DB-BD31-4B8C-83A1-F6EECF244321}">
-                <p14:modId xmlns:p14="http://schemas.microsoft.com/office/powerpoint/2010/main" val="3734963406"/>
+                <p14:modId xmlns:p14="http://schemas.microsoft.com/office/powerpoint/2010/main" val="3329850014"/>
               </p:ext>
             </p:extLst>
           </p:nvPr>
@@ -19442,6 +16611,1032 @@
 </p:sld>
 </file>
 
+<file path=ppt/slides/slide21.xml><?xml version="1.0" encoding="utf-8"?>
+<p:sld xmlns:a="http://schemas.openxmlformats.org/drawingml/2006/main" xmlns:r="http://schemas.openxmlformats.org/officeDocument/2006/relationships" xmlns:p="http://schemas.openxmlformats.org/presentationml/2006/main">
+  <p:cSld>
+    <p:spTree>
+      <p:nvGrpSpPr>
+        <p:cNvPr id="1" name=""/>
+        <p:cNvGrpSpPr/>
+        <p:nvPr/>
+      </p:nvGrpSpPr>
+      <p:grpSpPr>
+        <a:xfrm>
+          <a:off x="0" y="0"/>
+          <a:ext cx="0" cy="0"/>
+          <a:chOff x="0" y="0"/>
+          <a:chExt cx="0" cy="0"/>
+        </a:xfrm>
+      </p:grpSpPr>
+      <p:sp>
+        <p:nvSpPr>
+          <p:cNvPr id="3" name="スライド番号プレースホルダー 2"/>
+          <p:cNvSpPr>
+            <a:spLocks noGrp="1"/>
+          </p:cNvSpPr>
+          <p:nvPr>
+            <p:ph type="sldNum" sz="quarter" idx="11"/>
+          </p:nvPr>
+        </p:nvSpPr>
+        <p:spPr/>
+        <p:txBody>
+          <a:bodyPr/>
+          <a:lstStyle/>
+          <a:p>
+            <a:fld id="{E00335F1-3F40-4BF0-898D-F6D15F346D60}" type="slidenum">
+              <a:rPr kumimoji="1" lang="ja-JP" altLang="en-US" smtClean="0"/>
+              <a:t>21</a:t>
+            </a:fld>
+            <a:endParaRPr kumimoji="1" lang="ja-JP" altLang="en-US" dirty="0"/>
+          </a:p>
+        </p:txBody>
+      </p:sp>
+      <p:sp>
+        <p:nvSpPr>
+          <p:cNvPr id="6" name="テキスト ボックス 5"/>
+          <p:cNvSpPr txBox="1"/>
+          <p:nvPr/>
+        </p:nvSpPr>
+        <p:spPr>
+          <a:xfrm>
+            <a:off x="467544" y="995284"/>
+            <a:ext cx="7304856" cy="1446550"/>
+          </a:xfrm>
+          <a:prstGeom prst="rect">
+            <a:avLst/>
+          </a:prstGeom>
+          <a:noFill/>
+        </p:spPr>
+        <p:txBody>
+          <a:bodyPr wrap="square" rtlCol="0">
+            <a:spAutoFit/>
+          </a:bodyPr>
+          <a:lstStyle/>
+          <a:p>
+            <a:endParaRPr kumimoji="1" lang="en-US" altLang="ja-JP" sz="3200" dirty="0" smtClean="0"/>
+          </a:p>
+          <a:p>
+            <a:pPr marL="285750" indent="-285750">
+              <a:buFont typeface="Arial" panose="020B0604020202020204" pitchFamily="34" charset="0"/>
+              <a:buChar char="•"/>
+            </a:pPr>
+            <a:endParaRPr lang="en-US" altLang="ja-JP" sz="2800" dirty="0" smtClean="0"/>
+          </a:p>
+          <a:p>
+            <a:pPr marL="285750" indent="-285750">
+              <a:buFont typeface="Arial" panose="020B0604020202020204" pitchFamily="34" charset="0"/>
+              <a:buChar char="•"/>
+            </a:pPr>
+            <a:endParaRPr lang="en-US" altLang="ja-JP" sz="2800" dirty="0" smtClean="0"/>
+          </a:p>
+        </p:txBody>
+      </p:sp>
+      <p:sp>
+        <p:nvSpPr>
+          <p:cNvPr id="7" name="正方形/長方形 6"/>
+          <p:cNvSpPr/>
+          <p:nvPr/>
+        </p:nvSpPr>
+        <p:spPr>
+          <a:xfrm>
+            <a:off x="325140" y="1437774"/>
+            <a:ext cx="7956376" cy="5632311"/>
+          </a:xfrm>
+          <a:prstGeom prst="rect">
+            <a:avLst/>
+          </a:prstGeom>
+        </p:spPr>
+        <p:txBody>
+          <a:bodyPr wrap="square">
+            <a:spAutoFit/>
+          </a:bodyPr>
+          <a:lstStyle/>
+          <a:p>
+            <a:r>
+              <a:rPr lang="en-US" altLang="ja-JP" sz="2400" dirty="0" smtClean="0"/>
+              <a:t>21</a:t>
+            </a:r>
+            <a:r>
+              <a:rPr lang="ja-JP" altLang="en-US" sz="2400" dirty="0" smtClean="0"/>
+              <a:t>件の</a:t>
+            </a:r>
+            <a:r>
+              <a:rPr lang="ja-JP" altLang="en-US" sz="2400" dirty="0"/>
+              <a:t>データを調査した．</a:t>
+            </a:r>
+            <a:endParaRPr lang="en-US" altLang="ja-JP" sz="2400" dirty="0"/>
+          </a:p>
+          <a:p>
+            <a:r>
+              <a:rPr lang="ja-JP" altLang="en-US" sz="2400" dirty="0" smtClean="0"/>
+              <a:t>合計</a:t>
+            </a:r>
+            <a:r>
+              <a:rPr lang="ja-JP" altLang="en-US" sz="2400" dirty="0"/>
+              <a:t>のレビュー数</a:t>
+            </a:r>
+            <a:r>
+              <a:rPr lang="ja-JP" altLang="en-US" sz="2400" dirty="0" smtClean="0"/>
+              <a:t>は</a:t>
+            </a:r>
+            <a:r>
+              <a:rPr lang="en-US" altLang="ja-JP" sz="2400" dirty="0" smtClean="0"/>
+              <a:t>927</a:t>
+            </a:r>
+            <a:r>
+              <a:rPr lang="ja-JP" altLang="en-US" sz="2400" dirty="0" smtClean="0"/>
+              <a:t>件</a:t>
+            </a:r>
+            <a:r>
+              <a:rPr lang="ja-JP" altLang="en-US" sz="2400" dirty="0"/>
+              <a:t>で</a:t>
+            </a:r>
+            <a:r>
+              <a:rPr lang="ja-JP" altLang="en-US" sz="2400" dirty="0" smtClean="0"/>
+              <a:t>あった．</a:t>
+            </a:r>
+            <a:endParaRPr lang="en-US" altLang="ja-JP" sz="2400" dirty="0" smtClean="0"/>
+          </a:p>
+          <a:p>
+            <a:endParaRPr lang="en-US" altLang="ja-JP" sz="2400" dirty="0"/>
+          </a:p>
+          <a:p>
+            <a:r>
+              <a:rPr lang="ja-JP" altLang="en-US" sz="2400" dirty="0"/>
+              <a:t>平均評価と購入者のみ重み付き平均</a:t>
+            </a:r>
+            <a:r>
+              <a:rPr lang="ja-JP" altLang="en-US" sz="2400" dirty="0" smtClean="0"/>
+              <a:t>評価の相関関係が</a:t>
+            </a:r>
+            <a:r>
+              <a:rPr lang="en-US" altLang="ja-JP" sz="2400" dirty="0" smtClean="0"/>
+              <a:t>0.2</a:t>
+            </a:r>
+            <a:r>
+              <a:rPr lang="ja-JP" altLang="en-US" sz="2400" dirty="0" smtClean="0"/>
+              <a:t>であり相関がないことが分かる．</a:t>
+            </a:r>
+            <a:endParaRPr lang="en-US" altLang="ja-JP" sz="2400" dirty="0" smtClean="0"/>
+          </a:p>
+          <a:p>
+            <a:endParaRPr lang="en-US" altLang="ja-JP" sz="2400" dirty="0" smtClean="0"/>
+          </a:p>
+          <a:p>
+            <a:r>
+              <a:rPr lang="ja-JP" altLang="en-US" sz="2400" dirty="0"/>
+              <a:t>重み付き平均評価と購入者のみ重み付き平均</a:t>
+            </a:r>
+            <a:r>
+              <a:rPr lang="ja-JP" altLang="en-US" sz="2400" dirty="0" smtClean="0"/>
+              <a:t>の相関があ</a:t>
+            </a:r>
+            <a:r>
+              <a:rPr lang="ja-JP" altLang="en-US" sz="2400" dirty="0"/>
+              <a:t>り</a:t>
+            </a:r>
+            <a:r>
+              <a:rPr lang="ja-JP" altLang="en-US" sz="2400" dirty="0" smtClean="0"/>
+              <a:t>，購入者と非購入者の間では差がないことが分かった．</a:t>
+            </a:r>
+            <a:endParaRPr lang="en-US" altLang="ja-JP" sz="2400" dirty="0"/>
+          </a:p>
+          <a:p>
+            <a:endParaRPr lang="en-US" altLang="ja-JP" sz="2400" dirty="0" smtClean="0"/>
+          </a:p>
+          <a:p>
+            <a:endParaRPr lang="en-US" altLang="ja-JP" sz="2400" dirty="0" smtClean="0"/>
+          </a:p>
+          <a:p>
+            <a:endParaRPr lang="en-US" altLang="ja-JP" sz="2400" dirty="0" smtClean="0"/>
+          </a:p>
+          <a:p>
+            <a:endParaRPr lang="en-US" altLang="ja-JP" sz="2400" dirty="0"/>
+          </a:p>
+          <a:p>
+            <a:endParaRPr lang="en-US" altLang="ja-JP" sz="2400" dirty="0"/>
+          </a:p>
+          <a:p>
+            <a:endParaRPr lang="en-US" altLang="ja-JP" sz="2400" dirty="0" smtClean="0"/>
+          </a:p>
+          <a:p>
+            <a:endParaRPr lang="ja-JP" altLang="en-US" sz="2400" dirty="0"/>
+          </a:p>
+        </p:txBody>
+      </p:sp>
+      <p:sp>
+        <p:nvSpPr>
+          <p:cNvPr id="8" name="テキスト ボックス 7"/>
+          <p:cNvSpPr txBox="1"/>
+          <p:nvPr/>
+        </p:nvSpPr>
+        <p:spPr>
+          <a:xfrm>
+            <a:off x="0" y="348953"/>
+            <a:ext cx="8820472" cy="646331"/>
+          </a:xfrm>
+          <a:prstGeom prst="rect">
+            <a:avLst/>
+          </a:prstGeom>
+          <a:noFill/>
+        </p:spPr>
+        <p:txBody>
+          <a:bodyPr wrap="square" rtlCol="0">
+            <a:spAutoFit/>
+          </a:bodyPr>
+          <a:lstStyle/>
+          <a:p>
+            <a:pPr algn="ctr"/>
+            <a:r>
+              <a:rPr lang="ja-JP" altLang="en-US" sz="3600" b="1" u="sng" dirty="0" smtClean="0"/>
+              <a:t>研究</a:t>
+            </a:r>
+            <a:r>
+              <a:rPr lang="ja-JP" altLang="en-US" sz="3600" b="1" u="sng" dirty="0"/>
+              <a:t>結果</a:t>
+            </a:r>
+            <a:endParaRPr kumimoji="1" lang="ja-JP" altLang="en-US" sz="3600" b="1" u="sng" dirty="0"/>
+          </a:p>
+        </p:txBody>
+      </p:sp>
+    </p:spTree>
+    <p:extLst>
+      <p:ext uri="{BB962C8B-B14F-4D97-AF65-F5344CB8AC3E}">
+        <p14:creationId xmlns:p14="http://schemas.microsoft.com/office/powerpoint/2010/main" val="898511074"/>
+      </p:ext>
+    </p:extLst>
+  </p:cSld>
+  <p:clrMapOvr>
+    <a:masterClrMapping/>
+  </p:clrMapOvr>
+  <p:timing>
+    <p:tnLst>
+      <p:par>
+        <p:cTn id="1" dur="indefinite" restart="never" nodeType="tmRoot"/>
+      </p:par>
+    </p:tnLst>
+  </p:timing>
+</p:sld>
+</file>
+
+<file path=ppt/slides/slide22.xml><?xml version="1.0" encoding="utf-8"?>
+<p:sld xmlns:a="http://schemas.openxmlformats.org/drawingml/2006/main" xmlns:r="http://schemas.openxmlformats.org/officeDocument/2006/relationships" xmlns:p="http://schemas.openxmlformats.org/presentationml/2006/main">
+  <p:cSld>
+    <p:spTree>
+      <p:nvGrpSpPr>
+        <p:cNvPr id="1" name=""/>
+        <p:cNvGrpSpPr/>
+        <p:nvPr/>
+      </p:nvGrpSpPr>
+      <p:grpSpPr>
+        <a:xfrm>
+          <a:off x="0" y="0"/>
+          <a:ext cx="0" cy="0"/>
+          <a:chOff x="0" y="0"/>
+          <a:chExt cx="0" cy="0"/>
+        </a:xfrm>
+      </p:grpSpPr>
+      <p:sp>
+        <p:nvSpPr>
+          <p:cNvPr id="3" name="スライド番号プレースホルダー 2"/>
+          <p:cNvSpPr>
+            <a:spLocks noGrp="1"/>
+          </p:cNvSpPr>
+          <p:nvPr>
+            <p:ph type="sldNum" sz="quarter" idx="11"/>
+          </p:nvPr>
+        </p:nvSpPr>
+        <p:spPr/>
+        <p:txBody>
+          <a:bodyPr/>
+          <a:lstStyle/>
+          <a:p>
+            <a:fld id="{E00335F1-3F40-4BF0-898D-F6D15F346D60}" type="slidenum">
+              <a:rPr kumimoji="1" lang="ja-JP" altLang="en-US" smtClean="0"/>
+              <a:t>22</a:t>
+            </a:fld>
+            <a:endParaRPr kumimoji="1" lang="ja-JP" altLang="en-US" dirty="0"/>
+          </a:p>
+        </p:txBody>
+      </p:sp>
+      <p:sp>
+        <p:nvSpPr>
+          <p:cNvPr id="4" name="テキスト ボックス 3"/>
+          <p:cNvSpPr txBox="1"/>
+          <p:nvPr/>
+        </p:nvSpPr>
+        <p:spPr>
+          <a:xfrm>
+            <a:off x="0" y="348953"/>
+            <a:ext cx="8820472" cy="646331"/>
+          </a:xfrm>
+          <a:prstGeom prst="rect">
+            <a:avLst/>
+          </a:prstGeom>
+          <a:noFill/>
+        </p:spPr>
+        <p:txBody>
+          <a:bodyPr wrap="square" rtlCol="0">
+            <a:spAutoFit/>
+          </a:bodyPr>
+          <a:lstStyle/>
+          <a:p>
+            <a:pPr algn="ctr"/>
+            <a:r>
+              <a:rPr lang="ja-JP" altLang="en-US" sz="3600" b="1" u="sng" dirty="0"/>
+              <a:t>考察</a:t>
+            </a:r>
+            <a:endParaRPr kumimoji="1" lang="ja-JP" altLang="en-US" sz="3600" b="1" u="sng" dirty="0"/>
+          </a:p>
+        </p:txBody>
+      </p:sp>
+      <p:sp>
+        <p:nvSpPr>
+          <p:cNvPr id="7" name="正方形/長方形 6"/>
+          <p:cNvSpPr/>
+          <p:nvPr/>
+        </p:nvSpPr>
+        <p:spPr>
+          <a:xfrm>
+            <a:off x="325140" y="1437774"/>
+            <a:ext cx="8135292" cy="3416320"/>
+          </a:xfrm>
+          <a:prstGeom prst="rect">
+            <a:avLst/>
+          </a:prstGeom>
+        </p:spPr>
+        <p:txBody>
+          <a:bodyPr wrap="square">
+            <a:spAutoFit/>
+          </a:bodyPr>
+          <a:lstStyle/>
+          <a:p>
+            <a:pPr marL="342900" indent="-342900">
+              <a:buFont typeface="Arial" panose="020B0604020202020204" pitchFamily="34" charset="0"/>
+              <a:buChar char="•"/>
+            </a:pPr>
+            <a:r>
+              <a:rPr lang="ja-JP" altLang="en-US" sz="2400" dirty="0" smtClean="0"/>
+              <a:t>今回しらべたデータが</a:t>
+            </a:r>
+            <a:r>
+              <a:rPr lang="ja-JP" altLang="en-US" sz="2400" dirty="0"/>
+              <a:t>「</a:t>
+            </a:r>
+            <a:r>
+              <a:rPr lang="en-US" altLang="ja-JP" sz="2400" dirty="0"/>
+              <a:t> 2003</a:t>
+            </a:r>
+            <a:r>
+              <a:rPr lang="ja-JP" altLang="en-US" sz="2400" dirty="0"/>
+              <a:t>年」 の間で「アニメ映画」の</a:t>
+            </a:r>
+            <a:r>
+              <a:rPr lang="ja-JP" altLang="en-US" sz="2400" dirty="0" smtClean="0"/>
+              <a:t>もののレビューデータを抽出した．</a:t>
+            </a:r>
+            <a:endParaRPr lang="en-US" altLang="ja-JP" sz="2400" dirty="0" smtClean="0"/>
+          </a:p>
+          <a:p>
+            <a:pPr marL="342900" indent="-342900">
+              <a:buFont typeface="Arial" panose="020B0604020202020204" pitchFamily="34" charset="0"/>
+              <a:buChar char="•"/>
+            </a:pPr>
+            <a:endParaRPr lang="en-US" altLang="ja-JP" sz="2400" dirty="0"/>
+          </a:p>
+          <a:p>
+            <a:pPr marL="342900" indent="-342900">
+              <a:buFont typeface="Arial" panose="020B0604020202020204" pitchFamily="34" charset="0"/>
+              <a:buChar char="•"/>
+            </a:pPr>
+            <a:endParaRPr lang="en-US" altLang="ja-JP" sz="2400" dirty="0" smtClean="0"/>
+          </a:p>
+          <a:p>
+            <a:pPr lvl="1"/>
+            <a:r>
+              <a:rPr lang="en-US" altLang="ja-JP" sz="2400" dirty="0"/>
+              <a:t>-</a:t>
+            </a:r>
+            <a:r>
+              <a:rPr lang="ja-JP" altLang="en-US" sz="2400" dirty="0" smtClean="0"/>
+              <a:t>そのため「</a:t>
+            </a:r>
+            <a:r>
+              <a:rPr lang="en-US" altLang="ja-JP" sz="2400" dirty="0" smtClean="0"/>
+              <a:t>2003</a:t>
+            </a:r>
+            <a:r>
+              <a:rPr lang="ja-JP" altLang="en-US" sz="2400" dirty="0" smtClean="0"/>
+              <a:t>年」の「アニメ映画」という括りではレビューの「平均評価」，「重み着き平均評価」「購入者のみの重み付き平均評価」に差はなく，このような分析をする必要がないことが推測される．</a:t>
+            </a:r>
+            <a:endParaRPr lang="en-US" altLang="ja-JP" sz="2400" dirty="0" smtClean="0"/>
+          </a:p>
+          <a:p>
+            <a:pPr marL="342900" indent="-342900">
+              <a:buFont typeface="Arial" panose="020B0604020202020204" pitchFamily="34" charset="0"/>
+              <a:buChar char="•"/>
+            </a:pPr>
+            <a:endParaRPr lang="en-US" altLang="ja-JP" sz="2400" dirty="0"/>
+          </a:p>
+        </p:txBody>
+      </p:sp>
+      <p:sp>
+        <p:nvSpPr>
+          <p:cNvPr id="12" name="正方形/長方形 11"/>
+          <p:cNvSpPr/>
+          <p:nvPr/>
+        </p:nvSpPr>
+        <p:spPr>
+          <a:xfrm>
+            <a:off x="3387643" y="4953426"/>
+            <a:ext cx="1080120" cy="301671"/>
+          </a:xfrm>
+          <a:prstGeom prst="rect">
+            <a:avLst/>
+          </a:prstGeom>
+        </p:spPr>
+        <p:style>
+          <a:lnRef idx="2">
+            <a:schemeClr val="accent1">
+              <a:shade val="50000"/>
+            </a:schemeClr>
+          </a:lnRef>
+          <a:fillRef idx="1">
+            <a:schemeClr val="accent1"/>
+          </a:fillRef>
+          <a:effectRef idx="0">
+            <a:schemeClr val="accent1"/>
+          </a:effectRef>
+          <a:fontRef idx="minor">
+            <a:schemeClr val="lt1"/>
+          </a:fontRef>
+        </p:style>
+        <p:txBody>
+          <a:bodyPr rtlCol="0" anchor="ctr"/>
+          <a:lstStyle/>
+          <a:p>
+            <a:pPr algn="ctr"/>
+            <a:r>
+              <a:rPr kumimoji="1" lang="en-US" altLang="ja-JP" dirty="0" smtClean="0"/>
+              <a:t>and</a:t>
+            </a:r>
+            <a:endParaRPr kumimoji="1" lang="ja-JP" altLang="en-US" dirty="0"/>
+          </a:p>
+        </p:txBody>
+      </p:sp>
+      <p:sp>
+        <p:nvSpPr>
+          <p:cNvPr id="28" name="正方形/長方形 27"/>
+          <p:cNvSpPr/>
+          <p:nvPr/>
+        </p:nvSpPr>
+        <p:spPr>
+          <a:xfrm>
+            <a:off x="1980583" y="4877713"/>
+            <a:ext cx="1360966" cy="430932"/>
+          </a:xfrm>
+          <a:prstGeom prst="rect">
+            <a:avLst/>
+          </a:prstGeom>
+          <a:noFill/>
+          <a:ln>
+            <a:solidFill>
+              <a:srgbClr val="92D050"/>
+            </a:solidFill>
+          </a:ln>
+        </p:spPr>
+        <p:style>
+          <a:lnRef idx="2">
+            <a:schemeClr val="accent1">
+              <a:shade val="50000"/>
+            </a:schemeClr>
+          </a:lnRef>
+          <a:fillRef idx="1">
+            <a:schemeClr val="accent1"/>
+          </a:fillRef>
+          <a:effectRef idx="0">
+            <a:schemeClr val="accent1"/>
+          </a:effectRef>
+          <a:fontRef idx="minor">
+            <a:schemeClr val="lt1"/>
+          </a:fontRef>
+        </p:style>
+        <p:txBody>
+          <a:bodyPr rtlCol="0" anchor="ctr"/>
+          <a:lstStyle/>
+          <a:p>
+            <a:pPr algn="ctr"/>
+            <a:r>
+              <a:rPr lang="ja-JP" altLang="en-US" dirty="0" smtClean="0">
+                <a:solidFill>
+                  <a:schemeClr val="tx1"/>
+                </a:solidFill>
+              </a:rPr>
+              <a:t>「</a:t>
+            </a:r>
+            <a:r>
+              <a:rPr lang="en-US" altLang="ja-JP" dirty="0" smtClean="0">
+                <a:solidFill>
+                  <a:schemeClr val="tx1"/>
+                </a:solidFill>
+              </a:rPr>
+              <a:t>2003</a:t>
+            </a:r>
+            <a:r>
+              <a:rPr lang="ja-JP" altLang="en-US" dirty="0" smtClean="0">
+                <a:solidFill>
+                  <a:schemeClr val="tx1"/>
+                </a:solidFill>
+              </a:rPr>
+              <a:t>年」</a:t>
+            </a:r>
+            <a:endParaRPr kumimoji="1" lang="ja-JP" altLang="en-US" dirty="0">
+              <a:solidFill>
+                <a:schemeClr val="tx1"/>
+              </a:solidFill>
+            </a:endParaRPr>
+          </a:p>
+        </p:txBody>
+      </p:sp>
+      <p:sp>
+        <p:nvSpPr>
+          <p:cNvPr id="22" name="正方形/長方形 21"/>
+          <p:cNvSpPr/>
+          <p:nvPr/>
+        </p:nvSpPr>
+        <p:spPr>
+          <a:xfrm>
+            <a:off x="4533965" y="4863424"/>
+            <a:ext cx="1706596" cy="430932"/>
+          </a:xfrm>
+          <a:prstGeom prst="rect">
+            <a:avLst/>
+          </a:prstGeom>
+          <a:noFill/>
+          <a:ln>
+            <a:solidFill>
+              <a:srgbClr val="92D050"/>
+            </a:solidFill>
+          </a:ln>
+        </p:spPr>
+        <p:style>
+          <a:lnRef idx="2">
+            <a:schemeClr val="accent1">
+              <a:shade val="50000"/>
+            </a:schemeClr>
+          </a:lnRef>
+          <a:fillRef idx="1">
+            <a:schemeClr val="accent1"/>
+          </a:fillRef>
+          <a:effectRef idx="0">
+            <a:schemeClr val="accent1"/>
+          </a:effectRef>
+          <a:fontRef idx="minor">
+            <a:schemeClr val="lt1"/>
+          </a:fontRef>
+        </p:style>
+        <p:txBody>
+          <a:bodyPr rtlCol="0" anchor="ctr"/>
+          <a:lstStyle/>
+          <a:p>
+            <a:pPr algn="ctr"/>
+            <a:r>
+              <a:rPr lang="ja-JP" altLang="en-US" dirty="0" smtClean="0">
+                <a:solidFill>
+                  <a:schemeClr val="tx1"/>
+                </a:solidFill>
+              </a:rPr>
+              <a:t>「</a:t>
+            </a:r>
+            <a:r>
+              <a:rPr lang="ja-JP" altLang="en-US" dirty="0">
+                <a:solidFill>
+                  <a:schemeClr val="tx1"/>
+                </a:solidFill>
+              </a:rPr>
+              <a:t>アニメ映画</a:t>
+            </a:r>
+            <a:r>
+              <a:rPr lang="ja-JP" altLang="en-US" dirty="0" smtClean="0">
+                <a:solidFill>
+                  <a:schemeClr val="tx1"/>
+                </a:solidFill>
+              </a:rPr>
+              <a:t>」</a:t>
+            </a:r>
+            <a:endParaRPr kumimoji="1" lang="ja-JP" altLang="en-US" dirty="0">
+              <a:solidFill>
+                <a:schemeClr val="tx1"/>
+              </a:solidFill>
+            </a:endParaRPr>
+          </a:p>
+        </p:txBody>
+      </p:sp>
+      <p:sp>
+        <p:nvSpPr>
+          <p:cNvPr id="5" name="下矢印 4"/>
+          <p:cNvSpPr/>
+          <p:nvPr/>
+        </p:nvSpPr>
+        <p:spPr>
+          <a:xfrm>
+            <a:off x="3171619" y="5542603"/>
+            <a:ext cx="1512168" cy="504056"/>
+          </a:xfrm>
+          <a:prstGeom prst="downArrow">
+            <a:avLst/>
+          </a:prstGeom>
+        </p:spPr>
+        <p:style>
+          <a:lnRef idx="2">
+            <a:schemeClr val="accent1">
+              <a:shade val="50000"/>
+            </a:schemeClr>
+          </a:lnRef>
+          <a:fillRef idx="1">
+            <a:schemeClr val="accent1"/>
+          </a:fillRef>
+          <a:effectRef idx="0">
+            <a:schemeClr val="accent1"/>
+          </a:effectRef>
+          <a:fontRef idx="minor">
+            <a:schemeClr val="lt1"/>
+          </a:fontRef>
+        </p:style>
+        <p:txBody>
+          <a:bodyPr rtlCol="0" anchor="ctr"/>
+          <a:lstStyle/>
+          <a:p>
+            <a:pPr algn="ctr"/>
+            <a:endParaRPr kumimoji="1" lang="ja-JP" altLang="en-US"/>
+          </a:p>
+        </p:txBody>
+      </p:sp>
+      <p:sp>
+        <p:nvSpPr>
+          <p:cNvPr id="27" name="正方形/長方形 26"/>
+          <p:cNvSpPr/>
+          <p:nvPr/>
+        </p:nvSpPr>
+        <p:spPr>
+          <a:xfrm>
+            <a:off x="1259632" y="6165304"/>
+            <a:ext cx="5687761" cy="430932"/>
+          </a:xfrm>
+          <a:prstGeom prst="rect">
+            <a:avLst/>
+          </a:prstGeom>
+          <a:noFill/>
+          <a:ln>
+            <a:solidFill>
+              <a:srgbClr val="92D050"/>
+            </a:solidFill>
+          </a:ln>
+        </p:spPr>
+        <p:style>
+          <a:lnRef idx="2">
+            <a:schemeClr val="accent1">
+              <a:shade val="50000"/>
+            </a:schemeClr>
+          </a:lnRef>
+          <a:fillRef idx="1">
+            <a:schemeClr val="accent1"/>
+          </a:fillRef>
+          <a:effectRef idx="0">
+            <a:schemeClr val="accent1"/>
+          </a:effectRef>
+          <a:fontRef idx="minor">
+            <a:schemeClr val="lt1"/>
+          </a:fontRef>
+        </p:style>
+        <p:txBody>
+          <a:bodyPr rtlCol="0" anchor="ctr"/>
+          <a:lstStyle/>
+          <a:p>
+            <a:pPr algn="ctr"/>
+            <a:r>
+              <a:rPr lang="ja-JP" altLang="en-US" dirty="0" smtClean="0">
+                <a:solidFill>
+                  <a:schemeClr val="tx1"/>
+                </a:solidFill>
+              </a:rPr>
+              <a:t>重み付き平均を導く必要はなく平均評価で問題ない</a:t>
+            </a:r>
+            <a:endParaRPr kumimoji="1" lang="ja-JP" altLang="en-US" dirty="0">
+              <a:solidFill>
+                <a:schemeClr val="tx1"/>
+              </a:solidFill>
+            </a:endParaRPr>
+          </a:p>
+        </p:txBody>
+      </p:sp>
+    </p:spTree>
+    <p:extLst>
+      <p:ext uri="{BB962C8B-B14F-4D97-AF65-F5344CB8AC3E}">
+        <p14:creationId xmlns:p14="http://schemas.microsoft.com/office/powerpoint/2010/main" val="3681554722"/>
+      </p:ext>
+    </p:extLst>
+  </p:cSld>
+  <p:clrMapOvr>
+    <a:masterClrMapping/>
+  </p:clrMapOvr>
+  <p:timing>
+    <p:tnLst>
+      <p:par>
+        <p:cTn id="1" dur="indefinite" restart="never" nodeType="tmRoot"/>
+      </p:par>
+    </p:tnLst>
+  </p:timing>
+</p:sld>
+</file>
+
+<file path=ppt/slides/slide23.xml><?xml version="1.0" encoding="utf-8"?>
+<p:sld xmlns:a="http://schemas.openxmlformats.org/drawingml/2006/main" xmlns:r="http://schemas.openxmlformats.org/officeDocument/2006/relationships" xmlns:p="http://schemas.openxmlformats.org/presentationml/2006/main">
+  <p:cSld>
+    <p:spTree>
+      <p:nvGrpSpPr>
+        <p:cNvPr id="1" name=""/>
+        <p:cNvGrpSpPr/>
+        <p:nvPr/>
+      </p:nvGrpSpPr>
+      <p:grpSpPr>
+        <a:xfrm>
+          <a:off x="0" y="0"/>
+          <a:ext cx="0" cy="0"/>
+          <a:chOff x="0" y="0"/>
+          <a:chExt cx="0" cy="0"/>
+        </a:xfrm>
+      </p:grpSpPr>
+      <p:sp>
+        <p:nvSpPr>
+          <p:cNvPr id="3" name="スライド番号プレースホルダー 2"/>
+          <p:cNvSpPr>
+            <a:spLocks noGrp="1"/>
+          </p:cNvSpPr>
+          <p:nvPr>
+            <p:ph type="sldNum" sz="quarter" idx="11"/>
+          </p:nvPr>
+        </p:nvSpPr>
+        <p:spPr/>
+        <p:txBody>
+          <a:bodyPr/>
+          <a:lstStyle/>
+          <a:p>
+            <a:fld id="{E00335F1-3F40-4BF0-898D-F6D15F346D60}" type="slidenum">
+              <a:rPr kumimoji="1" lang="ja-JP" altLang="en-US" smtClean="0"/>
+              <a:t>23</a:t>
+            </a:fld>
+            <a:endParaRPr kumimoji="1" lang="ja-JP" altLang="en-US" dirty="0"/>
+          </a:p>
+        </p:txBody>
+      </p:sp>
+      <p:sp>
+        <p:nvSpPr>
+          <p:cNvPr id="4" name="テキスト ボックス 3"/>
+          <p:cNvSpPr txBox="1"/>
+          <p:nvPr/>
+        </p:nvSpPr>
+        <p:spPr>
+          <a:xfrm>
+            <a:off x="0" y="348953"/>
+            <a:ext cx="8820472" cy="646331"/>
+          </a:xfrm>
+          <a:prstGeom prst="rect">
+            <a:avLst/>
+          </a:prstGeom>
+          <a:noFill/>
+        </p:spPr>
+        <p:txBody>
+          <a:bodyPr wrap="square" rtlCol="0">
+            <a:spAutoFit/>
+          </a:bodyPr>
+          <a:lstStyle/>
+          <a:p>
+            <a:pPr algn="ctr"/>
+            <a:r>
+              <a:rPr lang="ja-JP" altLang="en-US" sz="3600" b="1" u="sng" dirty="0" smtClean="0"/>
+              <a:t>まと</a:t>
+            </a:r>
+            <a:r>
+              <a:rPr lang="ja-JP" altLang="en-US" sz="3600" b="1" u="sng" dirty="0"/>
+              <a:t>め</a:t>
+            </a:r>
+            <a:endParaRPr kumimoji="1" lang="ja-JP" altLang="en-US" sz="3600" b="1" u="sng" dirty="0"/>
+          </a:p>
+        </p:txBody>
+      </p:sp>
+      <p:sp>
+        <p:nvSpPr>
+          <p:cNvPr id="7" name="正方形/長方形 6"/>
+          <p:cNvSpPr/>
+          <p:nvPr/>
+        </p:nvSpPr>
+        <p:spPr>
+          <a:xfrm>
+            <a:off x="467544" y="1437774"/>
+            <a:ext cx="7813972" cy="1200329"/>
+          </a:xfrm>
+          <a:prstGeom prst="rect">
+            <a:avLst/>
+          </a:prstGeom>
+        </p:spPr>
+        <p:txBody>
+          <a:bodyPr wrap="square">
+            <a:spAutoFit/>
+          </a:bodyPr>
+          <a:lstStyle/>
+          <a:p>
+            <a:pPr marL="342900" indent="-342900">
+              <a:buFont typeface="Arial" panose="020B0604020202020204" pitchFamily="34" charset="0"/>
+              <a:buChar char="•"/>
+            </a:pPr>
+            <a:endParaRPr lang="en-US" altLang="ja-JP" sz="2400" dirty="0"/>
+          </a:p>
+          <a:p>
+            <a:r>
+              <a:rPr lang="ja-JP" altLang="en-US" sz="2400" dirty="0" smtClean="0"/>
+              <a:t>オンラインショッピングサイトのレビューには参考にならないレビューも存在するため，総合評価が信頼できないと考えた．</a:t>
+            </a:r>
+            <a:endParaRPr lang="en-US" altLang="ja-JP" sz="2400" dirty="0"/>
+          </a:p>
+        </p:txBody>
+      </p:sp>
+      <p:sp>
+        <p:nvSpPr>
+          <p:cNvPr id="2" name="下矢印 1"/>
+          <p:cNvSpPr/>
+          <p:nvPr/>
+        </p:nvSpPr>
+        <p:spPr>
+          <a:xfrm>
+            <a:off x="2987824" y="2659025"/>
+            <a:ext cx="2088232" cy="720080"/>
+          </a:xfrm>
+          <a:prstGeom prst="downArrow">
+            <a:avLst/>
+          </a:prstGeom>
+        </p:spPr>
+        <p:style>
+          <a:lnRef idx="2">
+            <a:schemeClr val="accent1">
+              <a:shade val="50000"/>
+            </a:schemeClr>
+          </a:lnRef>
+          <a:fillRef idx="1">
+            <a:schemeClr val="accent1"/>
+          </a:fillRef>
+          <a:effectRef idx="0">
+            <a:schemeClr val="accent1"/>
+          </a:effectRef>
+          <a:fontRef idx="minor">
+            <a:schemeClr val="lt1"/>
+          </a:fontRef>
+        </p:style>
+        <p:txBody>
+          <a:bodyPr rtlCol="0" anchor="ctr"/>
+          <a:lstStyle/>
+          <a:p>
+            <a:pPr algn="ctr"/>
+            <a:endParaRPr kumimoji="1" lang="ja-JP" altLang="en-US"/>
+          </a:p>
+        </p:txBody>
+      </p:sp>
+      <p:sp>
+        <p:nvSpPr>
+          <p:cNvPr id="6" name="正方形/長方形 5"/>
+          <p:cNvSpPr/>
+          <p:nvPr/>
+        </p:nvSpPr>
+        <p:spPr>
+          <a:xfrm>
+            <a:off x="467544" y="3367718"/>
+            <a:ext cx="7813972" cy="830997"/>
+          </a:xfrm>
+          <a:prstGeom prst="rect">
+            <a:avLst/>
+          </a:prstGeom>
+        </p:spPr>
+        <p:txBody>
+          <a:bodyPr wrap="square">
+            <a:spAutoFit/>
+          </a:bodyPr>
+          <a:lstStyle/>
+          <a:p>
+            <a:r>
+              <a:rPr lang="ja-JP" altLang="en-US" sz="2400" dirty="0"/>
+              <a:t>商品ページの「参考になるかを判断した人物」と「参考になったと答えた人物の比率」を</a:t>
+            </a:r>
+            <a:r>
+              <a:rPr lang="ja-JP" altLang="en-US" sz="2400" dirty="0" smtClean="0"/>
+              <a:t>求め新しい評価方法を作り出した．</a:t>
+            </a:r>
+            <a:endParaRPr lang="en-US" altLang="ja-JP" sz="2400" dirty="0"/>
+          </a:p>
+        </p:txBody>
+      </p:sp>
+      <p:sp>
+        <p:nvSpPr>
+          <p:cNvPr id="8" name="下矢印 7"/>
+          <p:cNvSpPr/>
+          <p:nvPr/>
+        </p:nvSpPr>
+        <p:spPr>
+          <a:xfrm>
+            <a:off x="2987824" y="4219637"/>
+            <a:ext cx="2088232" cy="720080"/>
+          </a:xfrm>
+          <a:prstGeom prst="downArrow">
+            <a:avLst/>
+          </a:prstGeom>
+        </p:spPr>
+        <p:style>
+          <a:lnRef idx="2">
+            <a:schemeClr val="accent1">
+              <a:shade val="50000"/>
+            </a:schemeClr>
+          </a:lnRef>
+          <a:fillRef idx="1">
+            <a:schemeClr val="accent1"/>
+          </a:fillRef>
+          <a:effectRef idx="0">
+            <a:schemeClr val="accent1"/>
+          </a:effectRef>
+          <a:fontRef idx="minor">
+            <a:schemeClr val="lt1"/>
+          </a:fontRef>
+        </p:style>
+        <p:txBody>
+          <a:bodyPr rtlCol="0" anchor="ctr"/>
+          <a:lstStyle/>
+          <a:p>
+            <a:pPr algn="ctr"/>
+            <a:endParaRPr kumimoji="1" lang="ja-JP" altLang="en-US"/>
+          </a:p>
+        </p:txBody>
+      </p:sp>
+      <p:sp>
+        <p:nvSpPr>
+          <p:cNvPr id="9" name="正方形/長方形 8"/>
+          <p:cNvSpPr/>
+          <p:nvPr/>
+        </p:nvSpPr>
+        <p:spPr>
+          <a:xfrm>
+            <a:off x="467544" y="4939717"/>
+            <a:ext cx="7813972" cy="1200329"/>
+          </a:xfrm>
+          <a:prstGeom prst="rect">
+            <a:avLst/>
+          </a:prstGeom>
+        </p:spPr>
+        <p:txBody>
+          <a:bodyPr wrap="square">
+            <a:spAutoFit/>
+          </a:bodyPr>
+          <a:lstStyle/>
+          <a:p>
+            <a:r>
+              <a:rPr lang="ja-JP" altLang="en-US" sz="2400" dirty="0" smtClean="0"/>
+              <a:t>しかし，その評価方法と平均評価には相関があり</a:t>
+            </a:r>
+            <a:endParaRPr lang="en-US" altLang="ja-JP" sz="2400" dirty="0" smtClean="0"/>
+          </a:p>
+          <a:p>
+            <a:r>
+              <a:rPr lang="ja-JP" altLang="en-US" sz="2400" dirty="0" smtClean="0"/>
+              <a:t>平均評価と新しい評価方法を比べた結果，</a:t>
+            </a:r>
+            <a:endParaRPr lang="en-US" altLang="ja-JP" sz="2400" dirty="0" smtClean="0"/>
+          </a:p>
+          <a:p>
+            <a:r>
+              <a:rPr lang="ja-JP" altLang="en-US" sz="2400" dirty="0" smtClean="0"/>
+              <a:t>変化が低いことが分かった．</a:t>
+            </a:r>
+            <a:endParaRPr lang="en-US" altLang="ja-JP" sz="2400" dirty="0"/>
+          </a:p>
+        </p:txBody>
+      </p:sp>
+    </p:spTree>
+    <p:extLst>
+      <p:ext uri="{BB962C8B-B14F-4D97-AF65-F5344CB8AC3E}">
+        <p14:creationId xmlns:p14="http://schemas.microsoft.com/office/powerpoint/2010/main" val="831532849"/>
+      </p:ext>
+    </p:extLst>
+  </p:cSld>
+  <p:clrMapOvr>
+    <a:masterClrMapping/>
+  </p:clrMapOvr>
+  <p:timing>
+    <p:tnLst>
+      <p:par>
+        <p:cTn id="1" dur="indefinite" restart="never" nodeType="tmRoot"/>
+      </p:par>
+    </p:tnLst>
+  </p:timing>
+</p:sld>
+</file>
+
 <file path=ppt/slides/slide24.xml><?xml version="1.0" encoding="utf-8"?>
 <p:sld xmlns:a="http://schemas.openxmlformats.org/drawingml/2006/main" xmlns:r="http://schemas.openxmlformats.org/officeDocument/2006/relationships" xmlns:p="http://schemas.openxmlformats.org/presentationml/2006/main">
   <p:cSld>
@@ -19461,7 +17656,38 @@
       </p:grpSpPr>
       <p:sp>
         <p:nvSpPr>
-          <p:cNvPr id="3" name="スライド番号プレースホルダー 2"/>
+          <p:cNvPr id="2" name="タイトル 1"/>
+          <p:cNvSpPr>
+            <a:spLocks noGrp="1"/>
+          </p:cNvSpPr>
+          <p:nvPr>
+            <p:ph type="title"/>
+          </p:nvPr>
+        </p:nvSpPr>
+        <p:spPr>
+          <a:xfrm>
+            <a:off x="1870720" y="-99392"/>
+            <a:ext cx="4898504" cy="1090355"/>
+          </a:xfrm>
+        </p:spPr>
+        <p:txBody>
+          <a:bodyPr>
+            <a:normAutofit/>
+          </a:bodyPr>
+          <a:lstStyle/>
+          <a:p>
+            <a:pPr algn="ctr"/>
+            <a:r>
+              <a:rPr kumimoji="1" lang="ja-JP" altLang="en-US" sz="3600" b="1" u="sng" dirty="0" smtClean="0"/>
+              <a:t>目次</a:t>
+            </a:r>
+            <a:endParaRPr kumimoji="1" lang="ja-JP" altLang="en-US" sz="3600" b="1" u="sng" dirty="0"/>
+          </a:p>
+        </p:txBody>
+      </p:sp>
+      <p:sp>
+        <p:nvSpPr>
+          <p:cNvPr id="4" name="スライド番号プレースホルダー 3"/>
           <p:cNvSpPr>
             <a:spLocks noGrp="1"/>
           </p:cNvSpPr>
@@ -19475,23 +17701,31 @@
           <a:lstStyle/>
           <a:p>
             <a:fld id="{E00335F1-3F40-4BF0-898D-F6D15F346D60}" type="slidenum">
-              <a:rPr kumimoji="1" lang="ja-JP" altLang="en-US" smtClean="0"/>
+              <a:rPr kumimoji="1" lang="ja-JP" altLang="en-US" sz="1400" smtClean="0">
+                <a:solidFill>
+                  <a:schemeClr val="tx1"/>
+                </a:solidFill>
+              </a:rPr>
               <a:t>24</a:t>
             </a:fld>
-            <a:endParaRPr kumimoji="1" lang="ja-JP" altLang="en-US" dirty="0"/>
-          </a:p>
-        </p:txBody>
-      </p:sp>
-      <p:sp>
-        <p:nvSpPr>
-          <p:cNvPr id="6" name="テキスト ボックス 5"/>
+            <a:endParaRPr kumimoji="1" lang="ja-JP" altLang="en-US" sz="1400" dirty="0">
+              <a:solidFill>
+                <a:schemeClr val="tx1"/>
+              </a:solidFill>
+            </a:endParaRPr>
+          </a:p>
+        </p:txBody>
+      </p:sp>
+      <p:sp>
+        <p:nvSpPr>
+          <p:cNvPr id="5" name="テキスト ボックス 4"/>
           <p:cNvSpPr txBox="1"/>
           <p:nvPr/>
         </p:nvSpPr>
         <p:spPr>
           <a:xfrm>
-            <a:off x="467544" y="995284"/>
-            <a:ext cx="7304856" cy="1446550"/>
+            <a:off x="1043608" y="722280"/>
+            <a:ext cx="6552728" cy="5386090"/>
           </a:xfrm>
           <a:prstGeom prst="rect">
             <a:avLst/>
@@ -19504,196 +17738,179 @@
           </a:bodyPr>
           <a:lstStyle/>
           <a:p>
-            <a:endParaRPr kumimoji="1" lang="en-US" altLang="ja-JP" sz="3200" dirty="0" smtClean="0"/>
-          </a:p>
-          <a:p>
-            <a:pPr marL="285750" indent="-285750">
-              <a:buFont typeface="Arial" panose="020B0604020202020204" pitchFamily="34" charset="0"/>
-              <a:buChar char="•"/>
-            </a:pPr>
+            <a:r>
+              <a:rPr lang="ja-JP" altLang="en-US" sz="2800" b="1" dirty="0" smtClean="0"/>
+              <a:t>　</a:t>
+            </a:r>
+            <a:r>
+              <a:rPr lang="ja-JP" altLang="en-US" sz="2800" b="1" dirty="0"/>
+              <a:t>　</a:t>
+            </a:r>
+            <a:endParaRPr lang="en-US" altLang="ja-JP" sz="3200" b="1" dirty="0" smtClean="0">
+              <a:effectLst>
+                <a:outerShdw blurRad="38100" dist="38100" dir="2700000" algn="tl">
+                  <a:srgbClr val="000000">
+                    <a:alpha val="43137"/>
+                  </a:srgbClr>
+                </a:outerShdw>
+              </a:effectLst>
+            </a:endParaRPr>
+          </a:p>
+          <a:p>
+            <a:r>
+              <a:rPr lang="en-US" altLang="ja-JP" sz="3200" b="1" dirty="0"/>
+              <a:t>	</a:t>
+            </a:r>
+            <a:r>
+              <a:rPr lang="ja-JP" altLang="en-US" sz="2800" b="1" dirty="0" smtClean="0"/>
+              <a:t>１．研究背景</a:t>
+            </a:r>
+            <a:endParaRPr lang="en-US" altLang="ja-JP" sz="2800" b="1" dirty="0" smtClean="0"/>
+          </a:p>
+          <a:p>
+            <a:r>
+              <a:rPr lang="en-US" altLang="ja-JP" sz="2800" b="1" dirty="0"/>
+              <a:t>	</a:t>
+            </a:r>
+            <a:r>
+              <a:rPr lang="en-US" altLang="ja-JP" sz="2800" b="1" dirty="0" smtClean="0"/>
+              <a:t>	</a:t>
+            </a:r>
+            <a:r>
+              <a:rPr lang="ja-JP" altLang="en-US" sz="2800" b="1" dirty="0" smtClean="0"/>
+              <a:t>実例紹介</a:t>
+            </a:r>
+            <a:endParaRPr lang="en-US" altLang="ja-JP" sz="2800" b="1" dirty="0" smtClean="0"/>
+          </a:p>
+          <a:p>
+            <a:r>
+              <a:rPr lang="en-US" altLang="ja-JP" sz="2800" b="1" dirty="0" smtClean="0"/>
+              <a:t>	</a:t>
+            </a:r>
+            <a:r>
+              <a:rPr lang="ja-JP" altLang="en-US" sz="2800" b="1" dirty="0" smtClean="0"/>
+              <a:t>２．</a:t>
+            </a:r>
+            <a:r>
+              <a:rPr lang="ja-JP" altLang="en-US" sz="2800" b="1" dirty="0"/>
+              <a:t>序論</a:t>
+            </a:r>
+            <a:endParaRPr lang="en-US" altLang="ja-JP" sz="2800" b="1" dirty="0" smtClean="0"/>
+          </a:p>
+          <a:p>
+            <a:r>
+              <a:rPr lang="en-US" altLang="ja-JP" sz="2800" b="1" dirty="0" smtClean="0"/>
+              <a:t>	</a:t>
+            </a:r>
+            <a:r>
+              <a:rPr lang="ja-JP" altLang="en-US" sz="2800" b="1" dirty="0" smtClean="0"/>
+              <a:t>３．研究目的</a:t>
+            </a:r>
+            <a:endParaRPr lang="en-US" altLang="ja-JP" sz="2400" b="1" i="1" dirty="0" smtClean="0"/>
+          </a:p>
+          <a:p>
+            <a:r>
+              <a:rPr lang="en-US" altLang="ja-JP" sz="2400" b="1" dirty="0"/>
+              <a:t>	</a:t>
+            </a:r>
+            <a:r>
+              <a:rPr lang="ja-JP" altLang="en-US" sz="2800" b="1" dirty="0" smtClean="0"/>
+              <a:t>４．研究方法</a:t>
+            </a:r>
+            <a:endParaRPr lang="en-US" altLang="ja-JP" sz="2800" b="1" dirty="0" smtClean="0"/>
+          </a:p>
+          <a:p>
+            <a:r>
+              <a:rPr lang="en-US" altLang="ja-JP" sz="2800" b="1" dirty="0"/>
+              <a:t>	</a:t>
+            </a:r>
+            <a:r>
+              <a:rPr lang="en-US" altLang="ja-JP" sz="2800" b="1" dirty="0" smtClean="0"/>
+              <a:t>	</a:t>
+            </a:r>
+            <a:r>
+              <a:rPr lang="ja-JP" altLang="en-US" sz="2800" b="1" dirty="0" smtClean="0"/>
+              <a:t>計算方法</a:t>
+            </a:r>
+            <a:endParaRPr lang="en-US" altLang="ja-JP" sz="2800" b="1" dirty="0" smtClean="0"/>
+          </a:p>
+          <a:p>
+            <a:r>
+              <a:rPr lang="en-US" altLang="ja-JP" sz="2800" b="1" dirty="0" smtClean="0"/>
+              <a:t>		</a:t>
+            </a:r>
+            <a:r>
+              <a:rPr lang="ja-JP" altLang="en-US" sz="2800" b="1" dirty="0"/>
+              <a:t>クローラ</a:t>
+            </a:r>
+            <a:r>
+              <a:rPr lang="ja-JP" altLang="en-US" sz="2800" b="1" dirty="0" smtClean="0"/>
+              <a:t>ーを利用</a:t>
+            </a:r>
+            <a:endParaRPr lang="en-US" altLang="ja-JP" sz="2800" b="1" dirty="0" smtClean="0"/>
+          </a:p>
+          <a:p>
+            <a:r>
+              <a:rPr lang="en-US" altLang="ja-JP" sz="2800" b="1" dirty="0"/>
+              <a:t>	</a:t>
+            </a:r>
+            <a:r>
+              <a:rPr lang="en-US" altLang="ja-JP" sz="2800" b="1" dirty="0" smtClean="0"/>
+              <a:t>	</a:t>
+            </a:r>
+            <a:r>
+              <a:rPr lang="ja-JP" altLang="en-US" sz="2800" b="1" dirty="0" smtClean="0"/>
+              <a:t>手動で採取，統計</a:t>
+            </a:r>
+            <a:endParaRPr lang="en-US" altLang="ja-JP" sz="3200" b="1" dirty="0" smtClean="0">
+              <a:effectLst>
+                <a:outerShdw blurRad="38100" dist="38100" dir="2700000" algn="tl">
+                  <a:srgbClr val="000000">
+                    <a:alpha val="43137"/>
+                  </a:srgbClr>
+                </a:outerShdw>
+              </a:effectLst>
+            </a:endParaRPr>
+          </a:p>
+          <a:p>
+            <a:r>
+              <a:rPr lang="en-US" altLang="ja-JP" sz="2400" b="1" dirty="0" smtClean="0"/>
+              <a:t>	</a:t>
+            </a:r>
+            <a:r>
+              <a:rPr lang="ja-JP" altLang="en-US" sz="2800" b="1" dirty="0" smtClean="0"/>
+              <a:t>５．結果</a:t>
+            </a:r>
+            <a:endParaRPr lang="en-US" altLang="ja-JP" sz="2800" b="1" dirty="0" smtClean="0"/>
+          </a:p>
+          <a:p>
+            <a:r>
+              <a:rPr lang="en-US" altLang="ja-JP" sz="2800" b="1" dirty="0" smtClean="0"/>
+              <a:t>	</a:t>
+            </a:r>
+            <a:r>
+              <a:rPr lang="ja-JP" altLang="en-US" sz="2800" b="1" dirty="0" smtClean="0"/>
+              <a:t>６</a:t>
+            </a:r>
+            <a:r>
+              <a:rPr kumimoji="1" lang="ja-JP" altLang="en-US" sz="2800" b="1" dirty="0" smtClean="0"/>
+              <a:t>．</a:t>
+            </a:r>
+            <a:r>
+              <a:rPr lang="ja-JP" altLang="en-US" sz="2800" b="1" dirty="0" smtClean="0"/>
+              <a:t>考察</a:t>
+            </a:r>
+            <a:endParaRPr lang="en-US" altLang="ja-JP" sz="2800" b="1" dirty="0"/>
+          </a:p>
+          <a:p>
             <a:endParaRPr lang="en-US" altLang="ja-JP" sz="2800" dirty="0" smtClean="0"/>
-          </a:p>
-          <a:p>
-            <a:pPr marL="285750" indent="-285750">
-              <a:buFont typeface="Arial" panose="020B0604020202020204" pitchFamily="34" charset="0"/>
-              <a:buChar char="•"/>
-            </a:pPr>
-            <a:endParaRPr lang="en-US" altLang="ja-JP" sz="2800" dirty="0" smtClean="0"/>
-          </a:p>
-        </p:txBody>
-      </p:sp>
-      <p:sp>
-        <p:nvSpPr>
-          <p:cNvPr id="7" name="正方形/長方形 6"/>
-          <p:cNvSpPr/>
-          <p:nvPr/>
-        </p:nvSpPr>
-        <p:spPr>
-          <a:xfrm>
-            <a:off x="325140" y="1437774"/>
-            <a:ext cx="7956376" cy="5632311"/>
-          </a:xfrm>
-          <a:prstGeom prst="rect">
-            <a:avLst/>
-          </a:prstGeom>
-        </p:spPr>
-        <p:txBody>
-          <a:bodyPr wrap="square">
-            <a:spAutoFit/>
-          </a:bodyPr>
-          <a:lstStyle/>
-          <a:p>
-            <a:r>
-              <a:rPr lang="en-US" altLang="ja-JP" sz="2400" dirty="0" smtClean="0"/>
-              <a:t>21</a:t>
-            </a:r>
-            <a:r>
-              <a:rPr lang="ja-JP" altLang="en-US" sz="2400" dirty="0" smtClean="0"/>
-              <a:t>件の</a:t>
-            </a:r>
-            <a:r>
-              <a:rPr lang="ja-JP" altLang="en-US" sz="2400" dirty="0"/>
-              <a:t>データを調査した．</a:t>
-            </a:r>
-            <a:endParaRPr lang="en-US" altLang="ja-JP" sz="2400" dirty="0"/>
-          </a:p>
-          <a:p>
-            <a:r>
-              <a:rPr lang="ja-JP" altLang="en-US" sz="2400" dirty="0" smtClean="0"/>
-              <a:t>合計</a:t>
-            </a:r>
-            <a:r>
-              <a:rPr lang="ja-JP" altLang="en-US" sz="2400" dirty="0"/>
-              <a:t>のレビュー数</a:t>
-            </a:r>
-            <a:r>
-              <a:rPr lang="ja-JP" altLang="en-US" sz="2400" dirty="0" smtClean="0"/>
-              <a:t>は</a:t>
-            </a:r>
-            <a:r>
-              <a:rPr lang="en-US" altLang="ja-JP" sz="2400" dirty="0" smtClean="0"/>
-              <a:t>927</a:t>
-            </a:r>
-            <a:r>
-              <a:rPr lang="ja-JP" altLang="en-US" sz="2400" dirty="0" smtClean="0"/>
-              <a:t>件</a:t>
-            </a:r>
-            <a:r>
-              <a:rPr lang="ja-JP" altLang="en-US" sz="2400" dirty="0"/>
-              <a:t>で</a:t>
-            </a:r>
-            <a:r>
-              <a:rPr lang="ja-JP" altLang="en-US" sz="2400" dirty="0" smtClean="0"/>
-              <a:t>あった．</a:t>
-            </a:r>
-            <a:endParaRPr lang="en-US" altLang="ja-JP" sz="2400" dirty="0" smtClean="0"/>
-          </a:p>
-          <a:p>
-            <a:endParaRPr lang="en-US" altLang="ja-JP" sz="2400" dirty="0"/>
-          </a:p>
-          <a:p>
-            <a:r>
-              <a:rPr lang="ja-JP" altLang="en-US" sz="2400" dirty="0"/>
-              <a:t>平均評価と購入者のみ重み付き平均</a:t>
-            </a:r>
-            <a:r>
-              <a:rPr lang="ja-JP" altLang="en-US" sz="2400" dirty="0" smtClean="0"/>
-              <a:t>評価の相関関係が</a:t>
-            </a:r>
-            <a:r>
-              <a:rPr lang="en-US" altLang="ja-JP" sz="2400" dirty="0" smtClean="0"/>
-              <a:t>0.2</a:t>
-            </a:r>
-            <a:r>
-              <a:rPr lang="ja-JP" altLang="en-US" sz="2400" dirty="0" smtClean="0"/>
-              <a:t>であり相関がないことが分かる．</a:t>
-            </a:r>
-            <a:endParaRPr lang="en-US" altLang="ja-JP" sz="2400" dirty="0" smtClean="0"/>
-          </a:p>
-          <a:p>
-            <a:endParaRPr lang="en-US" altLang="ja-JP" sz="2400" dirty="0" smtClean="0"/>
-          </a:p>
-          <a:p>
-            <a:r>
-              <a:rPr lang="ja-JP" altLang="en-US" sz="2400" dirty="0"/>
-              <a:t>重み付き平均評価と購入者のみ重み付き平均</a:t>
-            </a:r>
-            <a:r>
-              <a:rPr lang="ja-JP" altLang="en-US" sz="2400" dirty="0" smtClean="0"/>
-              <a:t>の相関があ</a:t>
-            </a:r>
-            <a:r>
-              <a:rPr lang="ja-JP" altLang="en-US" sz="2400" dirty="0"/>
-              <a:t>り</a:t>
-            </a:r>
-            <a:r>
-              <a:rPr lang="ja-JP" altLang="en-US" sz="2400" dirty="0" smtClean="0"/>
-              <a:t>，購入者と非購入者の間では差がないことが分かった．</a:t>
-            </a:r>
-            <a:endParaRPr lang="en-US" altLang="ja-JP" sz="2400" dirty="0"/>
-          </a:p>
-          <a:p>
-            <a:endParaRPr lang="en-US" altLang="ja-JP" sz="2400" dirty="0" smtClean="0"/>
-          </a:p>
-          <a:p>
-            <a:endParaRPr lang="en-US" altLang="ja-JP" sz="2400" dirty="0" smtClean="0"/>
-          </a:p>
-          <a:p>
-            <a:endParaRPr lang="en-US" altLang="ja-JP" sz="2400" dirty="0" smtClean="0"/>
-          </a:p>
-          <a:p>
-            <a:endParaRPr lang="en-US" altLang="ja-JP" sz="2400" dirty="0"/>
-          </a:p>
-          <a:p>
-            <a:endParaRPr lang="en-US" altLang="ja-JP" sz="2400" dirty="0"/>
-          </a:p>
-          <a:p>
-            <a:endParaRPr lang="en-US" altLang="ja-JP" sz="2400" dirty="0" smtClean="0"/>
-          </a:p>
-          <a:p>
-            <a:endParaRPr lang="ja-JP" altLang="en-US" sz="2400" dirty="0"/>
-          </a:p>
-        </p:txBody>
-      </p:sp>
-      <p:sp>
-        <p:nvSpPr>
-          <p:cNvPr id="8" name="テキスト ボックス 7"/>
-          <p:cNvSpPr txBox="1"/>
-          <p:nvPr/>
-        </p:nvSpPr>
-        <p:spPr>
-          <a:xfrm>
-            <a:off x="0" y="348953"/>
-            <a:ext cx="8820472" cy="646331"/>
-          </a:xfrm>
-          <a:prstGeom prst="rect">
-            <a:avLst/>
-          </a:prstGeom>
-          <a:noFill/>
-        </p:spPr>
-        <p:txBody>
-          <a:bodyPr wrap="square" rtlCol="0">
-            <a:spAutoFit/>
-          </a:bodyPr>
-          <a:lstStyle/>
-          <a:p>
-            <a:pPr algn="ctr"/>
-            <a:r>
-              <a:rPr lang="ja-JP" altLang="en-US" sz="3600" b="1" u="sng" dirty="0" smtClean="0"/>
-              <a:t>研究</a:t>
-            </a:r>
-            <a:r>
-              <a:rPr lang="ja-JP" altLang="en-US" sz="3600" b="1" u="sng" dirty="0"/>
-              <a:t>結果</a:t>
-            </a:r>
-            <a:endParaRPr kumimoji="1" lang="ja-JP" altLang="en-US" sz="3600" b="1" u="sng" dirty="0"/>
           </a:p>
         </p:txBody>
       </p:sp>
     </p:spTree>
     <p:extLst>
       <p:ext uri="{BB962C8B-B14F-4D97-AF65-F5344CB8AC3E}">
-        <p14:creationId xmlns:p14="http://schemas.microsoft.com/office/powerpoint/2010/main" val="898511074"/>
+        <p14:creationId xmlns:p14="http://schemas.microsoft.com/office/powerpoint/2010/main" val="456729315"/>
       </p:ext>
     </p:extLst>
   </p:cSld>
@@ -19745,1455 +17962,6 @@
             <a:fld id="{E00335F1-3F40-4BF0-898D-F6D15F346D60}" type="slidenum">
               <a:rPr kumimoji="1" lang="ja-JP" altLang="en-US" smtClean="0"/>
               <a:t>25</a:t>
-            </a:fld>
-            <a:endParaRPr kumimoji="1" lang="ja-JP" altLang="en-US" dirty="0"/>
-          </a:p>
-        </p:txBody>
-      </p:sp>
-      <p:sp>
-        <p:nvSpPr>
-          <p:cNvPr id="4" name="テキスト ボックス 3"/>
-          <p:cNvSpPr txBox="1"/>
-          <p:nvPr/>
-        </p:nvSpPr>
-        <p:spPr>
-          <a:xfrm>
-            <a:off x="0" y="348953"/>
-            <a:ext cx="8820472" cy="646331"/>
-          </a:xfrm>
-          <a:prstGeom prst="rect">
-            <a:avLst/>
-          </a:prstGeom>
-          <a:noFill/>
-        </p:spPr>
-        <p:txBody>
-          <a:bodyPr wrap="square" rtlCol="0">
-            <a:spAutoFit/>
-          </a:bodyPr>
-          <a:lstStyle/>
-          <a:p>
-            <a:pPr algn="ctr"/>
-            <a:r>
-              <a:rPr lang="ja-JP" altLang="en-US" sz="3600" b="1" u="sng" dirty="0"/>
-              <a:t>考察</a:t>
-            </a:r>
-            <a:endParaRPr kumimoji="1" lang="ja-JP" altLang="en-US" sz="3600" b="1" u="sng" dirty="0"/>
-          </a:p>
-        </p:txBody>
-      </p:sp>
-      <p:sp>
-        <p:nvSpPr>
-          <p:cNvPr id="7" name="正方形/長方形 6"/>
-          <p:cNvSpPr/>
-          <p:nvPr/>
-        </p:nvSpPr>
-        <p:spPr>
-          <a:xfrm>
-            <a:off x="325140" y="1437774"/>
-            <a:ext cx="7956376" cy="1938992"/>
-          </a:xfrm>
-          <a:prstGeom prst="rect">
-            <a:avLst/>
-          </a:prstGeom>
-        </p:spPr>
-        <p:txBody>
-          <a:bodyPr wrap="square">
-            <a:spAutoFit/>
-          </a:bodyPr>
-          <a:lstStyle/>
-          <a:p>
-            <a:pPr marL="342900" indent="-342900">
-              <a:buFont typeface="Arial" panose="020B0604020202020204" pitchFamily="34" charset="0"/>
-              <a:buChar char="•"/>
-            </a:pPr>
-            <a:r>
-              <a:rPr lang="ja-JP" altLang="en-US" sz="2400" dirty="0" smtClean="0"/>
-              <a:t>今回しらべたデータが</a:t>
-            </a:r>
-            <a:r>
-              <a:rPr lang="ja-JP" altLang="en-US" sz="2400" dirty="0"/>
-              <a:t>「</a:t>
-            </a:r>
-            <a:r>
-              <a:rPr lang="en-US" altLang="ja-JP" sz="2400" dirty="0"/>
-              <a:t> 2003</a:t>
-            </a:r>
-            <a:r>
-              <a:rPr lang="ja-JP" altLang="en-US" sz="2400" dirty="0"/>
-              <a:t>年」 の間で「アニメ映画」の</a:t>
-            </a:r>
-            <a:r>
-              <a:rPr lang="ja-JP" altLang="en-US" sz="2400" dirty="0" smtClean="0"/>
-              <a:t>もののレビューデータしか抽出できていない．</a:t>
-            </a:r>
-            <a:endParaRPr lang="en-US" altLang="ja-JP" sz="2400" dirty="0" smtClean="0"/>
-          </a:p>
-          <a:p>
-            <a:pPr marL="342900" indent="-342900">
-              <a:buFont typeface="Arial" panose="020B0604020202020204" pitchFamily="34" charset="0"/>
-              <a:buChar char="•"/>
-            </a:pPr>
-            <a:endParaRPr lang="en-US" altLang="ja-JP" sz="2400" dirty="0"/>
-          </a:p>
-          <a:p>
-            <a:pPr marL="342900" indent="-342900">
-              <a:buFont typeface="Arial" panose="020B0604020202020204" pitchFamily="34" charset="0"/>
-              <a:buChar char="•"/>
-            </a:pPr>
-            <a:r>
-              <a:rPr lang="ja-JP" altLang="en-US" sz="2400" dirty="0" smtClean="0"/>
-              <a:t>さら</a:t>
-            </a:r>
-            <a:r>
-              <a:rPr lang="ja-JP" altLang="en-US" sz="2400" dirty="0"/>
-              <a:t>に</a:t>
-            </a:r>
-            <a:r>
-              <a:rPr lang="ja-JP" altLang="en-US" sz="2400" dirty="0" smtClean="0"/>
-              <a:t>販売している商品ジャンル，販売年代ごとにわけることで異なる結果が出力されることが推測される</a:t>
-            </a:r>
-            <a:endParaRPr lang="ja-JP" altLang="en-US" sz="2400" dirty="0"/>
-          </a:p>
-        </p:txBody>
-      </p:sp>
-      <p:sp>
-        <p:nvSpPr>
-          <p:cNvPr id="2" name="正方形/長方形 1"/>
-          <p:cNvSpPr/>
-          <p:nvPr/>
-        </p:nvSpPr>
-        <p:spPr>
-          <a:xfrm>
-            <a:off x="467544" y="4221088"/>
-            <a:ext cx="3456384" cy="576064"/>
-          </a:xfrm>
-          <a:prstGeom prst="rect">
-            <a:avLst/>
-          </a:prstGeom>
-          <a:noFill/>
-          <a:ln>
-            <a:solidFill>
-              <a:srgbClr val="92D050"/>
-            </a:solidFill>
-          </a:ln>
-        </p:spPr>
-        <p:style>
-          <a:lnRef idx="2">
-            <a:schemeClr val="accent1">
-              <a:shade val="50000"/>
-            </a:schemeClr>
-          </a:lnRef>
-          <a:fillRef idx="1">
-            <a:schemeClr val="accent1"/>
-          </a:fillRef>
-          <a:effectRef idx="0">
-            <a:schemeClr val="accent1"/>
-          </a:effectRef>
-          <a:fontRef idx="minor">
-            <a:schemeClr val="lt1"/>
-          </a:fontRef>
-        </p:style>
-        <p:txBody>
-          <a:bodyPr rtlCol="0" anchor="ctr"/>
-          <a:lstStyle/>
-          <a:p>
-            <a:pPr algn="ctr"/>
-            <a:r>
-              <a:rPr kumimoji="1" lang="ja-JP" altLang="en-US" dirty="0" smtClean="0">
-                <a:solidFill>
-                  <a:schemeClr val="tx1"/>
-                </a:solidFill>
-              </a:rPr>
-              <a:t>年代</a:t>
-            </a:r>
-            <a:endParaRPr kumimoji="1" lang="ja-JP" altLang="en-US" dirty="0">
-              <a:solidFill>
-                <a:schemeClr val="tx1"/>
-              </a:solidFill>
-            </a:endParaRPr>
-          </a:p>
-        </p:txBody>
-      </p:sp>
-      <p:sp>
-        <p:nvSpPr>
-          <p:cNvPr id="8" name="正方形/長方形 7"/>
-          <p:cNvSpPr/>
-          <p:nvPr/>
-        </p:nvSpPr>
-        <p:spPr>
-          <a:xfrm>
-            <a:off x="1655676" y="5641474"/>
-            <a:ext cx="1080120" cy="312100"/>
-          </a:xfrm>
-          <a:prstGeom prst="rect">
-            <a:avLst/>
-          </a:prstGeom>
-        </p:spPr>
-        <p:style>
-          <a:lnRef idx="2">
-            <a:schemeClr val="accent1">
-              <a:shade val="50000"/>
-            </a:schemeClr>
-          </a:lnRef>
-          <a:fillRef idx="1">
-            <a:schemeClr val="accent1"/>
-          </a:fillRef>
-          <a:effectRef idx="0">
-            <a:schemeClr val="accent1"/>
-          </a:effectRef>
-          <a:fontRef idx="minor">
-            <a:schemeClr val="lt1"/>
-          </a:fontRef>
-        </p:style>
-        <p:txBody>
-          <a:bodyPr rtlCol="0" anchor="ctr"/>
-          <a:lstStyle/>
-          <a:p>
-            <a:pPr algn="ctr"/>
-            <a:r>
-              <a:rPr lang="en-US" altLang="ja-JP" dirty="0" smtClean="0"/>
-              <a:t>2003</a:t>
-            </a:r>
-            <a:r>
-              <a:rPr lang="ja-JP" altLang="en-US" dirty="0" smtClean="0"/>
-              <a:t>年</a:t>
-            </a:r>
-            <a:endParaRPr kumimoji="1" lang="ja-JP" altLang="en-US" dirty="0"/>
-          </a:p>
-        </p:txBody>
-      </p:sp>
-      <p:sp>
-        <p:nvSpPr>
-          <p:cNvPr id="11" name="正方形/長方形 10"/>
-          <p:cNvSpPr/>
-          <p:nvPr/>
-        </p:nvSpPr>
-        <p:spPr>
-          <a:xfrm>
-            <a:off x="2843808" y="5641474"/>
-            <a:ext cx="1080120" cy="312100"/>
-          </a:xfrm>
-          <a:prstGeom prst="rect">
-            <a:avLst/>
-          </a:prstGeom>
-        </p:spPr>
-        <p:style>
-          <a:lnRef idx="2">
-            <a:schemeClr val="accent1">
-              <a:shade val="50000"/>
-            </a:schemeClr>
-          </a:lnRef>
-          <a:fillRef idx="1">
-            <a:schemeClr val="accent1"/>
-          </a:fillRef>
-          <a:effectRef idx="0">
-            <a:schemeClr val="accent1"/>
-          </a:effectRef>
-          <a:fontRef idx="minor">
-            <a:schemeClr val="lt1"/>
-          </a:fontRef>
-        </p:style>
-        <p:txBody>
-          <a:bodyPr rtlCol="0" anchor="ctr"/>
-          <a:lstStyle/>
-          <a:p>
-            <a:pPr algn="ctr"/>
-            <a:r>
-              <a:rPr lang="en-US" altLang="ja-JP" dirty="0" smtClean="0"/>
-              <a:t>2010</a:t>
-            </a:r>
-            <a:r>
-              <a:rPr lang="ja-JP" altLang="en-US" dirty="0" smtClean="0"/>
-              <a:t>年</a:t>
-            </a:r>
-            <a:endParaRPr kumimoji="1" lang="ja-JP" altLang="en-US" dirty="0"/>
-          </a:p>
-        </p:txBody>
-      </p:sp>
-      <p:sp>
-        <p:nvSpPr>
-          <p:cNvPr id="12" name="正方形/長方形 11"/>
-          <p:cNvSpPr/>
-          <p:nvPr/>
-        </p:nvSpPr>
-        <p:spPr>
-          <a:xfrm>
-            <a:off x="467544" y="5641474"/>
-            <a:ext cx="1080120" cy="312100"/>
-          </a:xfrm>
-          <a:prstGeom prst="rect">
-            <a:avLst/>
-          </a:prstGeom>
-        </p:spPr>
-        <p:style>
-          <a:lnRef idx="2">
-            <a:schemeClr val="accent1">
-              <a:shade val="50000"/>
-            </a:schemeClr>
-          </a:lnRef>
-          <a:fillRef idx="1">
-            <a:schemeClr val="accent1"/>
-          </a:fillRef>
-          <a:effectRef idx="0">
-            <a:schemeClr val="accent1"/>
-          </a:effectRef>
-          <a:fontRef idx="minor">
-            <a:schemeClr val="lt1"/>
-          </a:fontRef>
-        </p:style>
-        <p:txBody>
-          <a:bodyPr rtlCol="0" anchor="ctr"/>
-          <a:lstStyle/>
-          <a:p>
-            <a:pPr algn="ctr"/>
-            <a:r>
-              <a:rPr lang="en-US" altLang="ja-JP" dirty="0" smtClean="0"/>
-              <a:t>2000</a:t>
-            </a:r>
-            <a:r>
-              <a:rPr lang="ja-JP" altLang="en-US" dirty="0" smtClean="0"/>
-              <a:t>年</a:t>
-            </a:r>
-            <a:endParaRPr kumimoji="1" lang="ja-JP" altLang="en-US" dirty="0"/>
-          </a:p>
-        </p:txBody>
-      </p:sp>
-      <p:sp>
-        <p:nvSpPr>
-          <p:cNvPr id="14" name="正方形/長方形 13"/>
-          <p:cNvSpPr/>
-          <p:nvPr/>
-        </p:nvSpPr>
-        <p:spPr>
-          <a:xfrm>
-            <a:off x="4316016" y="4221088"/>
-            <a:ext cx="3456384" cy="576064"/>
-          </a:xfrm>
-          <a:prstGeom prst="rect">
-            <a:avLst/>
-          </a:prstGeom>
-          <a:noFill/>
-          <a:ln>
-            <a:solidFill>
-              <a:srgbClr val="92D050"/>
-            </a:solidFill>
-          </a:ln>
-        </p:spPr>
-        <p:style>
-          <a:lnRef idx="2">
-            <a:schemeClr val="accent1">
-              <a:shade val="50000"/>
-            </a:schemeClr>
-          </a:lnRef>
-          <a:fillRef idx="1">
-            <a:schemeClr val="accent1"/>
-          </a:fillRef>
-          <a:effectRef idx="0">
-            <a:schemeClr val="accent1"/>
-          </a:effectRef>
-          <a:fontRef idx="minor">
-            <a:schemeClr val="lt1"/>
-          </a:fontRef>
-        </p:style>
-        <p:txBody>
-          <a:bodyPr rtlCol="0" anchor="ctr"/>
-          <a:lstStyle/>
-          <a:p>
-            <a:pPr algn="ctr"/>
-            <a:r>
-              <a:rPr lang="ja-JP" altLang="en-US" dirty="0">
-                <a:solidFill>
-                  <a:schemeClr val="tx1"/>
-                </a:solidFill>
-              </a:rPr>
-              <a:t>ジャンル</a:t>
-            </a:r>
-            <a:endParaRPr kumimoji="1" lang="ja-JP" altLang="en-US" dirty="0">
-              <a:solidFill>
-                <a:schemeClr val="tx1"/>
-              </a:solidFill>
-            </a:endParaRPr>
-          </a:p>
-        </p:txBody>
-      </p:sp>
-      <p:sp>
-        <p:nvSpPr>
-          <p:cNvPr id="15" name="正方形/長方形 14"/>
-          <p:cNvSpPr/>
-          <p:nvPr/>
-        </p:nvSpPr>
-        <p:spPr>
-          <a:xfrm>
-            <a:off x="5504148" y="5641474"/>
-            <a:ext cx="1080120" cy="312100"/>
-          </a:xfrm>
-          <a:prstGeom prst="rect">
-            <a:avLst/>
-          </a:prstGeom>
-        </p:spPr>
-        <p:style>
-          <a:lnRef idx="2">
-            <a:schemeClr val="accent1">
-              <a:shade val="50000"/>
-            </a:schemeClr>
-          </a:lnRef>
-          <a:fillRef idx="1">
-            <a:schemeClr val="accent1"/>
-          </a:fillRef>
-          <a:effectRef idx="0">
-            <a:schemeClr val="accent1"/>
-          </a:effectRef>
-          <a:fontRef idx="minor">
-            <a:schemeClr val="lt1"/>
-          </a:fontRef>
-        </p:style>
-        <p:txBody>
-          <a:bodyPr rtlCol="0" anchor="ctr"/>
-          <a:lstStyle/>
-          <a:p>
-            <a:pPr algn="ctr"/>
-            <a:r>
-              <a:rPr lang="ja-JP" altLang="en-US" dirty="0" smtClean="0"/>
-              <a:t>映画</a:t>
-            </a:r>
-            <a:endParaRPr kumimoji="1" lang="ja-JP" altLang="en-US" dirty="0"/>
-          </a:p>
-        </p:txBody>
-      </p:sp>
-      <p:sp>
-        <p:nvSpPr>
-          <p:cNvPr id="16" name="正方形/長方形 15"/>
-          <p:cNvSpPr/>
-          <p:nvPr/>
-        </p:nvSpPr>
-        <p:spPr>
-          <a:xfrm>
-            <a:off x="6692280" y="5641474"/>
-            <a:ext cx="1080120" cy="312100"/>
-          </a:xfrm>
-          <a:prstGeom prst="rect">
-            <a:avLst/>
-          </a:prstGeom>
-        </p:spPr>
-        <p:style>
-          <a:lnRef idx="2">
-            <a:schemeClr val="accent1">
-              <a:shade val="50000"/>
-            </a:schemeClr>
-          </a:lnRef>
-          <a:fillRef idx="1">
-            <a:schemeClr val="accent1"/>
-          </a:fillRef>
-          <a:effectRef idx="0">
-            <a:schemeClr val="accent1"/>
-          </a:effectRef>
-          <a:fontRef idx="minor">
-            <a:schemeClr val="lt1"/>
-          </a:fontRef>
-        </p:style>
-        <p:txBody>
-          <a:bodyPr rtlCol="0" anchor="ctr"/>
-          <a:lstStyle/>
-          <a:p>
-            <a:pPr algn="ctr"/>
-            <a:r>
-              <a:rPr lang="ja-JP" altLang="en-US" dirty="0" smtClean="0"/>
-              <a:t>家電</a:t>
-            </a:r>
-            <a:endParaRPr kumimoji="1" lang="ja-JP" altLang="en-US" dirty="0"/>
-          </a:p>
-        </p:txBody>
-      </p:sp>
-      <p:sp>
-        <p:nvSpPr>
-          <p:cNvPr id="17" name="正方形/長方形 16"/>
-          <p:cNvSpPr/>
-          <p:nvPr/>
-        </p:nvSpPr>
-        <p:spPr>
-          <a:xfrm>
-            <a:off x="4316016" y="5641474"/>
-            <a:ext cx="1080120" cy="312100"/>
-          </a:xfrm>
-          <a:prstGeom prst="rect">
-            <a:avLst/>
-          </a:prstGeom>
-        </p:spPr>
-        <p:style>
-          <a:lnRef idx="2">
-            <a:schemeClr val="accent1">
-              <a:shade val="50000"/>
-            </a:schemeClr>
-          </a:lnRef>
-          <a:fillRef idx="1">
-            <a:schemeClr val="accent1"/>
-          </a:fillRef>
-          <a:effectRef idx="0">
-            <a:schemeClr val="accent1"/>
-          </a:effectRef>
-          <a:fontRef idx="minor">
-            <a:schemeClr val="lt1"/>
-          </a:fontRef>
-        </p:style>
-        <p:txBody>
-          <a:bodyPr rtlCol="0" anchor="ctr"/>
-          <a:lstStyle/>
-          <a:p>
-            <a:pPr algn="ctr"/>
-            <a:r>
-              <a:rPr lang="ja-JP" altLang="en-US" dirty="0"/>
-              <a:t>書籍</a:t>
-            </a:r>
-            <a:endParaRPr kumimoji="1" lang="ja-JP" altLang="en-US" dirty="0"/>
-          </a:p>
-        </p:txBody>
-      </p:sp>
-      <p:cxnSp>
-        <p:nvCxnSpPr>
-          <p:cNvPr id="18" name="直線コネクタ 17"/>
-          <p:cNvCxnSpPr>
-            <a:stCxn id="12" idx="0"/>
-          </p:cNvCxnSpPr>
-          <p:nvPr/>
-        </p:nvCxnSpPr>
-        <p:spPr>
-          <a:xfrm flipV="1">
-            <a:off x="1007604" y="4797152"/>
-            <a:ext cx="108012" cy="844322"/>
-          </a:xfrm>
-          <a:prstGeom prst="line">
-            <a:avLst/>
-          </a:prstGeom>
-        </p:spPr>
-        <p:style>
-          <a:lnRef idx="1">
-            <a:schemeClr val="accent1"/>
-          </a:lnRef>
-          <a:fillRef idx="0">
-            <a:schemeClr val="accent1"/>
-          </a:fillRef>
-          <a:effectRef idx="0">
-            <a:schemeClr val="accent1"/>
-          </a:effectRef>
-          <a:fontRef idx="minor">
-            <a:schemeClr val="tx1"/>
-          </a:fontRef>
-        </p:style>
-      </p:cxnSp>
-      <p:cxnSp>
-        <p:nvCxnSpPr>
-          <p:cNvPr id="21" name="直線コネクタ 20"/>
-          <p:cNvCxnSpPr>
-            <a:stCxn id="8" idx="0"/>
-            <a:endCxn id="2" idx="2"/>
-          </p:cNvCxnSpPr>
-          <p:nvPr/>
-        </p:nvCxnSpPr>
-        <p:spPr>
-          <a:xfrm flipV="1">
-            <a:off x="2195736" y="4797152"/>
-            <a:ext cx="0" cy="844322"/>
-          </a:xfrm>
-          <a:prstGeom prst="line">
-            <a:avLst/>
-          </a:prstGeom>
-        </p:spPr>
-        <p:style>
-          <a:lnRef idx="1">
-            <a:schemeClr val="accent1"/>
-          </a:lnRef>
-          <a:fillRef idx="0">
-            <a:schemeClr val="accent1"/>
-          </a:fillRef>
-          <a:effectRef idx="0">
-            <a:schemeClr val="accent1"/>
-          </a:effectRef>
-          <a:fontRef idx="minor">
-            <a:schemeClr val="tx1"/>
-          </a:fontRef>
-        </p:style>
-      </p:cxnSp>
-      <p:cxnSp>
-        <p:nvCxnSpPr>
-          <p:cNvPr id="23" name="直線コネクタ 22"/>
-          <p:cNvCxnSpPr>
-            <a:stCxn id="11" idx="0"/>
-          </p:cNvCxnSpPr>
-          <p:nvPr/>
-        </p:nvCxnSpPr>
-        <p:spPr>
-          <a:xfrm flipH="1" flipV="1">
-            <a:off x="3275856" y="4797152"/>
-            <a:ext cx="108012" cy="844322"/>
-          </a:xfrm>
-          <a:prstGeom prst="line">
-            <a:avLst/>
-          </a:prstGeom>
-        </p:spPr>
-        <p:style>
-          <a:lnRef idx="1">
-            <a:schemeClr val="accent1"/>
-          </a:lnRef>
-          <a:fillRef idx="0">
-            <a:schemeClr val="accent1"/>
-          </a:fillRef>
-          <a:effectRef idx="0">
-            <a:schemeClr val="accent1"/>
-          </a:effectRef>
-          <a:fontRef idx="minor">
-            <a:schemeClr val="tx1"/>
-          </a:fontRef>
-        </p:style>
-      </p:cxnSp>
-      <p:cxnSp>
-        <p:nvCxnSpPr>
-          <p:cNvPr id="24" name="直線コネクタ 23"/>
-          <p:cNvCxnSpPr/>
-          <p:nvPr/>
-        </p:nvCxnSpPr>
-        <p:spPr>
-          <a:xfrm flipV="1">
-            <a:off x="4896035" y="4797152"/>
-            <a:ext cx="108012" cy="844322"/>
-          </a:xfrm>
-          <a:prstGeom prst="line">
-            <a:avLst/>
-          </a:prstGeom>
-        </p:spPr>
-        <p:style>
-          <a:lnRef idx="1">
-            <a:schemeClr val="accent1"/>
-          </a:lnRef>
-          <a:fillRef idx="0">
-            <a:schemeClr val="accent1"/>
-          </a:fillRef>
-          <a:effectRef idx="0">
-            <a:schemeClr val="accent1"/>
-          </a:effectRef>
-          <a:fontRef idx="minor">
-            <a:schemeClr val="tx1"/>
-          </a:fontRef>
-        </p:style>
-      </p:cxnSp>
-      <p:cxnSp>
-        <p:nvCxnSpPr>
-          <p:cNvPr id="25" name="直線コネクタ 24"/>
-          <p:cNvCxnSpPr/>
-          <p:nvPr/>
-        </p:nvCxnSpPr>
-        <p:spPr>
-          <a:xfrm flipV="1">
-            <a:off x="6084167" y="4797152"/>
-            <a:ext cx="0" cy="844322"/>
-          </a:xfrm>
-          <a:prstGeom prst="line">
-            <a:avLst/>
-          </a:prstGeom>
-        </p:spPr>
-        <p:style>
-          <a:lnRef idx="1">
-            <a:schemeClr val="accent1"/>
-          </a:lnRef>
-          <a:fillRef idx="0">
-            <a:schemeClr val="accent1"/>
-          </a:fillRef>
-          <a:effectRef idx="0">
-            <a:schemeClr val="accent1"/>
-          </a:effectRef>
-          <a:fontRef idx="minor">
-            <a:schemeClr val="tx1"/>
-          </a:fontRef>
-        </p:style>
-      </p:cxnSp>
-      <p:cxnSp>
-        <p:nvCxnSpPr>
-          <p:cNvPr id="26" name="直線コネクタ 25"/>
-          <p:cNvCxnSpPr/>
-          <p:nvPr/>
-        </p:nvCxnSpPr>
-        <p:spPr>
-          <a:xfrm flipH="1" flipV="1">
-            <a:off x="7164287" y="4797152"/>
-            <a:ext cx="108012" cy="844322"/>
-          </a:xfrm>
-          <a:prstGeom prst="line">
-            <a:avLst/>
-          </a:prstGeom>
-        </p:spPr>
-        <p:style>
-          <a:lnRef idx="1">
-            <a:schemeClr val="accent1"/>
-          </a:lnRef>
-          <a:fillRef idx="0">
-            <a:schemeClr val="accent1"/>
-          </a:fillRef>
-          <a:effectRef idx="0">
-            <a:schemeClr val="accent1"/>
-          </a:effectRef>
-          <a:fontRef idx="minor">
-            <a:schemeClr val="tx1"/>
-          </a:fontRef>
-        </p:style>
-      </p:cxnSp>
-      <p:sp>
-        <p:nvSpPr>
-          <p:cNvPr id="28" name="正方形/長方形 27"/>
-          <p:cNvSpPr/>
-          <p:nvPr/>
-        </p:nvSpPr>
-        <p:spPr>
-          <a:xfrm>
-            <a:off x="2483768" y="6366964"/>
-            <a:ext cx="3240360" cy="430932"/>
-          </a:xfrm>
-          <a:prstGeom prst="rect">
-            <a:avLst/>
-          </a:prstGeom>
-          <a:noFill/>
-          <a:ln>
-            <a:solidFill>
-              <a:srgbClr val="92D050"/>
-            </a:solidFill>
-          </a:ln>
-        </p:spPr>
-        <p:style>
-          <a:lnRef idx="2">
-            <a:schemeClr val="accent1">
-              <a:shade val="50000"/>
-            </a:schemeClr>
-          </a:lnRef>
-          <a:fillRef idx="1">
-            <a:schemeClr val="accent1"/>
-          </a:fillRef>
-          <a:effectRef idx="0">
-            <a:schemeClr val="accent1"/>
-          </a:effectRef>
-          <a:fontRef idx="minor">
-            <a:schemeClr val="lt1"/>
-          </a:fontRef>
-        </p:style>
-        <p:txBody>
-          <a:bodyPr rtlCol="0" anchor="ctr"/>
-          <a:lstStyle/>
-          <a:p>
-            <a:pPr algn="ctr"/>
-            <a:r>
-              <a:rPr lang="ja-JP" altLang="en-US" dirty="0">
-                <a:solidFill>
-                  <a:schemeClr val="tx1"/>
-                </a:solidFill>
-              </a:rPr>
-              <a:t>異</a:t>
-            </a:r>
-            <a:r>
-              <a:rPr lang="ja-JP" altLang="en-US" dirty="0" smtClean="0">
-                <a:solidFill>
-                  <a:schemeClr val="tx1"/>
-                </a:solidFill>
-              </a:rPr>
-              <a:t>なる出力結果</a:t>
-            </a:r>
-            <a:endParaRPr kumimoji="1" lang="ja-JP" altLang="en-US" dirty="0">
-              <a:solidFill>
-                <a:schemeClr val="tx1"/>
-              </a:solidFill>
-            </a:endParaRPr>
-          </a:p>
-        </p:txBody>
-      </p:sp>
-      <p:cxnSp>
-        <p:nvCxnSpPr>
-          <p:cNvPr id="30" name="直線コネクタ 29"/>
-          <p:cNvCxnSpPr>
-            <a:stCxn id="11" idx="2"/>
-          </p:cNvCxnSpPr>
-          <p:nvPr/>
-        </p:nvCxnSpPr>
-        <p:spPr>
-          <a:xfrm>
-            <a:off x="3383868" y="5953574"/>
-            <a:ext cx="212068" cy="413390"/>
-          </a:xfrm>
-          <a:prstGeom prst="line">
-            <a:avLst/>
-          </a:prstGeom>
-        </p:spPr>
-        <p:style>
-          <a:lnRef idx="1">
-            <a:schemeClr val="accent1"/>
-          </a:lnRef>
-          <a:fillRef idx="0">
-            <a:schemeClr val="accent1"/>
-          </a:fillRef>
-          <a:effectRef idx="0">
-            <a:schemeClr val="accent1"/>
-          </a:effectRef>
-          <a:fontRef idx="minor">
-            <a:schemeClr val="tx1"/>
-          </a:fontRef>
-        </p:style>
-      </p:cxnSp>
-      <p:cxnSp>
-        <p:nvCxnSpPr>
-          <p:cNvPr id="32" name="直線コネクタ 31"/>
-          <p:cNvCxnSpPr>
-            <a:stCxn id="17" idx="2"/>
-          </p:cNvCxnSpPr>
-          <p:nvPr/>
-        </p:nvCxnSpPr>
-        <p:spPr>
-          <a:xfrm flipH="1">
-            <a:off x="4716016" y="5953574"/>
-            <a:ext cx="140060" cy="413390"/>
-          </a:xfrm>
-          <a:prstGeom prst="line">
-            <a:avLst/>
-          </a:prstGeom>
-        </p:spPr>
-        <p:style>
-          <a:lnRef idx="1">
-            <a:schemeClr val="accent1"/>
-          </a:lnRef>
-          <a:fillRef idx="0">
-            <a:schemeClr val="accent1"/>
-          </a:fillRef>
-          <a:effectRef idx="0">
-            <a:schemeClr val="accent1"/>
-          </a:effectRef>
-          <a:fontRef idx="minor">
-            <a:schemeClr val="tx1"/>
-          </a:fontRef>
-        </p:style>
-      </p:cxnSp>
-    </p:spTree>
-    <p:extLst>
-      <p:ext uri="{BB962C8B-B14F-4D97-AF65-F5344CB8AC3E}">
-        <p14:creationId xmlns:p14="http://schemas.microsoft.com/office/powerpoint/2010/main" val="3681554722"/>
-      </p:ext>
-    </p:extLst>
-  </p:cSld>
-  <p:clrMapOvr>
-    <a:masterClrMapping/>
-  </p:clrMapOvr>
-  <p:timing>
-    <p:tnLst>
-      <p:par>
-        <p:cTn id="1" dur="indefinite" restart="never" nodeType="tmRoot"/>
-      </p:par>
-    </p:tnLst>
-  </p:timing>
-</p:sld>
-</file>
-
-<file path=ppt/slides/slide26.xml><?xml version="1.0" encoding="utf-8"?>
-<p:sld xmlns:a="http://schemas.openxmlformats.org/drawingml/2006/main" xmlns:r="http://schemas.openxmlformats.org/officeDocument/2006/relationships" xmlns:p="http://schemas.openxmlformats.org/presentationml/2006/main">
-  <p:cSld>
-    <p:spTree>
-      <p:nvGrpSpPr>
-        <p:cNvPr id="1" name=""/>
-        <p:cNvGrpSpPr/>
-        <p:nvPr/>
-      </p:nvGrpSpPr>
-      <p:grpSpPr>
-        <a:xfrm>
-          <a:off x="0" y="0"/>
-          <a:ext cx="0" cy="0"/>
-          <a:chOff x="0" y="0"/>
-          <a:chExt cx="0" cy="0"/>
-        </a:xfrm>
-      </p:grpSpPr>
-      <p:sp>
-        <p:nvSpPr>
-          <p:cNvPr id="3" name="スライド番号プレースホルダー 2"/>
-          <p:cNvSpPr>
-            <a:spLocks noGrp="1"/>
-          </p:cNvSpPr>
-          <p:nvPr>
-            <p:ph type="sldNum" sz="quarter" idx="11"/>
-          </p:nvPr>
-        </p:nvSpPr>
-        <p:spPr/>
-        <p:txBody>
-          <a:bodyPr/>
-          <a:lstStyle/>
-          <a:p>
-            <a:fld id="{E00335F1-3F40-4BF0-898D-F6D15F346D60}" type="slidenum">
-              <a:rPr kumimoji="1" lang="ja-JP" altLang="en-US" smtClean="0"/>
-              <a:t>26</a:t>
-            </a:fld>
-            <a:endParaRPr kumimoji="1" lang="ja-JP" altLang="en-US" dirty="0"/>
-          </a:p>
-        </p:txBody>
-      </p:sp>
-      <p:sp>
-        <p:nvSpPr>
-          <p:cNvPr id="4" name="テキスト ボックス 3"/>
-          <p:cNvSpPr txBox="1"/>
-          <p:nvPr/>
-        </p:nvSpPr>
-        <p:spPr>
-          <a:xfrm>
-            <a:off x="0" y="348953"/>
-            <a:ext cx="8820472" cy="646331"/>
-          </a:xfrm>
-          <a:prstGeom prst="rect">
-            <a:avLst/>
-          </a:prstGeom>
-          <a:noFill/>
-        </p:spPr>
-        <p:txBody>
-          <a:bodyPr wrap="square" rtlCol="0">
-            <a:spAutoFit/>
-          </a:bodyPr>
-          <a:lstStyle/>
-          <a:p>
-            <a:pPr algn="ctr"/>
-            <a:r>
-              <a:rPr lang="ja-JP" altLang="en-US" sz="3600" b="1" u="sng" dirty="0" smtClean="0"/>
-              <a:t>まと</a:t>
-            </a:r>
-            <a:r>
-              <a:rPr lang="ja-JP" altLang="en-US" sz="3600" b="1" u="sng" dirty="0"/>
-              <a:t>め</a:t>
-            </a:r>
-            <a:endParaRPr kumimoji="1" lang="ja-JP" altLang="en-US" sz="3600" b="1" u="sng" dirty="0"/>
-          </a:p>
-        </p:txBody>
-      </p:sp>
-      <p:sp>
-        <p:nvSpPr>
-          <p:cNvPr id="7" name="正方形/長方形 6"/>
-          <p:cNvSpPr/>
-          <p:nvPr/>
-        </p:nvSpPr>
-        <p:spPr>
-          <a:xfrm>
-            <a:off x="467544" y="1437774"/>
-            <a:ext cx="7813972" cy="1200329"/>
-          </a:xfrm>
-          <a:prstGeom prst="rect">
-            <a:avLst/>
-          </a:prstGeom>
-        </p:spPr>
-        <p:txBody>
-          <a:bodyPr wrap="square">
-            <a:spAutoFit/>
-          </a:bodyPr>
-          <a:lstStyle/>
-          <a:p>
-            <a:pPr marL="342900" indent="-342900">
-              <a:buFont typeface="Arial" panose="020B0604020202020204" pitchFamily="34" charset="0"/>
-              <a:buChar char="•"/>
-            </a:pPr>
-            <a:endParaRPr lang="en-US" altLang="ja-JP" sz="2400" dirty="0"/>
-          </a:p>
-          <a:p>
-            <a:r>
-              <a:rPr lang="ja-JP" altLang="en-US" sz="2400" dirty="0" smtClean="0"/>
-              <a:t>オンラインショッピングサイトのレビューには参考にならないレビューも存在する．</a:t>
-            </a:r>
-            <a:endParaRPr lang="en-US" altLang="ja-JP" sz="2400" dirty="0"/>
-          </a:p>
-        </p:txBody>
-      </p:sp>
-      <p:sp>
-        <p:nvSpPr>
-          <p:cNvPr id="2" name="下矢印 1"/>
-          <p:cNvSpPr/>
-          <p:nvPr/>
-        </p:nvSpPr>
-        <p:spPr>
-          <a:xfrm>
-            <a:off x="2987824" y="2659025"/>
-            <a:ext cx="2088232" cy="720080"/>
-          </a:xfrm>
-          <a:prstGeom prst="downArrow">
-            <a:avLst/>
-          </a:prstGeom>
-        </p:spPr>
-        <p:style>
-          <a:lnRef idx="2">
-            <a:schemeClr val="accent1">
-              <a:shade val="50000"/>
-            </a:schemeClr>
-          </a:lnRef>
-          <a:fillRef idx="1">
-            <a:schemeClr val="accent1"/>
-          </a:fillRef>
-          <a:effectRef idx="0">
-            <a:schemeClr val="accent1"/>
-          </a:effectRef>
-          <a:fontRef idx="minor">
-            <a:schemeClr val="lt1"/>
-          </a:fontRef>
-        </p:style>
-        <p:txBody>
-          <a:bodyPr rtlCol="0" anchor="ctr"/>
-          <a:lstStyle/>
-          <a:p>
-            <a:pPr algn="ctr"/>
-            <a:endParaRPr kumimoji="1" lang="ja-JP" altLang="en-US"/>
-          </a:p>
-        </p:txBody>
-      </p:sp>
-      <p:sp>
-        <p:nvSpPr>
-          <p:cNvPr id="6" name="正方形/長方形 5"/>
-          <p:cNvSpPr/>
-          <p:nvPr/>
-        </p:nvSpPr>
-        <p:spPr>
-          <a:xfrm>
-            <a:off x="467544" y="3367718"/>
-            <a:ext cx="7813972" cy="830997"/>
-          </a:xfrm>
-          <a:prstGeom prst="rect">
-            <a:avLst/>
-          </a:prstGeom>
-        </p:spPr>
-        <p:txBody>
-          <a:bodyPr wrap="square">
-            <a:spAutoFit/>
-          </a:bodyPr>
-          <a:lstStyle/>
-          <a:p>
-            <a:r>
-              <a:rPr lang="ja-JP" altLang="en-US" sz="2400" dirty="0" smtClean="0"/>
-              <a:t>レビューを読んだ人物に「参考になった」</a:t>
-            </a:r>
-            <a:r>
-              <a:rPr lang="ja-JP" altLang="en-US" sz="2400" dirty="0" err="1" smtClean="0"/>
-              <a:t>か</a:t>
-            </a:r>
-            <a:r>
-              <a:rPr lang="ja-JP" altLang="en-US" sz="2400" dirty="0" smtClean="0"/>
-              <a:t>判断させるシステムを利用し信頼度を上げようと図った．</a:t>
-            </a:r>
-            <a:endParaRPr lang="en-US" altLang="ja-JP" sz="2400" dirty="0"/>
-          </a:p>
-        </p:txBody>
-      </p:sp>
-      <p:sp>
-        <p:nvSpPr>
-          <p:cNvPr id="8" name="下矢印 7"/>
-          <p:cNvSpPr/>
-          <p:nvPr/>
-        </p:nvSpPr>
-        <p:spPr>
-          <a:xfrm>
-            <a:off x="2987824" y="4219637"/>
-            <a:ext cx="2088232" cy="720080"/>
-          </a:xfrm>
-          <a:prstGeom prst="downArrow">
-            <a:avLst/>
-          </a:prstGeom>
-        </p:spPr>
-        <p:style>
-          <a:lnRef idx="2">
-            <a:schemeClr val="accent1">
-              <a:shade val="50000"/>
-            </a:schemeClr>
-          </a:lnRef>
-          <a:fillRef idx="1">
-            <a:schemeClr val="accent1"/>
-          </a:fillRef>
-          <a:effectRef idx="0">
-            <a:schemeClr val="accent1"/>
-          </a:effectRef>
-          <a:fontRef idx="minor">
-            <a:schemeClr val="lt1"/>
-          </a:fontRef>
-        </p:style>
-        <p:txBody>
-          <a:bodyPr rtlCol="0" anchor="ctr"/>
-          <a:lstStyle/>
-          <a:p>
-            <a:pPr algn="ctr"/>
-            <a:endParaRPr kumimoji="1" lang="ja-JP" altLang="en-US"/>
-          </a:p>
-        </p:txBody>
-      </p:sp>
-      <p:sp>
-        <p:nvSpPr>
-          <p:cNvPr id="9" name="正方形/長方形 8"/>
-          <p:cNvSpPr/>
-          <p:nvPr/>
-        </p:nvSpPr>
-        <p:spPr>
-          <a:xfrm>
-            <a:off x="467544" y="4939717"/>
-            <a:ext cx="7813972" cy="1200329"/>
-          </a:xfrm>
-          <a:prstGeom prst="rect">
-            <a:avLst/>
-          </a:prstGeom>
-        </p:spPr>
-        <p:txBody>
-          <a:bodyPr wrap="square">
-            <a:spAutoFit/>
-          </a:bodyPr>
-          <a:lstStyle/>
-          <a:p>
-            <a:r>
-              <a:rPr lang="ja-JP" altLang="en-US" sz="2400" dirty="0" smtClean="0"/>
-              <a:t>しかし，そのシステムを追加した重み付き評価は相関が高く</a:t>
-            </a:r>
-            <a:endParaRPr lang="en-US" altLang="ja-JP" sz="2400" dirty="0" smtClean="0"/>
-          </a:p>
-          <a:p>
-            <a:r>
-              <a:rPr lang="ja-JP" altLang="en-US" sz="2400" dirty="0" smtClean="0"/>
-              <a:t>平均評価にそのシステムを利用しても変化が低いことが分かった．</a:t>
-            </a:r>
-            <a:endParaRPr lang="en-US" altLang="ja-JP" sz="2400" dirty="0"/>
-          </a:p>
-        </p:txBody>
-      </p:sp>
-    </p:spTree>
-    <p:extLst>
-      <p:ext uri="{BB962C8B-B14F-4D97-AF65-F5344CB8AC3E}">
-        <p14:creationId xmlns:p14="http://schemas.microsoft.com/office/powerpoint/2010/main" val="831532849"/>
-      </p:ext>
-    </p:extLst>
-  </p:cSld>
-  <p:clrMapOvr>
-    <a:masterClrMapping/>
-  </p:clrMapOvr>
-  <p:timing>
-    <p:tnLst>
-      <p:par>
-        <p:cTn id="1" dur="indefinite" restart="never" nodeType="tmRoot"/>
-      </p:par>
-    </p:tnLst>
-  </p:timing>
-</p:sld>
-</file>
-
-<file path=ppt/slides/slide27.xml><?xml version="1.0" encoding="utf-8"?>
-<p:sld xmlns:a="http://schemas.openxmlformats.org/drawingml/2006/main" xmlns:r="http://schemas.openxmlformats.org/officeDocument/2006/relationships" xmlns:p="http://schemas.openxmlformats.org/presentationml/2006/main">
-  <p:cSld>
-    <p:spTree>
-      <p:nvGrpSpPr>
-        <p:cNvPr id="1" name=""/>
-        <p:cNvGrpSpPr/>
-        <p:nvPr/>
-      </p:nvGrpSpPr>
-      <p:grpSpPr>
-        <a:xfrm>
-          <a:off x="0" y="0"/>
-          <a:ext cx="0" cy="0"/>
-          <a:chOff x="0" y="0"/>
-          <a:chExt cx="0" cy="0"/>
-        </a:xfrm>
-      </p:grpSpPr>
-      <p:sp>
-        <p:nvSpPr>
-          <p:cNvPr id="2" name="タイトル 1"/>
-          <p:cNvSpPr>
-            <a:spLocks noGrp="1"/>
-          </p:cNvSpPr>
-          <p:nvPr>
-            <p:ph type="title"/>
-          </p:nvPr>
-        </p:nvSpPr>
-        <p:spPr>
-          <a:xfrm>
-            <a:off x="1870720" y="-99392"/>
-            <a:ext cx="4898504" cy="1090355"/>
-          </a:xfrm>
-        </p:spPr>
-        <p:txBody>
-          <a:bodyPr>
-            <a:normAutofit/>
-          </a:bodyPr>
-          <a:lstStyle/>
-          <a:p>
-            <a:pPr algn="ctr"/>
-            <a:r>
-              <a:rPr kumimoji="1" lang="ja-JP" altLang="en-US" sz="3600" b="1" u="sng" dirty="0" smtClean="0"/>
-              <a:t>目次</a:t>
-            </a:r>
-            <a:endParaRPr kumimoji="1" lang="ja-JP" altLang="en-US" sz="3600" b="1" u="sng" dirty="0"/>
-          </a:p>
-        </p:txBody>
-      </p:sp>
-      <p:sp>
-        <p:nvSpPr>
-          <p:cNvPr id="4" name="スライド番号プレースホルダー 3"/>
-          <p:cNvSpPr>
-            <a:spLocks noGrp="1"/>
-          </p:cNvSpPr>
-          <p:nvPr>
-            <p:ph type="sldNum" sz="quarter" idx="11"/>
-          </p:nvPr>
-        </p:nvSpPr>
-        <p:spPr/>
-        <p:txBody>
-          <a:bodyPr/>
-          <a:lstStyle/>
-          <a:p>
-            <a:fld id="{E00335F1-3F40-4BF0-898D-F6D15F346D60}" type="slidenum">
-              <a:rPr kumimoji="1" lang="ja-JP" altLang="en-US" sz="1400" smtClean="0">
-                <a:solidFill>
-                  <a:schemeClr val="tx1"/>
-                </a:solidFill>
-              </a:rPr>
-              <a:t>27</a:t>
-            </a:fld>
-            <a:endParaRPr kumimoji="1" lang="ja-JP" altLang="en-US" sz="1400" dirty="0">
-              <a:solidFill>
-                <a:schemeClr val="tx1"/>
-              </a:solidFill>
-            </a:endParaRPr>
-          </a:p>
-        </p:txBody>
-      </p:sp>
-      <p:sp>
-        <p:nvSpPr>
-          <p:cNvPr id="5" name="テキスト ボックス 4"/>
-          <p:cNvSpPr txBox="1"/>
-          <p:nvPr/>
-        </p:nvSpPr>
-        <p:spPr>
-          <a:xfrm>
-            <a:off x="1043608" y="722280"/>
-            <a:ext cx="6552728" cy="5386090"/>
-          </a:xfrm>
-          <a:prstGeom prst="rect">
-            <a:avLst/>
-          </a:prstGeom>
-          <a:noFill/>
-        </p:spPr>
-        <p:txBody>
-          <a:bodyPr wrap="square" rtlCol="0">
-            <a:spAutoFit/>
-          </a:bodyPr>
-          <a:lstStyle/>
-          <a:p>
-            <a:r>
-              <a:rPr lang="ja-JP" altLang="en-US" sz="2800" b="1" dirty="0" smtClean="0"/>
-              <a:t>　</a:t>
-            </a:r>
-            <a:r>
-              <a:rPr lang="ja-JP" altLang="en-US" sz="2800" b="1" dirty="0"/>
-              <a:t>　</a:t>
-            </a:r>
-            <a:endParaRPr lang="en-US" altLang="ja-JP" sz="3200" b="1" dirty="0" smtClean="0">
-              <a:effectLst>
-                <a:outerShdw blurRad="38100" dist="38100" dir="2700000" algn="tl">
-                  <a:srgbClr val="000000">
-                    <a:alpha val="43137"/>
-                  </a:srgbClr>
-                </a:outerShdw>
-              </a:effectLst>
-            </a:endParaRPr>
-          </a:p>
-          <a:p>
-            <a:r>
-              <a:rPr lang="en-US" altLang="ja-JP" sz="3200" b="1" dirty="0"/>
-              <a:t>	</a:t>
-            </a:r>
-            <a:r>
-              <a:rPr lang="ja-JP" altLang="en-US" sz="2800" b="1" dirty="0" smtClean="0"/>
-              <a:t>１．研究背景</a:t>
-            </a:r>
-            <a:endParaRPr lang="en-US" altLang="ja-JP" sz="2800" b="1" dirty="0" smtClean="0"/>
-          </a:p>
-          <a:p>
-            <a:r>
-              <a:rPr lang="en-US" altLang="ja-JP" sz="2800" b="1" dirty="0"/>
-              <a:t>	</a:t>
-            </a:r>
-            <a:r>
-              <a:rPr lang="en-US" altLang="ja-JP" sz="2800" b="1" dirty="0" smtClean="0"/>
-              <a:t>	</a:t>
-            </a:r>
-            <a:r>
-              <a:rPr lang="ja-JP" altLang="en-US" sz="2800" b="1" dirty="0" smtClean="0"/>
-              <a:t>実例紹介</a:t>
-            </a:r>
-            <a:endParaRPr lang="en-US" altLang="ja-JP" sz="2800" b="1" dirty="0" smtClean="0"/>
-          </a:p>
-          <a:p>
-            <a:r>
-              <a:rPr lang="en-US" altLang="ja-JP" sz="2800" b="1" dirty="0" smtClean="0"/>
-              <a:t>	</a:t>
-            </a:r>
-            <a:r>
-              <a:rPr lang="ja-JP" altLang="en-US" sz="2800" b="1" dirty="0" smtClean="0"/>
-              <a:t>２．</a:t>
-            </a:r>
-            <a:r>
-              <a:rPr lang="ja-JP" altLang="en-US" sz="2800" b="1" dirty="0"/>
-              <a:t>序論</a:t>
-            </a:r>
-            <a:endParaRPr lang="en-US" altLang="ja-JP" sz="2800" b="1" dirty="0" smtClean="0"/>
-          </a:p>
-          <a:p>
-            <a:r>
-              <a:rPr lang="en-US" altLang="ja-JP" sz="2800" b="1" dirty="0" smtClean="0"/>
-              <a:t>	</a:t>
-            </a:r>
-            <a:r>
-              <a:rPr lang="ja-JP" altLang="en-US" sz="2800" b="1" dirty="0" smtClean="0"/>
-              <a:t>３．研究目的</a:t>
-            </a:r>
-            <a:endParaRPr lang="en-US" altLang="ja-JP" sz="2400" b="1" i="1" dirty="0" smtClean="0"/>
-          </a:p>
-          <a:p>
-            <a:r>
-              <a:rPr lang="en-US" altLang="ja-JP" sz="2400" b="1" dirty="0"/>
-              <a:t>	</a:t>
-            </a:r>
-            <a:r>
-              <a:rPr lang="ja-JP" altLang="en-US" sz="2800" b="1" dirty="0" smtClean="0"/>
-              <a:t>４．研究方法</a:t>
-            </a:r>
-            <a:endParaRPr lang="en-US" altLang="ja-JP" sz="2800" b="1" dirty="0" smtClean="0"/>
-          </a:p>
-          <a:p>
-            <a:r>
-              <a:rPr lang="en-US" altLang="ja-JP" sz="2800" b="1" dirty="0"/>
-              <a:t>	</a:t>
-            </a:r>
-            <a:r>
-              <a:rPr lang="en-US" altLang="ja-JP" sz="2800" b="1" dirty="0" smtClean="0"/>
-              <a:t>	</a:t>
-            </a:r>
-            <a:r>
-              <a:rPr lang="ja-JP" altLang="en-US" sz="2800" b="1" dirty="0" smtClean="0"/>
-              <a:t>計算方法</a:t>
-            </a:r>
-            <a:endParaRPr lang="en-US" altLang="ja-JP" sz="2800" b="1" dirty="0" smtClean="0"/>
-          </a:p>
-          <a:p>
-            <a:r>
-              <a:rPr lang="en-US" altLang="ja-JP" sz="2800" b="1" dirty="0" smtClean="0"/>
-              <a:t>		</a:t>
-            </a:r>
-            <a:r>
-              <a:rPr lang="ja-JP" altLang="en-US" sz="2800" b="1" dirty="0"/>
-              <a:t>クローラ</a:t>
-            </a:r>
-            <a:r>
-              <a:rPr lang="ja-JP" altLang="en-US" sz="2800" b="1" dirty="0" smtClean="0"/>
-              <a:t>ーを利用</a:t>
-            </a:r>
-            <a:endParaRPr lang="en-US" altLang="ja-JP" sz="2800" b="1" dirty="0" smtClean="0"/>
-          </a:p>
-          <a:p>
-            <a:r>
-              <a:rPr lang="en-US" altLang="ja-JP" sz="2800" b="1" dirty="0"/>
-              <a:t>	</a:t>
-            </a:r>
-            <a:r>
-              <a:rPr lang="en-US" altLang="ja-JP" sz="2800" b="1" dirty="0" smtClean="0"/>
-              <a:t>	</a:t>
-            </a:r>
-            <a:r>
-              <a:rPr lang="ja-JP" altLang="en-US" sz="2800" b="1" dirty="0" smtClean="0"/>
-              <a:t>手動で採取，統計</a:t>
-            </a:r>
-            <a:endParaRPr lang="en-US" altLang="ja-JP" sz="3200" b="1" dirty="0" smtClean="0">
-              <a:effectLst>
-                <a:outerShdw blurRad="38100" dist="38100" dir="2700000" algn="tl">
-                  <a:srgbClr val="000000">
-                    <a:alpha val="43137"/>
-                  </a:srgbClr>
-                </a:outerShdw>
-              </a:effectLst>
-            </a:endParaRPr>
-          </a:p>
-          <a:p>
-            <a:r>
-              <a:rPr lang="en-US" altLang="ja-JP" sz="2400" b="1" dirty="0" smtClean="0"/>
-              <a:t>	</a:t>
-            </a:r>
-            <a:r>
-              <a:rPr lang="ja-JP" altLang="en-US" sz="2800" b="1" dirty="0" smtClean="0"/>
-              <a:t>５．結果</a:t>
-            </a:r>
-            <a:endParaRPr lang="en-US" altLang="ja-JP" sz="2800" b="1" dirty="0" smtClean="0"/>
-          </a:p>
-          <a:p>
-            <a:r>
-              <a:rPr lang="en-US" altLang="ja-JP" sz="2800" b="1" dirty="0" smtClean="0"/>
-              <a:t>	</a:t>
-            </a:r>
-            <a:r>
-              <a:rPr lang="ja-JP" altLang="en-US" sz="2800" b="1" dirty="0" smtClean="0"/>
-              <a:t>６</a:t>
-            </a:r>
-            <a:r>
-              <a:rPr kumimoji="1" lang="ja-JP" altLang="en-US" sz="2800" b="1" dirty="0" smtClean="0"/>
-              <a:t>．</a:t>
-            </a:r>
-            <a:r>
-              <a:rPr lang="ja-JP" altLang="en-US" sz="2800" b="1" dirty="0" smtClean="0"/>
-              <a:t>考察</a:t>
-            </a:r>
-            <a:endParaRPr lang="en-US" altLang="ja-JP" sz="2800" b="1" dirty="0"/>
-          </a:p>
-          <a:p>
-            <a:endParaRPr lang="en-US" altLang="ja-JP" sz="2800" dirty="0" smtClean="0"/>
-          </a:p>
-        </p:txBody>
-      </p:sp>
-    </p:spTree>
-    <p:extLst>
-      <p:ext uri="{BB962C8B-B14F-4D97-AF65-F5344CB8AC3E}">
-        <p14:creationId xmlns:p14="http://schemas.microsoft.com/office/powerpoint/2010/main" val="456729315"/>
-      </p:ext>
-    </p:extLst>
-  </p:cSld>
-  <p:clrMapOvr>
-    <a:masterClrMapping/>
-  </p:clrMapOvr>
-  <p:timing>
-    <p:tnLst>
-      <p:par>
-        <p:cTn id="1" dur="indefinite" restart="never" nodeType="tmRoot"/>
-      </p:par>
-    </p:tnLst>
-  </p:timing>
-</p:sld>
-</file>
-
-<file path=ppt/slides/slide28.xml><?xml version="1.0" encoding="utf-8"?>
-<p:sld xmlns:a="http://schemas.openxmlformats.org/drawingml/2006/main" xmlns:r="http://schemas.openxmlformats.org/officeDocument/2006/relationships" xmlns:p="http://schemas.openxmlformats.org/presentationml/2006/main">
-  <p:cSld>
-    <p:spTree>
-      <p:nvGrpSpPr>
-        <p:cNvPr id="1" name=""/>
-        <p:cNvGrpSpPr/>
-        <p:nvPr/>
-      </p:nvGrpSpPr>
-      <p:grpSpPr>
-        <a:xfrm>
-          <a:off x="0" y="0"/>
-          <a:ext cx="0" cy="0"/>
-          <a:chOff x="0" y="0"/>
-          <a:chExt cx="0" cy="0"/>
-        </a:xfrm>
-      </p:grpSpPr>
-      <p:sp>
-        <p:nvSpPr>
-          <p:cNvPr id="3" name="スライド番号プレースホルダー 2"/>
-          <p:cNvSpPr>
-            <a:spLocks noGrp="1"/>
-          </p:cNvSpPr>
-          <p:nvPr>
-            <p:ph type="sldNum" sz="quarter" idx="11"/>
-          </p:nvPr>
-        </p:nvSpPr>
-        <p:spPr/>
-        <p:txBody>
-          <a:bodyPr/>
-          <a:lstStyle/>
-          <a:p>
-            <a:fld id="{E00335F1-3F40-4BF0-898D-F6D15F346D60}" type="slidenum">
-              <a:rPr kumimoji="1" lang="ja-JP" altLang="en-US" smtClean="0"/>
-              <a:t>28</a:t>
             </a:fld>
             <a:endParaRPr kumimoji="1" lang="ja-JP" altLang="en-US" dirty="0"/>
           </a:p>
@@ -21475,6 +18243,114 @@
       </p:par>
     </p:tnLst>
   </p:timing>
+</p:sld>
+</file>
+
+<file path=ppt/slides/slide26.xml><?xml version="1.0" encoding="utf-8"?>
+<p:sld xmlns:a="http://schemas.openxmlformats.org/drawingml/2006/main" xmlns:r="http://schemas.openxmlformats.org/officeDocument/2006/relationships" xmlns:p="http://schemas.openxmlformats.org/presentationml/2006/main">
+  <p:cSld>
+    <p:spTree>
+      <p:nvGrpSpPr>
+        <p:cNvPr id="1" name=""/>
+        <p:cNvGrpSpPr/>
+        <p:nvPr/>
+      </p:nvGrpSpPr>
+      <p:grpSpPr>
+        <a:xfrm>
+          <a:off x="0" y="0"/>
+          <a:ext cx="0" cy="0"/>
+          <a:chOff x="0" y="0"/>
+          <a:chExt cx="0" cy="0"/>
+        </a:xfrm>
+      </p:grpSpPr>
+      <p:sp>
+        <p:nvSpPr>
+          <p:cNvPr id="2" name="タイトル 1"/>
+          <p:cNvSpPr>
+            <a:spLocks noGrp="1"/>
+          </p:cNvSpPr>
+          <p:nvPr>
+            <p:ph type="title"/>
+          </p:nvPr>
+        </p:nvSpPr>
+        <p:spPr>
+          <a:xfrm>
+            <a:off x="971600" y="1700808"/>
+            <a:ext cx="3962400" cy="4490864"/>
+          </a:xfrm>
+        </p:spPr>
+        <p:txBody>
+          <a:bodyPr/>
+          <a:lstStyle/>
+          <a:p>
+            <a:endParaRPr kumimoji="1" lang="ja-JP" altLang="en-US" dirty="0"/>
+          </a:p>
+        </p:txBody>
+      </p:sp>
+      <p:sp>
+        <p:nvSpPr>
+          <p:cNvPr id="3" name="スライド番号プレースホルダー 2"/>
+          <p:cNvSpPr>
+            <a:spLocks noGrp="1"/>
+          </p:cNvSpPr>
+          <p:nvPr>
+            <p:ph type="sldNum" sz="quarter" idx="11"/>
+          </p:nvPr>
+        </p:nvSpPr>
+        <p:spPr/>
+        <p:txBody>
+          <a:bodyPr/>
+          <a:lstStyle/>
+          <a:p>
+            <a:fld id="{E00335F1-3F40-4BF0-898D-F6D15F346D60}" type="slidenum">
+              <a:rPr kumimoji="1" lang="ja-JP" altLang="en-US" smtClean="0"/>
+              <a:t>26</a:t>
+            </a:fld>
+            <a:endParaRPr kumimoji="1" lang="ja-JP" altLang="en-US" dirty="0"/>
+          </a:p>
+        </p:txBody>
+      </p:sp>
+      <p:sp>
+        <p:nvSpPr>
+          <p:cNvPr id="4" name="テキスト ボックス 3"/>
+          <p:cNvSpPr txBox="1"/>
+          <p:nvPr/>
+        </p:nvSpPr>
+        <p:spPr>
+          <a:xfrm>
+            <a:off x="0" y="348953"/>
+            <a:ext cx="8820472" cy="646331"/>
+          </a:xfrm>
+          <a:prstGeom prst="rect">
+            <a:avLst/>
+          </a:prstGeom>
+          <a:noFill/>
+        </p:spPr>
+        <p:txBody>
+          <a:bodyPr wrap="square" rtlCol="0">
+            <a:spAutoFit/>
+          </a:bodyPr>
+          <a:lstStyle/>
+          <a:p>
+            <a:pPr algn="ctr"/>
+            <a:r>
+              <a:rPr lang="ja-JP" altLang="en-US" sz="3600" b="1" u="sng" dirty="0"/>
+              <a:t>考察</a:t>
+            </a:r>
+            <a:endParaRPr kumimoji="1" lang="ja-JP" altLang="en-US" sz="3600" b="1" u="sng" dirty="0"/>
+          </a:p>
+        </p:txBody>
+      </p:sp>
+    </p:spTree>
+    <p:extLst>
+      <p:ext uri="{BB962C8B-B14F-4D97-AF65-F5344CB8AC3E}">
+        <p14:creationId xmlns:p14="http://schemas.microsoft.com/office/powerpoint/2010/main" val="3964010153"/>
+      </p:ext>
+    </p:extLst>
+  </p:cSld>
+  <p:clrMapOvr>
+    <a:masterClrMapping/>
+  </p:clrMapOvr>
 </p:sld>
 </file>
 

--- a/卒業論文/2014/齋藤勇也/最終発表/卒業論文発表資料.pptx
+++ b/卒業論文/2014/齋藤勇也/最終発表/卒業論文発表資料.pptx
@@ -5,10 +5,10 @@
     <p:sldMasterId id="2147483696" r:id="rId1"/>
   </p:sldMasterIdLst>
   <p:notesMasterIdLst>
-    <p:notesMasterId r:id="rId28"/>
+    <p:notesMasterId r:id="rId24"/>
   </p:notesMasterIdLst>
   <p:handoutMasterIdLst>
-    <p:handoutMasterId r:id="rId29"/>
+    <p:handoutMasterId r:id="rId25"/>
   </p:handoutMasterIdLst>
   <p:sldIdLst>
     <p:sldId id="257" r:id="rId2"/>
@@ -28,15 +28,11 @@
     <p:sldId id="298" r:id="rId16"/>
     <p:sldId id="307" r:id="rId17"/>
     <p:sldId id="287" r:id="rId18"/>
-    <p:sldId id="303" r:id="rId19"/>
-    <p:sldId id="304" r:id="rId20"/>
-    <p:sldId id="305" r:id="rId21"/>
-    <p:sldId id="286" r:id="rId22"/>
-    <p:sldId id="291" r:id="rId23"/>
-    <p:sldId id="306" r:id="rId24"/>
-    <p:sldId id="270" r:id="rId25"/>
-    <p:sldId id="281" r:id="rId26"/>
-    <p:sldId id="308" r:id="rId27"/>
+    <p:sldId id="304" r:id="rId19"/>
+    <p:sldId id="303" r:id="rId20"/>
+    <p:sldId id="286" r:id="rId21"/>
+    <p:sldId id="291" r:id="rId22"/>
+    <p:sldId id="306" r:id="rId23"/>
   </p:sldIdLst>
   <p:sldSz cx="9144000" cy="6858000" type="screen4x3"/>
   <p:notesSz cx="6797675" cy="9926638"/>
@@ -434,11 +430,11 @@
           <c:showPercent val="0"/>
           <c:showBubbleSize val="0"/>
         </c:dLbls>
-        <c:axId val="182663920"/>
-        <c:axId val="182664480"/>
+        <c:axId val="185547360"/>
+        <c:axId val="185547920"/>
       </c:scatterChart>
       <c:valAx>
-        <c:axId val="182663920"/>
+        <c:axId val="185547360"/>
         <c:scaling>
           <c:orientation val="minMax"/>
           <c:max val="5"/>
@@ -552,13 +548,13 @@
             <a:endParaRPr lang="ja-JP"/>
           </a:p>
         </c:txPr>
-        <c:crossAx val="182664480"/>
+        <c:crossAx val="185547920"/>
         <c:crosses val="autoZero"/>
         <c:crossBetween val="midCat"/>
         <c:majorUnit val="1"/>
       </c:valAx>
       <c:valAx>
-        <c:axId val="182664480"/>
+        <c:axId val="185547920"/>
         <c:scaling>
           <c:orientation val="minMax"/>
           <c:max val="5"/>
@@ -674,7 +670,7 @@
             <a:endParaRPr lang="ja-JP"/>
           </a:p>
         </c:txPr>
-        <c:crossAx val="182663920"/>
+        <c:crossAx val="185547360"/>
         <c:crosses val="autoZero"/>
         <c:crossBetween val="midCat"/>
         <c:majorUnit val="1"/>
@@ -715,6 +711,567 @@
 </file>
 
 <file path=ppt/charts/chart2.xml><?xml version="1.0" encoding="utf-8"?>
+<c:chartSpace xmlns:c="http://schemas.openxmlformats.org/drawingml/2006/chart" xmlns:a="http://schemas.openxmlformats.org/drawingml/2006/main" xmlns:r="http://schemas.openxmlformats.org/officeDocument/2006/relationships">
+  <c:date1904 val="0"/>
+  <c:lang val="ja-JP"/>
+  <c:roundedCorners val="0"/>
+  <mc:AlternateContent xmlns:mc="http://schemas.openxmlformats.org/markup-compatibility/2006">
+    <mc:Choice xmlns:c14="http://schemas.microsoft.com/office/drawing/2007/8/2/chart" Requires="c14">
+      <c14:style val="102"/>
+    </mc:Choice>
+    <mc:Fallback>
+      <c:style val="2"/>
+    </mc:Fallback>
+  </mc:AlternateContent>
+  <c:chart>
+    <c:title>
+      <c:tx>
+        <c:rich>
+          <a:bodyPr rot="0" spcFirstLastPara="1" vertOverflow="ellipsis" vert="horz" wrap="square" anchor="ctr" anchorCtr="1"/>
+          <a:lstStyle/>
+          <a:p>
+            <a:pPr>
+              <a:defRPr sz="1400" b="0" i="0" u="none" strike="noStrike" kern="1200" spc="0" baseline="0">
+                <a:solidFill>
+                  <a:schemeClr val="tx1">
+                    <a:lumMod val="65000"/>
+                    <a:lumOff val="35000"/>
+                  </a:schemeClr>
+                </a:solidFill>
+                <a:latin typeface="+mn-lt"/>
+                <a:ea typeface="+mn-ea"/>
+                <a:cs typeface="+mn-cs"/>
+              </a:defRPr>
+            </a:pPr>
+            <a:r>
+              <a:rPr lang="ja-JP" altLang="en-US" sz="2000" dirty="0"/>
+              <a:t>平均評価と重み付き平均評価の比較</a:t>
+            </a:r>
+          </a:p>
+        </c:rich>
+      </c:tx>
+      <c:layout/>
+      <c:overlay val="0"/>
+      <c:spPr>
+        <a:noFill/>
+        <a:ln>
+          <a:noFill/>
+        </a:ln>
+        <a:effectLst/>
+      </c:spPr>
+      <c:txPr>
+        <a:bodyPr rot="0" spcFirstLastPara="1" vertOverflow="ellipsis" vert="horz" wrap="square" anchor="ctr" anchorCtr="1"/>
+        <a:lstStyle/>
+        <a:p>
+          <a:pPr>
+            <a:defRPr sz="1400" b="0" i="0" u="none" strike="noStrike" kern="1200" spc="0" baseline="0">
+              <a:solidFill>
+                <a:schemeClr val="tx1">
+                  <a:lumMod val="65000"/>
+                  <a:lumOff val="35000"/>
+                </a:schemeClr>
+              </a:solidFill>
+              <a:latin typeface="+mn-lt"/>
+              <a:ea typeface="+mn-ea"/>
+              <a:cs typeface="+mn-cs"/>
+            </a:defRPr>
+          </a:pPr>
+          <a:endParaRPr lang="ja-JP"/>
+        </a:p>
+      </c:txPr>
+    </c:title>
+    <c:autoTitleDeleted val="0"/>
+    <c:plotArea>
+      <c:layout/>
+      <c:scatterChart>
+        <c:scatterStyle val="lineMarker"/>
+        <c:varyColors val="0"/>
+        <c:ser>
+          <c:idx val="0"/>
+          <c:order val="0"/>
+          <c:tx>
+            <c:strRef>
+              <c:f>Sheet1!$F$1</c:f>
+              <c:strCache>
+                <c:ptCount val="1"/>
+                <c:pt idx="0">
+                  <c:v>重み付き平均評価</c:v>
+                </c:pt>
+              </c:strCache>
+            </c:strRef>
+          </c:tx>
+          <c:spPr>
+            <a:ln w="28575" cap="rnd">
+              <a:noFill/>
+              <a:round/>
+            </a:ln>
+            <a:effectLst/>
+          </c:spPr>
+          <c:marker>
+            <c:symbol val="circle"/>
+            <c:size val="5"/>
+            <c:spPr>
+              <a:solidFill>
+                <a:schemeClr val="accent1"/>
+              </a:solidFill>
+              <a:ln w="9525">
+                <a:solidFill>
+                  <a:schemeClr val="accent1"/>
+                </a:solidFill>
+              </a:ln>
+              <a:effectLst/>
+            </c:spPr>
+          </c:marker>
+          <c:trendline>
+            <c:spPr>
+              <a:ln w="19050" cap="rnd">
+                <a:solidFill>
+                  <a:schemeClr val="accent1"/>
+                </a:solidFill>
+                <a:prstDash val="sysDot"/>
+              </a:ln>
+              <a:effectLst/>
+            </c:spPr>
+            <c:trendlineType val="linear"/>
+            <c:dispRSqr val="0"/>
+            <c:dispEq val="0"/>
+          </c:trendline>
+          <c:xVal>
+            <c:numRef>
+              <c:f>Sheet1!$C$2:$C$22</c:f>
+              <c:numCache>
+                <c:formatCode>General</c:formatCode>
+                <c:ptCount val="21"/>
+                <c:pt idx="0">
+                  <c:v>4.5251989389920428</c:v>
+                </c:pt>
+                <c:pt idx="1">
+                  <c:v>4.3865546218487399</c:v>
+                </c:pt>
+                <c:pt idx="2">
+                  <c:v>4.4776119402985071</c:v>
+                </c:pt>
+                <c:pt idx="3">
+                  <c:v>3.9137931034482758</c:v>
+                </c:pt>
+                <c:pt idx="4">
+                  <c:v>3.9272727272727272</c:v>
+                </c:pt>
+                <c:pt idx="5">
+                  <c:v>4.5681818181818183</c:v>
+                </c:pt>
+                <c:pt idx="6">
+                  <c:v>4.3428571428571425</c:v>
+                </c:pt>
+                <c:pt idx="7">
+                  <c:v>3.9</c:v>
+                </c:pt>
+                <c:pt idx="8">
+                  <c:v>4.9230769230769234</c:v>
+                </c:pt>
+                <c:pt idx="9">
+                  <c:v>4.3478260869565215</c:v>
+                </c:pt>
+                <c:pt idx="10">
+                  <c:v>4.333333333333333</c:v>
+                </c:pt>
+                <c:pt idx="11">
+                  <c:v>4.3571428571428568</c:v>
+                </c:pt>
+                <c:pt idx="12">
+                  <c:v>3</c:v>
+                </c:pt>
+                <c:pt idx="13">
+                  <c:v>3.6</c:v>
+                </c:pt>
+                <c:pt idx="14">
+                  <c:v>4.7777777777777777</c:v>
+                </c:pt>
+                <c:pt idx="15">
+                  <c:v>4.8888888888888893</c:v>
+                </c:pt>
+                <c:pt idx="16">
+                  <c:v>4.5555555555555554</c:v>
+                </c:pt>
+                <c:pt idx="17">
+                  <c:v>3.8</c:v>
+                </c:pt>
+                <c:pt idx="18">
+                  <c:v>5</c:v>
+                </c:pt>
+                <c:pt idx="19">
+                  <c:v>5</c:v>
+                </c:pt>
+                <c:pt idx="20">
+                  <c:v>4.666666666666667</c:v>
+                </c:pt>
+              </c:numCache>
+            </c:numRef>
+          </c:xVal>
+          <c:yVal>
+            <c:numRef>
+              <c:f>Sheet1!$F$2:$F$22</c:f>
+              <c:numCache>
+                <c:formatCode>General</c:formatCode>
+                <c:ptCount val="21"/>
+                <c:pt idx="0">
+                  <c:v>1.8352966800187693</c:v>
+                </c:pt>
+                <c:pt idx="1">
+                  <c:v>3.1474949046147493</c:v>
+                </c:pt>
+                <c:pt idx="2">
+                  <c:v>2.8410983790419992</c:v>
+                </c:pt>
+                <c:pt idx="3">
+                  <c:v>2.7257272406117745</c:v>
+                </c:pt>
+                <c:pt idx="4">
+                  <c:v>2.2708614107718095</c:v>
+                </c:pt>
+                <c:pt idx="5">
+                  <c:v>3.5149183769566803</c:v>
+                </c:pt>
+                <c:pt idx="6">
+                  <c:v>3.1232731914550094</c:v>
+                </c:pt>
+                <c:pt idx="7">
+                  <c:v>2.2008090898450376</c:v>
+                </c:pt>
+                <c:pt idx="8">
+                  <c:v>3.2564530879748266</c:v>
+                </c:pt>
+                <c:pt idx="9">
+                  <c:v>3.6666666666666661</c:v>
+                </c:pt>
+                <c:pt idx="10">
+                  <c:v>3.1597603205188345</c:v>
+                </c:pt>
+                <c:pt idx="11">
+                  <c:v>2.8307142857142855</c:v>
+                </c:pt>
+                <c:pt idx="12">
+                  <c:v>1.7259615384615383</c:v>
+                </c:pt>
+                <c:pt idx="13">
+                  <c:v>2.6249491249491248</c:v>
+                </c:pt>
+                <c:pt idx="14">
+                  <c:v>3.6279761904761907</c:v>
+                </c:pt>
+                <c:pt idx="15">
+                  <c:v>4.6765734265734267</c:v>
+                </c:pt>
+                <c:pt idx="16">
+                  <c:v>3.0148809523809521</c:v>
+                </c:pt>
+                <c:pt idx="17">
+                  <c:v>2.9133333333333331</c:v>
+                </c:pt>
+                <c:pt idx="18">
+                  <c:v>5</c:v>
+                </c:pt>
+                <c:pt idx="19">
+                  <c:v>5</c:v>
+                </c:pt>
+                <c:pt idx="20">
+                  <c:v>3.7777777777777772</c:v>
+                </c:pt>
+              </c:numCache>
+            </c:numRef>
+          </c:yVal>
+          <c:smooth val="0"/>
+        </c:ser>
+        <c:dLbls>
+          <c:showLegendKey val="0"/>
+          <c:showVal val="0"/>
+          <c:showCatName val="0"/>
+          <c:showSerName val="0"/>
+          <c:showPercent val="0"/>
+          <c:showBubbleSize val="0"/>
+        </c:dLbls>
+        <c:axId val="236376592"/>
+        <c:axId val="236377152"/>
+      </c:scatterChart>
+      <c:valAx>
+        <c:axId val="236376592"/>
+        <c:scaling>
+          <c:orientation val="minMax"/>
+          <c:max val="5"/>
+          <c:min val="1"/>
+        </c:scaling>
+        <c:delete val="0"/>
+        <c:axPos val="b"/>
+        <c:majorGridlines>
+          <c:spPr>
+            <a:ln w="9525" cap="flat" cmpd="sng" algn="ctr">
+              <a:solidFill>
+                <a:schemeClr val="tx1">
+                  <a:lumMod val="15000"/>
+                  <a:lumOff val="85000"/>
+                </a:schemeClr>
+              </a:solidFill>
+              <a:round/>
+            </a:ln>
+            <a:effectLst/>
+          </c:spPr>
+        </c:majorGridlines>
+        <c:title>
+          <c:tx>
+            <c:rich>
+              <a:bodyPr rot="0" spcFirstLastPara="1" vertOverflow="ellipsis" vert="horz" wrap="square" anchor="ctr" anchorCtr="1"/>
+              <a:lstStyle/>
+              <a:p>
+                <a:pPr>
+                  <a:defRPr sz="1000" b="0" i="0" u="none" strike="noStrike" kern="1200" baseline="0">
+                    <a:solidFill>
+                      <a:schemeClr val="tx1">
+                        <a:lumMod val="65000"/>
+                        <a:lumOff val="35000"/>
+                      </a:schemeClr>
+                    </a:solidFill>
+                    <a:latin typeface="+mn-lt"/>
+                    <a:ea typeface="+mn-ea"/>
+                    <a:cs typeface="+mn-cs"/>
+                  </a:defRPr>
+                </a:pPr>
+                <a:r>
+                  <a:rPr lang="ja-JP" altLang="en-US" sz="1600" dirty="0"/>
+                  <a:t>平均評価</a:t>
+                </a:r>
+                <a:endParaRPr lang="en-US" altLang="ja-JP" sz="1600" dirty="0"/>
+              </a:p>
+            </c:rich>
+          </c:tx>
+          <c:layout/>
+          <c:overlay val="0"/>
+          <c:spPr>
+            <a:noFill/>
+            <a:ln>
+              <a:noFill/>
+            </a:ln>
+            <a:effectLst/>
+          </c:spPr>
+          <c:txPr>
+            <a:bodyPr rot="0" spcFirstLastPara="1" vertOverflow="ellipsis" vert="horz" wrap="square" anchor="ctr" anchorCtr="1"/>
+            <a:lstStyle/>
+            <a:p>
+              <a:pPr>
+                <a:defRPr sz="1000" b="0" i="0" u="none" strike="noStrike" kern="1200" baseline="0">
+                  <a:solidFill>
+                    <a:schemeClr val="tx1">
+                      <a:lumMod val="65000"/>
+                      <a:lumOff val="35000"/>
+                    </a:schemeClr>
+                  </a:solidFill>
+                  <a:latin typeface="+mn-lt"/>
+                  <a:ea typeface="+mn-ea"/>
+                  <a:cs typeface="+mn-cs"/>
+                </a:defRPr>
+              </a:pPr>
+              <a:endParaRPr lang="ja-JP"/>
+            </a:p>
+          </c:txPr>
+        </c:title>
+        <c:numFmt formatCode="General" sourceLinked="1"/>
+        <c:majorTickMark val="none"/>
+        <c:minorTickMark val="none"/>
+        <c:tickLblPos val="nextTo"/>
+        <c:spPr>
+          <a:noFill/>
+          <a:ln w="9525" cap="flat" cmpd="sng" algn="ctr">
+            <a:solidFill>
+              <a:schemeClr val="tx1">
+                <a:lumMod val="25000"/>
+                <a:lumOff val="75000"/>
+              </a:schemeClr>
+            </a:solidFill>
+            <a:round/>
+          </a:ln>
+          <a:effectLst/>
+        </c:spPr>
+        <c:txPr>
+          <a:bodyPr rot="-60000000" spcFirstLastPara="1" vertOverflow="ellipsis" vert="horz" wrap="square" anchor="ctr" anchorCtr="1"/>
+          <a:lstStyle/>
+          <a:p>
+            <a:pPr>
+              <a:defRPr sz="900" b="0" i="0" u="none" strike="noStrike" kern="1200" baseline="0">
+                <a:solidFill>
+                  <a:schemeClr val="tx1">
+                    <a:lumMod val="65000"/>
+                    <a:lumOff val="35000"/>
+                  </a:schemeClr>
+                </a:solidFill>
+                <a:latin typeface="+mn-lt"/>
+                <a:ea typeface="+mn-ea"/>
+                <a:cs typeface="+mn-cs"/>
+              </a:defRPr>
+            </a:pPr>
+            <a:endParaRPr lang="ja-JP"/>
+          </a:p>
+        </c:txPr>
+        <c:crossAx val="236377152"/>
+        <c:crosses val="autoZero"/>
+        <c:crossBetween val="midCat"/>
+        <c:majorUnit val="1"/>
+      </c:valAx>
+      <c:valAx>
+        <c:axId val="236377152"/>
+        <c:scaling>
+          <c:orientation val="minMax"/>
+          <c:max val="5"/>
+          <c:min val="1"/>
+        </c:scaling>
+        <c:delete val="0"/>
+        <c:axPos val="l"/>
+        <c:majorGridlines>
+          <c:spPr>
+            <a:ln w="9525" cap="flat" cmpd="sng" algn="ctr">
+              <a:solidFill>
+                <a:schemeClr val="tx1">
+                  <a:lumMod val="15000"/>
+                  <a:lumOff val="85000"/>
+                </a:schemeClr>
+              </a:solidFill>
+              <a:round/>
+            </a:ln>
+            <a:effectLst/>
+          </c:spPr>
+        </c:majorGridlines>
+        <c:title>
+          <c:tx>
+            <c:rich>
+              <a:bodyPr rot="0" spcFirstLastPara="1" vertOverflow="ellipsis" vert="wordArtVertRtl" wrap="square" anchor="ctr" anchorCtr="1"/>
+              <a:lstStyle/>
+              <a:p>
+                <a:pPr>
+                  <a:defRPr sz="1000" b="0" i="0" u="none" strike="noStrike" kern="1200" baseline="0">
+                    <a:solidFill>
+                      <a:schemeClr val="tx1">
+                        <a:lumMod val="65000"/>
+                        <a:lumOff val="35000"/>
+                      </a:schemeClr>
+                    </a:solidFill>
+                    <a:latin typeface="+mn-lt"/>
+                    <a:ea typeface="+mn-ea"/>
+                    <a:cs typeface="+mn-cs"/>
+                  </a:defRPr>
+                </a:pPr>
+                <a:r>
+                  <a:rPr lang="ja-JP" altLang="en-US" sz="1600" dirty="0"/>
+                  <a:t>重み付き平均評価</a:t>
+                </a:r>
+              </a:p>
+            </c:rich>
+          </c:tx>
+          <c:layout/>
+          <c:overlay val="0"/>
+          <c:spPr>
+            <a:noFill/>
+            <a:ln>
+              <a:noFill/>
+            </a:ln>
+            <a:effectLst/>
+          </c:spPr>
+          <c:txPr>
+            <a:bodyPr rot="0" spcFirstLastPara="1" vertOverflow="ellipsis" vert="wordArtVertRtl" wrap="square" anchor="ctr" anchorCtr="1"/>
+            <a:lstStyle/>
+            <a:p>
+              <a:pPr>
+                <a:defRPr sz="1000" b="0" i="0" u="none" strike="noStrike" kern="1200" baseline="0">
+                  <a:solidFill>
+                    <a:schemeClr val="tx1">
+                      <a:lumMod val="65000"/>
+                      <a:lumOff val="35000"/>
+                    </a:schemeClr>
+                  </a:solidFill>
+                  <a:latin typeface="+mn-lt"/>
+                  <a:ea typeface="+mn-ea"/>
+                  <a:cs typeface="+mn-cs"/>
+                </a:defRPr>
+              </a:pPr>
+              <a:endParaRPr lang="ja-JP"/>
+            </a:p>
+          </c:txPr>
+        </c:title>
+        <c:numFmt formatCode="General" sourceLinked="1"/>
+        <c:majorTickMark val="none"/>
+        <c:minorTickMark val="none"/>
+        <c:tickLblPos val="nextTo"/>
+        <c:spPr>
+          <a:noFill/>
+          <a:ln w="9525" cap="flat" cmpd="sng" algn="ctr">
+            <a:solidFill>
+              <a:schemeClr val="tx1">
+                <a:lumMod val="25000"/>
+                <a:lumOff val="75000"/>
+              </a:schemeClr>
+            </a:solidFill>
+            <a:round/>
+          </a:ln>
+          <a:effectLst/>
+        </c:spPr>
+        <c:txPr>
+          <a:bodyPr rot="-60000000" spcFirstLastPara="1" vertOverflow="ellipsis" vert="horz" wrap="square" anchor="ctr" anchorCtr="1"/>
+          <a:lstStyle/>
+          <a:p>
+            <a:pPr>
+              <a:defRPr sz="900" b="0" i="0" u="none" strike="noStrike" kern="1200" baseline="0">
+                <a:solidFill>
+                  <a:schemeClr val="tx1">
+                    <a:lumMod val="65000"/>
+                    <a:lumOff val="35000"/>
+                  </a:schemeClr>
+                </a:solidFill>
+                <a:latin typeface="+mn-lt"/>
+                <a:ea typeface="+mn-ea"/>
+                <a:cs typeface="+mn-cs"/>
+              </a:defRPr>
+            </a:pPr>
+            <a:endParaRPr lang="ja-JP"/>
+          </a:p>
+        </c:txPr>
+        <c:crossAx val="236376592"/>
+        <c:crosses val="autoZero"/>
+        <c:crossBetween val="midCat"/>
+        <c:majorUnit val="1"/>
+      </c:valAx>
+      <c:spPr>
+        <a:noFill/>
+        <a:ln>
+          <a:noFill/>
+        </a:ln>
+        <a:effectLst/>
+      </c:spPr>
+    </c:plotArea>
+    <c:plotVisOnly val="1"/>
+    <c:dispBlanksAs val="gap"/>
+    <c:showDLblsOverMax val="0"/>
+  </c:chart>
+  <c:spPr>
+    <a:noFill/>
+    <a:ln>
+      <a:noFill/>
+    </a:ln>
+    <a:effectLst/>
+  </c:spPr>
+  <c:txPr>
+    <a:bodyPr/>
+    <a:lstStyle/>
+    <a:p>
+      <a:pPr>
+        <a:defRPr/>
+      </a:pPr>
+      <a:endParaRPr lang="ja-JP"/>
+    </a:p>
+  </c:txPr>
+  <c:externalData r:id="rId3">
+    <c:autoUpdate val="0"/>
+  </c:externalData>
+</c:chartSpace>
+</file>
+
+<file path=ppt/charts/chart3.xml><?xml version="1.0" encoding="utf-8"?>
 <c:chartSpace xmlns:c="http://schemas.openxmlformats.org/drawingml/2006/chart" xmlns:a="http://schemas.openxmlformats.org/drawingml/2006/main" xmlns:r="http://schemas.openxmlformats.org/officeDocument/2006/relationships">
   <c:date1904 val="0"/>
   <c:lang val="ja-JP"/>
@@ -1002,11 +1559,11 @@
           <c:showPercent val="0"/>
           <c:showBubbleSize val="0"/>
         </c:dLbls>
-        <c:axId val="182666720"/>
-        <c:axId val="182667280"/>
+        <c:axId val="185550160"/>
+        <c:axId val="185550720"/>
       </c:scatterChart>
       <c:valAx>
-        <c:axId val="182666720"/>
+        <c:axId val="185550160"/>
         <c:scaling>
           <c:orientation val="minMax"/>
           <c:max val="5"/>
@@ -1122,13 +1679,13 @@
             <a:endParaRPr lang="ja-JP"/>
           </a:p>
         </c:txPr>
-        <c:crossAx val="182667280"/>
+        <c:crossAx val="185550720"/>
         <c:crosses val="autoZero"/>
         <c:crossBetween val="midCat"/>
         <c:majorUnit val="1"/>
       </c:valAx>
       <c:valAx>
-        <c:axId val="182667280"/>
+        <c:axId val="185550720"/>
         <c:scaling>
           <c:orientation val="minMax"/>
           <c:max val="5"/>
@@ -1244,1137 +1801,7 @@
             <a:endParaRPr lang="ja-JP"/>
           </a:p>
         </c:txPr>
-        <c:crossAx val="182666720"/>
-        <c:crosses val="autoZero"/>
-        <c:crossBetween val="midCat"/>
-        <c:majorUnit val="1"/>
-      </c:valAx>
-      <c:spPr>
-        <a:noFill/>
-        <a:ln>
-          <a:noFill/>
-        </a:ln>
-        <a:effectLst/>
-      </c:spPr>
-    </c:plotArea>
-    <c:plotVisOnly val="1"/>
-    <c:dispBlanksAs val="gap"/>
-    <c:showDLblsOverMax val="0"/>
-  </c:chart>
-  <c:spPr>
-    <a:noFill/>
-    <a:ln>
-      <a:noFill/>
-    </a:ln>
-    <a:effectLst/>
-  </c:spPr>
-  <c:txPr>
-    <a:bodyPr/>
-    <a:lstStyle/>
-    <a:p>
-      <a:pPr>
-        <a:defRPr/>
-      </a:pPr>
-      <a:endParaRPr lang="ja-JP"/>
-    </a:p>
-  </c:txPr>
-  <c:externalData r:id="rId3">
-    <c:autoUpdate val="0"/>
-  </c:externalData>
-</c:chartSpace>
-</file>
-
-<file path=ppt/charts/chart3.xml><?xml version="1.0" encoding="utf-8"?>
-<c:chartSpace xmlns:c="http://schemas.openxmlformats.org/drawingml/2006/chart" xmlns:a="http://schemas.openxmlformats.org/drawingml/2006/main" xmlns:r="http://schemas.openxmlformats.org/officeDocument/2006/relationships">
-  <c:date1904 val="0"/>
-  <c:lang val="ja-JP"/>
-  <c:roundedCorners val="0"/>
-  <mc:AlternateContent xmlns:mc="http://schemas.openxmlformats.org/markup-compatibility/2006">
-    <mc:Choice xmlns:c14="http://schemas.microsoft.com/office/drawing/2007/8/2/chart" Requires="c14">
-      <c14:style val="102"/>
-    </mc:Choice>
-    <mc:Fallback>
-      <c:style val="2"/>
-    </mc:Fallback>
-  </mc:AlternateContent>
-  <c:chart>
-    <c:title>
-      <c:tx>
-        <c:rich>
-          <a:bodyPr rot="0" spcFirstLastPara="1" vertOverflow="ellipsis" vert="horz" wrap="square" anchor="ctr" anchorCtr="1"/>
-          <a:lstStyle/>
-          <a:p>
-            <a:pPr>
-              <a:defRPr sz="1400" b="0" i="0" u="none" strike="noStrike" kern="1200" spc="0" baseline="0">
-                <a:solidFill>
-                  <a:schemeClr val="tx1">
-                    <a:lumMod val="65000"/>
-                    <a:lumOff val="35000"/>
-                  </a:schemeClr>
-                </a:solidFill>
-                <a:latin typeface="+mn-lt"/>
-                <a:ea typeface="+mn-ea"/>
-                <a:cs typeface="+mn-cs"/>
-              </a:defRPr>
-            </a:pPr>
-            <a:r>
-              <a:rPr lang="ja-JP" altLang="en-US" sz="2000" dirty="0"/>
-              <a:t>平均評価と重み付き平均評価の比較</a:t>
-            </a:r>
-          </a:p>
-        </c:rich>
-      </c:tx>
-      <c:layout/>
-      <c:overlay val="0"/>
-      <c:spPr>
-        <a:noFill/>
-        <a:ln>
-          <a:noFill/>
-        </a:ln>
-        <a:effectLst/>
-      </c:spPr>
-      <c:txPr>
-        <a:bodyPr rot="0" spcFirstLastPara="1" vertOverflow="ellipsis" vert="horz" wrap="square" anchor="ctr" anchorCtr="1"/>
-        <a:lstStyle/>
-        <a:p>
-          <a:pPr>
-            <a:defRPr sz="1400" b="0" i="0" u="none" strike="noStrike" kern="1200" spc="0" baseline="0">
-              <a:solidFill>
-                <a:schemeClr val="tx1">
-                  <a:lumMod val="65000"/>
-                  <a:lumOff val="35000"/>
-                </a:schemeClr>
-              </a:solidFill>
-              <a:latin typeface="+mn-lt"/>
-              <a:ea typeface="+mn-ea"/>
-              <a:cs typeface="+mn-cs"/>
-            </a:defRPr>
-          </a:pPr>
-          <a:endParaRPr lang="ja-JP"/>
-        </a:p>
-      </c:txPr>
-    </c:title>
-    <c:autoTitleDeleted val="0"/>
-    <c:plotArea>
-      <c:layout/>
-      <c:scatterChart>
-        <c:scatterStyle val="lineMarker"/>
-        <c:varyColors val="0"/>
-        <c:ser>
-          <c:idx val="0"/>
-          <c:order val="0"/>
-          <c:tx>
-            <c:strRef>
-              <c:f>Sheet1!$F$1</c:f>
-              <c:strCache>
-                <c:ptCount val="1"/>
-                <c:pt idx="0">
-                  <c:v>重み付き平均評価</c:v>
-                </c:pt>
-              </c:strCache>
-            </c:strRef>
-          </c:tx>
-          <c:spPr>
-            <a:ln w="28575" cap="rnd">
-              <a:noFill/>
-              <a:round/>
-            </a:ln>
-            <a:effectLst/>
-          </c:spPr>
-          <c:marker>
-            <c:symbol val="circle"/>
-            <c:size val="5"/>
-            <c:spPr>
-              <a:solidFill>
-                <a:schemeClr val="accent1"/>
-              </a:solidFill>
-              <a:ln w="9525">
-                <a:solidFill>
-                  <a:schemeClr val="accent1"/>
-                </a:solidFill>
-              </a:ln>
-              <a:effectLst/>
-            </c:spPr>
-          </c:marker>
-          <c:trendline>
-            <c:spPr>
-              <a:ln w="19050" cap="rnd">
-                <a:solidFill>
-                  <a:schemeClr val="accent1"/>
-                </a:solidFill>
-                <a:prstDash val="sysDot"/>
-              </a:ln>
-              <a:effectLst/>
-            </c:spPr>
-            <c:trendlineType val="linear"/>
-            <c:dispRSqr val="0"/>
-            <c:dispEq val="0"/>
-          </c:trendline>
-          <c:xVal>
-            <c:numRef>
-              <c:f>Sheet1!$C$2:$C$22</c:f>
-              <c:numCache>
-                <c:formatCode>General</c:formatCode>
-                <c:ptCount val="21"/>
-                <c:pt idx="0">
-                  <c:v>4.5251989389920428</c:v>
-                </c:pt>
-                <c:pt idx="1">
-                  <c:v>4.3865546218487399</c:v>
-                </c:pt>
-                <c:pt idx="2">
-                  <c:v>4.4776119402985071</c:v>
-                </c:pt>
-                <c:pt idx="3">
-                  <c:v>3.9137931034482758</c:v>
-                </c:pt>
-                <c:pt idx="4">
-                  <c:v>3.9272727272727272</c:v>
-                </c:pt>
-                <c:pt idx="5">
-                  <c:v>4.5681818181818183</c:v>
-                </c:pt>
-                <c:pt idx="6">
-                  <c:v>4.3428571428571425</c:v>
-                </c:pt>
-                <c:pt idx="7">
-                  <c:v>3.9</c:v>
-                </c:pt>
-                <c:pt idx="8">
-                  <c:v>4.9230769230769234</c:v>
-                </c:pt>
-                <c:pt idx="9">
-                  <c:v>4.3478260869565215</c:v>
-                </c:pt>
-                <c:pt idx="10">
-                  <c:v>4.333333333333333</c:v>
-                </c:pt>
-                <c:pt idx="11">
-                  <c:v>4.3571428571428568</c:v>
-                </c:pt>
-                <c:pt idx="12">
-                  <c:v>3</c:v>
-                </c:pt>
-                <c:pt idx="13">
-                  <c:v>3.6</c:v>
-                </c:pt>
-                <c:pt idx="14">
-                  <c:v>4.7777777777777777</c:v>
-                </c:pt>
-                <c:pt idx="15">
-                  <c:v>4.8888888888888893</c:v>
-                </c:pt>
-                <c:pt idx="16">
-                  <c:v>4.5555555555555554</c:v>
-                </c:pt>
-                <c:pt idx="17">
-                  <c:v>3.8</c:v>
-                </c:pt>
-                <c:pt idx="18">
-                  <c:v>5</c:v>
-                </c:pt>
-                <c:pt idx="19">
-                  <c:v>5</c:v>
-                </c:pt>
-                <c:pt idx="20">
-                  <c:v>4.666666666666667</c:v>
-                </c:pt>
-              </c:numCache>
-            </c:numRef>
-          </c:xVal>
-          <c:yVal>
-            <c:numRef>
-              <c:f>Sheet1!$F$2:$F$22</c:f>
-              <c:numCache>
-                <c:formatCode>General</c:formatCode>
-                <c:ptCount val="21"/>
-                <c:pt idx="0">
-                  <c:v>1.8352966800187693</c:v>
-                </c:pt>
-                <c:pt idx="1">
-                  <c:v>3.1474949046147493</c:v>
-                </c:pt>
-                <c:pt idx="2">
-                  <c:v>2.8410983790419992</c:v>
-                </c:pt>
-                <c:pt idx="3">
-                  <c:v>2.7257272406117745</c:v>
-                </c:pt>
-                <c:pt idx="4">
-                  <c:v>2.2708614107718095</c:v>
-                </c:pt>
-                <c:pt idx="5">
-                  <c:v>3.5149183769566803</c:v>
-                </c:pt>
-                <c:pt idx="6">
-                  <c:v>3.1232731914550094</c:v>
-                </c:pt>
-                <c:pt idx="7">
-                  <c:v>2.2008090898450376</c:v>
-                </c:pt>
-                <c:pt idx="8">
-                  <c:v>3.2564530879748266</c:v>
-                </c:pt>
-                <c:pt idx="9">
-                  <c:v>3.6666666666666661</c:v>
-                </c:pt>
-                <c:pt idx="10">
-                  <c:v>3.1597603205188345</c:v>
-                </c:pt>
-                <c:pt idx="11">
-                  <c:v>2.8307142857142855</c:v>
-                </c:pt>
-                <c:pt idx="12">
-                  <c:v>1.7259615384615383</c:v>
-                </c:pt>
-                <c:pt idx="13">
-                  <c:v>2.6249491249491248</c:v>
-                </c:pt>
-                <c:pt idx="14">
-                  <c:v>3.6279761904761907</c:v>
-                </c:pt>
-                <c:pt idx="15">
-                  <c:v>4.6765734265734267</c:v>
-                </c:pt>
-                <c:pt idx="16">
-                  <c:v>3.0148809523809521</c:v>
-                </c:pt>
-                <c:pt idx="17">
-                  <c:v>2.9133333333333331</c:v>
-                </c:pt>
-                <c:pt idx="18">
-                  <c:v>5</c:v>
-                </c:pt>
-                <c:pt idx="19">
-                  <c:v>5</c:v>
-                </c:pt>
-                <c:pt idx="20">
-                  <c:v>3.7777777777777772</c:v>
-                </c:pt>
-              </c:numCache>
-            </c:numRef>
-          </c:yVal>
-          <c:smooth val="0"/>
-        </c:ser>
-        <c:dLbls>
-          <c:showLegendKey val="0"/>
-          <c:showVal val="0"/>
-          <c:showCatName val="0"/>
-          <c:showSerName val="0"/>
-          <c:showPercent val="0"/>
-          <c:showBubbleSize val="0"/>
-        </c:dLbls>
-        <c:axId val="182669520"/>
-        <c:axId val="182670080"/>
-      </c:scatterChart>
-      <c:valAx>
-        <c:axId val="182669520"/>
-        <c:scaling>
-          <c:orientation val="minMax"/>
-          <c:max val="5"/>
-          <c:min val="1"/>
-        </c:scaling>
-        <c:delete val="0"/>
-        <c:axPos val="b"/>
-        <c:majorGridlines>
-          <c:spPr>
-            <a:ln w="9525" cap="flat" cmpd="sng" algn="ctr">
-              <a:solidFill>
-                <a:schemeClr val="tx1">
-                  <a:lumMod val="15000"/>
-                  <a:lumOff val="85000"/>
-                </a:schemeClr>
-              </a:solidFill>
-              <a:round/>
-            </a:ln>
-            <a:effectLst/>
-          </c:spPr>
-        </c:majorGridlines>
-        <c:title>
-          <c:tx>
-            <c:rich>
-              <a:bodyPr rot="0" spcFirstLastPara="1" vertOverflow="ellipsis" vert="horz" wrap="square" anchor="ctr" anchorCtr="1"/>
-              <a:lstStyle/>
-              <a:p>
-                <a:pPr>
-                  <a:defRPr sz="1000" b="0" i="0" u="none" strike="noStrike" kern="1200" baseline="0">
-                    <a:solidFill>
-                      <a:schemeClr val="tx1">
-                        <a:lumMod val="65000"/>
-                        <a:lumOff val="35000"/>
-                      </a:schemeClr>
-                    </a:solidFill>
-                    <a:latin typeface="+mn-lt"/>
-                    <a:ea typeface="+mn-ea"/>
-                    <a:cs typeface="+mn-cs"/>
-                  </a:defRPr>
-                </a:pPr>
-                <a:r>
-                  <a:rPr lang="ja-JP" altLang="en-US" sz="1600" dirty="0"/>
-                  <a:t>平均評価</a:t>
-                </a:r>
-                <a:endParaRPr lang="en-US" altLang="ja-JP" sz="1600" dirty="0"/>
-              </a:p>
-            </c:rich>
-          </c:tx>
-          <c:layout/>
-          <c:overlay val="0"/>
-          <c:spPr>
-            <a:noFill/>
-            <a:ln>
-              <a:noFill/>
-            </a:ln>
-            <a:effectLst/>
-          </c:spPr>
-          <c:txPr>
-            <a:bodyPr rot="0" spcFirstLastPara="1" vertOverflow="ellipsis" vert="horz" wrap="square" anchor="ctr" anchorCtr="1"/>
-            <a:lstStyle/>
-            <a:p>
-              <a:pPr>
-                <a:defRPr sz="1000" b="0" i="0" u="none" strike="noStrike" kern="1200" baseline="0">
-                  <a:solidFill>
-                    <a:schemeClr val="tx1">
-                      <a:lumMod val="65000"/>
-                      <a:lumOff val="35000"/>
-                    </a:schemeClr>
-                  </a:solidFill>
-                  <a:latin typeface="+mn-lt"/>
-                  <a:ea typeface="+mn-ea"/>
-                  <a:cs typeface="+mn-cs"/>
-                </a:defRPr>
-              </a:pPr>
-              <a:endParaRPr lang="ja-JP"/>
-            </a:p>
-          </c:txPr>
-        </c:title>
-        <c:numFmt formatCode="General" sourceLinked="1"/>
-        <c:majorTickMark val="none"/>
-        <c:minorTickMark val="none"/>
-        <c:tickLblPos val="nextTo"/>
-        <c:spPr>
-          <a:noFill/>
-          <a:ln w="9525" cap="flat" cmpd="sng" algn="ctr">
-            <a:solidFill>
-              <a:schemeClr val="tx1">
-                <a:lumMod val="25000"/>
-                <a:lumOff val="75000"/>
-              </a:schemeClr>
-            </a:solidFill>
-            <a:round/>
-          </a:ln>
-          <a:effectLst/>
-        </c:spPr>
-        <c:txPr>
-          <a:bodyPr rot="-60000000" spcFirstLastPara="1" vertOverflow="ellipsis" vert="horz" wrap="square" anchor="ctr" anchorCtr="1"/>
-          <a:lstStyle/>
-          <a:p>
-            <a:pPr>
-              <a:defRPr sz="900" b="0" i="0" u="none" strike="noStrike" kern="1200" baseline="0">
-                <a:solidFill>
-                  <a:schemeClr val="tx1">
-                    <a:lumMod val="65000"/>
-                    <a:lumOff val="35000"/>
-                  </a:schemeClr>
-                </a:solidFill>
-                <a:latin typeface="+mn-lt"/>
-                <a:ea typeface="+mn-ea"/>
-                <a:cs typeface="+mn-cs"/>
-              </a:defRPr>
-            </a:pPr>
-            <a:endParaRPr lang="ja-JP"/>
-          </a:p>
-        </c:txPr>
-        <c:crossAx val="182670080"/>
-        <c:crosses val="autoZero"/>
-        <c:crossBetween val="midCat"/>
-        <c:majorUnit val="1"/>
-      </c:valAx>
-      <c:valAx>
-        <c:axId val="182670080"/>
-        <c:scaling>
-          <c:orientation val="minMax"/>
-          <c:max val="5"/>
-          <c:min val="1"/>
-        </c:scaling>
-        <c:delete val="0"/>
-        <c:axPos val="l"/>
-        <c:majorGridlines>
-          <c:spPr>
-            <a:ln w="9525" cap="flat" cmpd="sng" algn="ctr">
-              <a:solidFill>
-                <a:schemeClr val="tx1">
-                  <a:lumMod val="15000"/>
-                  <a:lumOff val="85000"/>
-                </a:schemeClr>
-              </a:solidFill>
-              <a:round/>
-            </a:ln>
-            <a:effectLst/>
-          </c:spPr>
-        </c:majorGridlines>
-        <c:title>
-          <c:tx>
-            <c:rich>
-              <a:bodyPr rot="0" spcFirstLastPara="1" vertOverflow="ellipsis" vert="wordArtVertRtl" wrap="square" anchor="ctr" anchorCtr="1"/>
-              <a:lstStyle/>
-              <a:p>
-                <a:pPr>
-                  <a:defRPr sz="1000" b="0" i="0" u="none" strike="noStrike" kern="1200" baseline="0">
-                    <a:solidFill>
-                      <a:schemeClr val="tx1">
-                        <a:lumMod val="65000"/>
-                        <a:lumOff val="35000"/>
-                      </a:schemeClr>
-                    </a:solidFill>
-                    <a:latin typeface="+mn-lt"/>
-                    <a:ea typeface="+mn-ea"/>
-                    <a:cs typeface="+mn-cs"/>
-                  </a:defRPr>
-                </a:pPr>
-                <a:r>
-                  <a:rPr lang="ja-JP" altLang="en-US" sz="1600" dirty="0"/>
-                  <a:t>重み付き平均評価</a:t>
-                </a:r>
-              </a:p>
-            </c:rich>
-          </c:tx>
-          <c:layout/>
-          <c:overlay val="0"/>
-          <c:spPr>
-            <a:noFill/>
-            <a:ln>
-              <a:noFill/>
-            </a:ln>
-            <a:effectLst/>
-          </c:spPr>
-          <c:txPr>
-            <a:bodyPr rot="0" spcFirstLastPara="1" vertOverflow="ellipsis" vert="wordArtVertRtl" wrap="square" anchor="ctr" anchorCtr="1"/>
-            <a:lstStyle/>
-            <a:p>
-              <a:pPr>
-                <a:defRPr sz="1000" b="0" i="0" u="none" strike="noStrike" kern="1200" baseline="0">
-                  <a:solidFill>
-                    <a:schemeClr val="tx1">
-                      <a:lumMod val="65000"/>
-                      <a:lumOff val="35000"/>
-                    </a:schemeClr>
-                  </a:solidFill>
-                  <a:latin typeface="+mn-lt"/>
-                  <a:ea typeface="+mn-ea"/>
-                  <a:cs typeface="+mn-cs"/>
-                </a:defRPr>
-              </a:pPr>
-              <a:endParaRPr lang="ja-JP"/>
-            </a:p>
-          </c:txPr>
-        </c:title>
-        <c:numFmt formatCode="General" sourceLinked="1"/>
-        <c:majorTickMark val="none"/>
-        <c:minorTickMark val="none"/>
-        <c:tickLblPos val="nextTo"/>
-        <c:spPr>
-          <a:noFill/>
-          <a:ln w="9525" cap="flat" cmpd="sng" algn="ctr">
-            <a:solidFill>
-              <a:schemeClr val="tx1">
-                <a:lumMod val="25000"/>
-                <a:lumOff val="75000"/>
-              </a:schemeClr>
-            </a:solidFill>
-            <a:round/>
-          </a:ln>
-          <a:effectLst/>
-        </c:spPr>
-        <c:txPr>
-          <a:bodyPr rot="-60000000" spcFirstLastPara="1" vertOverflow="ellipsis" vert="horz" wrap="square" anchor="ctr" anchorCtr="1"/>
-          <a:lstStyle/>
-          <a:p>
-            <a:pPr>
-              <a:defRPr sz="900" b="0" i="0" u="none" strike="noStrike" kern="1200" baseline="0">
-                <a:solidFill>
-                  <a:schemeClr val="tx1">
-                    <a:lumMod val="65000"/>
-                    <a:lumOff val="35000"/>
-                  </a:schemeClr>
-                </a:solidFill>
-                <a:latin typeface="+mn-lt"/>
-                <a:ea typeface="+mn-ea"/>
-                <a:cs typeface="+mn-cs"/>
-              </a:defRPr>
-            </a:pPr>
-            <a:endParaRPr lang="ja-JP"/>
-          </a:p>
-        </c:txPr>
-        <c:crossAx val="182669520"/>
-        <c:crosses val="autoZero"/>
-        <c:crossBetween val="midCat"/>
-        <c:majorUnit val="1"/>
-      </c:valAx>
-      <c:spPr>
-        <a:noFill/>
-        <a:ln>
-          <a:noFill/>
-        </a:ln>
-        <a:effectLst/>
-      </c:spPr>
-    </c:plotArea>
-    <c:plotVisOnly val="1"/>
-    <c:dispBlanksAs val="gap"/>
-    <c:showDLblsOverMax val="0"/>
-  </c:chart>
-  <c:spPr>
-    <a:noFill/>
-    <a:ln>
-      <a:noFill/>
-    </a:ln>
-    <a:effectLst/>
-  </c:spPr>
-  <c:txPr>
-    <a:bodyPr/>
-    <a:lstStyle/>
-    <a:p>
-      <a:pPr>
-        <a:defRPr/>
-      </a:pPr>
-      <a:endParaRPr lang="ja-JP"/>
-    </a:p>
-  </c:txPr>
-  <c:externalData r:id="rId3">
-    <c:autoUpdate val="0"/>
-  </c:externalData>
-</c:chartSpace>
-</file>
-
-<file path=ppt/charts/chart4.xml><?xml version="1.0" encoding="utf-8"?>
-<c:chartSpace xmlns:c="http://schemas.openxmlformats.org/drawingml/2006/chart" xmlns:a="http://schemas.openxmlformats.org/drawingml/2006/main" xmlns:r="http://schemas.openxmlformats.org/officeDocument/2006/relationships">
-  <c:date1904 val="0"/>
-  <c:lang val="ja-JP"/>
-  <c:roundedCorners val="0"/>
-  <mc:AlternateContent xmlns:mc="http://schemas.openxmlformats.org/markup-compatibility/2006">
-    <mc:Choice xmlns:c14="http://schemas.microsoft.com/office/drawing/2007/8/2/chart" Requires="c14">
-      <c14:style val="102"/>
-    </mc:Choice>
-    <mc:Fallback>
-      <c:style val="2"/>
-    </mc:Fallback>
-  </mc:AlternateContent>
-  <c:chart>
-    <c:title>
-      <c:tx>
-        <c:rich>
-          <a:bodyPr rot="0" spcFirstLastPara="1" vertOverflow="ellipsis" vert="horz" wrap="square" anchor="ctr" anchorCtr="1"/>
-          <a:lstStyle/>
-          <a:p>
-            <a:pPr>
-              <a:defRPr sz="1400" b="0" i="0" u="none" strike="noStrike" kern="1200" spc="0" baseline="0">
-                <a:solidFill>
-                  <a:schemeClr val="tx1">
-                    <a:lumMod val="65000"/>
-                    <a:lumOff val="35000"/>
-                  </a:schemeClr>
-                </a:solidFill>
-                <a:latin typeface="+mn-lt"/>
-                <a:ea typeface="+mn-ea"/>
-                <a:cs typeface="+mn-cs"/>
-              </a:defRPr>
-            </a:pPr>
-            <a:r>
-              <a:rPr lang="ja-JP" altLang="en-US" sz="2000" dirty="0" smtClean="0"/>
-              <a:t>重み付き平均評価と購入者のみ重み付き平均の比較</a:t>
-            </a:r>
-            <a:endParaRPr lang="ja-JP" altLang="en-US" sz="2000" dirty="0"/>
-          </a:p>
-        </c:rich>
-      </c:tx>
-      <c:layout/>
-      <c:overlay val="0"/>
-      <c:spPr>
-        <a:noFill/>
-        <a:ln>
-          <a:noFill/>
-        </a:ln>
-        <a:effectLst/>
-      </c:spPr>
-      <c:txPr>
-        <a:bodyPr rot="0" spcFirstLastPara="1" vertOverflow="ellipsis" vert="horz" wrap="square" anchor="ctr" anchorCtr="1"/>
-        <a:lstStyle/>
-        <a:p>
-          <a:pPr>
-            <a:defRPr sz="1400" b="0" i="0" u="none" strike="noStrike" kern="1200" spc="0" baseline="0">
-              <a:solidFill>
-                <a:schemeClr val="tx1">
-                  <a:lumMod val="65000"/>
-                  <a:lumOff val="35000"/>
-                </a:schemeClr>
-              </a:solidFill>
-              <a:latin typeface="+mn-lt"/>
-              <a:ea typeface="+mn-ea"/>
-              <a:cs typeface="+mn-cs"/>
-            </a:defRPr>
-          </a:pPr>
-          <a:endParaRPr lang="ja-JP"/>
-        </a:p>
-      </c:txPr>
-    </c:title>
-    <c:autoTitleDeleted val="0"/>
-    <c:plotArea>
-      <c:layout/>
-      <c:scatterChart>
-        <c:scatterStyle val="lineMarker"/>
-        <c:varyColors val="0"/>
-        <c:ser>
-          <c:idx val="0"/>
-          <c:order val="0"/>
-          <c:tx>
-            <c:strRef>
-              <c:f>Sheet1!$G$1</c:f>
-              <c:strCache>
-                <c:ptCount val="1"/>
-                <c:pt idx="0">
-                  <c:v>購入者のみ重み付き平均</c:v>
-                </c:pt>
-              </c:strCache>
-            </c:strRef>
-          </c:tx>
-          <c:spPr>
-            <a:ln w="28575" cap="rnd">
-              <a:noFill/>
-              <a:round/>
-            </a:ln>
-            <a:effectLst/>
-          </c:spPr>
-          <c:marker>
-            <c:symbol val="circle"/>
-            <c:size val="5"/>
-            <c:spPr>
-              <a:solidFill>
-                <a:schemeClr val="accent1"/>
-              </a:solidFill>
-              <a:ln w="9525">
-                <a:solidFill>
-                  <a:schemeClr val="accent1"/>
-                </a:solidFill>
-              </a:ln>
-              <a:effectLst/>
-            </c:spPr>
-          </c:marker>
-          <c:trendline>
-            <c:spPr>
-              <a:ln w="19050" cap="rnd">
-                <a:solidFill>
-                  <a:schemeClr val="accent1"/>
-                </a:solidFill>
-                <a:prstDash val="sysDot"/>
-              </a:ln>
-              <a:effectLst/>
-            </c:spPr>
-            <c:trendlineType val="linear"/>
-            <c:dispRSqr val="0"/>
-            <c:dispEq val="0"/>
-          </c:trendline>
-          <c:xVal>
-            <c:numRef>
-              <c:f>Sheet1!$F$2:$F$22</c:f>
-              <c:numCache>
-                <c:formatCode>General</c:formatCode>
-                <c:ptCount val="21"/>
-                <c:pt idx="0">
-                  <c:v>1.8352966800187693</c:v>
-                </c:pt>
-                <c:pt idx="1">
-                  <c:v>3.1474949046147493</c:v>
-                </c:pt>
-                <c:pt idx="2">
-                  <c:v>2.8410983790419992</c:v>
-                </c:pt>
-                <c:pt idx="3">
-                  <c:v>2.7257272406117745</c:v>
-                </c:pt>
-                <c:pt idx="4">
-                  <c:v>2.2708614107718095</c:v>
-                </c:pt>
-                <c:pt idx="5">
-                  <c:v>3.5149183769566803</c:v>
-                </c:pt>
-                <c:pt idx="6">
-                  <c:v>3.1232731914550094</c:v>
-                </c:pt>
-                <c:pt idx="7">
-                  <c:v>2.2008090898450376</c:v>
-                </c:pt>
-                <c:pt idx="8">
-                  <c:v>3.2564530879748266</c:v>
-                </c:pt>
-                <c:pt idx="9">
-                  <c:v>3.6666666666666661</c:v>
-                </c:pt>
-                <c:pt idx="10">
-                  <c:v>3.1597603205188345</c:v>
-                </c:pt>
-                <c:pt idx="11">
-                  <c:v>2.8307142857142855</c:v>
-                </c:pt>
-                <c:pt idx="12">
-                  <c:v>1.7259615384615383</c:v>
-                </c:pt>
-                <c:pt idx="13">
-                  <c:v>2.6249491249491248</c:v>
-                </c:pt>
-                <c:pt idx="14">
-                  <c:v>3.6279761904761907</c:v>
-                </c:pt>
-                <c:pt idx="15">
-                  <c:v>4.6765734265734267</c:v>
-                </c:pt>
-                <c:pt idx="16">
-                  <c:v>3.0148809523809521</c:v>
-                </c:pt>
-                <c:pt idx="17">
-                  <c:v>2.9133333333333331</c:v>
-                </c:pt>
-                <c:pt idx="18">
-                  <c:v>5</c:v>
-                </c:pt>
-                <c:pt idx="19">
-                  <c:v>5</c:v>
-                </c:pt>
-                <c:pt idx="20">
-                  <c:v>3.7777777777777772</c:v>
-                </c:pt>
-              </c:numCache>
-            </c:numRef>
-          </c:xVal>
-          <c:yVal>
-            <c:numRef>
-              <c:f>Sheet1!$G$2:$G$22</c:f>
-              <c:numCache>
-                <c:formatCode>General</c:formatCode>
-                <c:ptCount val="21"/>
-                <c:pt idx="0">
-                  <c:v>1.7890809897887756</c:v>
-                </c:pt>
-                <c:pt idx="1">
-                  <c:v>2.8188934065254978</c:v>
-                </c:pt>
-                <c:pt idx="2">
-                  <c:v>2.648528554778554</c:v>
-                </c:pt>
-                <c:pt idx="3">
-                  <c:v>3.1066666666666669</c:v>
-                </c:pt>
-                <c:pt idx="4">
-                  <c:v>1.9054383116883118</c:v>
-                </c:pt>
-                <c:pt idx="5">
-                  <c:v>2.6437908496732025</c:v>
-                </c:pt>
-                <c:pt idx="6">
-                  <c:v>3.8809523809523809</c:v>
-                </c:pt>
-                <c:pt idx="7">
-                  <c:v>2.2203333333333335</c:v>
-                </c:pt>
-                <c:pt idx="8">
-                  <c:v>2.7647415715597536</c:v>
-                </c:pt>
-                <c:pt idx="9">
-                  <c:v>4</c:v>
-                </c:pt>
-                <c:pt idx="10">
-                  <c:v>3.75</c:v>
-                </c:pt>
-                <c:pt idx="11">
-                  <c:v>1.8333333333333333</c:v>
-                </c:pt>
-                <c:pt idx="12">
-                  <c:v>2.6666666666666665</c:v>
-                </c:pt>
-                <c:pt idx="13">
-                  <c:v>2.666666666666667</c:v>
-                </c:pt>
-                <c:pt idx="14">
-                  <c:v>3.5</c:v>
-                </c:pt>
-                <c:pt idx="15">
-                  <c:v>5</c:v>
-                </c:pt>
-                <c:pt idx="16">
-                  <c:v>2.2916666666666665</c:v>
-                </c:pt>
-                <c:pt idx="17">
-                  <c:v>3.2</c:v>
-                </c:pt>
-                <c:pt idx="18">
-                  <c:v>5</c:v>
-                </c:pt>
-                <c:pt idx="19">
-                  <c:v>5</c:v>
-                </c:pt>
-                <c:pt idx="20">
-                  <c:v>4.1666666666666661</c:v>
-                </c:pt>
-              </c:numCache>
-            </c:numRef>
-          </c:yVal>
-          <c:smooth val="0"/>
-        </c:ser>
-        <c:dLbls>
-          <c:showLegendKey val="0"/>
-          <c:showVal val="0"/>
-          <c:showCatName val="0"/>
-          <c:showSerName val="0"/>
-          <c:showPercent val="0"/>
-          <c:showBubbleSize val="0"/>
-        </c:dLbls>
-        <c:axId val="182672320"/>
-        <c:axId val="182672880"/>
-      </c:scatterChart>
-      <c:valAx>
-        <c:axId val="182672320"/>
-        <c:scaling>
-          <c:orientation val="minMax"/>
-          <c:max val="5"/>
-          <c:min val="1"/>
-        </c:scaling>
-        <c:delete val="0"/>
-        <c:axPos val="b"/>
-        <c:majorGridlines>
-          <c:spPr>
-            <a:ln w="9525" cap="flat" cmpd="sng" algn="ctr">
-              <a:solidFill>
-                <a:schemeClr val="tx1">
-                  <a:lumMod val="15000"/>
-                  <a:lumOff val="85000"/>
-                </a:schemeClr>
-              </a:solidFill>
-              <a:round/>
-            </a:ln>
-            <a:effectLst/>
-          </c:spPr>
-        </c:majorGridlines>
-        <c:title>
-          <c:tx>
-            <c:rich>
-              <a:bodyPr rot="0" spcFirstLastPara="1" vertOverflow="ellipsis" vert="horz" wrap="square" anchor="ctr" anchorCtr="1"/>
-              <a:lstStyle/>
-              <a:p>
-                <a:pPr>
-                  <a:defRPr sz="1000" b="0" i="0" u="none" strike="noStrike" kern="1200" baseline="0">
-                    <a:solidFill>
-                      <a:schemeClr val="tx1">
-                        <a:lumMod val="65000"/>
-                        <a:lumOff val="35000"/>
-                      </a:schemeClr>
-                    </a:solidFill>
-                    <a:latin typeface="+mn-lt"/>
-                    <a:ea typeface="+mn-ea"/>
-                    <a:cs typeface="+mn-cs"/>
-                  </a:defRPr>
-                </a:pPr>
-                <a:r>
-                  <a:rPr lang="ja-JP" altLang="en-US" sz="1600" dirty="0"/>
-                  <a:t>重み付き平均評価</a:t>
-                </a:r>
-              </a:p>
-            </c:rich>
-          </c:tx>
-          <c:layout/>
-          <c:overlay val="0"/>
-          <c:spPr>
-            <a:noFill/>
-            <a:ln>
-              <a:noFill/>
-            </a:ln>
-            <a:effectLst/>
-          </c:spPr>
-          <c:txPr>
-            <a:bodyPr rot="0" spcFirstLastPara="1" vertOverflow="ellipsis" vert="horz" wrap="square" anchor="ctr" anchorCtr="1"/>
-            <a:lstStyle/>
-            <a:p>
-              <a:pPr>
-                <a:defRPr sz="1000" b="0" i="0" u="none" strike="noStrike" kern="1200" baseline="0">
-                  <a:solidFill>
-                    <a:schemeClr val="tx1">
-                      <a:lumMod val="65000"/>
-                      <a:lumOff val="35000"/>
-                    </a:schemeClr>
-                  </a:solidFill>
-                  <a:latin typeface="+mn-lt"/>
-                  <a:ea typeface="+mn-ea"/>
-                  <a:cs typeface="+mn-cs"/>
-                </a:defRPr>
-              </a:pPr>
-              <a:endParaRPr lang="ja-JP"/>
-            </a:p>
-          </c:txPr>
-        </c:title>
-        <c:numFmt formatCode="General" sourceLinked="1"/>
-        <c:majorTickMark val="none"/>
-        <c:minorTickMark val="none"/>
-        <c:tickLblPos val="nextTo"/>
-        <c:spPr>
-          <a:noFill/>
-          <a:ln w="9525" cap="flat" cmpd="sng" algn="ctr">
-            <a:solidFill>
-              <a:schemeClr val="tx1">
-                <a:lumMod val="25000"/>
-                <a:lumOff val="75000"/>
-              </a:schemeClr>
-            </a:solidFill>
-            <a:round/>
-          </a:ln>
-          <a:effectLst/>
-        </c:spPr>
-        <c:txPr>
-          <a:bodyPr rot="-60000000" spcFirstLastPara="1" vertOverflow="ellipsis" vert="horz" wrap="square" anchor="ctr" anchorCtr="1"/>
-          <a:lstStyle/>
-          <a:p>
-            <a:pPr>
-              <a:defRPr sz="900" b="0" i="0" u="none" strike="noStrike" kern="1200" baseline="0">
-                <a:solidFill>
-                  <a:schemeClr val="tx1">
-                    <a:lumMod val="65000"/>
-                    <a:lumOff val="35000"/>
-                  </a:schemeClr>
-                </a:solidFill>
-                <a:latin typeface="+mn-lt"/>
-                <a:ea typeface="+mn-ea"/>
-                <a:cs typeface="+mn-cs"/>
-              </a:defRPr>
-            </a:pPr>
-            <a:endParaRPr lang="ja-JP"/>
-          </a:p>
-        </c:txPr>
-        <c:crossAx val="182672880"/>
-        <c:crosses val="autoZero"/>
-        <c:crossBetween val="midCat"/>
-        <c:majorUnit val="1"/>
-      </c:valAx>
-      <c:valAx>
-        <c:axId val="182672880"/>
-        <c:scaling>
-          <c:orientation val="minMax"/>
-          <c:max val="5"/>
-          <c:min val="1"/>
-        </c:scaling>
-        <c:delete val="0"/>
-        <c:axPos val="l"/>
-        <c:majorGridlines>
-          <c:spPr>
-            <a:ln w="9525" cap="flat" cmpd="sng" algn="ctr">
-              <a:solidFill>
-                <a:schemeClr val="tx1">
-                  <a:lumMod val="15000"/>
-                  <a:lumOff val="85000"/>
-                </a:schemeClr>
-              </a:solidFill>
-              <a:round/>
-            </a:ln>
-            <a:effectLst/>
-          </c:spPr>
-        </c:majorGridlines>
-        <c:title>
-          <c:tx>
-            <c:rich>
-              <a:bodyPr rot="0" spcFirstLastPara="1" vertOverflow="ellipsis" vert="wordArtVertRtl" wrap="square" anchor="ctr" anchorCtr="1"/>
-              <a:lstStyle/>
-              <a:p>
-                <a:pPr>
-                  <a:defRPr sz="1000" b="0" i="0" u="none" strike="noStrike" kern="1200" baseline="0">
-                    <a:solidFill>
-                      <a:schemeClr val="tx1">
-                        <a:lumMod val="65000"/>
-                        <a:lumOff val="35000"/>
-                      </a:schemeClr>
-                    </a:solidFill>
-                    <a:latin typeface="+mn-lt"/>
-                    <a:ea typeface="+mn-ea"/>
-                    <a:cs typeface="+mn-cs"/>
-                  </a:defRPr>
-                </a:pPr>
-                <a:r>
-                  <a:rPr lang="ja-JP" altLang="en-US" sz="1600" dirty="0"/>
-                  <a:t>購入者のみ</a:t>
-                </a:r>
-                <a:r>
-                  <a:rPr lang="ja-JP" altLang="en-US" sz="1600" dirty="0" smtClean="0"/>
-                  <a:t>重み付き平均</a:t>
-                </a:r>
-                <a:r>
-                  <a:rPr lang="ja-JP" altLang="en-US" sz="1600" dirty="0"/>
-                  <a:t>評価</a:t>
-                </a:r>
-              </a:p>
-            </c:rich>
-          </c:tx>
-          <c:layout/>
-          <c:overlay val="0"/>
-          <c:spPr>
-            <a:noFill/>
-            <a:ln>
-              <a:noFill/>
-            </a:ln>
-            <a:effectLst/>
-          </c:spPr>
-          <c:txPr>
-            <a:bodyPr rot="0" spcFirstLastPara="1" vertOverflow="ellipsis" vert="wordArtVertRtl" wrap="square" anchor="ctr" anchorCtr="1"/>
-            <a:lstStyle/>
-            <a:p>
-              <a:pPr>
-                <a:defRPr sz="1000" b="0" i="0" u="none" strike="noStrike" kern="1200" baseline="0">
-                  <a:solidFill>
-                    <a:schemeClr val="tx1">
-                      <a:lumMod val="65000"/>
-                      <a:lumOff val="35000"/>
-                    </a:schemeClr>
-                  </a:solidFill>
-                  <a:latin typeface="+mn-lt"/>
-                  <a:ea typeface="+mn-ea"/>
-                  <a:cs typeface="+mn-cs"/>
-                </a:defRPr>
-              </a:pPr>
-              <a:endParaRPr lang="ja-JP"/>
-            </a:p>
-          </c:txPr>
-        </c:title>
-        <c:numFmt formatCode="General" sourceLinked="1"/>
-        <c:majorTickMark val="none"/>
-        <c:minorTickMark val="none"/>
-        <c:tickLblPos val="nextTo"/>
-        <c:spPr>
-          <a:noFill/>
-          <a:ln w="9525" cap="flat" cmpd="sng" algn="ctr">
-            <a:solidFill>
-              <a:schemeClr val="tx1">
-                <a:lumMod val="25000"/>
-                <a:lumOff val="75000"/>
-              </a:schemeClr>
-            </a:solidFill>
-            <a:round/>
-          </a:ln>
-          <a:effectLst/>
-        </c:spPr>
-        <c:txPr>
-          <a:bodyPr rot="-60000000" spcFirstLastPara="1" vertOverflow="ellipsis" vert="horz" wrap="square" anchor="ctr" anchorCtr="1"/>
-          <a:lstStyle/>
-          <a:p>
-            <a:pPr>
-              <a:defRPr sz="900" b="0" i="0" u="none" strike="noStrike" kern="1200" baseline="0">
-                <a:solidFill>
-                  <a:schemeClr val="tx1">
-                    <a:lumMod val="65000"/>
-                    <a:lumOff val="35000"/>
-                  </a:schemeClr>
-                </a:solidFill>
-                <a:latin typeface="+mn-lt"/>
-                <a:ea typeface="+mn-ea"/>
-                <a:cs typeface="+mn-cs"/>
-              </a:defRPr>
-            </a:pPr>
-            <a:endParaRPr lang="ja-JP"/>
-          </a:p>
-        </c:txPr>
-        <c:crossAx val="182672320"/>
+        <c:crossAx val="185550160"/>
         <c:crosses val="autoZero"/>
         <c:crossBetween val="midCat"/>
         <c:majorUnit val="1"/>
@@ -2495,46 +1922,6 @@
 </file>
 
 <file path=ppt/charts/colors3.xml><?xml version="1.0" encoding="utf-8"?>
-<cs:colorStyle xmlns:cs="http://schemas.microsoft.com/office/drawing/2012/chartStyle" xmlns:a="http://schemas.openxmlformats.org/drawingml/2006/main" meth="cycle" id="10">
-  <a:schemeClr val="accent1"/>
-  <a:schemeClr val="accent2"/>
-  <a:schemeClr val="accent3"/>
-  <a:schemeClr val="accent4"/>
-  <a:schemeClr val="accent5"/>
-  <a:schemeClr val="accent6"/>
-  <cs:variation/>
-  <cs:variation>
-    <a:lumMod val="60000"/>
-  </cs:variation>
-  <cs:variation>
-    <a:lumMod val="80000"/>
-    <a:lumOff val="20000"/>
-  </cs:variation>
-  <cs:variation>
-    <a:lumMod val="80000"/>
-  </cs:variation>
-  <cs:variation>
-    <a:lumMod val="60000"/>
-    <a:lumOff val="40000"/>
-  </cs:variation>
-  <cs:variation>
-    <a:lumMod val="50000"/>
-  </cs:variation>
-  <cs:variation>
-    <a:lumMod val="70000"/>
-    <a:lumOff val="30000"/>
-  </cs:variation>
-  <cs:variation>
-    <a:lumMod val="70000"/>
-  </cs:variation>
-  <cs:variation>
-    <a:lumMod val="50000"/>
-    <a:lumOff val="50000"/>
-  </cs:variation>
-</cs:colorStyle>
-</file>
-
-<file path=ppt/charts/colors4.xml><?xml version="1.0" encoding="utf-8"?>
 <cs:colorStyle xmlns:cs="http://schemas.microsoft.com/office/drawing/2012/chartStyle" xmlns:a="http://schemas.openxmlformats.org/drawingml/2006/main" meth="cycle" id="10">
   <a:schemeClr val="accent1"/>
   <a:schemeClr val="accent2"/>
@@ -4122,522 +3509,6 @@
 </cs:chartStyle>
 </file>
 
-<file path=ppt/charts/style4.xml><?xml version="1.0" encoding="utf-8"?>
-<cs:chartStyle xmlns:cs="http://schemas.microsoft.com/office/drawing/2012/chartStyle" xmlns:a="http://schemas.openxmlformats.org/drawingml/2006/main" id="240">
-  <cs:axisTitle>
-    <cs:lnRef idx="0"/>
-    <cs:fillRef idx="0"/>
-    <cs:effectRef idx="0"/>
-    <cs:fontRef idx="minor">
-      <a:schemeClr val="tx1">
-        <a:lumMod val="65000"/>
-        <a:lumOff val="35000"/>
-      </a:schemeClr>
-    </cs:fontRef>
-    <cs:defRPr sz="1000" kern="1200"/>
-  </cs:axisTitle>
-  <cs:categoryAxis>
-    <cs:lnRef idx="0"/>
-    <cs:fillRef idx="0"/>
-    <cs:effectRef idx="0"/>
-    <cs:fontRef idx="minor">
-      <a:schemeClr val="tx1">
-        <a:lumMod val="65000"/>
-        <a:lumOff val="35000"/>
-      </a:schemeClr>
-    </cs:fontRef>
-    <cs:spPr>
-      <a:ln w="9525" cap="flat" cmpd="sng" algn="ctr">
-        <a:solidFill>
-          <a:schemeClr val="tx1">
-            <a:lumMod val="25000"/>
-            <a:lumOff val="75000"/>
-          </a:schemeClr>
-        </a:solidFill>
-        <a:round/>
-      </a:ln>
-    </cs:spPr>
-    <cs:defRPr sz="900" kern="1200"/>
-  </cs:categoryAxis>
-  <cs:chartArea mods="allowNoFillOverride allowNoLineOverride">
-    <cs:lnRef idx="0"/>
-    <cs:fillRef idx="0"/>
-    <cs:effectRef idx="0"/>
-    <cs:fontRef idx="minor">
-      <a:schemeClr val="tx1"/>
-    </cs:fontRef>
-    <cs:spPr>
-      <a:solidFill>
-        <a:schemeClr val="bg1"/>
-      </a:solidFill>
-      <a:ln w="9525" cap="flat" cmpd="sng" algn="ctr">
-        <a:solidFill>
-          <a:schemeClr val="tx1">
-            <a:lumMod val="15000"/>
-            <a:lumOff val="85000"/>
-          </a:schemeClr>
-        </a:solidFill>
-        <a:round/>
-      </a:ln>
-    </cs:spPr>
-    <cs:defRPr sz="1000" kern="1200"/>
-  </cs:chartArea>
-  <cs:dataLabel>
-    <cs:lnRef idx="0"/>
-    <cs:fillRef idx="0"/>
-    <cs:effectRef idx="0"/>
-    <cs:fontRef idx="minor">
-      <a:schemeClr val="tx1">
-        <a:lumMod val="75000"/>
-        <a:lumOff val="25000"/>
-      </a:schemeClr>
-    </cs:fontRef>
-    <cs:defRPr sz="900" kern="1200"/>
-  </cs:dataLabel>
-  <cs:dataLabelCallout>
-    <cs:lnRef idx="0"/>
-    <cs:fillRef idx="0"/>
-    <cs:effectRef idx="0"/>
-    <cs:fontRef idx="minor">
-      <a:schemeClr val="dk1">
-        <a:lumMod val="65000"/>
-        <a:lumOff val="35000"/>
-      </a:schemeClr>
-    </cs:fontRef>
-    <cs:spPr>
-      <a:solidFill>
-        <a:schemeClr val="lt1"/>
-      </a:solidFill>
-      <a:ln>
-        <a:solidFill>
-          <a:schemeClr val="dk1">
-            <a:lumMod val="25000"/>
-            <a:lumOff val="75000"/>
-          </a:schemeClr>
-        </a:solidFill>
-      </a:ln>
-    </cs:spPr>
-    <cs:defRPr sz="900" kern="1200"/>
-    <cs:bodyPr rot="0" spcFirstLastPara="1" vertOverflow="clip" horzOverflow="clip" vert="horz" wrap="square" lIns="36576" tIns="18288" rIns="36576" bIns="18288" anchor="ctr" anchorCtr="1">
-      <a:spAutoFit/>
-    </cs:bodyPr>
-  </cs:dataLabelCallout>
-  <cs:dataPoint>
-    <cs:lnRef idx="0"/>
-    <cs:fillRef idx="1">
-      <cs:styleClr val="auto"/>
-    </cs:fillRef>
-    <cs:effectRef idx="0"/>
-    <cs:fontRef idx="minor">
-      <a:schemeClr val="tx1"/>
-    </cs:fontRef>
-  </cs:dataPoint>
-  <cs:dataPoint3D>
-    <cs:lnRef idx="0"/>
-    <cs:fillRef idx="1">
-      <cs:styleClr val="auto"/>
-    </cs:fillRef>
-    <cs:effectRef idx="0"/>
-    <cs:fontRef idx="minor">
-      <a:schemeClr val="tx1"/>
-    </cs:fontRef>
-  </cs:dataPoint3D>
-  <cs:dataPointLine>
-    <cs:lnRef idx="0">
-      <cs:styleClr val="auto"/>
-    </cs:lnRef>
-    <cs:fillRef idx="1"/>
-    <cs:effectRef idx="0"/>
-    <cs:fontRef idx="minor">
-      <a:schemeClr val="tx1"/>
-    </cs:fontRef>
-    <cs:spPr>
-      <a:ln w="19050" cap="rnd">
-        <a:solidFill>
-          <a:schemeClr val="phClr"/>
-        </a:solidFill>
-        <a:round/>
-      </a:ln>
-    </cs:spPr>
-  </cs:dataPointLine>
-  <cs:dataPointMarker>
-    <cs:lnRef idx="0">
-      <cs:styleClr val="auto"/>
-    </cs:lnRef>
-    <cs:fillRef idx="1">
-      <cs:styleClr val="auto"/>
-    </cs:fillRef>
-    <cs:effectRef idx="0"/>
-    <cs:fontRef idx="minor">
-      <a:schemeClr val="tx1"/>
-    </cs:fontRef>
-    <cs:spPr>
-      <a:ln w="9525">
-        <a:solidFill>
-          <a:schemeClr val="phClr"/>
-        </a:solidFill>
-      </a:ln>
-    </cs:spPr>
-  </cs:dataPointMarker>
-  <cs:dataPointMarkerLayout symbol="circle" size="5"/>
-  <cs:dataPointWireframe>
-    <cs:lnRef idx="0">
-      <cs:styleClr val="auto"/>
-    </cs:lnRef>
-    <cs:fillRef idx="0"/>
-    <cs:effectRef idx="0"/>
-    <cs:fontRef idx="minor">
-      <a:schemeClr val="dk1"/>
-    </cs:fontRef>
-    <cs:spPr>
-      <a:ln w="9525" cap="rnd">
-        <a:solidFill>
-          <a:schemeClr val="phClr"/>
-        </a:solidFill>
-        <a:round/>
-      </a:ln>
-    </cs:spPr>
-  </cs:dataPointWireframe>
-  <cs:dataTable>
-    <cs:lnRef idx="0"/>
-    <cs:fillRef idx="0"/>
-    <cs:effectRef idx="0"/>
-    <cs:fontRef idx="minor">
-      <a:schemeClr val="tx1">
-        <a:lumMod val="65000"/>
-        <a:lumOff val="35000"/>
-      </a:schemeClr>
-    </cs:fontRef>
-    <cs:spPr>
-      <a:noFill/>
-      <a:ln w="9525" cap="flat" cmpd="sng" algn="ctr">
-        <a:solidFill>
-          <a:schemeClr val="tx1">
-            <a:lumMod val="15000"/>
-            <a:lumOff val="85000"/>
-          </a:schemeClr>
-        </a:solidFill>
-        <a:round/>
-      </a:ln>
-    </cs:spPr>
-    <cs:defRPr sz="900" kern="1200"/>
-  </cs:dataTable>
-  <cs:downBar>
-    <cs:lnRef idx="0"/>
-    <cs:fillRef idx="0"/>
-    <cs:effectRef idx="0"/>
-    <cs:fontRef idx="minor">
-      <a:schemeClr val="tx1"/>
-    </cs:fontRef>
-    <cs:spPr>
-      <a:solidFill>
-        <a:schemeClr val="dk1">
-          <a:lumMod val="75000"/>
-          <a:lumOff val="25000"/>
-        </a:schemeClr>
-      </a:solidFill>
-      <a:ln w="9525" cap="flat" cmpd="sng" algn="ctr">
-        <a:solidFill>
-          <a:schemeClr val="tx1">
-            <a:lumMod val="65000"/>
-            <a:lumOff val="35000"/>
-          </a:schemeClr>
-        </a:solidFill>
-        <a:round/>
-      </a:ln>
-    </cs:spPr>
-  </cs:downBar>
-  <cs:dropLine>
-    <cs:lnRef idx="0"/>
-    <cs:fillRef idx="0"/>
-    <cs:effectRef idx="0"/>
-    <cs:fontRef idx="minor">
-      <a:schemeClr val="tx1"/>
-    </cs:fontRef>
-    <cs:spPr>
-      <a:ln w="9525" cap="flat" cmpd="sng" algn="ctr">
-        <a:solidFill>
-          <a:schemeClr val="tx1">
-            <a:lumMod val="35000"/>
-            <a:lumOff val="65000"/>
-          </a:schemeClr>
-        </a:solidFill>
-        <a:round/>
-      </a:ln>
-    </cs:spPr>
-  </cs:dropLine>
-  <cs:errorBar>
-    <cs:lnRef idx="0"/>
-    <cs:fillRef idx="0"/>
-    <cs:effectRef idx="0"/>
-    <cs:fontRef idx="minor">
-      <a:schemeClr val="tx1"/>
-    </cs:fontRef>
-    <cs:spPr>
-      <a:ln w="9525" cap="flat" cmpd="sng" algn="ctr">
-        <a:solidFill>
-          <a:schemeClr val="tx1">
-            <a:lumMod val="65000"/>
-            <a:lumOff val="35000"/>
-          </a:schemeClr>
-        </a:solidFill>
-        <a:round/>
-      </a:ln>
-    </cs:spPr>
-  </cs:errorBar>
-  <cs:floor>
-    <cs:lnRef idx="0"/>
-    <cs:fillRef idx="0"/>
-    <cs:effectRef idx="0"/>
-    <cs:fontRef idx="minor">
-      <a:schemeClr val="tx1"/>
-    </cs:fontRef>
-    <cs:spPr>
-      <a:noFill/>
-      <a:ln>
-        <a:noFill/>
-      </a:ln>
-    </cs:spPr>
-  </cs:floor>
-  <cs:gridlineMajor>
-    <cs:lnRef idx="0"/>
-    <cs:fillRef idx="0"/>
-    <cs:effectRef idx="0"/>
-    <cs:fontRef idx="minor">
-      <a:schemeClr val="tx1"/>
-    </cs:fontRef>
-    <cs:spPr>
-      <a:ln w="9525" cap="flat" cmpd="sng" algn="ctr">
-        <a:solidFill>
-          <a:schemeClr val="tx1">
-            <a:lumMod val="15000"/>
-            <a:lumOff val="85000"/>
-          </a:schemeClr>
-        </a:solidFill>
-        <a:round/>
-      </a:ln>
-    </cs:spPr>
-  </cs:gridlineMajor>
-  <cs:gridlineMinor>
-    <cs:lnRef idx="0"/>
-    <cs:fillRef idx="0"/>
-    <cs:effectRef idx="0"/>
-    <cs:fontRef idx="minor">
-      <a:schemeClr val="tx1"/>
-    </cs:fontRef>
-    <cs:spPr>
-      <a:ln w="9525" cap="flat" cmpd="sng" algn="ctr">
-        <a:solidFill>
-          <a:schemeClr val="tx1">
-            <a:lumMod val="5000"/>
-            <a:lumOff val="95000"/>
-          </a:schemeClr>
-        </a:solidFill>
-        <a:round/>
-      </a:ln>
-    </cs:spPr>
-  </cs:gridlineMinor>
-  <cs:hiLoLine>
-    <cs:lnRef idx="0"/>
-    <cs:fillRef idx="0"/>
-    <cs:effectRef idx="0"/>
-    <cs:fontRef idx="minor">
-      <a:schemeClr val="tx1"/>
-    </cs:fontRef>
-    <cs:spPr>
-      <a:ln w="9525" cap="flat" cmpd="sng" algn="ctr">
-        <a:solidFill>
-          <a:schemeClr val="tx1">
-            <a:lumMod val="50000"/>
-            <a:lumOff val="50000"/>
-          </a:schemeClr>
-        </a:solidFill>
-        <a:round/>
-      </a:ln>
-    </cs:spPr>
-  </cs:hiLoLine>
-  <cs:leaderLine>
-    <cs:lnRef idx="0"/>
-    <cs:fillRef idx="0"/>
-    <cs:effectRef idx="0"/>
-    <cs:fontRef idx="minor">
-      <a:schemeClr val="tx1"/>
-    </cs:fontRef>
-    <cs:spPr>
-      <a:ln w="9525" cap="flat" cmpd="sng" algn="ctr">
-        <a:solidFill>
-          <a:schemeClr val="tx1">
-            <a:lumMod val="35000"/>
-            <a:lumOff val="65000"/>
-          </a:schemeClr>
-        </a:solidFill>
-        <a:round/>
-      </a:ln>
-    </cs:spPr>
-  </cs:leaderLine>
-  <cs:legend>
-    <cs:lnRef idx="0"/>
-    <cs:fillRef idx="0"/>
-    <cs:effectRef idx="0"/>
-    <cs:fontRef idx="minor">
-      <a:schemeClr val="tx1">
-        <a:lumMod val="65000"/>
-        <a:lumOff val="35000"/>
-      </a:schemeClr>
-    </cs:fontRef>
-    <cs:defRPr sz="900" kern="1200"/>
-  </cs:legend>
-  <cs:plotArea mods="allowNoFillOverride allowNoLineOverride">
-    <cs:lnRef idx="0"/>
-    <cs:fillRef idx="0"/>
-    <cs:effectRef idx="0"/>
-    <cs:fontRef idx="minor">
-      <a:schemeClr val="tx1"/>
-    </cs:fontRef>
-  </cs:plotArea>
-  <cs:plotArea3D mods="allowNoFillOverride allowNoLineOverride">
-    <cs:lnRef idx="0"/>
-    <cs:fillRef idx="0"/>
-    <cs:effectRef idx="0"/>
-    <cs:fontRef idx="minor">
-      <a:schemeClr val="tx1"/>
-    </cs:fontRef>
-  </cs:plotArea3D>
-  <cs:seriesAxis>
-    <cs:lnRef idx="0"/>
-    <cs:fillRef idx="0"/>
-    <cs:effectRef idx="0"/>
-    <cs:fontRef idx="minor">
-      <a:schemeClr val="tx1">
-        <a:lumMod val="65000"/>
-        <a:lumOff val="35000"/>
-      </a:schemeClr>
-    </cs:fontRef>
-    <cs:defRPr sz="900" kern="1200"/>
-  </cs:seriesAxis>
-  <cs:seriesLine>
-    <cs:lnRef idx="0"/>
-    <cs:fillRef idx="0"/>
-    <cs:effectRef idx="0"/>
-    <cs:fontRef idx="minor">
-      <a:schemeClr val="tx1"/>
-    </cs:fontRef>
-    <cs:spPr>
-      <a:ln w="9525" cap="flat" cmpd="sng" algn="ctr">
-        <a:solidFill>
-          <a:schemeClr val="tx1">
-            <a:lumMod val="35000"/>
-            <a:lumOff val="65000"/>
-          </a:schemeClr>
-        </a:solidFill>
-        <a:round/>
-      </a:ln>
-    </cs:spPr>
-  </cs:seriesLine>
-  <cs:title>
-    <cs:lnRef idx="0"/>
-    <cs:fillRef idx="0"/>
-    <cs:effectRef idx="0"/>
-    <cs:fontRef idx="minor">
-      <a:schemeClr val="tx1">
-        <a:lumMod val="65000"/>
-        <a:lumOff val="35000"/>
-      </a:schemeClr>
-    </cs:fontRef>
-    <cs:defRPr sz="1400" b="0" kern="1200" spc="0" baseline="0"/>
-  </cs:title>
-  <cs:trendline>
-    <cs:lnRef idx="0">
-      <cs:styleClr val="auto"/>
-    </cs:lnRef>
-    <cs:fillRef idx="0"/>
-    <cs:effectRef idx="0"/>
-    <cs:fontRef idx="minor">
-      <a:schemeClr val="tx1"/>
-    </cs:fontRef>
-    <cs:spPr>
-      <a:ln w="19050" cap="rnd">
-        <a:solidFill>
-          <a:schemeClr val="phClr"/>
-        </a:solidFill>
-        <a:prstDash val="sysDot"/>
-      </a:ln>
-    </cs:spPr>
-  </cs:trendline>
-  <cs:trendlineLabel>
-    <cs:lnRef idx="0"/>
-    <cs:fillRef idx="0"/>
-    <cs:effectRef idx="0"/>
-    <cs:fontRef idx="minor">
-      <a:schemeClr val="tx1">
-        <a:lumMod val="65000"/>
-        <a:lumOff val="35000"/>
-      </a:schemeClr>
-    </cs:fontRef>
-    <cs:defRPr sz="900" kern="1200"/>
-  </cs:trendlineLabel>
-  <cs:upBar>
-    <cs:lnRef idx="0"/>
-    <cs:fillRef idx="0"/>
-    <cs:effectRef idx="0"/>
-    <cs:fontRef idx="minor">
-      <a:schemeClr val="tx1"/>
-    </cs:fontRef>
-    <cs:spPr>
-      <a:solidFill>
-        <a:schemeClr val="lt1"/>
-      </a:solidFill>
-      <a:ln w="9525" cap="flat" cmpd="sng" algn="ctr">
-        <a:solidFill>
-          <a:schemeClr val="tx1">
-            <a:lumMod val="65000"/>
-            <a:lumOff val="35000"/>
-          </a:schemeClr>
-        </a:solidFill>
-        <a:round/>
-      </a:ln>
-    </cs:spPr>
-  </cs:upBar>
-  <cs:valueAxis>
-    <cs:lnRef idx="0"/>
-    <cs:fillRef idx="0"/>
-    <cs:effectRef idx="0"/>
-    <cs:fontRef idx="minor">
-      <a:schemeClr val="tx1">
-        <a:lumMod val="65000"/>
-        <a:lumOff val="35000"/>
-      </a:schemeClr>
-    </cs:fontRef>
-    <cs:spPr>
-      <a:ln w="9525" cap="flat" cmpd="sng" algn="ctr">
-        <a:solidFill>
-          <a:schemeClr val="tx1">
-            <a:lumMod val="25000"/>
-            <a:lumOff val="75000"/>
-          </a:schemeClr>
-        </a:solidFill>
-        <a:round/>
-      </a:ln>
-    </cs:spPr>
-    <cs:defRPr sz="900" kern="1200"/>
-  </cs:valueAxis>
-  <cs:wall>
-    <cs:lnRef idx="0"/>
-    <cs:fillRef idx="0"/>
-    <cs:effectRef idx="0"/>
-    <cs:fontRef idx="minor">
-      <a:schemeClr val="tx1"/>
-    </cs:fontRef>
-    <cs:spPr>
-      <a:noFill/>
-      <a:ln>
-        <a:noFill/>
-      </a:ln>
-    </cs:spPr>
-  </cs:wall>
-</cs:chartStyle>
-</file>
-
 <file path=ppt/handoutMasters/handoutMaster1.xml><?xml version="1.0" encoding="utf-8"?>
 <p:handoutMaster xmlns:a="http://schemas.openxmlformats.org/drawingml/2006/main" xmlns:r="http://schemas.openxmlformats.org/officeDocument/2006/relationships" xmlns:p="http://schemas.openxmlformats.org/presentationml/2006/main">
   <p:cSld>
@@ -4720,7 +3591,7 @@
           <a:p>
             <a:fld id="{C59E093D-FDD9-42D3-92B7-F440FB057357}" type="datetimeFigureOut">
               <a:rPr kumimoji="1" lang="ja-JP" altLang="en-US" smtClean="0"/>
-              <a:t>2016/2/6</a:t>
+              <a:t>2016/2/9</a:t>
             </a:fld>
             <a:endParaRPr kumimoji="1" lang="ja-JP" altLang="en-US" dirty="0"/>
           </a:p>
@@ -4886,7 +3757,7 @@
           <a:p>
             <a:fld id="{E9AF6D4E-1949-442B-9081-390E7ABD133E}" type="datetimeFigureOut">
               <a:rPr kumimoji="1" lang="ja-JP" altLang="en-US" smtClean="0"/>
-              <a:t>2016/2/6</a:t>
+              <a:t>2016/2/9</a:t>
             </a:fld>
             <a:endParaRPr kumimoji="1" lang="ja-JP" altLang="en-US" dirty="0"/>
           </a:p>
@@ -6242,7 +5113,7 @@
     </p:spTree>
     <p:extLst>
       <p:ext uri="{BB962C8B-B14F-4D97-AF65-F5344CB8AC3E}">
-        <p14:creationId xmlns:p14="http://schemas.microsoft.com/office/powerpoint/2010/main" val="1148798108"/>
+        <p14:creationId xmlns:p14="http://schemas.microsoft.com/office/powerpoint/2010/main" val="1325112468"/>
       </p:ext>
     </p:extLst>
   </p:cSld>
@@ -6326,7 +5197,7 @@
     </p:spTree>
     <p:extLst>
       <p:ext uri="{BB962C8B-B14F-4D97-AF65-F5344CB8AC3E}">
-        <p14:creationId xmlns:p14="http://schemas.microsoft.com/office/powerpoint/2010/main" val="1325112468"/>
+        <p14:creationId xmlns:p14="http://schemas.microsoft.com/office/powerpoint/2010/main" val="1148798108"/>
       </p:ext>
     </p:extLst>
   </p:cSld>
@@ -6380,6 +5251,23 @@
           <a:bodyPr/>
           <a:lstStyle/>
           <a:p>
+            <a:pPr marL="0" marR="0" indent="0" algn="l" defTabSz="914400" rtl="0" eaLnBrk="1" fontAlgn="auto" latinLnBrk="0" hangingPunct="1">
+              <a:lnSpc>
+                <a:spcPct val="100000"/>
+              </a:lnSpc>
+              <a:spcBef>
+                <a:spcPts val="0"/>
+              </a:spcBef>
+              <a:spcAft>
+                <a:spcPts val="0"/>
+              </a:spcAft>
+              <a:buClrTx/>
+              <a:buSzTx/>
+              <a:buFontTx/>
+              <a:buNone/>
+              <a:tabLst/>
+              <a:defRPr/>
+            </a:pPr>
             <a:endParaRPr kumimoji="1" lang="ja-JP" altLang="en-US" dirty="0"/>
           </a:p>
         </p:txBody>
@@ -6410,7 +5298,7 @@
     </p:spTree>
     <p:extLst>
       <p:ext uri="{BB962C8B-B14F-4D97-AF65-F5344CB8AC3E}">
-        <p14:creationId xmlns:p14="http://schemas.microsoft.com/office/powerpoint/2010/main" val="982714782"/>
+        <p14:creationId xmlns:p14="http://schemas.microsoft.com/office/powerpoint/2010/main" val="3357964322"/>
       </p:ext>
     </p:extLst>
   </p:cSld>
@@ -6511,7 +5399,7 @@
     </p:spTree>
     <p:extLst>
       <p:ext uri="{BB962C8B-B14F-4D97-AF65-F5344CB8AC3E}">
-        <p14:creationId xmlns:p14="http://schemas.microsoft.com/office/powerpoint/2010/main" val="3357964322"/>
+        <p14:creationId xmlns:p14="http://schemas.microsoft.com/office/powerpoint/2010/main" val="497631961"/>
       </p:ext>
     </p:extLst>
   </p:cSld>
@@ -6612,7 +5500,7 @@
     </p:spTree>
     <p:extLst>
       <p:ext uri="{BB962C8B-B14F-4D97-AF65-F5344CB8AC3E}">
-        <p14:creationId xmlns:p14="http://schemas.microsoft.com/office/powerpoint/2010/main" val="497631961"/>
+        <p14:creationId xmlns:p14="http://schemas.microsoft.com/office/powerpoint/2010/main" val="1362873802"/>
       </p:ext>
     </p:extLst>
   </p:cSld>
@@ -6748,287 +5636,6 @@
     <p:extLst>
       <p:ext uri="{BB962C8B-B14F-4D97-AF65-F5344CB8AC3E}">
         <p14:creationId xmlns:p14="http://schemas.microsoft.com/office/powerpoint/2010/main" val="2711039087"/>
-      </p:ext>
-    </p:extLst>
-  </p:cSld>
-  <p:clrMapOvr>
-    <a:masterClrMapping/>
-  </p:clrMapOvr>
-</p:notes>
-</file>
-
-<file path=ppt/notesSlides/notesSlide20.xml><?xml version="1.0" encoding="utf-8"?>
-<p:notes xmlns:a="http://schemas.openxmlformats.org/drawingml/2006/main" xmlns:r="http://schemas.openxmlformats.org/officeDocument/2006/relationships" xmlns:p="http://schemas.openxmlformats.org/presentationml/2006/main">
-  <p:cSld>
-    <p:spTree>
-      <p:nvGrpSpPr>
-        <p:cNvPr id="1" name=""/>
-        <p:cNvGrpSpPr/>
-        <p:nvPr/>
-      </p:nvGrpSpPr>
-      <p:grpSpPr>
-        <a:xfrm>
-          <a:off x="0" y="0"/>
-          <a:ext cx="0" cy="0"/>
-          <a:chOff x="0" y="0"/>
-          <a:chExt cx="0" cy="0"/>
-        </a:xfrm>
-      </p:grpSpPr>
-      <p:sp>
-        <p:nvSpPr>
-          <p:cNvPr id="2" name="スライド イメージ プレースホルダー 1"/>
-          <p:cNvSpPr>
-            <a:spLocks noGrp="1" noRot="1" noChangeAspect="1"/>
-          </p:cNvSpPr>
-          <p:nvPr>
-            <p:ph type="sldImg"/>
-          </p:nvPr>
-        </p:nvSpPr>
-        <p:spPr/>
-      </p:sp>
-      <p:sp>
-        <p:nvSpPr>
-          <p:cNvPr id="3" name="ノート プレースホルダー 2"/>
-          <p:cNvSpPr>
-            <a:spLocks noGrp="1"/>
-          </p:cNvSpPr>
-          <p:nvPr>
-            <p:ph type="body" idx="1"/>
-          </p:nvPr>
-        </p:nvSpPr>
-        <p:spPr/>
-        <p:txBody>
-          <a:bodyPr/>
-          <a:lstStyle/>
-          <a:p>
-            <a:pPr marL="0" marR="0" indent="0" algn="l" defTabSz="914400" rtl="0" eaLnBrk="1" fontAlgn="auto" latinLnBrk="0" hangingPunct="1">
-              <a:lnSpc>
-                <a:spcPct val="100000"/>
-              </a:lnSpc>
-              <a:spcBef>
-                <a:spcPts val="0"/>
-              </a:spcBef>
-              <a:spcAft>
-                <a:spcPts val="0"/>
-              </a:spcAft>
-              <a:buClrTx/>
-              <a:buSzTx/>
-              <a:buFontTx/>
-              <a:buNone/>
-              <a:tabLst/>
-              <a:defRPr/>
-            </a:pPr>
-            <a:endParaRPr kumimoji="1" lang="ja-JP" altLang="en-US" dirty="0"/>
-          </a:p>
-        </p:txBody>
-      </p:sp>
-      <p:sp>
-        <p:nvSpPr>
-          <p:cNvPr id="4" name="スライド番号プレースホルダー 3"/>
-          <p:cNvSpPr>
-            <a:spLocks noGrp="1"/>
-          </p:cNvSpPr>
-          <p:nvPr>
-            <p:ph type="sldNum" sz="quarter" idx="10"/>
-          </p:nvPr>
-        </p:nvSpPr>
-        <p:spPr/>
-        <p:txBody>
-          <a:bodyPr/>
-          <a:lstStyle/>
-          <a:p>
-            <a:fld id="{10B37991-4255-4127-A803-43D556378B8F}" type="slidenum">
-              <a:rPr kumimoji="1" lang="ja-JP" altLang="en-US" smtClean="0"/>
-              <a:t>23</a:t>
-            </a:fld>
-            <a:endParaRPr kumimoji="1" lang="ja-JP" altLang="en-US" dirty="0"/>
-          </a:p>
-        </p:txBody>
-      </p:sp>
-    </p:spTree>
-    <p:extLst>
-      <p:ext uri="{BB962C8B-B14F-4D97-AF65-F5344CB8AC3E}">
-        <p14:creationId xmlns:p14="http://schemas.microsoft.com/office/powerpoint/2010/main" val="1362873802"/>
-      </p:ext>
-    </p:extLst>
-  </p:cSld>
-  <p:clrMapOvr>
-    <a:masterClrMapping/>
-  </p:clrMapOvr>
-</p:notes>
-</file>
-
-<file path=ppt/notesSlides/notesSlide21.xml><?xml version="1.0" encoding="utf-8"?>
-<p:notes xmlns:a="http://schemas.openxmlformats.org/drawingml/2006/main" xmlns:r="http://schemas.openxmlformats.org/officeDocument/2006/relationships" xmlns:p="http://schemas.openxmlformats.org/presentationml/2006/main">
-  <p:cSld>
-    <p:spTree>
-      <p:nvGrpSpPr>
-        <p:cNvPr id="1" name=""/>
-        <p:cNvGrpSpPr/>
-        <p:nvPr/>
-      </p:nvGrpSpPr>
-      <p:grpSpPr>
-        <a:xfrm>
-          <a:off x="0" y="0"/>
-          <a:ext cx="0" cy="0"/>
-          <a:chOff x="0" y="0"/>
-          <a:chExt cx="0" cy="0"/>
-        </a:xfrm>
-      </p:grpSpPr>
-      <p:sp>
-        <p:nvSpPr>
-          <p:cNvPr id="2" name="スライド イメージ プレースホルダー 1"/>
-          <p:cNvSpPr>
-            <a:spLocks noGrp="1" noRot="1" noChangeAspect="1"/>
-          </p:cNvSpPr>
-          <p:nvPr>
-            <p:ph type="sldImg"/>
-          </p:nvPr>
-        </p:nvSpPr>
-        <p:spPr/>
-      </p:sp>
-      <p:sp>
-        <p:nvSpPr>
-          <p:cNvPr id="3" name="ノート プレースホルダー 2"/>
-          <p:cNvSpPr>
-            <a:spLocks noGrp="1"/>
-          </p:cNvSpPr>
-          <p:nvPr>
-            <p:ph type="body" idx="1"/>
-          </p:nvPr>
-        </p:nvSpPr>
-        <p:spPr/>
-        <p:txBody>
-          <a:bodyPr/>
-          <a:lstStyle/>
-          <a:p>
-            <a:r>
-              <a:rPr kumimoji="1" lang="ja-JP" altLang="en-US" dirty="0" smtClean="0"/>
-              <a:t>今回の発表で話す内容は次の通りになります</a:t>
-            </a:r>
-            <a:r>
-              <a:rPr kumimoji="1" lang="en-US" altLang="ja-JP" dirty="0" smtClean="0"/>
-              <a:t>.</a:t>
-            </a:r>
-            <a:r>
-              <a:rPr kumimoji="1" lang="ja-JP" altLang="en-US" dirty="0" smtClean="0"/>
-              <a:t>　</a:t>
-            </a:r>
-            <a:endParaRPr kumimoji="1" lang="en-US" altLang="ja-JP" dirty="0" smtClean="0"/>
-          </a:p>
-        </p:txBody>
-      </p:sp>
-      <p:sp>
-        <p:nvSpPr>
-          <p:cNvPr id="4" name="スライド番号プレースホルダー 3"/>
-          <p:cNvSpPr>
-            <a:spLocks noGrp="1"/>
-          </p:cNvSpPr>
-          <p:nvPr>
-            <p:ph type="sldNum" sz="quarter" idx="10"/>
-          </p:nvPr>
-        </p:nvSpPr>
-        <p:spPr/>
-        <p:txBody>
-          <a:bodyPr/>
-          <a:lstStyle/>
-          <a:p>
-            <a:fld id="{10B37991-4255-4127-A803-43D556378B8F}" type="slidenum">
-              <a:rPr kumimoji="1" lang="ja-JP" altLang="en-US" smtClean="0"/>
-              <a:t>24</a:t>
-            </a:fld>
-            <a:endParaRPr kumimoji="1" lang="ja-JP" altLang="en-US" dirty="0"/>
-          </a:p>
-        </p:txBody>
-      </p:sp>
-    </p:spTree>
-    <p:extLst>
-      <p:ext uri="{BB962C8B-B14F-4D97-AF65-F5344CB8AC3E}">
-        <p14:creationId xmlns:p14="http://schemas.microsoft.com/office/powerpoint/2010/main" val="2831130098"/>
-      </p:ext>
-    </p:extLst>
-  </p:cSld>
-  <p:clrMapOvr>
-    <a:masterClrMapping/>
-  </p:clrMapOvr>
-</p:notes>
-</file>
-
-<file path=ppt/notesSlides/notesSlide22.xml><?xml version="1.0" encoding="utf-8"?>
-<p:notes xmlns:a="http://schemas.openxmlformats.org/drawingml/2006/main" xmlns:r="http://schemas.openxmlformats.org/officeDocument/2006/relationships" xmlns:p="http://schemas.openxmlformats.org/presentationml/2006/main">
-  <p:cSld>
-    <p:spTree>
-      <p:nvGrpSpPr>
-        <p:cNvPr id="1" name=""/>
-        <p:cNvGrpSpPr/>
-        <p:nvPr/>
-      </p:nvGrpSpPr>
-      <p:grpSpPr>
-        <a:xfrm>
-          <a:off x="0" y="0"/>
-          <a:ext cx="0" cy="0"/>
-          <a:chOff x="0" y="0"/>
-          <a:chExt cx="0" cy="0"/>
-        </a:xfrm>
-      </p:grpSpPr>
-      <p:sp>
-        <p:nvSpPr>
-          <p:cNvPr id="2" name="スライド イメージ プレースホルダー 1"/>
-          <p:cNvSpPr>
-            <a:spLocks noGrp="1" noRot="1" noChangeAspect="1"/>
-          </p:cNvSpPr>
-          <p:nvPr>
-            <p:ph type="sldImg"/>
-          </p:nvPr>
-        </p:nvSpPr>
-        <p:spPr/>
-      </p:sp>
-      <p:sp>
-        <p:nvSpPr>
-          <p:cNvPr id="3" name="ノート プレースホルダー 2"/>
-          <p:cNvSpPr>
-            <a:spLocks noGrp="1"/>
-          </p:cNvSpPr>
-          <p:nvPr>
-            <p:ph type="body" idx="1"/>
-          </p:nvPr>
-        </p:nvSpPr>
-        <p:spPr/>
-        <p:txBody>
-          <a:bodyPr/>
-          <a:lstStyle/>
-          <a:p>
-            <a:endParaRPr kumimoji="1" lang="ja-JP" altLang="en-US" dirty="0"/>
-          </a:p>
-        </p:txBody>
-      </p:sp>
-      <p:sp>
-        <p:nvSpPr>
-          <p:cNvPr id="4" name="スライド番号プレースホルダー 3"/>
-          <p:cNvSpPr>
-            <a:spLocks noGrp="1"/>
-          </p:cNvSpPr>
-          <p:nvPr>
-            <p:ph type="sldNum" sz="quarter" idx="10"/>
-          </p:nvPr>
-        </p:nvSpPr>
-        <p:spPr/>
-        <p:txBody>
-          <a:bodyPr/>
-          <a:lstStyle/>
-          <a:p>
-            <a:fld id="{10B37991-4255-4127-A803-43D556378B8F}" type="slidenum">
-              <a:rPr kumimoji="1" lang="ja-JP" altLang="en-US" smtClean="0"/>
-              <a:t>25</a:t>
-            </a:fld>
-            <a:endParaRPr kumimoji="1" lang="ja-JP" altLang="en-US" dirty="0"/>
-          </a:p>
-        </p:txBody>
-      </p:sp>
-    </p:spTree>
-    <p:extLst>
-      <p:ext uri="{BB962C8B-B14F-4D97-AF65-F5344CB8AC3E}">
-        <p14:creationId xmlns:p14="http://schemas.microsoft.com/office/powerpoint/2010/main" val="1202453383"/>
       </p:ext>
     </p:extLst>
   </p:cSld>
@@ -10416,7 +9023,7 @@
           <a:p>
             <a:fld id="{DF11A6B3-01A9-491D-9492-E11B185432A5}" type="datetime1">
               <a:rPr kumimoji="1" lang="ja-JP" altLang="en-US" smtClean="0"/>
-              <a:t>2016/2/6</a:t>
+              <a:t>2016/2/9</a:t>
             </a:fld>
             <a:endParaRPr kumimoji="1" lang="ja-JP" altLang="en-US" dirty="0"/>
           </a:p>
@@ -10634,7 +9241,7 @@
           <a:p>
             <a:fld id="{1BE1FADC-2125-4CA8-AEFF-08FEC35543F4}" type="datetime1">
               <a:rPr kumimoji="1" lang="ja-JP" altLang="en-US" smtClean="0"/>
-              <a:t>2016/2/6</a:t>
+              <a:t>2016/2/9</a:t>
             </a:fld>
             <a:endParaRPr kumimoji="1" lang="ja-JP" altLang="en-US" dirty="0"/>
           </a:p>
@@ -10848,7 +9455,7 @@
           <a:p>
             <a:fld id="{37AB47FA-0757-49A6-89F3-B3DC32151838}" type="datetime1">
               <a:rPr kumimoji="1" lang="ja-JP" altLang="en-US" smtClean="0"/>
-              <a:t>2016/2/6</a:t>
+              <a:t>2016/2/9</a:t>
             </a:fld>
             <a:endParaRPr kumimoji="1" lang="ja-JP" altLang="en-US" dirty="0"/>
           </a:p>
@@ -11073,7 +9680,7 @@
           <a:p>
             <a:fld id="{787163D9-1DD6-4E72-AD2B-7FB92F7BF1EF}" type="datetime1">
               <a:rPr kumimoji="1" lang="ja-JP" altLang="en-US" smtClean="0"/>
-              <a:t>2016/2/6</a:t>
+              <a:t>2016/2/9</a:t>
             </a:fld>
             <a:endParaRPr kumimoji="1" lang="ja-JP" altLang="en-US" dirty="0"/>
           </a:p>
@@ -11199,7 +9806,7 @@
           <a:p>
             <a:fld id="{491C3ABE-B0AF-4990-8A54-5D5A08096821}" type="datetime1">
               <a:rPr kumimoji="1" lang="ja-JP" altLang="en-US" smtClean="0"/>
-              <a:t>2016/2/6</a:t>
+              <a:t>2016/2/9</a:t>
             </a:fld>
             <a:endParaRPr kumimoji="1" lang="ja-JP" altLang="en-US" dirty="0"/>
           </a:p>
@@ -11652,7 +10259,7 @@
           <a:p>
             <a:fld id="{49E28454-C1E7-4BF6-B840-71FCE1C40326}" type="datetime1">
               <a:rPr kumimoji="1" lang="ja-JP" altLang="en-US" smtClean="0"/>
-              <a:t>2016/2/6</a:t>
+              <a:t>2016/2/9</a:t>
             </a:fld>
             <a:endParaRPr kumimoji="1" lang="ja-JP" altLang="en-US" dirty="0"/>
           </a:p>
@@ -12161,7 +10768,7 @@
           <a:p>
             <a:fld id="{8EBF019F-02AD-466A-B39A-B6C178231D9A}" type="datetime1">
               <a:rPr kumimoji="1" lang="ja-JP" altLang="en-US" smtClean="0"/>
-              <a:t>2016/2/6</a:t>
+              <a:t>2016/2/9</a:t>
             </a:fld>
             <a:endParaRPr kumimoji="1" lang="ja-JP" altLang="en-US" dirty="0"/>
           </a:p>
@@ -12286,7 +10893,7 @@
           <a:p>
             <a:fld id="{DEFF7505-E23C-4CC6-A1C8-CE68DEC48D32}" type="datetime1">
               <a:rPr kumimoji="1" lang="ja-JP" altLang="en-US" smtClean="0"/>
-              <a:t>2016/2/6</a:t>
+              <a:t>2016/2/9</a:t>
             </a:fld>
             <a:endParaRPr kumimoji="1" lang="ja-JP" altLang="en-US" dirty="0"/>
           </a:p>
@@ -12383,7 +10990,7 @@
           <a:p>
             <a:fld id="{E2DD791C-1CDE-4E70-9EB4-092DBEC2F5A7}" type="datetime1">
               <a:rPr kumimoji="1" lang="ja-JP" altLang="en-US" smtClean="0"/>
-              <a:t>2016/2/6</a:t>
+              <a:t>2016/2/9</a:t>
             </a:fld>
             <a:endParaRPr kumimoji="1" lang="ja-JP" altLang="en-US" dirty="0"/>
           </a:p>
@@ -12706,7 +11313,7 @@
           <a:p>
             <a:fld id="{A8FADB2E-D283-4A62-8327-5930A41E6D0B}" type="datetime1">
               <a:rPr kumimoji="1" lang="ja-JP" altLang="en-US" smtClean="0"/>
-              <a:t>2016/2/6</a:t>
+              <a:t>2016/2/9</a:t>
             </a:fld>
             <a:endParaRPr kumimoji="1" lang="ja-JP" altLang="en-US" dirty="0"/>
           </a:p>
@@ -12975,7 +11582,7 @@
           <a:p>
             <a:fld id="{B38FD3E7-FD25-4904-9B70-CE42A73563F1}" type="datetime1">
               <a:rPr kumimoji="1" lang="ja-JP" altLang="en-US" smtClean="0"/>
-              <a:t>2016/2/6</a:t>
+              <a:t>2016/2/9</a:t>
             </a:fld>
             <a:endParaRPr kumimoji="1" lang="ja-JP" altLang="en-US" dirty="0"/>
           </a:p>
@@ -13289,7 +11896,7 @@
           <a:p>
             <a:fld id="{3783166B-6267-4735-8669-3D2282BE458F}" type="datetime1">
               <a:rPr kumimoji="1" lang="ja-JP" altLang="en-US" smtClean="0"/>
-              <a:t>2016/2/6</a:t>
+              <a:t>2016/2/9</a:t>
             </a:fld>
             <a:endParaRPr kumimoji="1" lang="ja-JP" altLang="en-US" dirty="0"/>
           </a:p>
@@ -15479,7 +14086,7 @@
         <p:spPr>
           <a:xfrm>
             <a:off x="179512" y="1772816"/>
-            <a:ext cx="8496944" cy="4154984"/>
+            <a:ext cx="8496944" cy="3416320"/>
           </a:xfrm>
           <a:prstGeom prst="rect">
             <a:avLst/>
@@ -15559,32 +14166,33 @@
             </a:r>
             <a:r>
               <a:rPr lang="ja-JP" altLang="en-US" sz="2400" dirty="0" smtClean="0"/>
-              <a:t>評価を調べることとした．</a:t>
+              <a:t>評価を調べることと</a:t>
+            </a:r>
+            <a:r>
+              <a:rPr lang="ja-JP" altLang="en-US" sz="2400" dirty="0" smtClean="0"/>
+              <a:t>した</a:t>
             </a:r>
             <a:endParaRPr lang="en-US" altLang="ja-JP" sz="2400" dirty="0"/>
           </a:p>
           <a:p>
-            <a:pPr marL="342900" indent="-342900">
-              <a:buFont typeface="Arial" panose="020B0604020202020204" pitchFamily="34" charset="0"/>
-              <a:buChar char="•"/>
-            </a:pPr>
+            <a:pPr lvl="1"/>
             <a:endParaRPr lang="en-US" altLang="ja-JP" sz="2400" dirty="0" smtClean="0"/>
           </a:p>
           <a:p>
-            <a:pPr marL="342900" indent="-342900">
-              <a:buFont typeface="Arial" panose="020B0604020202020204" pitchFamily="34" charset="0"/>
-              <a:buChar char="•"/>
-            </a:pPr>
+            <a:pPr lvl="1"/>
+            <a:r>
+              <a:rPr lang="ja-JP" altLang="en-US" sz="2400" dirty="0" smtClean="0"/>
+              <a:t>購入</a:t>
+            </a:r>
+            <a:r>
+              <a:rPr lang="ja-JP" altLang="en-US" sz="2400" dirty="0" smtClean="0"/>
+              <a:t>者に絞った場合と，重みを</a:t>
+            </a:r>
+            <a:r>
+              <a:rPr lang="ja-JP" altLang="en-US" sz="2400" smtClean="0"/>
+              <a:t>つけた場合で条件をつけ平均評価と比べる．</a:t>
+            </a:r>
             <a:endParaRPr lang="en-US" altLang="ja-JP" sz="2400" dirty="0" smtClean="0"/>
-          </a:p>
-          <a:p>
-            <a:endParaRPr lang="en-US" altLang="ja-JP" sz="2400" dirty="0" smtClean="0"/>
-          </a:p>
-          <a:p>
-            <a:endParaRPr lang="en-US" altLang="ja-JP" sz="2400" dirty="0"/>
-          </a:p>
-          <a:p>
-            <a:endParaRPr lang="ja-JP" altLang="en-US" sz="2400" dirty="0"/>
           </a:p>
         </p:txBody>
       </p:sp>
@@ -15704,11 +14312,7 @@
             <a:pPr algn="ctr"/>
             <a:r>
               <a:rPr lang="ja-JP" altLang="en-US" sz="3600" b="1" u="sng" dirty="0" smtClean="0"/>
-              <a:t>研究</a:t>
-            </a:r>
-            <a:r>
-              <a:rPr lang="ja-JP" altLang="en-US" sz="3600" b="1" u="sng" dirty="0"/>
-              <a:t>結果</a:t>
+              <a:t>購入者で絞った場合の差</a:t>
             </a:r>
             <a:endParaRPr kumimoji="1" lang="ja-JP" altLang="en-US" sz="3600" b="1" u="sng" dirty="0"/>
           </a:p>
@@ -15904,11 +14508,207 @@
             <a:pPr algn="ctr"/>
             <a:r>
               <a:rPr lang="ja-JP" altLang="en-US" sz="3600" b="1" u="sng" dirty="0" smtClean="0"/>
-              <a:t>研究</a:t>
-            </a:r>
-            <a:r>
-              <a:rPr lang="ja-JP" altLang="en-US" sz="3600" b="1" u="sng" dirty="0"/>
-              <a:t>結果</a:t>
+              <a:t>重みを付けた場合の差</a:t>
+            </a:r>
+            <a:endParaRPr kumimoji="1" lang="ja-JP" altLang="en-US" sz="3600" b="1" u="sng" dirty="0"/>
+          </a:p>
+        </p:txBody>
+      </p:sp>
+      <p:sp>
+        <p:nvSpPr>
+          <p:cNvPr id="7" name="テキスト ボックス 6"/>
+          <p:cNvSpPr txBox="1"/>
+          <p:nvPr/>
+        </p:nvSpPr>
+        <p:spPr>
+          <a:xfrm>
+            <a:off x="591314" y="840234"/>
+            <a:ext cx="2592288" cy="584775"/>
+          </a:xfrm>
+          <a:prstGeom prst="rect">
+            <a:avLst/>
+          </a:prstGeom>
+          <a:noFill/>
+        </p:spPr>
+        <p:txBody>
+          <a:bodyPr wrap="square" rtlCol="0">
+            <a:spAutoFit/>
+          </a:bodyPr>
+          <a:lstStyle/>
+          <a:p>
+            <a:r>
+              <a:rPr kumimoji="1" lang="ja-JP" altLang="en-US" sz="3200" dirty="0" smtClean="0"/>
+              <a:t>散布図</a:t>
+            </a:r>
+            <a:r>
+              <a:rPr kumimoji="1" lang="en-US" altLang="ja-JP" sz="3200" dirty="0" smtClean="0"/>
+              <a:t>(21</a:t>
+            </a:r>
+            <a:r>
+              <a:rPr lang="ja-JP" altLang="en-US" sz="3200" dirty="0" smtClean="0"/>
+              <a:t>件</a:t>
+            </a:r>
+            <a:r>
+              <a:rPr kumimoji="1" lang="en-US" altLang="ja-JP" sz="3200" dirty="0" smtClean="0"/>
+              <a:t>)</a:t>
+            </a:r>
+            <a:endParaRPr kumimoji="1" lang="ja-JP" altLang="en-US" sz="3200" dirty="0"/>
+          </a:p>
+        </p:txBody>
+      </p:sp>
+      <p:sp>
+        <p:nvSpPr>
+          <p:cNvPr id="9" name="テキスト ボックス 8"/>
+          <p:cNvSpPr txBox="1"/>
+          <p:nvPr/>
+        </p:nvSpPr>
+        <p:spPr>
+          <a:xfrm>
+            <a:off x="589206" y="5661248"/>
+            <a:ext cx="2920812" cy="1107996"/>
+          </a:xfrm>
+          <a:prstGeom prst="rect">
+            <a:avLst/>
+          </a:prstGeom>
+          <a:noFill/>
+        </p:spPr>
+        <p:txBody>
+          <a:bodyPr wrap="square" rtlCol="0">
+            <a:spAutoFit/>
+          </a:bodyPr>
+          <a:lstStyle/>
+          <a:p>
+            <a:r>
+              <a:rPr lang="en-US" altLang="ja-JP" sz="2400" dirty="0"/>
+              <a:t>y = 1.3418x - 2.6459</a:t>
+            </a:r>
+            <a:br>
+              <a:rPr lang="en-US" altLang="ja-JP" sz="2400" dirty="0"/>
+            </a:br>
+            <a:r>
+              <a:rPr lang="en-US" altLang="ja-JP" sz="2400" dirty="0"/>
+              <a:t>R² = 0.5669</a:t>
+            </a:r>
+          </a:p>
+          <a:p>
+            <a:endParaRPr kumimoji="1" lang="ja-JP" altLang="en-US" dirty="0"/>
+          </a:p>
+        </p:txBody>
+      </p:sp>
+      <p:graphicFrame>
+        <p:nvGraphicFramePr>
+          <p:cNvPr id="8" name="グラフ 7"/>
+          <p:cNvGraphicFramePr>
+            <a:graphicFrameLocks/>
+          </p:cNvGraphicFramePr>
+          <p:nvPr>
+            <p:extLst>
+              <p:ext uri="{D42A27DB-BD31-4B8C-83A1-F6EECF244321}">
+                <p14:modId xmlns:p14="http://schemas.microsoft.com/office/powerpoint/2010/main" val="3743662877"/>
+              </p:ext>
+            </p:extLst>
+          </p:nvPr>
+        </p:nvGraphicFramePr>
+        <p:xfrm>
+          <a:off x="591314" y="1746566"/>
+          <a:ext cx="7293054" cy="3914682"/>
+        </p:xfrm>
+        <a:graphic>
+          <a:graphicData uri="http://schemas.openxmlformats.org/drawingml/2006/chart">
+            <c:chart xmlns:c="http://schemas.openxmlformats.org/drawingml/2006/chart" xmlns:r="http://schemas.openxmlformats.org/officeDocument/2006/relationships" r:id="rId3"/>
+          </a:graphicData>
+        </a:graphic>
+      </p:graphicFrame>
+    </p:spTree>
+    <p:extLst>
+      <p:ext uri="{BB962C8B-B14F-4D97-AF65-F5344CB8AC3E}">
+        <p14:creationId xmlns:p14="http://schemas.microsoft.com/office/powerpoint/2010/main" val="3552958421"/>
+      </p:ext>
+    </p:extLst>
+  </p:cSld>
+  <p:clrMapOvr>
+    <a:masterClrMapping/>
+  </p:clrMapOvr>
+  <p:timing>
+    <p:tnLst>
+      <p:par>
+        <p:cTn id="1" dur="indefinite" restart="never" nodeType="tmRoot"/>
+      </p:par>
+    </p:tnLst>
+  </p:timing>
+</p:sld>
+</file>
+
+<file path=ppt/slides/slide19.xml><?xml version="1.0" encoding="utf-8"?>
+<p:sld xmlns:a="http://schemas.openxmlformats.org/drawingml/2006/main" xmlns:r="http://schemas.openxmlformats.org/officeDocument/2006/relationships" xmlns:p="http://schemas.openxmlformats.org/presentationml/2006/main">
+  <p:cSld>
+    <p:spTree>
+      <p:nvGrpSpPr>
+        <p:cNvPr id="1" name=""/>
+        <p:cNvGrpSpPr/>
+        <p:nvPr/>
+      </p:nvGrpSpPr>
+      <p:grpSpPr>
+        <a:xfrm>
+          <a:off x="0" y="0"/>
+          <a:ext cx="0" cy="0"/>
+          <a:chOff x="0" y="0"/>
+          <a:chExt cx="0" cy="0"/>
+        </a:xfrm>
+      </p:grpSpPr>
+      <p:sp>
+        <p:nvSpPr>
+          <p:cNvPr id="3" name="スライド番号プレースホルダー 2"/>
+          <p:cNvSpPr>
+            <a:spLocks noGrp="1"/>
+          </p:cNvSpPr>
+          <p:nvPr>
+            <p:ph type="sldNum" sz="quarter" idx="11"/>
+          </p:nvPr>
+        </p:nvSpPr>
+        <p:spPr/>
+        <p:txBody>
+          <a:bodyPr/>
+          <a:lstStyle/>
+          <a:p>
+            <a:fld id="{E00335F1-3F40-4BF0-898D-F6D15F346D60}" type="slidenum">
+              <a:rPr kumimoji="1" lang="ja-JP" altLang="en-US" smtClean="0"/>
+              <a:t>19</a:t>
+            </a:fld>
+            <a:endParaRPr kumimoji="1" lang="ja-JP" altLang="en-US" dirty="0"/>
+          </a:p>
+        </p:txBody>
+      </p:sp>
+      <p:sp>
+        <p:nvSpPr>
+          <p:cNvPr id="6" name="テキスト ボックス 5"/>
+          <p:cNvSpPr txBox="1"/>
+          <p:nvPr/>
+        </p:nvSpPr>
+        <p:spPr>
+          <a:xfrm>
+            <a:off x="0" y="348953"/>
+            <a:ext cx="8820472" cy="646331"/>
+          </a:xfrm>
+          <a:prstGeom prst="rect">
+            <a:avLst/>
+          </a:prstGeom>
+          <a:noFill/>
+        </p:spPr>
+        <p:txBody>
+          <a:bodyPr wrap="square" rtlCol="0">
+            <a:spAutoFit/>
+          </a:bodyPr>
+          <a:lstStyle/>
+          <a:p>
+            <a:pPr algn="ctr"/>
+            <a:r>
+              <a:rPr kumimoji="1" lang="ja-JP" altLang="en-US" sz="3600" b="1" u="sng" dirty="0" smtClean="0"/>
+              <a:t>購入者＋重み付きの</a:t>
+            </a:r>
+            <a:r>
+              <a:rPr lang="ja-JP" altLang="en-US" sz="3600" b="1" u="sng" dirty="0" smtClean="0"/>
+              <a:t>差</a:t>
             </a:r>
             <a:endParaRPr kumimoji="1" lang="ja-JP" altLang="en-US" sz="3600" b="1" u="sng" dirty="0"/>
           </a:p>
@@ -16039,206 +14839,6 @@
 </p:sld>
 </file>
 
-<file path=ppt/slides/slide19.xml><?xml version="1.0" encoding="utf-8"?>
-<p:sld xmlns:a="http://schemas.openxmlformats.org/drawingml/2006/main" xmlns:r="http://schemas.openxmlformats.org/officeDocument/2006/relationships" xmlns:p="http://schemas.openxmlformats.org/presentationml/2006/main">
-  <p:cSld>
-    <p:spTree>
-      <p:nvGrpSpPr>
-        <p:cNvPr id="1" name=""/>
-        <p:cNvGrpSpPr/>
-        <p:nvPr/>
-      </p:nvGrpSpPr>
-      <p:grpSpPr>
-        <a:xfrm>
-          <a:off x="0" y="0"/>
-          <a:ext cx="0" cy="0"/>
-          <a:chOff x="0" y="0"/>
-          <a:chExt cx="0" cy="0"/>
-        </a:xfrm>
-      </p:grpSpPr>
-      <p:sp>
-        <p:nvSpPr>
-          <p:cNvPr id="3" name="スライド番号プレースホルダー 2"/>
-          <p:cNvSpPr>
-            <a:spLocks noGrp="1"/>
-          </p:cNvSpPr>
-          <p:nvPr>
-            <p:ph type="sldNum" sz="quarter" idx="11"/>
-          </p:nvPr>
-        </p:nvSpPr>
-        <p:spPr/>
-        <p:txBody>
-          <a:bodyPr/>
-          <a:lstStyle/>
-          <a:p>
-            <a:fld id="{E00335F1-3F40-4BF0-898D-F6D15F346D60}" type="slidenum">
-              <a:rPr kumimoji="1" lang="ja-JP" altLang="en-US" smtClean="0"/>
-              <a:t>19</a:t>
-            </a:fld>
-            <a:endParaRPr kumimoji="1" lang="ja-JP" altLang="en-US" dirty="0"/>
-          </a:p>
-        </p:txBody>
-      </p:sp>
-      <p:sp>
-        <p:nvSpPr>
-          <p:cNvPr id="6" name="テキスト ボックス 5"/>
-          <p:cNvSpPr txBox="1"/>
-          <p:nvPr/>
-        </p:nvSpPr>
-        <p:spPr>
-          <a:xfrm>
-            <a:off x="0" y="348953"/>
-            <a:ext cx="8820472" cy="646331"/>
-          </a:xfrm>
-          <a:prstGeom prst="rect">
-            <a:avLst/>
-          </a:prstGeom>
-          <a:noFill/>
-        </p:spPr>
-        <p:txBody>
-          <a:bodyPr wrap="square" rtlCol="0">
-            <a:spAutoFit/>
-          </a:bodyPr>
-          <a:lstStyle/>
-          <a:p>
-            <a:pPr algn="ctr"/>
-            <a:r>
-              <a:rPr lang="ja-JP" altLang="en-US" sz="3600" b="1" u="sng" dirty="0" smtClean="0"/>
-              <a:t>研究</a:t>
-            </a:r>
-            <a:r>
-              <a:rPr lang="ja-JP" altLang="en-US" sz="3600" b="1" u="sng" dirty="0"/>
-              <a:t>結果</a:t>
-            </a:r>
-            <a:endParaRPr kumimoji="1" lang="ja-JP" altLang="en-US" sz="3600" b="1" u="sng" dirty="0"/>
-          </a:p>
-        </p:txBody>
-      </p:sp>
-      <p:sp>
-        <p:nvSpPr>
-          <p:cNvPr id="7" name="テキスト ボックス 6"/>
-          <p:cNvSpPr txBox="1"/>
-          <p:nvPr/>
-        </p:nvSpPr>
-        <p:spPr>
-          <a:xfrm>
-            <a:off x="591314" y="840234"/>
-            <a:ext cx="2592288" cy="584775"/>
-          </a:xfrm>
-          <a:prstGeom prst="rect">
-            <a:avLst/>
-          </a:prstGeom>
-          <a:noFill/>
-        </p:spPr>
-        <p:txBody>
-          <a:bodyPr wrap="square" rtlCol="0">
-            <a:spAutoFit/>
-          </a:bodyPr>
-          <a:lstStyle/>
-          <a:p>
-            <a:r>
-              <a:rPr kumimoji="1" lang="ja-JP" altLang="en-US" sz="3200" dirty="0" smtClean="0"/>
-              <a:t>散布図</a:t>
-            </a:r>
-            <a:r>
-              <a:rPr kumimoji="1" lang="en-US" altLang="ja-JP" sz="3200" dirty="0" smtClean="0"/>
-              <a:t>(21</a:t>
-            </a:r>
-            <a:r>
-              <a:rPr lang="ja-JP" altLang="en-US" sz="3200" dirty="0" smtClean="0"/>
-              <a:t>件</a:t>
-            </a:r>
-            <a:r>
-              <a:rPr kumimoji="1" lang="en-US" altLang="ja-JP" sz="3200" dirty="0" smtClean="0"/>
-              <a:t>)</a:t>
-            </a:r>
-            <a:endParaRPr kumimoji="1" lang="ja-JP" altLang="en-US" sz="3200" dirty="0"/>
-          </a:p>
-        </p:txBody>
-      </p:sp>
-      <p:sp>
-        <p:nvSpPr>
-          <p:cNvPr id="9" name="テキスト ボックス 8"/>
-          <p:cNvSpPr txBox="1"/>
-          <p:nvPr/>
-        </p:nvSpPr>
-        <p:spPr>
-          <a:xfrm>
-            <a:off x="589206" y="5661248"/>
-            <a:ext cx="2920812" cy="1107996"/>
-          </a:xfrm>
-          <a:prstGeom prst="rect">
-            <a:avLst/>
-          </a:prstGeom>
-          <a:noFill/>
-        </p:spPr>
-        <p:txBody>
-          <a:bodyPr wrap="square" rtlCol="0">
-            <a:spAutoFit/>
-          </a:bodyPr>
-          <a:lstStyle/>
-          <a:p>
-            <a:r>
-              <a:rPr lang="en-US" altLang="ja-JP" sz="2400" dirty="0"/>
-              <a:t>y = 1.3418x - 2.6459</a:t>
-            </a:r>
-            <a:br>
-              <a:rPr lang="en-US" altLang="ja-JP" sz="2400" dirty="0"/>
-            </a:br>
-            <a:r>
-              <a:rPr lang="en-US" altLang="ja-JP" sz="2400" dirty="0"/>
-              <a:t>R² = 0.5669</a:t>
-            </a:r>
-          </a:p>
-          <a:p>
-            <a:endParaRPr kumimoji="1" lang="ja-JP" altLang="en-US" dirty="0"/>
-          </a:p>
-        </p:txBody>
-      </p:sp>
-      <p:graphicFrame>
-        <p:nvGraphicFramePr>
-          <p:cNvPr id="8" name="グラフ 7"/>
-          <p:cNvGraphicFramePr>
-            <a:graphicFrameLocks/>
-          </p:cNvGraphicFramePr>
-          <p:nvPr>
-            <p:extLst>
-              <p:ext uri="{D42A27DB-BD31-4B8C-83A1-F6EECF244321}">
-                <p14:modId xmlns:p14="http://schemas.microsoft.com/office/powerpoint/2010/main" val="3743662877"/>
-              </p:ext>
-            </p:extLst>
-          </p:nvPr>
-        </p:nvGraphicFramePr>
-        <p:xfrm>
-          <a:off x="591314" y="1746566"/>
-          <a:ext cx="7293054" cy="3914682"/>
-        </p:xfrm>
-        <a:graphic>
-          <a:graphicData uri="http://schemas.openxmlformats.org/drawingml/2006/chart">
-            <c:chart xmlns:c="http://schemas.openxmlformats.org/drawingml/2006/chart" xmlns:r="http://schemas.openxmlformats.org/officeDocument/2006/relationships" r:id="rId3"/>
-          </a:graphicData>
-        </a:graphic>
-      </p:graphicFrame>
-    </p:spTree>
-    <p:extLst>
-      <p:ext uri="{BB962C8B-B14F-4D97-AF65-F5344CB8AC3E}">
-        <p14:creationId xmlns:p14="http://schemas.microsoft.com/office/powerpoint/2010/main" val="3552958421"/>
-      </p:ext>
-    </p:extLst>
-  </p:cSld>
-  <p:clrMapOvr>
-    <a:masterClrMapping/>
-  </p:clrMapOvr>
-  <p:timing>
-    <p:tnLst>
-      <p:par>
-        <p:cTn id="1" dur="indefinite" restart="never" nodeType="tmRoot"/>
-      </p:par>
-    </p:tnLst>
-  </p:timing>
-</p:sld>
-</file>
-
 <file path=ppt/slides/slide2.xml><?xml version="1.0" encoding="utf-8"?>
 <p:sld xmlns:a="http://schemas.openxmlformats.org/drawingml/2006/main" xmlns:r="http://schemas.openxmlformats.org/officeDocument/2006/relationships" xmlns:p="http://schemas.openxmlformats.org/presentationml/2006/main">
   <p:cSld>
@@ -16337,15 +14937,7 @@
           <a:p>
             <a:r>
               <a:rPr lang="ja-JP" altLang="en-US" sz="3200" dirty="0" smtClean="0"/>
-              <a:t>オンラインショッピングが普及し，より多くの人々</a:t>
-            </a:r>
-            <a:r>
-              <a:rPr lang="ja-JP" altLang="en-US" sz="3200" dirty="0" smtClean="0"/>
-              <a:t>がサイト</a:t>
-            </a:r>
-            <a:r>
-              <a:rPr lang="ja-JP" altLang="en-US" sz="3200" dirty="0" smtClean="0"/>
-              <a:t>を回覧できる状況が整っている．</a:t>
+              <a:t>オンラインショッピングが普及し，より多くの人々がサイトを回覧できる状況が整っている．</a:t>
             </a:r>
             <a:endParaRPr lang="en-US" altLang="ja-JP" sz="3200" dirty="0"/>
           </a:p>
@@ -16459,6 +15051,194 @@
         </p:nvSpPr>
         <p:spPr>
           <a:xfrm>
+            <a:off x="467544" y="995284"/>
+            <a:ext cx="7304856" cy="1446550"/>
+          </a:xfrm>
+          <a:prstGeom prst="rect">
+            <a:avLst/>
+          </a:prstGeom>
+          <a:noFill/>
+        </p:spPr>
+        <p:txBody>
+          <a:bodyPr wrap="square" rtlCol="0">
+            <a:spAutoFit/>
+          </a:bodyPr>
+          <a:lstStyle/>
+          <a:p>
+            <a:endParaRPr kumimoji="1" lang="en-US" altLang="ja-JP" sz="3200" dirty="0" smtClean="0"/>
+          </a:p>
+          <a:p>
+            <a:pPr marL="285750" indent="-285750">
+              <a:buFont typeface="Arial" panose="020B0604020202020204" pitchFamily="34" charset="0"/>
+              <a:buChar char="•"/>
+            </a:pPr>
+            <a:endParaRPr lang="en-US" altLang="ja-JP" sz="2800" dirty="0" smtClean="0"/>
+          </a:p>
+          <a:p>
+            <a:pPr marL="285750" indent="-285750">
+              <a:buFont typeface="Arial" panose="020B0604020202020204" pitchFamily="34" charset="0"/>
+              <a:buChar char="•"/>
+            </a:pPr>
+            <a:endParaRPr lang="en-US" altLang="ja-JP" sz="2800" dirty="0" smtClean="0"/>
+          </a:p>
+        </p:txBody>
+      </p:sp>
+      <p:sp>
+        <p:nvSpPr>
+          <p:cNvPr id="7" name="正方形/長方形 6"/>
+          <p:cNvSpPr/>
+          <p:nvPr/>
+        </p:nvSpPr>
+        <p:spPr>
+          <a:xfrm>
+            <a:off x="325140" y="1437774"/>
+            <a:ext cx="7956376" cy="4893647"/>
+          </a:xfrm>
+          <a:prstGeom prst="rect">
+            <a:avLst/>
+          </a:prstGeom>
+        </p:spPr>
+        <p:txBody>
+          <a:bodyPr wrap="square">
+            <a:spAutoFit/>
+          </a:bodyPr>
+          <a:lstStyle/>
+          <a:p>
+            <a:r>
+              <a:rPr lang="en-US" altLang="ja-JP" sz="2400" dirty="0" smtClean="0"/>
+              <a:t>21</a:t>
+            </a:r>
+            <a:r>
+              <a:rPr lang="ja-JP" altLang="en-US" sz="2400" dirty="0" smtClean="0"/>
+              <a:t>件の</a:t>
+            </a:r>
+            <a:r>
+              <a:rPr lang="ja-JP" altLang="en-US" sz="2400" dirty="0"/>
+              <a:t>データを調査した．</a:t>
+            </a:r>
+            <a:endParaRPr lang="en-US" altLang="ja-JP" sz="2400" dirty="0"/>
+          </a:p>
+          <a:p>
+            <a:r>
+              <a:rPr lang="ja-JP" altLang="en-US" sz="2400" dirty="0" smtClean="0"/>
+              <a:t>合計</a:t>
+            </a:r>
+            <a:r>
+              <a:rPr lang="ja-JP" altLang="en-US" sz="2400" dirty="0"/>
+              <a:t>のレビュー数</a:t>
+            </a:r>
+            <a:r>
+              <a:rPr lang="ja-JP" altLang="en-US" sz="2400" dirty="0" smtClean="0"/>
+              <a:t>は</a:t>
+            </a:r>
+            <a:r>
+              <a:rPr lang="en-US" altLang="ja-JP" sz="2400" dirty="0" smtClean="0"/>
+              <a:t>927</a:t>
+            </a:r>
+            <a:r>
+              <a:rPr lang="ja-JP" altLang="en-US" sz="2400" dirty="0" smtClean="0"/>
+              <a:t>件</a:t>
+            </a:r>
+            <a:r>
+              <a:rPr lang="ja-JP" altLang="en-US" sz="2400" dirty="0"/>
+              <a:t>で</a:t>
+            </a:r>
+            <a:r>
+              <a:rPr lang="ja-JP" altLang="en-US" sz="2400" dirty="0" smtClean="0"/>
+              <a:t>あった．</a:t>
+            </a:r>
+            <a:endParaRPr lang="en-US" altLang="ja-JP" sz="2400" dirty="0" smtClean="0"/>
+          </a:p>
+          <a:p>
+            <a:endParaRPr lang="en-US" altLang="ja-JP" sz="2400" dirty="0"/>
+          </a:p>
+          <a:p>
+            <a:endParaRPr lang="en-US" altLang="ja-JP" sz="2400" dirty="0" smtClean="0"/>
+          </a:p>
+          <a:p>
+            <a:r>
+              <a:rPr lang="ja-JP" altLang="en-US" sz="2400" dirty="0" smtClean="0"/>
+              <a:t>購入者に絞った場合，重みを付けた場合の相関関係がともに</a:t>
+            </a:r>
+            <a:r>
+              <a:rPr lang="en-US" altLang="ja-JP" sz="2400" dirty="0" smtClean="0"/>
+              <a:t>0.5</a:t>
+            </a:r>
+            <a:r>
+              <a:rPr lang="ja-JP" altLang="en-US" sz="2400" dirty="0" smtClean="0"/>
+              <a:t>であり，</a:t>
+            </a:r>
+            <a:r>
+              <a:rPr lang="ja-JP" altLang="en-US" sz="2400" dirty="0"/>
+              <a:t>ばら</a:t>
+            </a:r>
+            <a:r>
+              <a:rPr lang="ja-JP" altLang="en-US" sz="2400" dirty="0" smtClean="0"/>
+              <a:t>つきがあることが分かる．</a:t>
+            </a:r>
+            <a:endParaRPr lang="en-US" altLang="ja-JP" sz="2400" dirty="0"/>
+          </a:p>
+          <a:p>
+            <a:r>
+              <a:rPr lang="ja-JP" altLang="en-US" sz="2400" dirty="0" smtClean="0"/>
+              <a:t>平均</a:t>
+            </a:r>
+            <a:r>
+              <a:rPr lang="ja-JP" altLang="en-US" sz="2400" dirty="0"/>
+              <a:t>評価と購入者のみ重み付き平均</a:t>
+            </a:r>
+            <a:r>
+              <a:rPr lang="ja-JP" altLang="en-US" sz="2400" dirty="0" smtClean="0"/>
+              <a:t>評価の相関関係が</a:t>
+            </a:r>
+            <a:r>
+              <a:rPr lang="en-US" altLang="ja-JP" sz="2400" dirty="0" smtClean="0"/>
+              <a:t>0.2</a:t>
+            </a:r>
+            <a:r>
+              <a:rPr lang="ja-JP" altLang="en-US" sz="2400" dirty="0" smtClean="0"/>
+              <a:t>で</a:t>
+            </a:r>
+            <a:r>
+              <a:rPr lang="ja-JP" altLang="en-US" sz="2400" dirty="0" smtClean="0"/>
+              <a:t>ありさらに相関</a:t>
+            </a:r>
+            <a:r>
+              <a:rPr lang="ja-JP" altLang="en-US" sz="2400" dirty="0" smtClean="0"/>
+              <a:t>がないことが分かる</a:t>
+            </a:r>
+            <a:r>
+              <a:rPr lang="ja-JP" altLang="en-US" sz="2400" dirty="0" smtClean="0"/>
+              <a:t>．</a:t>
+            </a:r>
+            <a:endParaRPr lang="en-US" altLang="ja-JP" sz="2400" dirty="0" smtClean="0"/>
+          </a:p>
+          <a:p>
+            <a:endParaRPr lang="en-US" altLang="ja-JP" sz="2400" dirty="0" smtClean="0"/>
+          </a:p>
+          <a:p>
+            <a:r>
+              <a:rPr lang="ja-JP" altLang="en-US" sz="2400" dirty="0" smtClean="0"/>
+              <a:t>購入者に絞り，重みをつけることで別の結果が出ることが分かった．</a:t>
+            </a:r>
+            <a:endParaRPr lang="en-US" altLang="ja-JP" sz="2400" dirty="0" smtClean="0"/>
+          </a:p>
+          <a:p>
+            <a:endParaRPr lang="en-US" altLang="ja-JP" sz="2400" dirty="0" smtClean="0"/>
+          </a:p>
+          <a:p>
+            <a:endParaRPr lang="en-US" altLang="ja-JP" sz="2400" dirty="0" smtClean="0"/>
+          </a:p>
+        </p:txBody>
+      </p:sp>
+      <p:sp>
+        <p:nvSpPr>
+          <p:cNvPr id="8" name="テキスト ボックス 7"/>
+          <p:cNvSpPr txBox="1"/>
+          <p:nvPr/>
+        </p:nvSpPr>
+        <p:spPr>
+          <a:xfrm>
             <a:off x="0" y="348953"/>
             <a:ext cx="8820472" cy="646331"/>
           </a:xfrm>
@@ -16486,115 +15266,10 @@
           </a:p>
         </p:txBody>
       </p:sp>
-      <p:sp>
-        <p:nvSpPr>
-          <p:cNvPr id="7" name="テキスト ボックス 6"/>
-          <p:cNvSpPr txBox="1"/>
-          <p:nvPr/>
-        </p:nvSpPr>
-        <p:spPr>
-          <a:xfrm>
-            <a:off x="591314" y="840234"/>
-            <a:ext cx="2592288" cy="584775"/>
-          </a:xfrm>
-          <a:prstGeom prst="rect">
-            <a:avLst/>
-          </a:prstGeom>
-          <a:noFill/>
-        </p:spPr>
-        <p:txBody>
-          <a:bodyPr wrap="square" rtlCol="0">
-            <a:spAutoFit/>
-          </a:bodyPr>
-          <a:lstStyle/>
-          <a:p>
-            <a:r>
-              <a:rPr kumimoji="1" lang="ja-JP" altLang="en-US" sz="3200" dirty="0" smtClean="0"/>
-              <a:t>散布図</a:t>
-            </a:r>
-            <a:r>
-              <a:rPr kumimoji="1" lang="en-US" altLang="ja-JP" sz="3200" dirty="0" smtClean="0"/>
-              <a:t>(21</a:t>
-            </a:r>
-            <a:r>
-              <a:rPr lang="ja-JP" altLang="en-US" sz="3200" dirty="0" smtClean="0"/>
-              <a:t>件</a:t>
-            </a:r>
-            <a:r>
-              <a:rPr kumimoji="1" lang="en-US" altLang="ja-JP" sz="3200" dirty="0" smtClean="0"/>
-              <a:t>)</a:t>
-            </a:r>
-            <a:endParaRPr kumimoji="1" lang="ja-JP" altLang="en-US" sz="3200" dirty="0"/>
-          </a:p>
-        </p:txBody>
-      </p:sp>
-      <p:sp>
-        <p:nvSpPr>
-          <p:cNvPr id="9" name="テキスト ボックス 8"/>
-          <p:cNvSpPr txBox="1"/>
-          <p:nvPr/>
-        </p:nvSpPr>
-        <p:spPr>
-          <a:xfrm>
-            <a:off x="591314" y="5661248"/>
-            <a:ext cx="2920812" cy="1107996"/>
-          </a:xfrm>
-          <a:prstGeom prst="rect">
-            <a:avLst/>
-          </a:prstGeom>
-          <a:noFill/>
-        </p:spPr>
-        <p:txBody>
-          <a:bodyPr wrap="square" rtlCol="0">
-            <a:spAutoFit/>
-          </a:bodyPr>
-          <a:lstStyle/>
-          <a:p>
-            <a:r>
-              <a:rPr lang="en-US" altLang="ja-JP" sz="2400" dirty="0"/>
-              <a:t>y = 0.9826x + 0.0515</a:t>
-            </a:r>
-            <a:br>
-              <a:rPr lang="en-US" altLang="ja-JP" sz="2400" dirty="0"/>
-            </a:br>
-            <a:r>
-              <a:rPr lang="en-US" altLang="ja-JP" sz="2400" dirty="0"/>
-              <a:t>R² = 0.7516</a:t>
-            </a:r>
-          </a:p>
-          <a:p>
-            <a:endParaRPr kumimoji="1" lang="ja-JP" altLang="en-US" dirty="0"/>
-          </a:p>
-        </p:txBody>
-      </p:sp>
-      <p:graphicFrame>
-        <p:nvGraphicFramePr>
-          <p:cNvPr id="8" name="グラフ 7"/>
-          <p:cNvGraphicFramePr>
-            <a:graphicFrameLocks/>
-          </p:cNvGraphicFramePr>
-          <p:nvPr>
-            <p:extLst>
-              <p:ext uri="{D42A27DB-BD31-4B8C-83A1-F6EECF244321}">
-                <p14:modId xmlns:p14="http://schemas.microsoft.com/office/powerpoint/2010/main" val="3329850014"/>
-              </p:ext>
-            </p:extLst>
-          </p:nvPr>
-        </p:nvGraphicFramePr>
-        <p:xfrm>
-          <a:off x="591314" y="1628800"/>
-          <a:ext cx="7437070" cy="4032448"/>
-        </p:xfrm>
-        <a:graphic>
-          <a:graphicData uri="http://schemas.openxmlformats.org/drawingml/2006/chart">
-            <c:chart xmlns:c="http://schemas.openxmlformats.org/drawingml/2006/chart" xmlns:r="http://schemas.openxmlformats.org/officeDocument/2006/relationships" r:id="rId3"/>
-          </a:graphicData>
-        </a:graphic>
-      </p:graphicFrame>
     </p:spTree>
     <p:extLst>
       <p:ext uri="{BB962C8B-B14F-4D97-AF65-F5344CB8AC3E}">
-        <p14:creationId xmlns:p14="http://schemas.microsoft.com/office/powerpoint/2010/main" val="2905813077"/>
+        <p14:creationId xmlns:p14="http://schemas.microsoft.com/office/powerpoint/2010/main" val="898511074"/>
       </p:ext>
     </p:extLst>
   </p:cSld>
@@ -16653,180 +15328,7 @@
       </p:sp>
       <p:sp>
         <p:nvSpPr>
-          <p:cNvPr id="6" name="テキスト ボックス 5"/>
-          <p:cNvSpPr txBox="1"/>
-          <p:nvPr/>
-        </p:nvSpPr>
-        <p:spPr>
-          <a:xfrm>
-            <a:off x="467544" y="995284"/>
-            <a:ext cx="7304856" cy="1446550"/>
-          </a:xfrm>
-          <a:prstGeom prst="rect">
-            <a:avLst/>
-          </a:prstGeom>
-          <a:noFill/>
-        </p:spPr>
-        <p:txBody>
-          <a:bodyPr wrap="square" rtlCol="0">
-            <a:spAutoFit/>
-          </a:bodyPr>
-          <a:lstStyle/>
-          <a:p>
-            <a:endParaRPr kumimoji="1" lang="en-US" altLang="ja-JP" sz="3200" dirty="0" smtClean="0"/>
-          </a:p>
-          <a:p>
-            <a:pPr marL="285750" indent="-285750">
-              <a:buFont typeface="Arial" panose="020B0604020202020204" pitchFamily="34" charset="0"/>
-              <a:buChar char="•"/>
-            </a:pPr>
-            <a:endParaRPr lang="en-US" altLang="ja-JP" sz="2800" dirty="0" smtClean="0"/>
-          </a:p>
-          <a:p>
-            <a:pPr marL="285750" indent="-285750">
-              <a:buFont typeface="Arial" panose="020B0604020202020204" pitchFamily="34" charset="0"/>
-              <a:buChar char="•"/>
-            </a:pPr>
-            <a:endParaRPr lang="en-US" altLang="ja-JP" sz="2800" dirty="0" smtClean="0"/>
-          </a:p>
-        </p:txBody>
-      </p:sp>
-      <p:sp>
-        <p:nvSpPr>
-          <p:cNvPr id="7" name="正方形/長方形 6"/>
-          <p:cNvSpPr/>
-          <p:nvPr/>
-        </p:nvSpPr>
-        <p:spPr>
-          <a:xfrm>
-            <a:off x="325140" y="1437774"/>
-            <a:ext cx="7956376" cy="5632311"/>
-          </a:xfrm>
-          <a:prstGeom prst="rect">
-            <a:avLst/>
-          </a:prstGeom>
-        </p:spPr>
-        <p:txBody>
-          <a:bodyPr wrap="square">
-            <a:spAutoFit/>
-          </a:bodyPr>
-          <a:lstStyle/>
-          <a:p>
-            <a:r>
-              <a:rPr lang="en-US" altLang="ja-JP" sz="2400" dirty="0" smtClean="0"/>
-              <a:t>21</a:t>
-            </a:r>
-            <a:r>
-              <a:rPr lang="ja-JP" altLang="en-US" sz="2400" dirty="0" smtClean="0"/>
-              <a:t>件の</a:t>
-            </a:r>
-            <a:r>
-              <a:rPr lang="ja-JP" altLang="en-US" sz="2400" dirty="0"/>
-              <a:t>データを調査した．</a:t>
-            </a:r>
-            <a:endParaRPr lang="en-US" altLang="ja-JP" sz="2400" dirty="0"/>
-          </a:p>
-          <a:p>
-            <a:r>
-              <a:rPr lang="ja-JP" altLang="en-US" sz="2400" dirty="0" smtClean="0"/>
-              <a:t>合計</a:t>
-            </a:r>
-            <a:r>
-              <a:rPr lang="ja-JP" altLang="en-US" sz="2400" dirty="0"/>
-              <a:t>のレビュー数</a:t>
-            </a:r>
-            <a:r>
-              <a:rPr lang="ja-JP" altLang="en-US" sz="2400" dirty="0" smtClean="0"/>
-              <a:t>は</a:t>
-            </a:r>
-            <a:r>
-              <a:rPr lang="en-US" altLang="ja-JP" sz="2400" dirty="0" smtClean="0"/>
-              <a:t>927</a:t>
-            </a:r>
-            <a:r>
-              <a:rPr lang="ja-JP" altLang="en-US" sz="2400" dirty="0" smtClean="0"/>
-              <a:t>件</a:t>
-            </a:r>
-            <a:r>
-              <a:rPr lang="ja-JP" altLang="en-US" sz="2400" dirty="0"/>
-              <a:t>で</a:t>
-            </a:r>
-            <a:r>
-              <a:rPr lang="ja-JP" altLang="en-US" sz="2400" dirty="0" smtClean="0"/>
-              <a:t>あった．</a:t>
-            </a:r>
-            <a:endParaRPr lang="en-US" altLang="ja-JP" sz="2400" dirty="0" smtClean="0"/>
-          </a:p>
-          <a:p>
-            <a:endParaRPr lang="en-US" altLang="ja-JP" sz="2400" dirty="0"/>
-          </a:p>
-          <a:p>
-            <a:r>
-              <a:rPr lang="ja-JP" altLang="en-US" sz="2400" dirty="0"/>
-              <a:t>平均評価と購入者のみ重み付き平均</a:t>
-            </a:r>
-            <a:r>
-              <a:rPr lang="ja-JP" altLang="en-US" sz="2400" dirty="0" smtClean="0"/>
-              <a:t>評価の相関関係が</a:t>
-            </a:r>
-            <a:r>
-              <a:rPr lang="en-US" altLang="ja-JP" sz="2400" dirty="0" smtClean="0"/>
-              <a:t>0.2</a:t>
-            </a:r>
-            <a:r>
-              <a:rPr lang="ja-JP" altLang="en-US" sz="2400" dirty="0" smtClean="0"/>
-              <a:t>であり相関がないことが分かる．</a:t>
-            </a:r>
-            <a:endParaRPr lang="en-US" altLang="ja-JP" sz="2400" dirty="0" smtClean="0"/>
-          </a:p>
-          <a:p>
-            <a:endParaRPr lang="en-US" altLang="ja-JP" sz="2400" dirty="0" smtClean="0"/>
-          </a:p>
-          <a:p>
-            <a:r>
-              <a:rPr lang="ja-JP" altLang="en-US" sz="2400" dirty="0"/>
-              <a:t>重み付き平均評価と購入者のみ重み付き平均</a:t>
-            </a:r>
-            <a:r>
-              <a:rPr lang="ja-JP" altLang="en-US" sz="2400" dirty="0" smtClean="0"/>
-              <a:t>の相関があ</a:t>
-            </a:r>
-            <a:r>
-              <a:rPr lang="ja-JP" altLang="en-US" sz="2400" dirty="0"/>
-              <a:t>り</a:t>
-            </a:r>
-            <a:r>
-              <a:rPr lang="ja-JP" altLang="en-US" sz="2400" dirty="0" smtClean="0"/>
-              <a:t>，購入者と非購入者の間では差がないことが分かった．</a:t>
-            </a:r>
-            <a:endParaRPr lang="en-US" altLang="ja-JP" sz="2400" dirty="0"/>
-          </a:p>
-          <a:p>
-            <a:endParaRPr lang="en-US" altLang="ja-JP" sz="2400" dirty="0" smtClean="0"/>
-          </a:p>
-          <a:p>
-            <a:endParaRPr lang="en-US" altLang="ja-JP" sz="2400" dirty="0" smtClean="0"/>
-          </a:p>
-          <a:p>
-            <a:endParaRPr lang="en-US" altLang="ja-JP" sz="2400" dirty="0" smtClean="0"/>
-          </a:p>
-          <a:p>
-            <a:endParaRPr lang="en-US" altLang="ja-JP" sz="2400" dirty="0"/>
-          </a:p>
-          <a:p>
-            <a:endParaRPr lang="en-US" altLang="ja-JP" sz="2400" dirty="0"/>
-          </a:p>
-          <a:p>
-            <a:endParaRPr lang="en-US" altLang="ja-JP" sz="2400" dirty="0" smtClean="0"/>
-          </a:p>
-          <a:p>
-            <a:endParaRPr lang="ja-JP" altLang="en-US" sz="2400" dirty="0"/>
-          </a:p>
-        </p:txBody>
-      </p:sp>
-      <p:sp>
-        <p:nvSpPr>
-          <p:cNvPr id="8" name="テキスト ボックス 7"/>
+          <p:cNvPr id="4" name="テキスト ボックス 3"/>
           <p:cNvSpPr txBox="1"/>
           <p:nvPr/>
         </p:nvSpPr>
@@ -16848,21 +15350,397 @@
           <a:p>
             <a:pPr algn="ctr"/>
             <a:r>
-              <a:rPr lang="ja-JP" altLang="en-US" sz="3600" b="1" u="sng" dirty="0" smtClean="0"/>
-              <a:t>研究</a:t>
-            </a:r>
-            <a:r>
               <a:rPr lang="ja-JP" altLang="en-US" sz="3600" b="1" u="sng" dirty="0"/>
-              <a:t>結果</a:t>
+              <a:t>考察</a:t>
             </a:r>
             <a:endParaRPr kumimoji="1" lang="ja-JP" altLang="en-US" sz="3600" b="1" u="sng" dirty="0"/>
+          </a:p>
+        </p:txBody>
+      </p:sp>
+      <p:sp>
+        <p:nvSpPr>
+          <p:cNvPr id="7" name="正方形/長方形 6"/>
+          <p:cNvSpPr/>
+          <p:nvPr/>
+        </p:nvSpPr>
+        <p:spPr>
+          <a:xfrm>
+            <a:off x="325140" y="1437774"/>
+            <a:ext cx="8135292" cy="3416320"/>
+          </a:xfrm>
+          <a:prstGeom prst="rect">
+            <a:avLst/>
+          </a:prstGeom>
+        </p:spPr>
+        <p:txBody>
+          <a:bodyPr wrap="square">
+            <a:spAutoFit/>
+          </a:bodyPr>
+          <a:lstStyle/>
+          <a:p>
+            <a:pPr marL="342900" indent="-342900">
+              <a:buFont typeface="Arial" panose="020B0604020202020204" pitchFamily="34" charset="0"/>
+              <a:buChar char="•"/>
+            </a:pPr>
+            <a:r>
+              <a:rPr lang="ja-JP" altLang="en-US" sz="2400" dirty="0" smtClean="0"/>
+              <a:t>今回しらべたデータが</a:t>
+            </a:r>
+            <a:r>
+              <a:rPr lang="ja-JP" altLang="en-US" sz="2400" dirty="0"/>
+              <a:t>「</a:t>
+            </a:r>
+            <a:r>
+              <a:rPr lang="en-US" altLang="ja-JP" sz="2400" dirty="0"/>
+              <a:t> 2003</a:t>
+            </a:r>
+            <a:r>
+              <a:rPr lang="ja-JP" altLang="en-US" sz="2400" dirty="0"/>
+              <a:t>年」 の間で「アニメ映画」の</a:t>
+            </a:r>
+            <a:r>
+              <a:rPr lang="ja-JP" altLang="en-US" sz="2400" dirty="0" smtClean="0"/>
+              <a:t>もののレビューデータを抽出した．</a:t>
+            </a:r>
+            <a:endParaRPr lang="en-US" altLang="ja-JP" sz="2400" dirty="0" smtClean="0"/>
+          </a:p>
+          <a:p>
+            <a:pPr marL="342900" indent="-342900">
+              <a:buFont typeface="Arial" panose="020B0604020202020204" pitchFamily="34" charset="0"/>
+              <a:buChar char="•"/>
+            </a:pPr>
+            <a:endParaRPr lang="en-US" altLang="ja-JP" sz="2400" dirty="0"/>
+          </a:p>
+          <a:p>
+            <a:pPr marL="342900" indent="-342900">
+              <a:buFont typeface="Arial" panose="020B0604020202020204" pitchFamily="34" charset="0"/>
+              <a:buChar char="•"/>
+            </a:pPr>
+            <a:endParaRPr lang="en-US" altLang="ja-JP" sz="2400" dirty="0" smtClean="0"/>
+          </a:p>
+          <a:p>
+            <a:pPr lvl="1"/>
+            <a:r>
+              <a:rPr lang="en-US" altLang="ja-JP" sz="2400" dirty="0"/>
+              <a:t>-</a:t>
+            </a:r>
+            <a:r>
+              <a:rPr lang="ja-JP" altLang="en-US" sz="2400" dirty="0" smtClean="0"/>
+              <a:t>そのため「</a:t>
+            </a:r>
+            <a:r>
+              <a:rPr lang="en-US" altLang="ja-JP" sz="2400" dirty="0" smtClean="0"/>
+              <a:t>2003</a:t>
+            </a:r>
+            <a:r>
+              <a:rPr lang="ja-JP" altLang="en-US" sz="2400" dirty="0" smtClean="0"/>
+              <a:t>年」の「アニメ映画」という括りではレビューの「平均評価」，「重み着き平均評価」「購入者のみの重み付き平均評価」に差はなく，このような分析をする必要がないことが推測される．</a:t>
+            </a:r>
+            <a:endParaRPr lang="en-US" altLang="ja-JP" sz="2400" dirty="0" smtClean="0"/>
+          </a:p>
+          <a:p>
+            <a:pPr marL="342900" indent="-342900">
+              <a:buFont typeface="Arial" panose="020B0604020202020204" pitchFamily="34" charset="0"/>
+              <a:buChar char="•"/>
+            </a:pPr>
+            <a:endParaRPr lang="en-US" altLang="ja-JP" sz="2400" dirty="0"/>
+          </a:p>
+        </p:txBody>
+      </p:sp>
+      <p:sp>
+        <p:nvSpPr>
+          <p:cNvPr id="12" name="正方形/長方形 11"/>
+          <p:cNvSpPr/>
+          <p:nvPr/>
+        </p:nvSpPr>
+        <p:spPr>
+          <a:xfrm>
+            <a:off x="3387643" y="4953426"/>
+            <a:ext cx="1080120" cy="301671"/>
+          </a:xfrm>
+          <a:prstGeom prst="rect">
+            <a:avLst/>
+          </a:prstGeom>
+        </p:spPr>
+        <p:style>
+          <a:lnRef idx="2">
+            <a:schemeClr val="accent1">
+              <a:shade val="50000"/>
+            </a:schemeClr>
+          </a:lnRef>
+          <a:fillRef idx="1">
+            <a:schemeClr val="accent1"/>
+          </a:fillRef>
+          <a:effectRef idx="0">
+            <a:schemeClr val="accent1"/>
+          </a:effectRef>
+          <a:fontRef idx="minor">
+            <a:schemeClr val="lt1"/>
+          </a:fontRef>
+        </p:style>
+        <p:txBody>
+          <a:bodyPr rtlCol="0" anchor="ctr"/>
+          <a:lstStyle/>
+          <a:p>
+            <a:pPr algn="ctr"/>
+            <a:r>
+              <a:rPr kumimoji="1" lang="en-US" altLang="ja-JP" dirty="0" smtClean="0"/>
+              <a:t>and</a:t>
+            </a:r>
+            <a:endParaRPr kumimoji="1" lang="ja-JP" altLang="en-US" dirty="0"/>
+          </a:p>
+        </p:txBody>
+      </p:sp>
+      <p:sp>
+        <p:nvSpPr>
+          <p:cNvPr id="28" name="正方形/長方形 27"/>
+          <p:cNvSpPr/>
+          <p:nvPr/>
+        </p:nvSpPr>
+        <p:spPr>
+          <a:xfrm>
+            <a:off x="1980583" y="4877713"/>
+            <a:ext cx="1360966" cy="430932"/>
+          </a:xfrm>
+          <a:prstGeom prst="rect">
+            <a:avLst/>
+          </a:prstGeom>
+          <a:noFill/>
+          <a:ln>
+            <a:solidFill>
+              <a:srgbClr val="92D050"/>
+            </a:solidFill>
+          </a:ln>
+        </p:spPr>
+        <p:style>
+          <a:lnRef idx="2">
+            <a:schemeClr val="accent1">
+              <a:shade val="50000"/>
+            </a:schemeClr>
+          </a:lnRef>
+          <a:fillRef idx="1">
+            <a:schemeClr val="accent1"/>
+          </a:fillRef>
+          <a:effectRef idx="0">
+            <a:schemeClr val="accent1"/>
+          </a:effectRef>
+          <a:fontRef idx="minor">
+            <a:schemeClr val="lt1"/>
+          </a:fontRef>
+        </p:style>
+        <p:txBody>
+          <a:bodyPr rtlCol="0" anchor="ctr"/>
+          <a:lstStyle/>
+          <a:p>
+            <a:pPr algn="ctr"/>
+            <a:r>
+              <a:rPr lang="ja-JP" altLang="en-US" dirty="0" smtClean="0">
+                <a:solidFill>
+                  <a:schemeClr val="tx1"/>
+                </a:solidFill>
+              </a:rPr>
+              <a:t>「</a:t>
+            </a:r>
+            <a:r>
+              <a:rPr lang="en-US" altLang="ja-JP" dirty="0" smtClean="0">
+                <a:solidFill>
+                  <a:schemeClr val="tx1"/>
+                </a:solidFill>
+              </a:rPr>
+              <a:t>2003</a:t>
+            </a:r>
+            <a:r>
+              <a:rPr lang="ja-JP" altLang="en-US" dirty="0" smtClean="0">
+                <a:solidFill>
+                  <a:schemeClr val="tx1"/>
+                </a:solidFill>
+              </a:rPr>
+              <a:t>年」</a:t>
+            </a:r>
+            <a:endParaRPr kumimoji="1" lang="ja-JP" altLang="en-US" dirty="0">
+              <a:solidFill>
+                <a:schemeClr val="tx1"/>
+              </a:solidFill>
+            </a:endParaRPr>
+          </a:p>
+        </p:txBody>
+      </p:sp>
+      <p:sp>
+        <p:nvSpPr>
+          <p:cNvPr id="22" name="正方形/長方形 21"/>
+          <p:cNvSpPr/>
+          <p:nvPr/>
+        </p:nvSpPr>
+        <p:spPr>
+          <a:xfrm>
+            <a:off x="4533965" y="4863424"/>
+            <a:ext cx="1706596" cy="430932"/>
+          </a:xfrm>
+          <a:prstGeom prst="rect">
+            <a:avLst/>
+          </a:prstGeom>
+          <a:noFill/>
+          <a:ln>
+            <a:solidFill>
+              <a:srgbClr val="92D050"/>
+            </a:solidFill>
+          </a:ln>
+        </p:spPr>
+        <p:style>
+          <a:lnRef idx="2">
+            <a:schemeClr val="accent1">
+              <a:shade val="50000"/>
+            </a:schemeClr>
+          </a:lnRef>
+          <a:fillRef idx="1">
+            <a:schemeClr val="accent1"/>
+          </a:fillRef>
+          <a:effectRef idx="0">
+            <a:schemeClr val="accent1"/>
+          </a:effectRef>
+          <a:fontRef idx="minor">
+            <a:schemeClr val="lt1"/>
+          </a:fontRef>
+        </p:style>
+        <p:txBody>
+          <a:bodyPr rtlCol="0" anchor="ctr"/>
+          <a:lstStyle/>
+          <a:p>
+            <a:pPr algn="ctr"/>
+            <a:r>
+              <a:rPr lang="ja-JP" altLang="en-US" dirty="0" smtClean="0">
+                <a:solidFill>
+                  <a:schemeClr val="tx1"/>
+                </a:solidFill>
+              </a:rPr>
+              <a:t>「</a:t>
+            </a:r>
+            <a:r>
+              <a:rPr lang="ja-JP" altLang="en-US" dirty="0">
+                <a:solidFill>
+                  <a:schemeClr val="tx1"/>
+                </a:solidFill>
+              </a:rPr>
+              <a:t>アニメ映画</a:t>
+            </a:r>
+            <a:r>
+              <a:rPr lang="ja-JP" altLang="en-US" dirty="0" smtClean="0">
+                <a:solidFill>
+                  <a:schemeClr val="tx1"/>
+                </a:solidFill>
+              </a:rPr>
+              <a:t>」</a:t>
+            </a:r>
+            <a:endParaRPr kumimoji="1" lang="ja-JP" altLang="en-US" dirty="0">
+              <a:solidFill>
+                <a:schemeClr val="tx1"/>
+              </a:solidFill>
+            </a:endParaRPr>
+          </a:p>
+        </p:txBody>
+      </p:sp>
+      <p:sp>
+        <p:nvSpPr>
+          <p:cNvPr id="5" name="下矢印 4"/>
+          <p:cNvSpPr/>
+          <p:nvPr/>
+        </p:nvSpPr>
+        <p:spPr>
+          <a:xfrm>
+            <a:off x="3171619" y="5542603"/>
+            <a:ext cx="1512168" cy="504056"/>
+          </a:xfrm>
+          <a:prstGeom prst="downArrow">
+            <a:avLst/>
+          </a:prstGeom>
+        </p:spPr>
+        <p:style>
+          <a:lnRef idx="2">
+            <a:schemeClr val="accent1">
+              <a:shade val="50000"/>
+            </a:schemeClr>
+          </a:lnRef>
+          <a:fillRef idx="1">
+            <a:schemeClr val="accent1"/>
+          </a:fillRef>
+          <a:effectRef idx="0">
+            <a:schemeClr val="accent1"/>
+          </a:effectRef>
+          <a:fontRef idx="minor">
+            <a:schemeClr val="lt1"/>
+          </a:fontRef>
+        </p:style>
+        <p:txBody>
+          <a:bodyPr rtlCol="0" anchor="ctr"/>
+          <a:lstStyle/>
+          <a:p>
+            <a:pPr algn="ctr"/>
+            <a:endParaRPr kumimoji="1" lang="ja-JP" altLang="en-US"/>
+          </a:p>
+        </p:txBody>
+      </p:sp>
+      <p:sp>
+        <p:nvSpPr>
+          <p:cNvPr id="27" name="正方形/長方形 26"/>
+          <p:cNvSpPr/>
+          <p:nvPr/>
+        </p:nvSpPr>
+        <p:spPr>
+          <a:xfrm>
+            <a:off x="1259632" y="6165304"/>
+            <a:ext cx="5687761" cy="430932"/>
+          </a:xfrm>
+          <a:prstGeom prst="rect">
+            <a:avLst/>
+          </a:prstGeom>
+          <a:noFill/>
+          <a:ln>
+            <a:solidFill>
+              <a:srgbClr val="92D050"/>
+            </a:solidFill>
+          </a:ln>
+        </p:spPr>
+        <p:style>
+          <a:lnRef idx="2">
+            <a:schemeClr val="accent1">
+              <a:shade val="50000"/>
+            </a:schemeClr>
+          </a:lnRef>
+          <a:fillRef idx="1">
+            <a:schemeClr val="accent1"/>
+          </a:fillRef>
+          <a:effectRef idx="0">
+            <a:schemeClr val="accent1"/>
+          </a:effectRef>
+          <a:fontRef idx="minor">
+            <a:schemeClr val="lt1"/>
+          </a:fontRef>
+        </p:style>
+        <p:txBody>
+          <a:bodyPr rtlCol="0" anchor="ctr"/>
+          <a:lstStyle/>
+          <a:p>
+            <a:pPr algn="ctr"/>
+            <a:r>
+              <a:rPr lang="ja-JP" altLang="en-US" dirty="0" smtClean="0">
+                <a:solidFill>
+                  <a:schemeClr val="tx1"/>
+                </a:solidFill>
+              </a:rPr>
+              <a:t>重み付き平均を導く必要はなく平均評価で問題ない</a:t>
+            </a:r>
+            <a:endParaRPr kumimoji="1" lang="ja-JP" altLang="en-US" dirty="0">
+              <a:solidFill>
+                <a:schemeClr val="tx1"/>
+              </a:solidFill>
+            </a:endParaRPr>
           </a:p>
         </p:txBody>
       </p:sp>
     </p:spTree>
     <p:extLst>
       <p:ext uri="{BB962C8B-B14F-4D97-AF65-F5344CB8AC3E}">
-        <p14:creationId xmlns:p14="http://schemas.microsoft.com/office/powerpoint/2010/main" val="898511074"/>
+        <p14:creationId xmlns:p14="http://schemas.microsoft.com/office/powerpoint/2010/main" val="3681554722"/>
       </p:ext>
     </p:extLst>
   </p:cSld>
@@ -16943,477 +15821,6 @@
           <a:p>
             <a:pPr algn="ctr"/>
             <a:r>
-              <a:rPr lang="ja-JP" altLang="en-US" sz="3600" b="1" u="sng" dirty="0"/>
-              <a:t>考察</a:t>
-            </a:r>
-            <a:endParaRPr kumimoji="1" lang="ja-JP" altLang="en-US" sz="3600" b="1" u="sng" dirty="0"/>
-          </a:p>
-        </p:txBody>
-      </p:sp>
-      <p:sp>
-        <p:nvSpPr>
-          <p:cNvPr id="7" name="正方形/長方形 6"/>
-          <p:cNvSpPr/>
-          <p:nvPr/>
-        </p:nvSpPr>
-        <p:spPr>
-          <a:xfrm>
-            <a:off x="325140" y="1437774"/>
-            <a:ext cx="8135292" cy="3416320"/>
-          </a:xfrm>
-          <a:prstGeom prst="rect">
-            <a:avLst/>
-          </a:prstGeom>
-        </p:spPr>
-        <p:txBody>
-          <a:bodyPr wrap="square">
-            <a:spAutoFit/>
-          </a:bodyPr>
-          <a:lstStyle/>
-          <a:p>
-            <a:pPr marL="342900" indent="-342900">
-              <a:buFont typeface="Arial" panose="020B0604020202020204" pitchFamily="34" charset="0"/>
-              <a:buChar char="•"/>
-            </a:pPr>
-            <a:r>
-              <a:rPr lang="ja-JP" altLang="en-US" sz="2400" dirty="0" smtClean="0"/>
-              <a:t>今回しらべたデータが</a:t>
-            </a:r>
-            <a:r>
-              <a:rPr lang="ja-JP" altLang="en-US" sz="2400" dirty="0"/>
-              <a:t>「</a:t>
-            </a:r>
-            <a:r>
-              <a:rPr lang="en-US" altLang="ja-JP" sz="2400" dirty="0"/>
-              <a:t> 2003</a:t>
-            </a:r>
-            <a:r>
-              <a:rPr lang="ja-JP" altLang="en-US" sz="2400" dirty="0"/>
-              <a:t>年」 の間で「アニメ映画」の</a:t>
-            </a:r>
-            <a:r>
-              <a:rPr lang="ja-JP" altLang="en-US" sz="2400" dirty="0" smtClean="0"/>
-              <a:t>もののレビューデータを抽出した．</a:t>
-            </a:r>
-            <a:endParaRPr lang="en-US" altLang="ja-JP" sz="2400" dirty="0" smtClean="0"/>
-          </a:p>
-          <a:p>
-            <a:pPr marL="342900" indent="-342900">
-              <a:buFont typeface="Arial" panose="020B0604020202020204" pitchFamily="34" charset="0"/>
-              <a:buChar char="•"/>
-            </a:pPr>
-            <a:endParaRPr lang="en-US" altLang="ja-JP" sz="2400" dirty="0"/>
-          </a:p>
-          <a:p>
-            <a:pPr marL="342900" indent="-342900">
-              <a:buFont typeface="Arial" panose="020B0604020202020204" pitchFamily="34" charset="0"/>
-              <a:buChar char="•"/>
-            </a:pPr>
-            <a:endParaRPr lang="en-US" altLang="ja-JP" sz="2400" dirty="0" smtClean="0"/>
-          </a:p>
-          <a:p>
-            <a:pPr lvl="1"/>
-            <a:r>
-              <a:rPr lang="en-US" altLang="ja-JP" sz="2400" dirty="0"/>
-              <a:t>-</a:t>
-            </a:r>
-            <a:r>
-              <a:rPr lang="ja-JP" altLang="en-US" sz="2400" dirty="0" smtClean="0"/>
-              <a:t>そのため「</a:t>
-            </a:r>
-            <a:r>
-              <a:rPr lang="en-US" altLang="ja-JP" sz="2400" dirty="0" smtClean="0"/>
-              <a:t>2003</a:t>
-            </a:r>
-            <a:r>
-              <a:rPr lang="ja-JP" altLang="en-US" sz="2400" dirty="0" smtClean="0"/>
-              <a:t>年」の「アニメ映画」という括りではレビューの「平均評価」，「重み着き平均評価」「購入者のみの重み付き平均評価」に差はなく，このような分析をする必要がないことが推測される．</a:t>
-            </a:r>
-            <a:endParaRPr lang="en-US" altLang="ja-JP" sz="2400" dirty="0" smtClean="0"/>
-          </a:p>
-          <a:p>
-            <a:pPr marL="342900" indent="-342900">
-              <a:buFont typeface="Arial" panose="020B0604020202020204" pitchFamily="34" charset="0"/>
-              <a:buChar char="•"/>
-            </a:pPr>
-            <a:endParaRPr lang="en-US" altLang="ja-JP" sz="2400" dirty="0"/>
-          </a:p>
-        </p:txBody>
-      </p:sp>
-      <p:sp>
-        <p:nvSpPr>
-          <p:cNvPr id="12" name="正方形/長方形 11"/>
-          <p:cNvSpPr/>
-          <p:nvPr/>
-        </p:nvSpPr>
-        <p:spPr>
-          <a:xfrm>
-            <a:off x="3387643" y="4953426"/>
-            <a:ext cx="1080120" cy="301671"/>
-          </a:xfrm>
-          <a:prstGeom prst="rect">
-            <a:avLst/>
-          </a:prstGeom>
-        </p:spPr>
-        <p:style>
-          <a:lnRef idx="2">
-            <a:schemeClr val="accent1">
-              <a:shade val="50000"/>
-            </a:schemeClr>
-          </a:lnRef>
-          <a:fillRef idx="1">
-            <a:schemeClr val="accent1"/>
-          </a:fillRef>
-          <a:effectRef idx="0">
-            <a:schemeClr val="accent1"/>
-          </a:effectRef>
-          <a:fontRef idx="minor">
-            <a:schemeClr val="lt1"/>
-          </a:fontRef>
-        </p:style>
-        <p:txBody>
-          <a:bodyPr rtlCol="0" anchor="ctr"/>
-          <a:lstStyle/>
-          <a:p>
-            <a:pPr algn="ctr"/>
-            <a:r>
-              <a:rPr kumimoji="1" lang="en-US" altLang="ja-JP" dirty="0" smtClean="0"/>
-              <a:t>and</a:t>
-            </a:r>
-            <a:endParaRPr kumimoji="1" lang="ja-JP" altLang="en-US" dirty="0"/>
-          </a:p>
-        </p:txBody>
-      </p:sp>
-      <p:sp>
-        <p:nvSpPr>
-          <p:cNvPr id="28" name="正方形/長方形 27"/>
-          <p:cNvSpPr/>
-          <p:nvPr/>
-        </p:nvSpPr>
-        <p:spPr>
-          <a:xfrm>
-            <a:off x="1980583" y="4877713"/>
-            <a:ext cx="1360966" cy="430932"/>
-          </a:xfrm>
-          <a:prstGeom prst="rect">
-            <a:avLst/>
-          </a:prstGeom>
-          <a:noFill/>
-          <a:ln>
-            <a:solidFill>
-              <a:srgbClr val="92D050"/>
-            </a:solidFill>
-          </a:ln>
-        </p:spPr>
-        <p:style>
-          <a:lnRef idx="2">
-            <a:schemeClr val="accent1">
-              <a:shade val="50000"/>
-            </a:schemeClr>
-          </a:lnRef>
-          <a:fillRef idx="1">
-            <a:schemeClr val="accent1"/>
-          </a:fillRef>
-          <a:effectRef idx="0">
-            <a:schemeClr val="accent1"/>
-          </a:effectRef>
-          <a:fontRef idx="minor">
-            <a:schemeClr val="lt1"/>
-          </a:fontRef>
-        </p:style>
-        <p:txBody>
-          <a:bodyPr rtlCol="0" anchor="ctr"/>
-          <a:lstStyle/>
-          <a:p>
-            <a:pPr algn="ctr"/>
-            <a:r>
-              <a:rPr lang="ja-JP" altLang="en-US" dirty="0" smtClean="0">
-                <a:solidFill>
-                  <a:schemeClr val="tx1"/>
-                </a:solidFill>
-              </a:rPr>
-              <a:t>「</a:t>
-            </a:r>
-            <a:r>
-              <a:rPr lang="en-US" altLang="ja-JP" dirty="0" smtClean="0">
-                <a:solidFill>
-                  <a:schemeClr val="tx1"/>
-                </a:solidFill>
-              </a:rPr>
-              <a:t>2003</a:t>
-            </a:r>
-            <a:r>
-              <a:rPr lang="ja-JP" altLang="en-US" dirty="0" smtClean="0">
-                <a:solidFill>
-                  <a:schemeClr val="tx1"/>
-                </a:solidFill>
-              </a:rPr>
-              <a:t>年」</a:t>
-            </a:r>
-            <a:endParaRPr kumimoji="1" lang="ja-JP" altLang="en-US" dirty="0">
-              <a:solidFill>
-                <a:schemeClr val="tx1"/>
-              </a:solidFill>
-            </a:endParaRPr>
-          </a:p>
-        </p:txBody>
-      </p:sp>
-      <p:sp>
-        <p:nvSpPr>
-          <p:cNvPr id="22" name="正方形/長方形 21"/>
-          <p:cNvSpPr/>
-          <p:nvPr/>
-        </p:nvSpPr>
-        <p:spPr>
-          <a:xfrm>
-            <a:off x="4533965" y="4863424"/>
-            <a:ext cx="1706596" cy="430932"/>
-          </a:xfrm>
-          <a:prstGeom prst="rect">
-            <a:avLst/>
-          </a:prstGeom>
-          <a:noFill/>
-          <a:ln>
-            <a:solidFill>
-              <a:srgbClr val="92D050"/>
-            </a:solidFill>
-          </a:ln>
-        </p:spPr>
-        <p:style>
-          <a:lnRef idx="2">
-            <a:schemeClr val="accent1">
-              <a:shade val="50000"/>
-            </a:schemeClr>
-          </a:lnRef>
-          <a:fillRef idx="1">
-            <a:schemeClr val="accent1"/>
-          </a:fillRef>
-          <a:effectRef idx="0">
-            <a:schemeClr val="accent1"/>
-          </a:effectRef>
-          <a:fontRef idx="minor">
-            <a:schemeClr val="lt1"/>
-          </a:fontRef>
-        </p:style>
-        <p:txBody>
-          <a:bodyPr rtlCol="0" anchor="ctr"/>
-          <a:lstStyle/>
-          <a:p>
-            <a:pPr algn="ctr"/>
-            <a:r>
-              <a:rPr lang="ja-JP" altLang="en-US" dirty="0" smtClean="0">
-                <a:solidFill>
-                  <a:schemeClr val="tx1"/>
-                </a:solidFill>
-              </a:rPr>
-              <a:t>「</a:t>
-            </a:r>
-            <a:r>
-              <a:rPr lang="ja-JP" altLang="en-US" dirty="0">
-                <a:solidFill>
-                  <a:schemeClr val="tx1"/>
-                </a:solidFill>
-              </a:rPr>
-              <a:t>アニメ映画</a:t>
-            </a:r>
-            <a:r>
-              <a:rPr lang="ja-JP" altLang="en-US" dirty="0" smtClean="0">
-                <a:solidFill>
-                  <a:schemeClr val="tx1"/>
-                </a:solidFill>
-              </a:rPr>
-              <a:t>」</a:t>
-            </a:r>
-            <a:endParaRPr kumimoji="1" lang="ja-JP" altLang="en-US" dirty="0">
-              <a:solidFill>
-                <a:schemeClr val="tx1"/>
-              </a:solidFill>
-            </a:endParaRPr>
-          </a:p>
-        </p:txBody>
-      </p:sp>
-      <p:sp>
-        <p:nvSpPr>
-          <p:cNvPr id="5" name="下矢印 4"/>
-          <p:cNvSpPr/>
-          <p:nvPr/>
-        </p:nvSpPr>
-        <p:spPr>
-          <a:xfrm>
-            <a:off x="3171619" y="5542603"/>
-            <a:ext cx="1512168" cy="504056"/>
-          </a:xfrm>
-          <a:prstGeom prst="downArrow">
-            <a:avLst/>
-          </a:prstGeom>
-        </p:spPr>
-        <p:style>
-          <a:lnRef idx="2">
-            <a:schemeClr val="accent1">
-              <a:shade val="50000"/>
-            </a:schemeClr>
-          </a:lnRef>
-          <a:fillRef idx="1">
-            <a:schemeClr val="accent1"/>
-          </a:fillRef>
-          <a:effectRef idx="0">
-            <a:schemeClr val="accent1"/>
-          </a:effectRef>
-          <a:fontRef idx="minor">
-            <a:schemeClr val="lt1"/>
-          </a:fontRef>
-        </p:style>
-        <p:txBody>
-          <a:bodyPr rtlCol="0" anchor="ctr"/>
-          <a:lstStyle/>
-          <a:p>
-            <a:pPr algn="ctr"/>
-            <a:endParaRPr kumimoji="1" lang="ja-JP" altLang="en-US"/>
-          </a:p>
-        </p:txBody>
-      </p:sp>
-      <p:sp>
-        <p:nvSpPr>
-          <p:cNvPr id="27" name="正方形/長方形 26"/>
-          <p:cNvSpPr/>
-          <p:nvPr/>
-        </p:nvSpPr>
-        <p:spPr>
-          <a:xfrm>
-            <a:off x="1259632" y="6165304"/>
-            <a:ext cx="5687761" cy="430932"/>
-          </a:xfrm>
-          <a:prstGeom prst="rect">
-            <a:avLst/>
-          </a:prstGeom>
-          <a:noFill/>
-          <a:ln>
-            <a:solidFill>
-              <a:srgbClr val="92D050"/>
-            </a:solidFill>
-          </a:ln>
-        </p:spPr>
-        <p:style>
-          <a:lnRef idx="2">
-            <a:schemeClr val="accent1">
-              <a:shade val="50000"/>
-            </a:schemeClr>
-          </a:lnRef>
-          <a:fillRef idx="1">
-            <a:schemeClr val="accent1"/>
-          </a:fillRef>
-          <a:effectRef idx="0">
-            <a:schemeClr val="accent1"/>
-          </a:effectRef>
-          <a:fontRef idx="minor">
-            <a:schemeClr val="lt1"/>
-          </a:fontRef>
-        </p:style>
-        <p:txBody>
-          <a:bodyPr rtlCol="0" anchor="ctr"/>
-          <a:lstStyle/>
-          <a:p>
-            <a:pPr algn="ctr"/>
-            <a:r>
-              <a:rPr lang="ja-JP" altLang="en-US" dirty="0" smtClean="0">
-                <a:solidFill>
-                  <a:schemeClr val="tx1"/>
-                </a:solidFill>
-              </a:rPr>
-              <a:t>重み付き平均を導く必要はなく平均評価で問題ない</a:t>
-            </a:r>
-            <a:endParaRPr kumimoji="1" lang="ja-JP" altLang="en-US" dirty="0">
-              <a:solidFill>
-                <a:schemeClr val="tx1"/>
-              </a:solidFill>
-            </a:endParaRPr>
-          </a:p>
-        </p:txBody>
-      </p:sp>
-    </p:spTree>
-    <p:extLst>
-      <p:ext uri="{BB962C8B-B14F-4D97-AF65-F5344CB8AC3E}">
-        <p14:creationId xmlns:p14="http://schemas.microsoft.com/office/powerpoint/2010/main" val="3681554722"/>
-      </p:ext>
-    </p:extLst>
-  </p:cSld>
-  <p:clrMapOvr>
-    <a:masterClrMapping/>
-  </p:clrMapOvr>
-  <p:timing>
-    <p:tnLst>
-      <p:par>
-        <p:cTn id="1" dur="indefinite" restart="never" nodeType="tmRoot"/>
-      </p:par>
-    </p:tnLst>
-  </p:timing>
-</p:sld>
-</file>
-
-<file path=ppt/slides/slide23.xml><?xml version="1.0" encoding="utf-8"?>
-<p:sld xmlns:a="http://schemas.openxmlformats.org/drawingml/2006/main" xmlns:r="http://schemas.openxmlformats.org/officeDocument/2006/relationships" xmlns:p="http://schemas.openxmlformats.org/presentationml/2006/main">
-  <p:cSld>
-    <p:spTree>
-      <p:nvGrpSpPr>
-        <p:cNvPr id="1" name=""/>
-        <p:cNvGrpSpPr/>
-        <p:nvPr/>
-      </p:nvGrpSpPr>
-      <p:grpSpPr>
-        <a:xfrm>
-          <a:off x="0" y="0"/>
-          <a:ext cx="0" cy="0"/>
-          <a:chOff x="0" y="0"/>
-          <a:chExt cx="0" cy="0"/>
-        </a:xfrm>
-      </p:grpSpPr>
-      <p:sp>
-        <p:nvSpPr>
-          <p:cNvPr id="3" name="スライド番号プレースホルダー 2"/>
-          <p:cNvSpPr>
-            <a:spLocks noGrp="1"/>
-          </p:cNvSpPr>
-          <p:nvPr>
-            <p:ph type="sldNum" sz="quarter" idx="11"/>
-          </p:nvPr>
-        </p:nvSpPr>
-        <p:spPr/>
-        <p:txBody>
-          <a:bodyPr/>
-          <a:lstStyle/>
-          <a:p>
-            <a:fld id="{E00335F1-3F40-4BF0-898D-F6D15F346D60}" type="slidenum">
-              <a:rPr kumimoji="1" lang="ja-JP" altLang="en-US" smtClean="0"/>
-              <a:t>23</a:t>
-            </a:fld>
-            <a:endParaRPr kumimoji="1" lang="ja-JP" altLang="en-US" dirty="0"/>
-          </a:p>
-        </p:txBody>
-      </p:sp>
-      <p:sp>
-        <p:nvSpPr>
-          <p:cNvPr id="4" name="テキスト ボックス 3"/>
-          <p:cNvSpPr txBox="1"/>
-          <p:nvPr/>
-        </p:nvSpPr>
-        <p:spPr>
-          <a:xfrm>
-            <a:off x="0" y="348953"/>
-            <a:ext cx="8820472" cy="646331"/>
-          </a:xfrm>
-          <a:prstGeom prst="rect">
-            <a:avLst/>
-          </a:prstGeom>
-          <a:noFill/>
-        </p:spPr>
-        <p:txBody>
-          <a:bodyPr wrap="square" rtlCol="0">
-            <a:spAutoFit/>
-          </a:bodyPr>
-          <a:lstStyle/>
-          <a:p>
-            <a:pPr algn="ctr"/>
-            <a:r>
               <a:rPr lang="ja-JP" altLang="en-US" sz="3600" b="1" u="sng" dirty="0" smtClean="0"/>
               <a:t>まと</a:t>
             </a:r>
@@ -17510,7 +15917,7 @@
         <p:spPr>
           <a:xfrm>
             <a:off x="467544" y="3367718"/>
-            <a:ext cx="7813972" cy="830997"/>
+            <a:ext cx="7813972" cy="1200329"/>
           </a:xfrm>
           <a:prstGeom prst="rect">
             <a:avLst/>
@@ -17528,7 +15935,11 @@
             </a:r>
             <a:r>
               <a:rPr lang="ja-JP" altLang="en-US" sz="2400" dirty="0" smtClean="0"/>
-              <a:t>求め新しい評価方法を作り出した．</a:t>
+              <a:t>求め，「購入者に絞り込み」新しい</a:t>
+            </a:r>
+            <a:r>
+              <a:rPr lang="ja-JP" altLang="en-US" sz="2400" dirty="0" smtClean="0"/>
+              <a:t>評価方法を作り出した．</a:t>
             </a:r>
             <a:endParaRPr lang="en-US" altLang="ja-JP" sz="2400" dirty="0"/>
           </a:p>
@@ -17583,7 +15994,7 @@
         <p:spPr>
           <a:xfrm>
             <a:off x="467544" y="4939717"/>
-            <a:ext cx="7813972" cy="1200329"/>
+            <a:ext cx="7813972" cy="830997"/>
           </a:xfrm>
           <a:prstGeom prst="rect">
             <a:avLst/>
@@ -17597,21 +16008,7 @@
           <a:p>
             <a:r>
               <a:rPr lang="ja-JP" altLang="en-US" sz="2400" dirty="0" smtClean="0"/>
-              <a:t>しかし，その評価方法と平均評価には相関があり</a:t>
-            </a:r>
-            <a:endParaRPr lang="en-US" altLang="ja-JP" sz="2400" dirty="0" smtClean="0"/>
-          </a:p>
-          <a:p>
-            <a:r>
-              <a:rPr lang="ja-JP" altLang="en-US" sz="2400" dirty="0" smtClean="0"/>
-              <a:t>平均評価と新しい評価方法を比べた結果，</a:t>
-            </a:r>
-            <a:endParaRPr lang="en-US" altLang="ja-JP" sz="2400" dirty="0" smtClean="0"/>
-          </a:p>
-          <a:p>
-            <a:r>
-              <a:rPr lang="ja-JP" altLang="en-US" sz="2400" dirty="0" smtClean="0"/>
-              <a:t>変化が低いことが分かった．</a:t>
+              <a:t>重みを付けて，購入者で絞込みを行うことで別の結果が出ることが分かった．</a:t>
             </a:r>
             <a:endParaRPr lang="en-US" altLang="ja-JP" sz="2400" dirty="0"/>
           </a:p>
@@ -17634,723 +16031,6 @@
       </p:par>
     </p:tnLst>
   </p:timing>
-</p:sld>
-</file>
-
-<file path=ppt/slides/slide24.xml><?xml version="1.0" encoding="utf-8"?>
-<p:sld xmlns:a="http://schemas.openxmlformats.org/drawingml/2006/main" xmlns:r="http://schemas.openxmlformats.org/officeDocument/2006/relationships" xmlns:p="http://schemas.openxmlformats.org/presentationml/2006/main">
-  <p:cSld>
-    <p:spTree>
-      <p:nvGrpSpPr>
-        <p:cNvPr id="1" name=""/>
-        <p:cNvGrpSpPr/>
-        <p:nvPr/>
-      </p:nvGrpSpPr>
-      <p:grpSpPr>
-        <a:xfrm>
-          <a:off x="0" y="0"/>
-          <a:ext cx="0" cy="0"/>
-          <a:chOff x="0" y="0"/>
-          <a:chExt cx="0" cy="0"/>
-        </a:xfrm>
-      </p:grpSpPr>
-      <p:sp>
-        <p:nvSpPr>
-          <p:cNvPr id="2" name="タイトル 1"/>
-          <p:cNvSpPr>
-            <a:spLocks noGrp="1"/>
-          </p:cNvSpPr>
-          <p:nvPr>
-            <p:ph type="title"/>
-          </p:nvPr>
-        </p:nvSpPr>
-        <p:spPr>
-          <a:xfrm>
-            <a:off x="1870720" y="-99392"/>
-            <a:ext cx="4898504" cy="1090355"/>
-          </a:xfrm>
-        </p:spPr>
-        <p:txBody>
-          <a:bodyPr>
-            <a:normAutofit/>
-          </a:bodyPr>
-          <a:lstStyle/>
-          <a:p>
-            <a:pPr algn="ctr"/>
-            <a:r>
-              <a:rPr kumimoji="1" lang="ja-JP" altLang="en-US" sz="3600" b="1" u="sng" dirty="0" smtClean="0"/>
-              <a:t>目次</a:t>
-            </a:r>
-            <a:endParaRPr kumimoji="1" lang="ja-JP" altLang="en-US" sz="3600" b="1" u="sng" dirty="0"/>
-          </a:p>
-        </p:txBody>
-      </p:sp>
-      <p:sp>
-        <p:nvSpPr>
-          <p:cNvPr id="4" name="スライド番号プレースホルダー 3"/>
-          <p:cNvSpPr>
-            <a:spLocks noGrp="1"/>
-          </p:cNvSpPr>
-          <p:nvPr>
-            <p:ph type="sldNum" sz="quarter" idx="11"/>
-          </p:nvPr>
-        </p:nvSpPr>
-        <p:spPr/>
-        <p:txBody>
-          <a:bodyPr/>
-          <a:lstStyle/>
-          <a:p>
-            <a:fld id="{E00335F1-3F40-4BF0-898D-F6D15F346D60}" type="slidenum">
-              <a:rPr kumimoji="1" lang="ja-JP" altLang="en-US" sz="1400" smtClean="0">
-                <a:solidFill>
-                  <a:schemeClr val="tx1"/>
-                </a:solidFill>
-              </a:rPr>
-              <a:t>24</a:t>
-            </a:fld>
-            <a:endParaRPr kumimoji="1" lang="ja-JP" altLang="en-US" sz="1400" dirty="0">
-              <a:solidFill>
-                <a:schemeClr val="tx1"/>
-              </a:solidFill>
-            </a:endParaRPr>
-          </a:p>
-        </p:txBody>
-      </p:sp>
-      <p:sp>
-        <p:nvSpPr>
-          <p:cNvPr id="5" name="テキスト ボックス 4"/>
-          <p:cNvSpPr txBox="1"/>
-          <p:nvPr/>
-        </p:nvSpPr>
-        <p:spPr>
-          <a:xfrm>
-            <a:off x="1043608" y="722280"/>
-            <a:ext cx="6552728" cy="5386090"/>
-          </a:xfrm>
-          <a:prstGeom prst="rect">
-            <a:avLst/>
-          </a:prstGeom>
-          <a:noFill/>
-        </p:spPr>
-        <p:txBody>
-          <a:bodyPr wrap="square" rtlCol="0">
-            <a:spAutoFit/>
-          </a:bodyPr>
-          <a:lstStyle/>
-          <a:p>
-            <a:r>
-              <a:rPr lang="ja-JP" altLang="en-US" sz="2800" b="1" dirty="0" smtClean="0"/>
-              <a:t>　</a:t>
-            </a:r>
-            <a:r>
-              <a:rPr lang="ja-JP" altLang="en-US" sz="2800" b="1" dirty="0"/>
-              <a:t>　</a:t>
-            </a:r>
-            <a:endParaRPr lang="en-US" altLang="ja-JP" sz="3200" b="1" dirty="0" smtClean="0">
-              <a:effectLst>
-                <a:outerShdw blurRad="38100" dist="38100" dir="2700000" algn="tl">
-                  <a:srgbClr val="000000">
-                    <a:alpha val="43137"/>
-                  </a:srgbClr>
-                </a:outerShdw>
-              </a:effectLst>
-            </a:endParaRPr>
-          </a:p>
-          <a:p>
-            <a:r>
-              <a:rPr lang="en-US" altLang="ja-JP" sz="3200" b="1" dirty="0"/>
-              <a:t>	</a:t>
-            </a:r>
-            <a:r>
-              <a:rPr lang="ja-JP" altLang="en-US" sz="2800" b="1" dirty="0" smtClean="0"/>
-              <a:t>１．研究背景</a:t>
-            </a:r>
-            <a:endParaRPr lang="en-US" altLang="ja-JP" sz="2800" b="1" dirty="0" smtClean="0"/>
-          </a:p>
-          <a:p>
-            <a:r>
-              <a:rPr lang="en-US" altLang="ja-JP" sz="2800" b="1" dirty="0"/>
-              <a:t>	</a:t>
-            </a:r>
-            <a:r>
-              <a:rPr lang="en-US" altLang="ja-JP" sz="2800" b="1" dirty="0" smtClean="0"/>
-              <a:t>	</a:t>
-            </a:r>
-            <a:r>
-              <a:rPr lang="ja-JP" altLang="en-US" sz="2800" b="1" dirty="0" smtClean="0"/>
-              <a:t>実例紹介</a:t>
-            </a:r>
-            <a:endParaRPr lang="en-US" altLang="ja-JP" sz="2800" b="1" dirty="0" smtClean="0"/>
-          </a:p>
-          <a:p>
-            <a:r>
-              <a:rPr lang="en-US" altLang="ja-JP" sz="2800" b="1" dirty="0" smtClean="0"/>
-              <a:t>	</a:t>
-            </a:r>
-            <a:r>
-              <a:rPr lang="ja-JP" altLang="en-US" sz="2800" b="1" dirty="0" smtClean="0"/>
-              <a:t>２．</a:t>
-            </a:r>
-            <a:r>
-              <a:rPr lang="ja-JP" altLang="en-US" sz="2800" b="1" dirty="0"/>
-              <a:t>序論</a:t>
-            </a:r>
-            <a:endParaRPr lang="en-US" altLang="ja-JP" sz="2800" b="1" dirty="0" smtClean="0"/>
-          </a:p>
-          <a:p>
-            <a:r>
-              <a:rPr lang="en-US" altLang="ja-JP" sz="2800" b="1" dirty="0" smtClean="0"/>
-              <a:t>	</a:t>
-            </a:r>
-            <a:r>
-              <a:rPr lang="ja-JP" altLang="en-US" sz="2800" b="1" dirty="0" smtClean="0"/>
-              <a:t>３．研究目的</a:t>
-            </a:r>
-            <a:endParaRPr lang="en-US" altLang="ja-JP" sz="2400" b="1" i="1" dirty="0" smtClean="0"/>
-          </a:p>
-          <a:p>
-            <a:r>
-              <a:rPr lang="en-US" altLang="ja-JP" sz="2400" b="1" dirty="0"/>
-              <a:t>	</a:t>
-            </a:r>
-            <a:r>
-              <a:rPr lang="ja-JP" altLang="en-US" sz="2800" b="1" dirty="0" smtClean="0"/>
-              <a:t>４．研究方法</a:t>
-            </a:r>
-            <a:endParaRPr lang="en-US" altLang="ja-JP" sz="2800" b="1" dirty="0" smtClean="0"/>
-          </a:p>
-          <a:p>
-            <a:r>
-              <a:rPr lang="en-US" altLang="ja-JP" sz="2800" b="1" dirty="0"/>
-              <a:t>	</a:t>
-            </a:r>
-            <a:r>
-              <a:rPr lang="en-US" altLang="ja-JP" sz="2800" b="1" dirty="0" smtClean="0"/>
-              <a:t>	</a:t>
-            </a:r>
-            <a:r>
-              <a:rPr lang="ja-JP" altLang="en-US" sz="2800" b="1" dirty="0" smtClean="0"/>
-              <a:t>計算方法</a:t>
-            </a:r>
-            <a:endParaRPr lang="en-US" altLang="ja-JP" sz="2800" b="1" dirty="0" smtClean="0"/>
-          </a:p>
-          <a:p>
-            <a:r>
-              <a:rPr lang="en-US" altLang="ja-JP" sz="2800" b="1" dirty="0" smtClean="0"/>
-              <a:t>		</a:t>
-            </a:r>
-            <a:r>
-              <a:rPr lang="ja-JP" altLang="en-US" sz="2800" b="1" dirty="0"/>
-              <a:t>クローラ</a:t>
-            </a:r>
-            <a:r>
-              <a:rPr lang="ja-JP" altLang="en-US" sz="2800" b="1" dirty="0" smtClean="0"/>
-              <a:t>ーを利用</a:t>
-            </a:r>
-            <a:endParaRPr lang="en-US" altLang="ja-JP" sz="2800" b="1" dirty="0" smtClean="0"/>
-          </a:p>
-          <a:p>
-            <a:r>
-              <a:rPr lang="en-US" altLang="ja-JP" sz="2800" b="1" dirty="0"/>
-              <a:t>	</a:t>
-            </a:r>
-            <a:r>
-              <a:rPr lang="en-US" altLang="ja-JP" sz="2800" b="1" dirty="0" smtClean="0"/>
-              <a:t>	</a:t>
-            </a:r>
-            <a:r>
-              <a:rPr lang="ja-JP" altLang="en-US" sz="2800" b="1" dirty="0" smtClean="0"/>
-              <a:t>手動で採取，統計</a:t>
-            </a:r>
-            <a:endParaRPr lang="en-US" altLang="ja-JP" sz="3200" b="1" dirty="0" smtClean="0">
-              <a:effectLst>
-                <a:outerShdw blurRad="38100" dist="38100" dir="2700000" algn="tl">
-                  <a:srgbClr val="000000">
-                    <a:alpha val="43137"/>
-                  </a:srgbClr>
-                </a:outerShdw>
-              </a:effectLst>
-            </a:endParaRPr>
-          </a:p>
-          <a:p>
-            <a:r>
-              <a:rPr lang="en-US" altLang="ja-JP" sz="2400" b="1" dirty="0" smtClean="0"/>
-              <a:t>	</a:t>
-            </a:r>
-            <a:r>
-              <a:rPr lang="ja-JP" altLang="en-US" sz="2800" b="1" dirty="0" smtClean="0"/>
-              <a:t>５．結果</a:t>
-            </a:r>
-            <a:endParaRPr lang="en-US" altLang="ja-JP" sz="2800" b="1" dirty="0" smtClean="0"/>
-          </a:p>
-          <a:p>
-            <a:r>
-              <a:rPr lang="en-US" altLang="ja-JP" sz="2800" b="1" dirty="0" smtClean="0"/>
-              <a:t>	</a:t>
-            </a:r>
-            <a:r>
-              <a:rPr lang="ja-JP" altLang="en-US" sz="2800" b="1" dirty="0" smtClean="0"/>
-              <a:t>６</a:t>
-            </a:r>
-            <a:r>
-              <a:rPr kumimoji="1" lang="ja-JP" altLang="en-US" sz="2800" b="1" dirty="0" smtClean="0"/>
-              <a:t>．</a:t>
-            </a:r>
-            <a:r>
-              <a:rPr lang="ja-JP" altLang="en-US" sz="2800" b="1" dirty="0" smtClean="0"/>
-              <a:t>考察</a:t>
-            </a:r>
-            <a:endParaRPr lang="en-US" altLang="ja-JP" sz="2800" b="1" dirty="0"/>
-          </a:p>
-          <a:p>
-            <a:endParaRPr lang="en-US" altLang="ja-JP" sz="2800" dirty="0" smtClean="0"/>
-          </a:p>
-        </p:txBody>
-      </p:sp>
-    </p:spTree>
-    <p:extLst>
-      <p:ext uri="{BB962C8B-B14F-4D97-AF65-F5344CB8AC3E}">
-        <p14:creationId xmlns:p14="http://schemas.microsoft.com/office/powerpoint/2010/main" val="456729315"/>
-      </p:ext>
-    </p:extLst>
-  </p:cSld>
-  <p:clrMapOvr>
-    <a:masterClrMapping/>
-  </p:clrMapOvr>
-  <p:timing>
-    <p:tnLst>
-      <p:par>
-        <p:cTn id="1" dur="indefinite" restart="never" nodeType="tmRoot"/>
-      </p:par>
-    </p:tnLst>
-  </p:timing>
-</p:sld>
-</file>
-
-<file path=ppt/slides/slide25.xml><?xml version="1.0" encoding="utf-8"?>
-<p:sld xmlns:a="http://schemas.openxmlformats.org/drawingml/2006/main" xmlns:r="http://schemas.openxmlformats.org/officeDocument/2006/relationships" xmlns:p="http://schemas.openxmlformats.org/presentationml/2006/main">
-  <p:cSld>
-    <p:spTree>
-      <p:nvGrpSpPr>
-        <p:cNvPr id="1" name=""/>
-        <p:cNvGrpSpPr/>
-        <p:nvPr/>
-      </p:nvGrpSpPr>
-      <p:grpSpPr>
-        <a:xfrm>
-          <a:off x="0" y="0"/>
-          <a:ext cx="0" cy="0"/>
-          <a:chOff x="0" y="0"/>
-          <a:chExt cx="0" cy="0"/>
-        </a:xfrm>
-      </p:grpSpPr>
-      <p:sp>
-        <p:nvSpPr>
-          <p:cNvPr id="3" name="スライド番号プレースホルダー 2"/>
-          <p:cNvSpPr>
-            <a:spLocks noGrp="1"/>
-          </p:cNvSpPr>
-          <p:nvPr>
-            <p:ph type="sldNum" sz="quarter" idx="11"/>
-          </p:nvPr>
-        </p:nvSpPr>
-        <p:spPr/>
-        <p:txBody>
-          <a:bodyPr/>
-          <a:lstStyle/>
-          <a:p>
-            <a:fld id="{E00335F1-3F40-4BF0-898D-F6D15F346D60}" type="slidenum">
-              <a:rPr kumimoji="1" lang="ja-JP" altLang="en-US" smtClean="0"/>
-              <a:t>25</a:t>
-            </a:fld>
-            <a:endParaRPr kumimoji="1" lang="ja-JP" altLang="en-US" dirty="0"/>
-          </a:p>
-        </p:txBody>
-      </p:sp>
-      <p:sp>
-        <p:nvSpPr>
-          <p:cNvPr id="26" name="テキスト ボックス 25"/>
-          <p:cNvSpPr txBox="1"/>
-          <p:nvPr/>
-        </p:nvSpPr>
-        <p:spPr>
-          <a:xfrm>
-            <a:off x="0" y="348953"/>
-            <a:ext cx="8820472" cy="646331"/>
-          </a:xfrm>
-          <a:prstGeom prst="rect">
-            <a:avLst/>
-          </a:prstGeom>
-          <a:noFill/>
-        </p:spPr>
-        <p:txBody>
-          <a:bodyPr wrap="square" rtlCol="0">
-            <a:spAutoFit/>
-          </a:bodyPr>
-          <a:lstStyle/>
-          <a:p>
-            <a:pPr algn="ctr"/>
-            <a:r>
-              <a:rPr lang="ja-JP" altLang="en-US" sz="3600" b="1" u="sng" dirty="0" smtClean="0"/>
-              <a:t>計算</a:t>
-            </a:r>
-            <a:r>
-              <a:rPr lang="ja-JP" altLang="en-US" sz="3600" b="1" u="sng" dirty="0"/>
-              <a:t>方法</a:t>
-            </a:r>
-            <a:endParaRPr kumimoji="1" lang="ja-JP" altLang="en-US" sz="3600" b="1" u="sng" dirty="0"/>
-          </a:p>
-        </p:txBody>
-      </p:sp>
-      <mc:AlternateContent xmlns:mc="http://schemas.openxmlformats.org/markup-compatibility/2006" xmlns:a14="http://schemas.microsoft.com/office/drawing/2010/main">
-        <mc:Choice Requires="a14">
-          <p:sp>
-            <p:nvSpPr>
-              <p:cNvPr id="30" name="テキスト ボックス 29"/>
-              <p:cNvSpPr txBox="1"/>
-              <p:nvPr/>
-            </p:nvSpPr>
-            <p:spPr>
-              <a:xfrm>
-                <a:off x="531449" y="2239758"/>
-                <a:ext cx="8055923" cy="1458284"/>
-              </a:xfrm>
-              <a:prstGeom prst="rect">
-                <a:avLst/>
-              </a:prstGeom>
-              <a:noFill/>
-            </p:spPr>
-            <p:txBody>
-              <a:bodyPr wrap="none" lIns="0" tIns="0" rIns="0" bIns="0" rtlCol="0">
-                <a:spAutoFit/>
-              </a:bodyPr>
-              <a:lstStyle/>
-              <a:p>
-                <a:pPr/>
-                <a14:m>
-                  <m:oMathPara xmlns:m="http://schemas.openxmlformats.org/officeDocument/2006/math">
-                    <m:oMathParaPr>
-                      <m:jc m:val="centerGroup"/>
-                    </m:oMathParaPr>
-                    <m:oMath xmlns:m="http://schemas.openxmlformats.org/officeDocument/2006/math">
-                      <m:nary>
-                        <m:naryPr>
-                          <m:chr m:val="∑"/>
-                          <m:ctrlPr>
-                            <a:rPr kumimoji="1" lang="pt-BR" altLang="ja-JP" sz="2400" i="1" smtClean="0">
-                              <a:latin typeface="Cambria Math" panose="02040503050406030204" pitchFamily="18" charset="0"/>
-                              <a:ea typeface="Cambria Math" panose="02040503050406030204" pitchFamily="18" charset="0"/>
-                            </a:rPr>
-                          </m:ctrlPr>
-                        </m:naryPr>
-                        <m:sub>
-                          <m:r>
-                            <m:rPr>
-                              <m:brk m:alnAt="23"/>
-                            </m:rPr>
-                            <a:rPr kumimoji="1" lang="en-US" altLang="ja-JP" sz="2400" b="0" i="1" smtClean="0">
-                              <a:latin typeface="Cambria Math" panose="02040503050406030204" pitchFamily="18" charset="0"/>
-                              <a:ea typeface="Cambria Math" panose="02040503050406030204" pitchFamily="18" charset="0"/>
-                            </a:rPr>
-                            <m:t>𝑘</m:t>
-                          </m:r>
-                          <m:r>
-                            <a:rPr kumimoji="1" lang="en-US" altLang="ja-JP" sz="2400" b="0" i="1" smtClean="0">
-                              <a:latin typeface="Cambria Math" panose="02040503050406030204" pitchFamily="18" charset="0"/>
-                              <a:ea typeface="Cambria Math" panose="02040503050406030204" pitchFamily="18" charset="0"/>
-                            </a:rPr>
-                            <m:t>=1</m:t>
-                          </m:r>
-                        </m:sub>
-                        <m:sup>
-                          <m:r>
-                            <a:rPr kumimoji="1" lang="en-US" altLang="ja-JP" sz="2400" b="0" i="1" smtClean="0">
-                              <a:latin typeface="Cambria Math" panose="02040503050406030204" pitchFamily="18" charset="0"/>
-                              <a:ea typeface="Cambria Math" panose="02040503050406030204" pitchFamily="18" charset="0"/>
-                            </a:rPr>
-                            <m:t>𝑛</m:t>
-                          </m:r>
-                        </m:sup>
-                        <m:e>
-                          <m:r>
-                            <a:rPr kumimoji="1" lang="en-US" altLang="ja-JP" sz="2400" b="0" i="1" smtClean="0">
-                              <a:latin typeface="Cambria Math" panose="02040503050406030204" pitchFamily="18" charset="0"/>
-                              <a:ea typeface="Cambria Math" panose="02040503050406030204" pitchFamily="18" charset="0"/>
-                            </a:rPr>
-                            <m:t>𝑘</m:t>
-                          </m:r>
-                        </m:e>
-                      </m:nary>
-                      <m:r>
-                        <a:rPr kumimoji="1" lang="pt-BR" altLang="ja-JP" sz="2400" i="1" smtClean="0">
-                          <a:latin typeface="Cambria Math" panose="02040503050406030204" pitchFamily="18" charset="0"/>
-                          <a:ea typeface="Cambria Math" panose="02040503050406030204" pitchFamily="18" charset="0"/>
-                        </a:rPr>
-                        <m:t>=</m:t>
-                      </m:r>
-                      <m:f>
-                        <m:fPr>
-                          <m:ctrlPr>
-                            <a:rPr lang="pt-BR" altLang="ja-JP" sz="2400" i="1">
-                              <a:latin typeface="Cambria Math" panose="02040503050406030204" pitchFamily="18" charset="0"/>
-                              <a:ea typeface="Cambria Math" panose="02040503050406030204" pitchFamily="18" charset="0"/>
-                            </a:rPr>
-                          </m:ctrlPr>
-                        </m:fPr>
-                        <m:num>
-                          <m:r>
-                            <a:rPr lang="en-US" altLang="ja-JP" sz="2400" i="1">
-                              <a:latin typeface="Cambria Math" panose="02040503050406030204" pitchFamily="18" charset="0"/>
-                              <a:ea typeface="Cambria Math" panose="02040503050406030204" pitchFamily="18" charset="0"/>
-                            </a:rPr>
-                            <m:t>5</m:t>
-                          </m:r>
-                          <m:r>
-                            <a:rPr lang="ja-JP" altLang="en-US" sz="2400" i="1">
-                              <a:latin typeface="Cambria Math" panose="02040503050406030204" pitchFamily="18" charset="0"/>
-                              <a:ea typeface="Cambria Math" panose="02040503050406030204" pitchFamily="18" charset="0"/>
-                            </a:rPr>
-                            <m:t>段階評価</m:t>
-                          </m:r>
-                          <m:r>
-                            <a:rPr lang="en-US" altLang="ja-JP" sz="2400" i="1">
-                              <a:latin typeface="Cambria Math" panose="02040503050406030204" pitchFamily="18" charset="0"/>
-                              <a:ea typeface="Cambria Math" panose="02040503050406030204" pitchFamily="18" charset="0"/>
-                            </a:rPr>
-                            <m:t>×</m:t>
-                          </m:r>
-                          <m:f>
-                            <m:fPr>
-                              <m:ctrlPr>
-                                <a:rPr lang="en-US" altLang="ja-JP" sz="2400" i="1">
-                                  <a:latin typeface="Cambria Math" panose="02040503050406030204" pitchFamily="18" charset="0"/>
-                                  <a:ea typeface="Cambria Math" panose="02040503050406030204" pitchFamily="18" charset="0"/>
-                                </a:rPr>
-                              </m:ctrlPr>
-                            </m:fPr>
-                            <m:num>
-                              <m:r>
-                                <m:rPr>
-                                  <m:nor/>
-                                </m:rPr>
-                                <a:rPr lang="ja-JP" altLang="en-US" sz="2400" dirty="0"/>
-                                <m:t>「参考になった」と回答した人数 </m:t>
-                              </m:r>
-                            </m:num>
-                            <m:den>
-                              <m:r>
-                                <m:rPr>
-                                  <m:nor/>
-                                </m:rPr>
-                                <a:rPr lang="ja-JP" altLang="en-US" sz="2400" dirty="0"/>
-                                <m:t>参考になる・ならないの判断をした人数 </m:t>
-                              </m:r>
-                            </m:den>
-                          </m:f>
-                        </m:num>
-                        <m:den>
-                          <m:f>
-                            <m:fPr>
-                              <m:ctrlPr>
-                                <a:rPr lang="pt-BR" altLang="ja-JP" sz="2400" i="1">
-                                  <a:latin typeface="Cambria Math" panose="02040503050406030204" pitchFamily="18" charset="0"/>
-                                  <a:ea typeface="Cambria Math" panose="02040503050406030204" pitchFamily="18" charset="0"/>
-                                </a:rPr>
-                              </m:ctrlPr>
-                            </m:fPr>
-                            <m:num>
-                              <m:r>
-                                <m:rPr>
-                                  <m:nor/>
-                                </m:rPr>
-                                <a:rPr lang="ja-JP" altLang="en-US" sz="2400" dirty="0"/>
-                                <m:t>「参考になった」と回答した人数 </m:t>
-                              </m:r>
-                            </m:num>
-                            <m:den>
-                              <m:r>
-                                <m:rPr>
-                                  <m:nor/>
-                                </m:rPr>
-                                <a:rPr lang="ja-JP" altLang="en-US" sz="2400" dirty="0"/>
-                                <m:t>参考になる・ならないの判断をした人数 </m:t>
-                              </m:r>
-                            </m:den>
-                          </m:f>
-                        </m:den>
-                      </m:f>
-                    </m:oMath>
-                  </m:oMathPara>
-                </a14:m>
-                <a:endParaRPr kumimoji="1" lang="ja-JP" altLang="en-US" sz="2400" dirty="0"/>
-              </a:p>
-            </p:txBody>
-          </p:sp>
-        </mc:Choice>
-        <mc:Fallback xmlns="">
-          <p:sp>
-            <p:nvSpPr>
-              <p:cNvPr id="30" name="テキスト ボックス 29"/>
-              <p:cNvSpPr txBox="1">
-                <a:spLocks noRot="1" noChangeAspect="1" noMove="1" noResize="1" noEditPoints="1" noAdjustHandles="1" noChangeArrowheads="1" noChangeShapeType="1" noTextEdit="1"/>
-              </p:cNvSpPr>
-              <p:nvPr/>
-            </p:nvSpPr>
-            <p:spPr>
-              <a:xfrm>
-                <a:off x="531449" y="2239758"/>
-                <a:ext cx="8055923" cy="1458284"/>
-              </a:xfrm>
-              <a:prstGeom prst="rect">
-                <a:avLst/>
-              </a:prstGeom>
-              <a:blipFill rotWithShape="0">
-                <a:blip r:embed="rId3"/>
-                <a:stretch>
-                  <a:fillRect/>
-                </a:stretch>
-              </a:blipFill>
-            </p:spPr>
-            <p:txBody>
-              <a:bodyPr/>
-              <a:lstStyle/>
-              <a:p>
-                <a:r>
-                  <a:rPr lang="ja-JP" altLang="en-US">
-                    <a:noFill/>
-                  </a:rPr>
-                  <a:t> </a:t>
-                </a:r>
-              </a:p>
-            </p:txBody>
-          </p:sp>
-        </mc:Fallback>
-      </mc:AlternateContent>
-    </p:spTree>
-    <p:extLst>
-      <p:ext uri="{BB962C8B-B14F-4D97-AF65-F5344CB8AC3E}">
-        <p14:creationId xmlns:p14="http://schemas.microsoft.com/office/powerpoint/2010/main" val="4208846144"/>
-      </p:ext>
-    </p:extLst>
-  </p:cSld>
-  <p:clrMapOvr>
-    <a:masterClrMapping/>
-  </p:clrMapOvr>
-  <p:timing>
-    <p:tnLst>
-      <p:par>
-        <p:cTn id="1" dur="indefinite" restart="never" nodeType="tmRoot"/>
-      </p:par>
-    </p:tnLst>
-  </p:timing>
-</p:sld>
-</file>
-
-<file path=ppt/slides/slide26.xml><?xml version="1.0" encoding="utf-8"?>
-<p:sld xmlns:a="http://schemas.openxmlformats.org/drawingml/2006/main" xmlns:r="http://schemas.openxmlformats.org/officeDocument/2006/relationships" xmlns:p="http://schemas.openxmlformats.org/presentationml/2006/main">
-  <p:cSld>
-    <p:spTree>
-      <p:nvGrpSpPr>
-        <p:cNvPr id="1" name=""/>
-        <p:cNvGrpSpPr/>
-        <p:nvPr/>
-      </p:nvGrpSpPr>
-      <p:grpSpPr>
-        <a:xfrm>
-          <a:off x="0" y="0"/>
-          <a:ext cx="0" cy="0"/>
-          <a:chOff x="0" y="0"/>
-          <a:chExt cx="0" cy="0"/>
-        </a:xfrm>
-      </p:grpSpPr>
-      <p:sp>
-        <p:nvSpPr>
-          <p:cNvPr id="2" name="タイトル 1"/>
-          <p:cNvSpPr>
-            <a:spLocks noGrp="1"/>
-          </p:cNvSpPr>
-          <p:nvPr>
-            <p:ph type="title"/>
-          </p:nvPr>
-        </p:nvSpPr>
-        <p:spPr>
-          <a:xfrm>
-            <a:off x="971600" y="1700808"/>
-            <a:ext cx="3962400" cy="4490864"/>
-          </a:xfrm>
-        </p:spPr>
-        <p:txBody>
-          <a:bodyPr/>
-          <a:lstStyle/>
-          <a:p>
-            <a:endParaRPr kumimoji="1" lang="ja-JP" altLang="en-US" dirty="0"/>
-          </a:p>
-        </p:txBody>
-      </p:sp>
-      <p:sp>
-        <p:nvSpPr>
-          <p:cNvPr id="3" name="スライド番号プレースホルダー 2"/>
-          <p:cNvSpPr>
-            <a:spLocks noGrp="1"/>
-          </p:cNvSpPr>
-          <p:nvPr>
-            <p:ph type="sldNum" sz="quarter" idx="11"/>
-          </p:nvPr>
-        </p:nvSpPr>
-        <p:spPr/>
-        <p:txBody>
-          <a:bodyPr/>
-          <a:lstStyle/>
-          <a:p>
-            <a:fld id="{E00335F1-3F40-4BF0-898D-F6D15F346D60}" type="slidenum">
-              <a:rPr kumimoji="1" lang="ja-JP" altLang="en-US" smtClean="0"/>
-              <a:t>26</a:t>
-            </a:fld>
-            <a:endParaRPr kumimoji="1" lang="ja-JP" altLang="en-US" dirty="0"/>
-          </a:p>
-        </p:txBody>
-      </p:sp>
-      <p:sp>
-        <p:nvSpPr>
-          <p:cNvPr id="4" name="テキスト ボックス 3"/>
-          <p:cNvSpPr txBox="1"/>
-          <p:nvPr/>
-        </p:nvSpPr>
-        <p:spPr>
-          <a:xfrm>
-            <a:off x="0" y="348953"/>
-            <a:ext cx="8820472" cy="646331"/>
-          </a:xfrm>
-          <a:prstGeom prst="rect">
-            <a:avLst/>
-          </a:prstGeom>
-          <a:noFill/>
-        </p:spPr>
-        <p:txBody>
-          <a:bodyPr wrap="square" rtlCol="0">
-            <a:spAutoFit/>
-          </a:bodyPr>
-          <a:lstStyle/>
-          <a:p>
-            <a:pPr algn="ctr"/>
-            <a:r>
-              <a:rPr lang="ja-JP" altLang="en-US" sz="3600" b="1" u="sng" dirty="0"/>
-              <a:t>考察</a:t>
-            </a:r>
-            <a:endParaRPr kumimoji="1" lang="ja-JP" altLang="en-US" sz="3600" b="1" u="sng" dirty="0"/>
-          </a:p>
-        </p:txBody>
-      </p:sp>
-    </p:spTree>
-    <p:extLst>
-      <p:ext uri="{BB962C8B-B14F-4D97-AF65-F5344CB8AC3E}">
-        <p14:creationId xmlns:p14="http://schemas.microsoft.com/office/powerpoint/2010/main" val="3964010153"/>
-      </p:ext>
-    </p:extLst>
-  </p:cSld>
-  <p:clrMapOvr>
-    <a:masterClrMapping/>
-  </p:clrMapOvr>
 </p:sld>
 </file>
 

--- a/卒業論文/2014/齋藤勇也/最終発表/卒業論文発表資料.pptx
+++ b/卒業論文/2014/齋藤勇也/最終発表/卒業論文発表資料.pptx
@@ -430,11 +430,11 @@
           <c:showPercent val="0"/>
           <c:showBubbleSize val="0"/>
         </c:dLbls>
-        <c:axId val="185547360"/>
-        <c:axId val="185547920"/>
+        <c:axId val="183840608"/>
+        <c:axId val="183842288"/>
       </c:scatterChart>
       <c:valAx>
-        <c:axId val="185547360"/>
+        <c:axId val="183840608"/>
         <c:scaling>
           <c:orientation val="minMax"/>
           <c:max val="5"/>
@@ -548,13 +548,13 @@
             <a:endParaRPr lang="ja-JP"/>
           </a:p>
         </c:txPr>
-        <c:crossAx val="185547920"/>
+        <c:crossAx val="183842288"/>
         <c:crosses val="autoZero"/>
         <c:crossBetween val="midCat"/>
         <c:majorUnit val="1"/>
       </c:valAx>
       <c:valAx>
-        <c:axId val="185547920"/>
+        <c:axId val="183842288"/>
         <c:scaling>
           <c:orientation val="minMax"/>
           <c:max val="5"/>
@@ -670,7 +670,7 @@
             <a:endParaRPr lang="ja-JP"/>
           </a:p>
         </c:txPr>
-        <c:crossAx val="185547360"/>
+        <c:crossAx val="183840608"/>
         <c:crosses val="autoZero"/>
         <c:crossBetween val="midCat"/>
         <c:majorUnit val="1"/>
@@ -990,11 +990,11 @@
           <c:showPercent val="0"/>
           <c:showBubbleSize val="0"/>
         </c:dLbls>
-        <c:axId val="236376592"/>
-        <c:axId val="236377152"/>
+        <c:axId val="183844528"/>
+        <c:axId val="183845088"/>
       </c:scatterChart>
       <c:valAx>
-        <c:axId val="236376592"/>
+        <c:axId val="183844528"/>
         <c:scaling>
           <c:orientation val="minMax"/>
           <c:max val="5"/>
@@ -1110,13 +1110,13 @@
             <a:endParaRPr lang="ja-JP"/>
           </a:p>
         </c:txPr>
-        <c:crossAx val="236377152"/>
+        <c:crossAx val="183845088"/>
         <c:crosses val="autoZero"/>
         <c:crossBetween val="midCat"/>
         <c:majorUnit val="1"/>
       </c:valAx>
       <c:valAx>
-        <c:axId val="236377152"/>
+        <c:axId val="183845088"/>
         <c:scaling>
           <c:orientation val="minMax"/>
           <c:max val="5"/>
@@ -1231,7 +1231,7 @@
             <a:endParaRPr lang="ja-JP"/>
           </a:p>
         </c:txPr>
-        <c:crossAx val="236376592"/>
+        <c:crossAx val="183844528"/>
         <c:crosses val="autoZero"/>
         <c:crossBetween val="midCat"/>
         <c:majorUnit val="1"/>
@@ -1559,11 +1559,11 @@
           <c:showPercent val="0"/>
           <c:showBubbleSize val="0"/>
         </c:dLbls>
-        <c:axId val="185550160"/>
-        <c:axId val="185550720"/>
+        <c:axId val="238988384"/>
+        <c:axId val="238988944"/>
       </c:scatterChart>
       <c:valAx>
-        <c:axId val="185550160"/>
+        <c:axId val="238988384"/>
         <c:scaling>
           <c:orientation val="minMax"/>
           <c:max val="5"/>
@@ -1679,13 +1679,13 @@
             <a:endParaRPr lang="ja-JP"/>
           </a:p>
         </c:txPr>
-        <c:crossAx val="185550720"/>
+        <c:crossAx val="238988944"/>
         <c:crosses val="autoZero"/>
         <c:crossBetween val="midCat"/>
         <c:majorUnit val="1"/>
       </c:valAx>
       <c:valAx>
-        <c:axId val="185550720"/>
+        <c:axId val="238988944"/>
         <c:scaling>
           <c:orientation val="minMax"/>
           <c:max val="5"/>
@@ -1801,7 +1801,7 @@
             <a:endParaRPr lang="ja-JP"/>
           </a:p>
         </c:txPr>
-        <c:crossAx val="185550160"/>
+        <c:crossAx val="238988384"/>
         <c:crosses val="autoZero"/>
         <c:crossBetween val="midCat"/>
         <c:majorUnit val="1"/>
@@ -3591,7 +3591,7 @@
           <a:p>
             <a:fld id="{C59E093D-FDD9-42D3-92B7-F440FB057357}" type="datetimeFigureOut">
               <a:rPr kumimoji="1" lang="ja-JP" altLang="en-US" smtClean="0"/>
-              <a:t>2016/2/9</a:t>
+              <a:t>2016/2/10</a:t>
             </a:fld>
             <a:endParaRPr kumimoji="1" lang="ja-JP" altLang="en-US" dirty="0"/>
           </a:p>
@@ -3757,7 +3757,7 @@
           <a:p>
             <a:fld id="{E9AF6D4E-1949-442B-9081-390E7ABD133E}" type="datetimeFigureOut">
               <a:rPr kumimoji="1" lang="ja-JP" altLang="en-US" smtClean="0"/>
-              <a:t>2016/2/9</a:t>
+              <a:t>2016/2/10</a:t>
             </a:fld>
             <a:endParaRPr kumimoji="1" lang="ja-JP" altLang="en-US" dirty="0"/>
           </a:p>
@@ -9023,7 +9023,7 @@
           <a:p>
             <a:fld id="{DF11A6B3-01A9-491D-9492-E11B185432A5}" type="datetime1">
               <a:rPr kumimoji="1" lang="ja-JP" altLang="en-US" smtClean="0"/>
-              <a:t>2016/2/9</a:t>
+              <a:t>2016/2/10</a:t>
             </a:fld>
             <a:endParaRPr kumimoji="1" lang="ja-JP" altLang="en-US" dirty="0"/>
           </a:p>
@@ -9241,7 +9241,7 @@
           <a:p>
             <a:fld id="{1BE1FADC-2125-4CA8-AEFF-08FEC35543F4}" type="datetime1">
               <a:rPr kumimoji="1" lang="ja-JP" altLang="en-US" smtClean="0"/>
-              <a:t>2016/2/9</a:t>
+              <a:t>2016/2/10</a:t>
             </a:fld>
             <a:endParaRPr kumimoji="1" lang="ja-JP" altLang="en-US" dirty="0"/>
           </a:p>
@@ -9455,7 +9455,7 @@
           <a:p>
             <a:fld id="{37AB47FA-0757-49A6-89F3-B3DC32151838}" type="datetime1">
               <a:rPr kumimoji="1" lang="ja-JP" altLang="en-US" smtClean="0"/>
-              <a:t>2016/2/9</a:t>
+              <a:t>2016/2/10</a:t>
             </a:fld>
             <a:endParaRPr kumimoji="1" lang="ja-JP" altLang="en-US" dirty="0"/>
           </a:p>
@@ -9680,7 +9680,7 @@
           <a:p>
             <a:fld id="{787163D9-1DD6-4E72-AD2B-7FB92F7BF1EF}" type="datetime1">
               <a:rPr kumimoji="1" lang="ja-JP" altLang="en-US" smtClean="0"/>
-              <a:t>2016/2/9</a:t>
+              <a:t>2016/2/10</a:t>
             </a:fld>
             <a:endParaRPr kumimoji="1" lang="ja-JP" altLang="en-US" dirty="0"/>
           </a:p>
@@ -9806,7 +9806,7 @@
           <a:p>
             <a:fld id="{491C3ABE-B0AF-4990-8A54-5D5A08096821}" type="datetime1">
               <a:rPr kumimoji="1" lang="ja-JP" altLang="en-US" smtClean="0"/>
-              <a:t>2016/2/9</a:t>
+              <a:t>2016/2/10</a:t>
             </a:fld>
             <a:endParaRPr kumimoji="1" lang="ja-JP" altLang="en-US" dirty="0"/>
           </a:p>
@@ -10259,7 +10259,7 @@
           <a:p>
             <a:fld id="{49E28454-C1E7-4BF6-B840-71FCE1C40326}" type="datetime1">
               <a:rPr kumimoji="1" lang="ja-JP" altLang="en-US" smtClean="0"/>
-              <a:t>2016/2/9</a:t>
+              <a:t>2016/2/10</a:t>
             </a:fld>
             <a:endParaRPr kumimoji="1" lang="ja-JP" altLang="en-US" dirty="0"/>
           </a:p>
@@ -10768,7 +10768,7 @@
           <a:p>
             <a:fld id="{8EBF019F-02AD-466A-B39A-B6C178231D9A}" type="datetime1">
               <a:rPr kumimoji="1" lang="ja-JP" altLang="en-US" smtClean="0"/>
-              <a:t>2016/2/9</a:t>
+              <a:t>2016/2/10</a:t>
             </a:fld>
             <a:endParaRPr kumimoji="1" lang="ja-JP" altLang="en-US" dirty="0"/>
           </a:p>
@@ -10893,7 +10893,7 @@
           <a:p>
             <a:fld id="{DEFF7505-E23C-4CC6-A1C8-CE68DEC48D32}" type="datetime1">
               <a:rPr kumimoji="1" lang="ja-JP" altLang="en-US" smtClean="0"/>
-              <a:t>2016/2/9</a:t>
+              <a:t>2016/2/10</a:t>
             </a:fld>
             <a:endParaRPr kumimoji="1" lang="ja-JP" altLang="en-US" dirty="0"/>
           </a:p>
@@ -10990,7 +10990,7 @@
           <a:p>
             <a:fld id="{E2DD791C-1CDE-4E70-9EB4-092DBEC2F5A7}" type="datetime1">
               <a:rPr kumimoji="1" lang="ja-JP" altLang="en-US" smtClean="0"/>
-              <a:t>2016/2/9</a:t>
+              <a:t>2016/2/10</a:t>
             </a:fld>
             <a:endParaRPr kumimoji="1" lang="ja-JP" altLang="en-US" dirty="0"/>
           </a:p>
@@ -11313,7 +11313,7 @@
           <a:p>
             <a:fld id="{A8FADB2E-D283-4A62-8327-5930A41E6D0B}" type="datetime1">
               <a:rPr kumimoji="1" lang="ja-JP" altLang="en-US" smtClean="0"/>
-              <a:t>2016/2/9</a:t>
+              <a:t>2016/2/10</a:t>
             </a:fld>
             <a:endParaRPr kumimoji="1" lang="ja-JP" altLang="en-US" dirty="0"/>
           </a:p>
@@ -11582,7 +11582,7 @@
           <a:p>
             <a:fld id="{B38FD3E7-FD25-4904-9B70-CE42A73563F1}" type="datetime1">
               <a:rPr kumimoji="1" lang="ja-JP" altLang="en-US" smtClean="0"/>
-              <a:t>2016/2/9</a:t>
+              <a:t>2016/2/10</a:t>
             </a:fld>
             <a:endParaRPr kumimoji="1" lang="ja-JP" altLang="en-US" dirty="0"/>
           </a:p>
@@ -11896,7 +11896,7 @@
           <a:p>
             <a:fld id="{3783166B-6267-4735-8669-3D2282BE458F}" type="datetime1">
               <a:rPr kumimoji="1" lang="ja-JP" altLang="en-US" smtClean="0"/>
-              <a:t>2016/2/9</a:t>
+              <a:t>2016/2/10</a:t>
             </a:fld>
             <a:endParaRPr kumimoji="1" lang="ja-JP" altLang="en-US" dirty="0"/>
           </a:p>
@@ -14166,11 +14166,7 @@
             </a:r>
             <a:r>
               <a:rPr lang="ja-JP" altLang="en-US" sz="2400" dirty="0" smtClean="0"/>
-              <a:t>評価を調べることと</a:t>
-            </a:r>
-            <a:r>
-              <a:rPr lang="ja-JP" altLang="en-US" sz="2400" dirty="0" smtClean="0"/>
-              <a:t>した</a:t>
+              <a:t>評価を調べることとした</a:t>
             </a:r>
             <a:endParaRPr lang="en-US" altLang="ja-JP" sz="2400" dirty="0"/>
           </a:p>
@@ -14182,11 +14178,7 @@
             <a:pPr lvl="1"/>
             <a:r>
               <a:rPr lang="ja-JP" altLang="en-US" sz="2400" dirty="0" smtClean="0"/>
-              <a:t>購入</a:t>
-            </a:r>
-            <a:r>
-              <a:rPr lang="ja-JP" altLang="en-US" sz="2400" dirty="0" smtClean="0"/>
-              <a:t>者に絞った場合と，重みを</a:t>
+              <a:t>購入者に絞った場合と，重みを</a:t>
             </a:r>
             <a:r>
               <a:rPr lang="ja-JP" altLang="en-US" sz="2400" smtClean="0"/>
@@ -14579,14 +14571,14 @@
           <a:lstStyle/>
           <a:p>
             <a:r>
-              <a:rPr lang="en-US" altLang="ja-JP" sz="2400" dirty="0"/>
+              <a:rPr lang="en-US" altLang="ja-JP" sz="2400" dirty="0" smtClean="0"/>
               <a:t>y = 1.3418x - 2.6459</a:t>
             </a:r>
             <a:br>
-              <a:rPr lang="en-US" altLang="ja-JP" sz="2400" dirty="0"/>
+              <a:rPr lang="en-US" altLang="ja-JP" sz="2400" dirty="0" smtClean="0"/>
             </a:br>
             <a:r>
-              <a:rPr lang="en-US" altLang="ja-JP" sz="2400" dirty="0"/>
+              <a:rPr lang="en-US" altLang="ja-JP" sz="2400" dirty="0" smtClean="0"/>
               <a:t>R² = 0.5669</a:t>
             </a:r>
           </a:p>
@@ -14779,14 +14771,18 @@
           <a:lstStyle/>
           <a:p>
             <a:r>
+              <a:rPr lang="en-US" altLang="ja-JP" sz="2400" dirty="0" smtClean="0"/>
+              <a:t>y = 0.9676x - 1.0229</a:t>
+            </a:r>
+            <a:r>
               <a:rPr lang="en-US" altLang="ja-JP" sz="2400" dirty="0"/>
-              <a:t>y = 0.9676x - 1.0229</a:t>
+              <a:t/>
             </a:r>
             <a:br>
               <a:rPr lang="en-US" altLang="ja-JP" sz="2400" dirty="0"/>
             </a:br>
             <a:r>
-              <a:rPr lang="en-US" altLang="ja-JP" sz="2400" dirty="0"/>
+              <a:rPr lang="en-US" altLang="ja-JP" sz="2400" dirty="0" smtClean="0"/>
               <a:t>R² = 0.2295</a:t>
             </a:r>
           </a:p>
@@ -15197,19 +15193,7 @@
             </a:r>
             <a:r>
               <a:rPr lang="ja-JP" altLang="en-US" sz="2400" dirty="0" smtClean="0"/>
-              <a:t>で</a:t>
-            </a:r>
-            <a:r>
-              <a:rPr lang="ja-JP" altLang="en-US" sz="2400" dirty="0" smtClean="0"/>
-              <a:t>ありさらに相関</a:t>
-            </a:r>
-            <a:r>
-              <a:rPr lang="ja-JP" altLang="en-US" sz="2400" dirty="0" smtClean="0"/>
-              <a:t>がないことが分かる</a:t>
-            </a:r>
-            <a:r>
-              <a:rPr lang="ja-JP" altLang="en-US" sz="2400" dirty="0" smtClean="0"/>
-              <a:t>．</a:t>
+              <a:t>でありさらに相関がないことが分かる．</a:t>
             </a:r>
             <a:endParaRPr lang="en-US" altLang="ja-JP" sz="2400" dirty="0" smtClean="0"/>
           </a:p>
@@ -15434,15 +15418,52 @@
             </a:r>
             <a:r>
               <a:rPr lang="ja-JP" altLang="en-US" sz="2400" dirty="0" smtClean="0"/>
-              <a:t>年」の「アニメ映画」という括りではレビューの「平均評価」，「重み着き平均評価」「購入者のみの重み付き平均評価」に差はなく，このような分析をする必要がないことが推測される．</a:t>
-            </a:r>
-            <a:endParaRPr lang="en-US" altLang="ja-JP" sz="2400" dirty="0" smtClean="0"/>
-          </a:p>
-          <a:p>
-            <a:pPr marL="342900" indent="-342900">
-              <a:buFont typeface="Arial" panose="020B0604020202020204" pitchFamily="34" charset="0"/>
-              <a:buChar char="•"/>
-            </a:pPr>
+              <a:t>年」の「アニメ映画」という括り</a:t>
+            </a:r>
+            <a:r>
+              <a:rPr lang="ja-JP" altLang="en-US" sz="2400" dirty="0" smtClean="0"/>
+              <a:t>では「</a:t>
+            </a:r>
+            <a:r>
+              <a:rPr lang="ja-JP" altLang="en-US" sz="2400" dirty="0" smtClean="0"/>
+              <a:t>平均評価</a:t>
+            </a:r>
+            <a:r>
+              <a:rPr lang="ja-JP" altLang="en-US" sz="2400" dirty="0" smtClean="0"/>
+              <a:t>」に比べて「購入者のみの平均評価」や「</a:t>
+            </a:r>
+            <a:r>
+              <a:rPr lang="ja-JP" altLang="en-US" sz="2400" dirty="0" smtClean="0"/>
+              <a:t>重み着き平均評価</a:t>
+            </a:r>
+            <a:r>
+              <a:rPr lang="ja-JP" altLang="en-US" sz="2400" dirty="0" smtClean="0"/>
+              <a:t>」のほうがばらつきが高く「</a:t>
+            </a:r>
+            <a:r>
+              <a:rPr lang="ja-JP" altLang="en-US" sz="2400" dirty="0" smtClean="0"/>
+              <a:t>購入者のみの重み付き平均評価</a:t>
+            </a:r>
+            <a:r>
+              <a:rPr lang="ja-JP" altLang="en-US" sz="2400" dirty="0" smtClean="0"/>
+              <a:t>」のほうがさらに高いこと</a:t>
+            </a:r>
+            <a:r>
+              <a:rPr lang="ja-JP" altLang="en-US" sz="2400" smtClean="0"/>
+              <a:t>から，</a:t>
+            </a:r>
+            <a:r>
+              <a:rPr lang="ja-JP" altLang="en-US" sz="2400"/>
+              <a:t>条件</a:t>
+            </a:r>
+            <a:r>
+              <a:rPr lang="ja-JP" altLang="en-US" sz="2400" smtClean="0"/>
+              <a:t>を付けたほうが</a:t>
+            </a:r>
+            <a:r>
+              <a:rPr lang="ja-JP" altLang="en-US" sz="2400" smtClean="0"/>
+              <a:t>信頼できる可能性が高いことが推測される</a:t>
+            </a:r>
             <a:endParaRPr lang="en-US" altLang="ja-JP" sz="2400" dirty="0"/>
           </a:p>
         </p:txBody>
@@ -15647,7 +15668,7 @@
         </p:nvSpPr>
         <p:spPr>
           <a:xfrm>
-            <a:off x="3171619" y="5542603"/>
+            <a:off x="3171619" y="5466933"/>
             <a:ext cx="1512168" cy="504056"/>
           </a:xfrm>
           <a:prstGeom prst="downArrow">
@@ -15687,8 +15708,8 @@
         </p:nvSpPr>
         <p:spPr>
           <a:xfrm>
-            <a:off x="1259632" y="6165304"/>
-            <a:ext cx="5687761" cy="430932"/>
+            <a:off x="1083822" y="6129277"/>
+            <a:ext cx="5687761" cy="618877"/>
           </a:xfrm>
           <a:prstGeom prst="rect">
             <a:avLst/>
@@ -15727,7 +15748,23 @@
                   <a:schemeClr val="tx1"/>
                 </a:solidFill>
               </a:rPr>
-              <a:t>重み付き平均を導く必要はなく平均評価で問題ない</a:t>
+              <a:t>購入者に絞り，重み付きにするほうが平均評価より</a:t>
+            </a:r>
+            <a:endParaRPr lang="en-US" altLang="ja-JP" dirty="0" smtClean="0">
+              <a:solidFill>
+                <a:schemeClr val="tx1"/>
+              </a:solidFill>
+            </a:endParaRPr>
+          </a:p>
+          <a:p>
+            <a:pPr algn="ctr"/>
+            <a:r>
+              <a:rPr lang="ja-JP" altLang="en-US" dirty="0" smtClean="0">
+                <a:solidFill>
+                  <a:schemeClr val="tx1"/>
+                </a:solidFill>
+              </a:rPr>
+              <a:t>信頼できる可能性がある．</a:t>
             </a:r>
             <a:endParaRPr kumimoji="1" lang="ja-JP" altLang="en-US" dirty="0">
               <a:solidFill>
@@ -15935,11 +15972,7 @@
             </a:r>
             <a:r>
               <a:rPr lang="ja-JP" altLang="en-US" sz="2400" dirty="0" smtClean="0"/>
-              <a:t>求め，「購入者に絞り込み」新しい</a:t>
-            </a:r>
-            <a:r>
-              <a:rPr lang="ja-JP" altLang="en-US" sz="2400" dirty="0" smtClean="0"/>
-              <a:t>評価方法を作り出した．</a:t>
+              <a:t>求め，「購入者に絞り込み」新しい評価方法を作り出した．</a:t>
             </a:r>
             <a:endParaRPr lang="en-US" altLang="ja-JP" sz="2400" dirty="0"/>
           </a:p>
